--- a/presentazione/presentazione.pptx
+++ b/presentazione/presentazione.pptx
@@ -5,7 +5,7 @@
     <p:sldMasterId id="2147483653" r:id="rId1"/>
   </p:sldMasterIdLst>
   <p:notesMasterIdLst>
-    <p:notesMasterId r:id="rId32"/>
+    <p:notesMasterId r:id="rId36"/>
   </p:notesMasterIdLst>
   <p:sldIdLst>
     <p:sldId id="256" r:id="rId2"/>
@@ -37,22 +37,26 @@
     <p:sldId id="288" r:id="rId28"/>
     <p:sldId id="315" r:id="rId29"/>
     <p:sldId id="316" r:id="rId30"/>
-    <p:sldId id="291" r:id="rId31"/>
+    <p:sldId id="317" r:id="rId31"/>
+    <p:sldId id="319" r:id="rId32"/>
+    <p:sldId id="320" r:id="rId33"/>
+    <p:sldId id="321" r:id="rId34"/>
+    <p:sldId id="291" r:id="rId35"/>
   </p:sldIdLst>
   <p:sldSz cx="18288000" cy="10287000"/>
   <p:notesSz cx="6858000" cy="9144000"/>
   <p:embeddedFontLst>
     <p:embeddedFont>
       <p:font typeface="DM Sans" pitchFamily="2" charset="77"/>
-      <p:regular r:id="rId33"/>
-      <p:bold r:id="rId34"/>
-      <p:italic r:id="rId35"/>
-      <p:boldItalic r:id="rId36"/>
+      <p:regular r:id="rId37"/>
+      <p:bold r:id="rId38"/>
+      <p:italic r:id="rId39"/>
+      <p:boldItalic r:id="rId40"/>
     </p:embeddedFont>
     <p:embeddedFont>
       <p:font typeface="DM Serif Display" pitchFamily="2" charset="0"/>
-      <p:regular r:id="rId37"/>
-      <p:italic r:id="rId38"/>
+      <p:regular r:id="rId41"/>
+      <p:italic r:id="rId42"/>
     </p:embeddedFont>
   </p:embeddedFontLst>
   <p:defaultTextStyle>
@@ -301,6 +305,2420 @@
     </p:ext>
   </p:extLst>
 </p:presentation>
+</file>
+
+<file path=ppt/charts/chart1.xml><?xml version="1.0" encoding="utf-8"?>
+<c:chartSpace xmlns:c="http://schemas.openxmlformats.org/drawingml/2006/chart" xmlns:a="http://schemas.openxmlformats.org/drawingml/2006/main" xmlns:r="http://schemas.openxmlformats.org/officeDocument/2006/relationships" xmlns:c16r2="http://schemas.microsoft.com/office/drawing/2015/06/chart">
+  <c:date1904 val="0"/>
+  <c:lang val="it-IT"/>
+  <c:roundedCorners val="0"/>
+  <mc:AlternateContent xmlns:mc="http://schemas.openxmlformats.org/markup-compatibility/2006">
+    <mc:Choice xmlns:c14="http://schemas.microsoft.com/office/drawing/2007/8/2/chart" Requires="c14">
+      <c14:style val="102"/>
+    </mc:Choice>
+    <mc:Fallback>
+      <c:style val="2"/>
+    </mc:Fallback>
+  </mc:AlternateContent>
+  <c:chart>
+    <c:title>
+      <c:tx>
+        <c:rich>
+          <a:bodyPr rot="0" spcFirstLastPara="1" vertOverflow="ellipsis" vert="horz" wrap="square" anchor="ctr" anchorCtr="1"/>
+          <a:lstStyle/>
+          <a:p>
+            <a:pPr>
+              <a:defRPr sz="2128" b="1" i="0" u="none" strike="noStrike" kern="1200" cap="none" spc="0" normalizeH="0" baseline="0">
+                <a:solidFill>
+                  <a:schemeClr val="dk1">
+                    <a:lumMod val="50000"/>
+                    <a:lumOff val="50000"/>
+                  </a:schemeClr>
+                </a:solidFill>
+                <a:latin typeface="+mj-lt"/>
+                <a:ea typeface="+mj-ea"/>
+                <a:cs typeface="+mj-cs"/>
+              </a:defRPr>
+            </a:pPr>
+            <a:r>
+              <a:rPr lang="it-IT" dirty="0">
+                <a:solidFill>
+                  <a:schemeClr val="tx1"/>
+                </a:solidFill>
+              </a:rPr>
+              <a:t>Costo per milione di richieste </a:t>
+            </a:r>
+          </a:p>
+        </c:rich>
+      </c:tx>
+      <c:overlay val="0"/>
+      <c:spPr>
+        <a:noFill/>
+        <a:ln>
+          <a:noFill/>
+        </a:ln>
+        <a:effectLst/>
+      </c:spPr>
+      <c:txPr>
+        <a:bodyPr rot="0" spcFirstLastPara="1" vertOverflow="ellipsis" vert="horz" wrap="square" anchor="ctr" anchorCtr="1"/>
+        <a:lstStyle/>
+        <a:p>
+          <a:pPr>
+            <a:defRPr sz="2128" b="1" i="0" u="none" strike="noStrike" kern="1200" cap="none" spc="0" normalizeH="0" baseline="0">
+              <a:solidFill>
+                <a:schemeClr val="dk1">
+                  <a:lumMod val="50000"/>
+                  <a:lumOff val="50000"/>
+                </a:schemeClr>
+              </a:solidFill>
+              <a:latin typeface="+mj-lt"/>
+              <a:ea typeface="+mj-ea"/>
+              <a:cs typeface="+mj-cs"/>
+            </a:defRPr>
+          </a:pPr>
+          <a:endParaRPr lang="it-IT"/>
+        </a:p>
+      </c:txPr>
+    </c:title>
+    <c:autoTitleDeleted val="0"/>
+    <c:plotArea>
+      <c:layout/>
+      <c:barChart>
+        <c:barDir val="col"/>
+        <c:grouping val="clustered"/>
+        <c:varyColors val="0"/>
+        <c:ser>
+          <c:idx val="0"/>
+          <c:order val="0"/>
+          <c:tx>
+            <c:strRef>
+              <c:f>Foglio1!$B$1</c:f>
+              <c:strCache>
+                <c:ptCount val="1"/>
+                <c:pt idx="0">
+                  <c:v>Lambda</c:v>
+                </c:pt>
+              </c:strCache>
+            </c:strRef>
+          </c:tx>
+          <c:spPr>
+            <a:solidFill>
+              <a:srgbClr val="D86613"/>
+            </a:solidFill>
+            <a:ln>
+              <a:noFill/>
+            </a:ln>
+            <a:effectLst/>
+          </c:spPr>
+          <c:invertIfNegative val="0"/>
+          <c:dLbls>
+            <c:dLbl>
+              <c:idx val="0"/>
+              <c:tx>
+                <c:rich>
+                  <a:bodyPr/>
+                  <a:lstStyle/>
+                  <a:p>
+                    <a:fld id="{8B56643D-1803-9B40-A297-369E4C1C124A}" type="VALUE">
+                      <a:rPr lang="en-US" smtClean="0"/>
+                      <a:pPr/>
+                      <a:t>[VALORE]</a:t>
+                    </a:fld>
+                    <a:r>
+                      <a:rPr lang="en-US"/>
+                      <a:t>$</a:t>
+                    </a:r>
+                  </a:p>
+                </c:rich>
+              </c:tx>
+              <c:dLblPos val="outEnd"/>
+              <c:showLegendKey val="0"/>
+              <c:showVal val="1"/>
+              <c:showCatName val="0"/>
+              <c:showSerName val="0"/>
+              <c:showPercent val="0"/>
+              <c:showBubbleSize val="0"/>
+              <c:extLst>
+                <c:ext xmlns:c15="http://schemas.microsoft.com/office/drawing/2012/chart" uri="{CE6537A1-D6FC-4f65-9D91-7224C49458BB}">
+                  <c15:dlblFieldTable/>
+                  <c15:showDataLabelsRange val="0"/>
+                </c:ext>
+                <c:ext xmlns:c16="http://schemas.microsoft.com/office/drawing/2014/chart" uri="{C3380CC4-5D6E-409C-BE32-E72D297353CC}">
+                  <c16:uniqueId val="{00000003-F3E1-C543-B882-3BF71E4BB004}"/>
+                </c:ext>
+              </c:extLst>
+            </c:dLbl>
+            <c:spPr>
+              <a:noFill/>
+              <a:ln>
+                <a:noFill/>
+              </a:ln>
+              <a:effectLst/>
+            </c:spPr>
+            <c:txPr>
+              <a:bodyPr rot="0" spcFirstLastPara="1" vertOverflow="ellipsis" vert="horz" wrap="square" lIns="38100" tIns="19050" rIns="38100" bIns="19050" anchor="ctr" anchorCtr="1">
+                <a:spAutoFit/>
+              </a:bodyPr>
+              <a:lstStyle/>
+              <a:p>
+                <a:pPr>
+                  <a:defRPr sz="1800" b="1" i="0" u="none" strike="noStrike" kern="1200" baseline="0">
+                    <a:solidFill>
+                      <a:schemeClr val="dk1">
+                        <a:lumMod val="75000"/>
+                        <a:lumOff val="25000"/>
+                      </a:schemeClr>
+                    </a:solidFill>
+                    <a:latin typeface="+mn-lt"/>
+                    <a:ea typeface="+mn-ea"/>
+                    <a:cs typeface="+mn-cs"/>
+                  </a:defRPr>
+                </a:pPr>
+                <a:endParaRPr lang="it-IT"/>
+              </a:p>
+            </c:txPr>
+            <c:dLblPos val="outEnd"/>
+            <c:showLegendKey val="0"/>
+            <c:showVal val="1"/>
+            <c:showCatName val="0"/>
+            <c:showSerName val="0"/>
+            <c:showPercent val="0"/>
+            <c:showBubbleSize val="0"/>
+            <c:showLeaderLines val="0"/>
+            <c:extLst>
+              <c:ext xmlns:c15="http://schemas.microsoft.com/office/drawing/2012/chart" uri="{CE6537A1-D6FC-4f65-9D91-7224C49458BB}">
+                <c15:showLeaderLines val="1"/>
+                <c15:leaderLines>
+                  <c:spPr>
+                    <a:ln w="9525" cap="flat" cmpd="sng" algn="ctr">
+                      <a:solidFill>
+                        <a:schemeClr val="dk1">
+                          <a:lumMod val="35000"/>
+                          <a:lumOff val="65000"/>
+                        </a:schemeClr>
+                      </a:solidFill>
+                      <a:round/>
+                    </a:ln>
+                    <a:effectLst/>
+                  </c:spPr>
+                </c15:leaderLines>
+              </c:ext>
+            </c:extLst>
+          </c:dLbls>
+          <c:cat>
+            <c:strRef>
+              <c:f>Foglio1!$A$2</c:f>
+              <c:strCache>
+                <c:ptCount val="1"/>
+                <c:pt idx="0">
+                  <c:v>Costo per milione di richieste</c:v>
+                </c:pt>
+              </c:strCache>
+            </c:strRef>
+          </c:cat>
+          <c:val>
+            <c:numRef>
+              <c:f>Foglio1!$B$2</c:f>
+              <c:numCache>
+                <c:formatCode>General</c:formatCode>
+                <c:ptCount val="1"/>
+                <c:pt idx="0">
+                  <c:v>0.23</c:v>
+                </c:pt>
+              </c:numCache>
+            </c:numRef>
+          </c:val>
+          <c:extLst>
+            <c:ext xmlns:c16="http://schemas.microsoft.com/office/drawing/2014/chart" uri="{C3380CC4-5D6E-409C-BE32-E72D297353CC}">
+              <c16:uniqueId val="{00000000-F3E1-C543-B882-3BF71E4BB004}"/>
+            </c:ext>
+          </c:extLst>
+        </c:ser>
+        <c:ser>
+          <c:idx val="1"/>
+          <c:order val="1"/>
+          <c:tx>
+            <c:strRef>
+              <c:f>Foglio1!$C$1</c:f>
+              <c:strCache>
+                <c:ptCount val="1"/>
+                <c:pt idx="0">
+                  <c:v>Cloud Functions</c:v>
+                </c:pt>
+              </c:strCache>
+            </c:strRef>
+          </c:tx>
+          <c:spPr>
+            <a:solidFill>
+              <a:srgbClr val="669DF5"/>
+            </a:solidFill>
+            <a:ln>
+              <a:noFill/>
+            </a:ln>
+            <a:effectLst/>
+          </c:spPr>
+          <c:invertIfNegative val="0"/>
+          <c:dLbls>
+            <c:dLbl>
+              <c:idx val="0"/>
+              <c:tx>
+                <c:rich>
+                  <a:bodyPr/>
+                  <a:lstStyle/>
+                  <a:p>
+                    <a:fld id="{14D60B7E-2491-2345-96E4-522E0075C208}" type="VALUE">
+                      <a:rPr lang="en-US" sz="1800" smtClean="0"/>
+                      <a:pPr/>
+                      <a:t>[VALORE]</a:t>
+                    </a:fld>
+                    <a:r>
+                      <a:rPr lang="en-US" sz="1800" dirty="0"/>
+                      <a:t>0</a:t>
+                    </a:r>
+                    <a:r>
+                      <a:rPr lang="en-US" sz="1800" b="0" i="0" u="none" strike="noStrike" kern="1200" baseline="0" dirty="0">
+                        <a:solidFill>
+                          <a:srgbClr val="000000">
+                            <a:lumMod val="75000"/>
+                            <a:lumOff val="25000"/>
+                          </a:srgbClr>
+                        </a:solidFill>
+                      </a:rPr>
+                      <a:t>$</a:t>
+                    </a:r>
+                  </a:p>
+                </c:rich>
+              </c:tx>
+              <c:dLblPos val="outEnd"/>
+              <c:showLegendKey val="0"/>
+              <c:showVal val="1"/>
+              <c:showCatName val="0"/>
+              <c:showSerName val="0"/>
+              <c:showPercent val="0"/>
+              <c:showBubbleSize val="0"/>
+              <c:extLst>
+                <c:ext xmlns:c15="http://schemas.microsoft.com/office/drawing/2012/chart" uri="{CE6537A1-D6FC-4f65-9D91-7224C49458BB}">
+                  <c15:dlblFieldTable/>
+                  <c15:showDataLabelsRange val="0"/>
+                </c:ext>
+                <c:ext xmlns:c16="http://schemas.microsoft.com/office/drawing/2014/chart" uri="{C3380CC4-5D6E-409C-BE32-E72D297353CC}">
+                  <c16:uniqueId val="{00000004-F3E1-C543-B882-3BF71E4BB004}"/>
+                </c:ext>
+              </c:extLst>
+            </c:dLbl>
+            <c:spPr>
+              <a:noFill/>
+              <a:ln>
+                <a:noFill/>
+              </a:ln>
+              <a:effectLst/>
+            </c:spPr>
+            <c:txPr>
+              <a:bodyPr rot="0" spcFirstLastPara="1" vertOverflow="ellipsis" vert="horz" wrap="square" lIns="38100" tIns="19050" rIns="38100" bIns="19050" anchor="ctr" anchorCtr="1">
+                <a:spAutoFit/>
+              </a:bodyPr>
+              <a:lstStyle/>
+              <a:p>
+                <a:pPr>
+                  <a:defRPr sz="1800" b="1" i="0" u="none" strike="noStrike" kern="1200" baseline="0">
+                    <a:solidFill>
+                      <a:schemeClr val="dk1">
+                        <a:lumMod val="75000"/>
+                        <a:lumOff val="25000"/>
+                      </a:schemeClr>
+                    </a:solidFill>
+                    <a:latin typeface="+mn-lt"/>
+                    <a:ea typeface="+mn-ea"/>
+                    <a:cs typeface="+mn-cs"/>
+                  </a:defRPr>
+                </a:pPr>
+                <a:endParaRPr lang="it-IT"/>
+              </a:p>
+            </c:txPr>
+            <c:dLblPos val="outEnd"/>
+            <c:showLegendKey val="0"/>
+            <c:showVal val="1"/>
+            <c:showCatName val="0"/>
+            <c:showSerName val="0"/>
+            <c:showPercent val="0"/>
+            <c:showBubbleSize val="0"/>
+            <c:showLeaderLines val="0"/>
+            <c:extLst>
+              <c:ext xmlns:c15="http://schemas.microsoft.com/office/drawing/2012/chart" uri="{CE6537A1-D6FC-4f65-9D91-7224C49458BB}">
+                <c15:showLeaderLines val="1"/>
+                <c15:leaderLines>
+                  <c:spPr>
+                    <a:ln w="9525" cap="flat" cmpd="sng" algn="ctr">
+                      <a:solidFill>
+                        <a:schemeClr val="dk1">
+                          <a:lumMod val="35000"/>
+                          <a:lumOff val="65000"/>
+                        </a:schemeClr>
+                      </a:solidFill>
+                      <a:round/>
+                    </a:ln>
+                    <a:effectLst/>
+                  </c:spPr>
+                </c15:leaderLines>
+              </c:ext>
+            </c:extLst>
+          </c:dLbls>
+          <c:cat>
+            <c:strRef>
+              <c:f>Foglio1!$A$2</c:f>
+              <c:strCache>
+                <c:ptCount val="1"/>
+                <c:pt idx="0">
+                  <c:v>Costo per milione di richieste</c:v>
+                </c:pt>
+              </c:strCache>
+            </c:strRef>
+          </c:cat>
+          <c:val>
+            <c:numRef>
+              <c:f>Foglio1!$C$2</c:f>
+              <c:numCache>
+                <c:formatCode>General</c:formatCode>
+                <c:ptCount val="1"/>
+                <c:pt idx="0">
+                  <c:v>0.4</c:v>
+                </c:pt>
+              </c:numCache>
+            </c:numRef>
+          </c:val>
+          <c:extLst>
+            <c:ext xmlns:c16="http://schemas.microsoft.com/office/drawing/2014/chart" uri="{C3380CC4-5D6E-409C-BE32-E72D297353CC}">
+              <c16:uniqueId val="{00000001-F3E1-C543-B882-3BF71E4BB004}"/>
+            </c:ext>
+          </c:extLst>
+        </c:ser>
+        <c:dLbls>
+          <c:dLblPos val="outEnd"/>
+          <c:showLegendKey val="0"/>
+          <c:showVal val="1"/>
+          <c:showCatName val="0"/>
+          <c:showSerName val="0"/>
+          <c:showPercent val="0"/>
+          <c:showBubbleSize val="0"/>
+        </c:dLbls>
+        <c:gapWidth val="267"/>
+        <c:overlap val="-43"/>
+        <c:axId val="762892896"/>
+        <c:axId val="763348272"/>
+      </c:barChart>
+      <c:catAx>
+        <c:axId val="762892896"/>
+        <c:scaling>
+          <c:orientation val="minMax"/>
+        </c:scaling>
+        <c:delete val="1"/>
+        <c:axPos val="b"/>
+        <c:majorGridlines>
+          <c:spPr>
+            <a:ln w="9525" cap="flat" cmpd="sng" algn="ctr">
+              <a:solidFill>
+                <a:schemeClr val="dk1">
+                  <a:lumMod val="15000"/>
+                  <a:lumOff val="85000"/>
+                </a:schemeClr>
+              </a:solidFill>
+              <a:round/>
+            </a:ln>
+            <a:effectLst/>
+          </c:spPr>
+        </c:majorGridlines>
+        <c:numFmt formatCode="General" sourceLinked="1"/>
+        <c:majorTickMark val="none"/>
+        <c:minorTickMark val="none"/>
+        <c:tickLblPos val="nextTo"/>
+        <c:crossAx val="763348272"/>
+        <c:crosses val="autoZero"/>
+        <c:auto val="1"/>
+        <c:lblAlgn val="ctr"/>
+        <c:lblOffset val="100"/>
+        <c:noMultiLvlLbl val="0"/>
+      </c:catAx>
+      <c:valAx>
+        <c:axId val="763348272"/>
+        <c:scaling>
+          <c:orientation val="minMax"/>
+        </c:scaling>
+        <c:delete val="0"/>
+        <c:axPos val="l"/>
+        <c:majorGridlines>
+          <c:spPr>
+            <a:ln w="9525" cap="flat" cmpd="sng" algn="ctr">
+              <a:solidFill>
+                <a:schemeClr val="dk1">
+                  <a:lumMod val="15000"/>
+                  <a:lumOff val="85000"/>
+                </a:schemeClr>
+              </a:solidFill>
+              <a:round/>
+            </a:ln>
+            <a:effectLst/>
+          </c:spPr>
+        </c:majorGridlines>
+        <c:numFmt formatCode="General" sourceLinked="1"/>
+        <c:majorTickMark val="none"/>
+        <c:minorTickMark val="none"/>
+        <c:tickLblPos val="nextTo"/>
+        <c:spPr>
+          <a:noFill/>
+          <a:ln>
+            <a:noFill/>
+          </a:ln>
+          <a:effectLst/>
+        </c:spPr>
+        <c:txPr>
+          <a:bodyPr rot="-60000000" spcFirstLastPara="1" vertOverflow="ellipsis" vert="horz" wrap="square" anchor="ctr" anchorCtr="1"/>
+          <a:lstStyle/>
+          <a:p>
+            <a:pPr>
+              <a:defRPr sz="1197" b="0" i="0" u="none" strike="noStrike" kern="1200" baseline="0">
+                <a:solidFill>
+                  <a:schemeClr val="dk1">
+                    <a:lumMod val="65000"/>
+                    <a:lumOff val="35000"/>
+                  </a:schemeClr>
+                </a:solidFill>
+                <a:latin typeface="+mn-lt"/>
+                <a:ea typeface="+mn-ea"/>
+                <a:cs typeface="+mn-cs"/>
+              </a:defRPr>
+            </a:pPr>
+            <a:endParaRPr lang="it-IT"/>
+          </a:p>
+        </c:txPr>
+        <c:crossAx val="762892896"/>
+        <c:crosses val="autoZero"/>
+        <c:crossBetween val="between"/>
+      </c:valAx>
+      <c:spPr>
+        <a:pattFill prst="ltDnDiag">
+          <a:fgClr>
+            <a:schemeClr val="dk1">
+              <a:lumMod val="15000"/>
+              <a:lumOff val="85000"/>
+            </a:schemeClr>
+          </a:fgClr>
+          <a:bgClr>
+            <a:schemeClr val="lt1"/>
+          </a:bgClr>
+        </a:pattFill>
+        <a:ln>
+          <a:noFill/>
+        </a:ln>
+        <a:effectLst/>
+      </c:spPr>
+    </c:plotArea>
+    <c:legend>
+      <c:legendPos val="b"/>
+      <c:legendEntry>
+        <c:idx val="0"/>
+        <c:txPr>
+          <a:bodyPr rot="0" spcFirstLastPara="1" vertOverflow="ellipsis" vert="horz" wrap="square" anchor="ctr" anchorCtr="1"/>
+          <a:lstStyle/>
+          <a:p>
+            <a:pPr>
+              <a:defRPr sz="1197" b="0" i="0" u="none" strike="noStrike" kern="1200" baseline="0">
+                <a:solidFill>
+                  <a:schemeClr val="tx1"/>
+                </a:solidFill>
+                <a:latin typeface="+mn-lt"/>
+                <a:ea typeface="+mn-ea"/>
+                <a:cs typeface="+mn-cs"/>
+              </a:defRPr>
+            </a:pPr>
+            <a:endParaRPr lang="it-IT"/>
+          </a:p>
+        </c:txPr>
+      </c:legendEntry>
+      <c:legendEntry>
+        <c:idx val="1"/>
+        <c:txPr>
+          <a:bodyPr rot="0" spcFirstLastPara="1" vertOverflow="ellipsis" vert="horz" wrap="square" anchor="ctr" anchorCtr="1"/>
+          <a:lstStyle/>
+          <a:p>
+            <a:pPr>
+              <a:defRPr sz="1197" b="0" i="0" u="none" strike="noStrike" kern="1200" baseline="0">
+                <a:solidFill>
+                  <a:schemeClr val="tx1"/>
+                </a:solidFill>
+                <a:latin typeface="+mn-lt"/>
+                <a:ea typeface="+mn-ea"/>
+                <a:cs typeface="+mn-cs"/>
+              </a:defRPr>
+            </a:pPr>
+            <a:endParaRPr lang="it-IT"/>
+          </a:p>
+        </c:txPr>
+      </c:legendEntry>
+      <c:overlay val="0"/>
+      <c:spPr>
+        <a:noFill/>
+        <a:ln>
+          <a:noFill/>
+        </a:ln>
+        <a:effectLst/>
+      </c:spPr>
+      <c:txPr>
+        <a:bodyPr rot="0" spcFirstLastPara="1" vertOverflow="ellipsis" vert="horz" wrap="square" anchor="ctr" anchorCtr="1"/>
+        <a:lstStyle/>
+        <a:p>
+          <a:pPr>
+            <a:defRPr sz="1197" b="0" i="0" u="none" strike="noStrike" kern="1200" baseline="0">
+              <a:solidFill>
+                <a:schemeClr val="dk1">
+                  <a:lumMod val="65000"/>
+                  <a:lumOff val="35000"/>
+                </a:schemeClr>
+              </a:solidFill>
+              <a:latin typeface="+mn-lt"/>
+              <a:ea typeface="+mn-ea"/>
+              <a:cs typeface="+mn-cs"/>
+            </a:defRPr>
+          </a:pPr>
+          <a:endParaRPr lang="it-IT"/>
+        </a:p>
+      </c:txPr>
+    </c:legend>
+    <c:plotVisOnly val="1"/>
+    <c:dispBlanksAs val="gap"/>
+    <c:extLst>
+      <c:ext xmlns:c16r3="http://schemas.microsoft.com/office/drawing/2017/03/chart" uri="{56B9EC1D-385E-4148-901F-78D8002777C0}">
+        <c16r3:dataDisplayOptions16>
+          <c16r3:dispNaAsBlank val="1"/>
+        </c16r3:dataDisplayOptions16>
+      </c:ext>
+    </c:extLst>
+    <c:showDLblsOverMax val="0"/>
+  </c:chart>
+  <c:spPr>
+    <a:solidFill>
+      <a:schemeClr val="lt1"/>
+    </a:solidFill>
+    <a:ln w="9525" cap="flat" cmpd="sng" algn="ctr">
+      <a:solidFill>
+        <a:schemeClr val="dk1">
+          <a:lumMod val="15000"/>
+          <a:lumOff val="85000"/>
+        </a:schemeClr>
+      </a:solidFill>
+      <a:round/>
+    </a:ln>
+    <a:effectLst/>
+  </c:spPr>
+  <c:txPr>
+    <a:bodyPr/>
+    <a:lstStyle/>
+    <a:p>
+      <a:pPr>
+        <a:defRPr/>
+      </a:pPr>
+      <a:endParaRPr lang="it-IT"/>
+    </a:p>
+  </c:txPr>
+  <c:externalData r:id="rId3">
+    <c:autoUpdate val="0"/>
+  </c:externalData>
+</c:chartSpace>
+</file>
+
+<file path=ppt/charts/chart2.xml><?xml version="1.0" encoding="utf-8"?>
+<c:chartSpace xmlns:c="http://schemas.openxmlformats.org/drawingml/2006/chart" xmlns:a="http://schemas.openxmlformats.org/drawingml/2006/main" xmlns:r="http://schemas.openxmlformats.org/officeDocument/2006/relationships" xmlns:c16r2="http://schemas.microsoft.com/office/drawing/2015/06/chart">
+  <c:date1904 val="0"/>
+  <c:lang val="it-IT"/>
+  <c:roundedCorners val="0"/>
+  <mc:AlternateContent xmlns:mc="http://schemas.openxmlformats.org/markup-compatibility/2006">
+    <mc:Choice xmlns:c14="http://schemas.microsoft.com/office/drawing/2007/8/2/chart" Requires="c14">
+      <c14:style val="102"/>
+    </mc:Choice>
+    <mc:Fallback>
+      <c:style val="2"/>
+    </mc:Fallback>
+  </mc:AlternateContent>
+  <c:chart>
+    <c:title>
+      <c:tx>
+        <c:rich>
+          <a:bodyPr rot="0" spcFirstLastPara="1" vertOverflow="ellipsis" vert="horz" wrap="square" anchor="ctr" anchorCtr="1"/>
+          <a:lstStyle/>
+          <a:p>
+            <a:pPr>
+              <a:defRPr sz="2128" b="1" i="0" u="none" strike="noStrike" kern="1200" cap="none" spc="0" normalizeH="0" baseline="0">
+                <a:solidFill>
+                  <a:schemeClr val="dk1">
+                    <a:lumMod val="50000"/>
+                    <a:lumOff val="50000"/>
+                  </a:schemeClr>
+                </a:solidFill>
+                <a:latin typeface="+mj-lt"/>
+                <a:ea typeface="+mj-ea"/>
+                <a:cs typeface="+mj-cs"/>
+              </a:defRPr>
+            </a:pPr>
+            <a:r>
+              <a:rPr lang="it-IT" dirty="0">
+                <a:solidFill>
+                  <a:schemeClr val="tx1"/>
+                </a:solidFill>
+              </a:rPr>
+              <a:t>Costo per milione di richieste </a:t>
+            </a:r>
+          </a:p>
+        </c:rich>
+      </c:tx>
+      <c:overlay val="0"/>
+      <c:spPr>
+        <a:noFill/>
+        <a:ln>
+          <a:noFill/>
+        </a:ln>
+        <a:effectLst/>
+      </c:spPr>
+      <c:txPr>
+        <a:bodyPr rot="0" spcFirstLastPara="1" vertOverflow="ellipsis" vert="horz" wrap="square" anchor="ctr" anchorCtr="1"/>
+        <a:lstStyle/>
+        <a:p>
+          <a:pPr>
+            <a:defRPr sz="2128" b="1" i="0" u="none" strike="noStrike" kern="1200" cap="none" spc="0" normalizeH="0" baseline="0">
+              <a:solidFill>
+                <a:schemeClr val="dk1">
+                  <a:lumMod val="50000"/>
+                  <a:lumOff val="50000"/>
+                </a:schemeClr>
+              </a:solidFill>
+              <a:latin typeface="+mj-lt"/>
+              <a:ea typeface="+mj-ea"/>
+              <a:cs typeface="+mj-cs"/>
+            </a:defRPr>
+          </a:pPr>
+          <a:endParaRPr lang="it-IT"/>
+        </a:p>
+      </c:txPr>
+    </c:title>
+    <c:autoTitleDeleted val="0"/>
+    <c:plotArea>
+      <c:layout/>
+      <c:barChart>
+        <c:barDir val="col"/>
+        <c:grouping val="clustered"/>
+        <c:varyColors val="0"/>
+        <c:ser>
+          <c:idx val="0"/>
+          <c:order val="0"/>
+          <c:tx>
+            <c:strRef>
+              <c:f>Foglio1!$B$1</c:f>
+              <c:strCache>
+                <c:ptCount val="1"/>
+                <c:pt idx="0">
+                  <c:v>Lambda</c:v>
+                </c:pt>
+              </c:strCache>
+            </c:strRef>
+          </c:tx>
+          <c:spPr>
+            <a:solidFill>
+              <a:srgbClr val="D86613"/>
+            </a:solidFill>
+            <a:ln>
+              <a:noFill/>
+            </a:ln>
+            <a:effectLst/>
+          </c:spPr>
+          <c:invertIfNegative val="0"/>
+          <c:dLbls>
+            <c:dLbl>
+              <c:idx val="0"/>
+              <c:tx>
+                <c:rich>
+                  <a:bodyPr/>
+                  <a:lstStyle/>
+                  <a:p>
+                    <a:fld id="{8B56643D-1803-9B40-A297-369E4C1C124A}" type="VALUE">
+                      <a:rPr lang="en-US" smtClean="0"/>
+                      <a:pPr/>
+                      <a:t>[VALORE]</a:t>
+                    </a:fld>
+                    <a:r>
+                      <a:rPr lang="en-US"/>
+                      <a:t>$</a:t>
+                    </a:r>
+                  </a:p>
+                </c:rich>
+              </c:tx>
+              <c:dLblPos val="outEnd"/>
+              <c:showLegendKey val="0"/>
+              <c:showVal val="1"/>
+              <c:showCatName val="0"/>
+              <c:showSerName val="0"/>
+              <c:showPercent val="0"/>
+              <c:showBubbleSize val="0"/>
+              <c:extLst>
+                <c:ext xmlns:c15="http://schemas.microsoft.com/office/drawing/2012/chart" uri="{CE6537A1-D6FC-4f65-9D91-7224C49458BB}">
+                  <c15:dlblFieldTable/>
+                  <c15:showDataLabelsRange val="0"/>
+                </c:ext>
+                <c:ext xmlns:c16="http://schemas.microsoft.com/office/drawing/2014/chart" uri="{C3380CC4-5D6E-409C-BE32-E72D297353CC}">
+                  <c16:uniqueId val="{00000003-F3E1-C543-B882-3BF71E4BB004}"/>
+                </c:ext>
+              </c:extLst>
+            </c:dLbl>
+            <c:spPr>
+              <a:noFill/>
+              <a:ln>
+                <a:noFill/>
+              </a:ln>
+              <a:effectLst/>
+            </c:spPr>
+            <c:txPr>
+              <a:bodyPr rot="0" spcFirstLastPara="1" vertOverflow="ellipsis" vert="horz" wrap="square" lIns="38100" tIns="19050" rIns="38100" bIns="19050" anchor="ctr" anchorCtr="1">
+                <a:spAutoFit/>
+              </a:bodyPr>
+              <a:lstStyle/>
+              <a:p>
+                <a:pPr>
+                  <a:defRPr sz="1800" b="1" i="0" u="none" strike="noStrike" kern="1200" baseline="0">
+                    <a:solidFill>
+                      <a:schemeClr val="dk1">
+                        <a:lumMod val="75000"/>
+                        <a:lumOff val="25000"/>
+                      </a:schemeClr>
+                    </a:solidFill>
+                    <a:latin typeface="+mn-lt"/>
+                    <a:ea typeface="+mn-ea"/>
+                    <a:cs typeface="+mn-cs"/>
+                  </a:defRPr>
+                </a:pPr>
+                <a:endParaRPr lang="it-IT"/>
+              </a:p>
+            </c:txPr>
+            <c:dLblPos val="outEnd"/>
+            <c:showLegendKey val="0"/>
+            <c:showVal val="1"/>
+            <c:showCatName val="0"/>
+            <c:showSerName val="0"/>
+            <c:showPercent val="0"/>
+            <c:showBubbleSize val="0"/>
+            <c:showLeaderLines val="0"/>
+            <c:extLst>
+              <c:ext xmlns:c15="http://schemas.microsoft.com/office/drawing/2012/chart" uri="{CE6537A1-D6FC-4f65-9D91-7224C49458BB}">
+                <c15:showLeaderLines val="1"/>
+                <c15:leaderLines>
+                  <c:spPr>
+                    <a:ln w="9525" cap="flat" cmpd="sng" algn="ctr">
+                      <a:solidFill>
+                        <a:schemeClr val="dk1">
+                          <a:lumMod val="35000"/>
+                          <a:lumOff val="65000"/>
+                        </a:schemeClr>
+                      </a:solidFill>
+                      <a:round/>
+                    </a:ln>
+                    <a:effectLst/>
+                  </c:spPr>
+                </c15:leaderLines>
+              </c:ext>
+            </c:extLst>
+          </c:dLbls>
+          <c:cat>
+            <c:strRef>
+              <c:f>Foglio1!$A$2</c:f>
+              <c:strCache>
+                <c:ptCount val="1"/>
+                <c:pt idx="0">
+                  <c:v>Costo per milione di richieste</c:v>
+                </c:pt>
+              </c:strCache>
+            </c:strRef>
+          </c:cat>
+          <c:val>
+            <c:numRef>
+              <c:f>Foglio1!$B$2</c:f>
+              <c:numCache>
+                <c:formatCode>General</c:formatCode>
+                <c:ptCount val="1"/>
+                <c:pt idx="0">
+                  <c:v>0.23</c:v>
+                </c:pt>
+              </c:numCache>
+            </c:numRef>
+          </c:val>
+          <c:extLst>
+            <c:ext xmlns:c16="http://schemas.microsoft.com/office/drawing/2014/chart" uri="{C3380CC4-5D6E-409C-BE32-E72D297353CC}">
+              <c16:uniqueId val="{00000000-F3E1-C543-B882-3BF71E4BB004}"/>
+            </c:ext>
+          </c:extLst>
+        </c:ser>
+        <c:ser>
+          <c:idx val="1"/>
+          <c:order val="1"/>
+          <c:tx>
+            <c:strRef>
+              <c:f>Foglio1!$C$1</c:f>
+              <c:strCache>
+                <c:ptCount val="1"/>
+                <c:pt idx="0">
+                  <c:v>Cloud Functions</c:v>
+                </c:pt>
+              </c:strCache>
+            </c:strRef>
+          </c:tx>
+          <c:spPr>
+            <a:solidFill>
+              <a:srgbClr val="669DF5"/>
+            </a:solidFill>
+            <a:ln>
+              <a:noFill/>
+            </a:ln>
+            <a:effectLst/>
+          </c:spPr>
+          <c:invertIfNegative val="0"/>
+          <c:dLbls>
+            <c:dLbl>
+              <c:idx val="0"/>
+              <c:tx>
+                <c:rich>
+                  <a:bodyPr/>
+                  <a:lstStyle/>
+                  <a:p>
+                    <a:fld id="{14D60B7E-2491-2345-96E4-522E0075C208}" type="VALUE">
+                      <a:rPr lang="en-US" sz="1800" smtClean="0"/>
+                      <a:pPr/>
+                      <a:t>[VALORE]</a:t>
+                    </a:fld>
+                    <a:r>
+                      <a:rPr lang="en-US" sz="1800" dirty="0"/>
+                      <a:t>0</a:t>
+                    </a:r>
+                    <a:r>
+                      <a:rPr lang="en-US" sz="1800" b="0" i="0" u="none" strike="noStrike" kern="1200" baseline="0" dirty="0">
+                        <a:solidFill>
+                          <a:srgbClr val="000000">
+                            <a:lumMod val="75000"/>
+                            <a:lumOff val="25000"/>
+                          </a:srgbClr>
+                        </a:solidFill>
+                      </a:rPr>
+                      <a:t>$</a:t>
+                    </a:r>
+                  </a:p>
+                </c:rich>
+              </c:tx>
+              <c:dLblPos val="outEnd"/>
+              <c:showLegendKey val="0"/>
+              <c:showVal val="1"/>
+              <c:showCatName val="0"/>
+              <c:showSerName val="0"/>
+              <c:showPercent val="0"/>
+              <c:showBubbleSize val="0"/>
+              <c:extLst>
+                <c:ext xmlns:c15="http://schemas.microsoft.com/office/drawing/2012/chart" uri="{CE6537A1-D6FC-4f65-9D91-7224C49458BB}">
+                  <c15:dlblFieldTable/>
+                  <c15:showDataLabelsRange val="0"/>
+                </c:ext>
+                <c:ext xmlns:c16="http://schemas.microsoft.com/office/drawing/2014/chart" uri="{C3380CC4-5D6E-409C-BE32-E72D297353CC}">
+                  <c16:uniqueId val="{00000004-F3E1-C543-B882-3BF71E4BB004}"/>
+                </c:ext>
+              </c:extLst>
+            </c:dLbl>
+            <c:spPr>
+              <a:noFill/>
+              <a:ln>
+                <a:noFill/>
+              </a:ln>
+              <a:effectLst/>
+            </c:spPr>
+            <c:txPr>
+              <a:bodyPr rot="0" spcFirstLastPara="1" vertOverflow="ellipsis" vert="horz" wrap="square" lIns="38100" tIns="19050" rIns="38100" bIns="19050" anchor="ctr" anchorCtr="1">
+                <a:spAutoFit/>
+              </a:bodyPr>
+              <a:lstStyle/>
+              <a:p>
+                <a:pPr>
+                  <a:defRPr sz="1800" b="1" i="0" u="none" strike="noStrike" kern="1200" baseline="0">
+                    <a:solidFill>
+                      <a:schemeClr val="dk1">
+                        <a:lumMod val="75000"/>
+                        <a:lumOff val="25000"/>
+                      </a:schemeClr>
+                    </a:solidFill>
+                    <a:latin typeface="+mn-lt"/>
+                    <a:ea typeface="+mn-ea"/>
+                    <a:cs typeface="+mn-cs"/>
+                  </a:defRPr>
+                </a:pPr>
+                <a:endParaRPr lang="it-IT"/>
+              </a:p>
+            </c:txPr>
+            <c:dLblPos val="outEnd"/>
+            <c:showLegendKey val="0"/>
+            <c:showVal val="1"/>
+            <c:showCatName val="0"/>
+            <c:showSerName val="0"/>
+            <c:showPercent val="0"/>
+            <c:showBubbleSize val="0"/>
+            <c:showLeaderLines val="0"/>
+            <c:extLst>
+              <c:ext xmlns:c15="http://schemas.microsoft.com/office/drawing/2012/chart" uri="{CE6537A1-D6FC-4f65-9D91-7224C49458BB}">
+                <c15:showLeaderLines val="1"/>
+                <c15:leaderLines>
+                  <c:spPr>
+                    <a:ln w="9525" cap="flat" cmpd="sng" algn="ctr">
+                      <a:solidFill>
+                        <a:schemeClr val="dk1">
+                          <a:lumMod val="35000"/>
+                          <a:lumOff val="65000"/>
+                        </a:schemeClr>
+                      </a:solidFill>
+                      <a:round/>
+                    </a:ln>
+                    <a:effectLst/>
+                  </c:spPr>
+                </c15:leaderLines>
+              </c:ext>
+            </c:extLst>
+          </c:dLbls>
+          <c:cat>
+            <c:strRef>
+              <c:f>Foglio1!$A$2</c:f>
+              <c:strCache>
+                <c:ptCount val="1"/>
+                <c:pt idx="0">
+                  <c:v>Costo per milione di richieste</c:v>
+                </c:pt>
+              </c:strCache>
+            </c:strRef>
+          </c:cat>
+          <c:val>
+            <c:numRef>
+              <c:f>Foglio1!$C$2</c:f>
+              <c:numCache>
+                <c:formatCode>General</c:formatCode>
+                <c:ptCount val="1"/>
+                <c:pt idx="0">
+                  <c:v>0.4</c:v>
+                </c:pt>
+              </c:numCache>
+            </c:numRef>
+          </c:val>
+          <c:extLst>
+            <c:ext xmlns:c16="http://schemas.microsoft.com/office/drawing/2014/chart" uri="{C3380CC4-5D6E-409C-BE32-E72D297353CC}">
+              <c16:uniqueId val="{00000001-F3E1-C543-B882-3BF71E4BB004}"/>
+            </c:ext>
+          </c:extLst>
+        </c:ser>
+        <c:dLbls>
+          <c:dLblPos val="outEnd"/>
+          <c:showLegendKey val="0"/>
+          <c:showVal val="1"/>
+          <c:showCatName val="0"/>
+          <c:showSerName val="0"/>
+          <c:showPercent val="0"/>
+          <c:showBubbleSize val="0"/>
+        </c:dLbls>
+        <c:gapWidth val="267"/>
+        <c:overlap val="-43"/>
+        <c:axId val="762892896"/>
+        <c:axId val="763348272"/>
+      </c:barChart>
+      <c:catAx>
+        <c:axId val="762892896"/>
+        <c:scaling>
+          <c:orientation val="minMax"/>
+        </c:scaling>
+        <c:delete val="1"/>
+        <c:axPos val="b"/>
+        <c:majorGridlines>
+          <c:spPr>
+            <a:ln w="9525" cap="flat" cmpd="sng" algn="ctr">
+              <a:solidFill>
+                <a:schemeClr val="dk1">
+                  <a:lumMod val="15000"/>
+                  <a:lumOff val="85000"/>
+                </a:schemeClr>
+              </a:solidFill>
+              <a:round/>
+            </a:ln>
+            <a:effectLst/>
+          </c:spPr>
+        </c:majorGridlines>
+        <c:numFmt formatCode="General" sourceLinked="1"/>
+        <c:majorTickMark val="none"/>
+        <c:minorTickMark val="none"/>
+        <c:tickLblPos val="nextTo"/>
+        <c:crossAx val="763348272"/>
+        <c:crosses val="autoZero"/>
+        <c:auto val="1"/>
+        <c:lblAlgn val="ctr"/>
+        <c:lblOffset val="100"/>
+        <c:noMultiLvlLbl val="0"/>
+      </c:catAx>
+      <c:valAx>
+        <c:axId val="763348272"/>
+        <c:scaling>
+          <c:orientation val="minMax"/>
+        </c:scaling>
+        <c:delete val="0"/>
+        <c:axPos val="l"/>
+        <c:majorGridlines>
+          <c:spPr>
+            <a:ln w="9525" cap="flat" cmpd="sng" algn="ctr">
+              <a:solidFill>
+                <a:schemeClr val="dk1">
+                  <a:lumMod val="15000"/>
+                  <a:lumOff val="85000"/>
+                </a:schemeClr>
+              </a:solidFill>
+              <a:round/>
+            </a:ln>
+            <a:effectLst/>
+          </c:spPr>
+        </c:majorGridlines>
+        <c:numFmt formatCode="General" sourceLinked="1"/>
+        <c:majorTickMark val="none"/>
+        <c:minorTickMark val="none"/>
+        <c:tickLblPos val="nextTo"/>
+        <c:spPr>
+          <a:noFill/>
+          <a:ln>
+            <a:noFill/>
+          </a:ln>
+          <a:effectLst/>
+        </c:spPr>
+        <c:txPr>
+          <a:bodyPr rot="-60000000" spcFirstLastPara="1" vertOverflow="ellipsis" vert="horz" wrap="square" anchor="ctr" anchorCtr="1"/>
+          <a:lstStyle/>
+          <a:p>
+            <a:pPr>
+              <a:defRPr sz="1197" b="0" i="0" u="none" strike="noStrike" kern="1200" baseline="0">
+                <a:solidFill>
+                  <a:schemeClr val="dk1">
+                    <a:lumMod val="65000"/>
+                    <a:lumOff val="35000"/>
+                  </a:schemeClr>
+                </a:solidFill>
+                <a:latin typeface="+mn-lt"/>
+                <a:ea typeface="+mn-ea"/>
+                <a:cs typeface="+mn-cs"/>
+              </a:defRPr>
+            </a:pPr>
+            <a:endParaRPr lang="it-IT"/>
+          </a:p>
+        </c:txPr>
+        <c:crossAx val="762892896"/>
+        <c:crosses val="autoZero"/>
+        <c:crossBetween val="between"/>
+      </c:valAx>
+      <c:spPr>
+        <a:pattFill prst="ltDnDiag">
+          <a:fgClr>
+            <a:schemeClr val="dk1">
+              <a:lumMod val="15000"/>
+              <a:lumOff val="85000"/>
+            </a:schemeClr>
+          </a:fgClr>
+          <a:bgClr>
+            <a:schemeClr val="lt1"/>
+          </a:bgClr>
+        </a:pattFill>
+        <a:ln>
+          <a:noFill/>
+        </a:ln>
+        <a:effectLst/>
+      </c:spPr>
+    </c:plotArea>
+    <c:legend>
+      <c:legendPos val="b"/>
+      <c:legendEntry>
+        <c:idx val="0"/>
+        <c:txPr>
+          <a:bodyPr rot="0" spcFirstLastPara="1" vertOverflow="ellipsis" vert="horz" wrap="square" anchor="ctr" anchorCtr="1"/>
+          <a:lstStyle/>
+          <a:p>
+            <a:pPr>
+              <a:defRPr sz="1197" b="0" i="0" u="none" strike="noStrike" kern="1200" baseline="0">
+                <a:solidFill>
+                  <a:schemeClr val="tx1"/>
+                </a:solidFill>
+                <a:latin typeface="+mn-lt"/>
+                <a:ea typeface="+mn-ea"/>
+                <a:cs typeface="+mn-cs"/>
+              </a:defRPr>
+            </a:pPr>
+            <a:endParaRPr lang="it-IT"/>
+          </a:p>
+        </c:txPr>
+      </c:legendEntry>
+      <c:legendEntry>
+        <c:idx val="1"/>
+        <c:txPr>
+          <a:bodyPr rot="0" spcFirstLastPara="1" vertOverflow="ellipsis" vert="horz" wrap="square" anchor="ctr" anchorCtr="1"/>
+          <a:lstStyle/>
+          <a:p>
+            <a:pPr>
+              <a:defRPr sz="1197" b="0" i="0" u="none" strike="noStrike" kern="1200" baseline="0">
+                <a:solidFill>
+                  <a:schemeClr val="tx1"/>
+                </a:solidFill>
+                <a:latin typeface="+mn-lt"/>
+                <a:ea typeface="+mn-ea"/>
+                <a:cs typeface="+mn-cs"/>
+              </a:defRPr>
+            </a:pPr>
+            <a:endParaRPr lang="it-IT"/>
+          </a:p>
+        </c:txPr>
+      </c:legendEntry>
+      <c:overlay val="0"/>
+      <c:spPr>
+        <a:noFill/>
+        <a:ln>
+          <a:noFill/>
+        </a:ln>
+        <a:effectLst/>
+      </c:spPr>
+      <c:txPr>
+        <a:bodyPr rot="0" spcFirstLastPara="1" vertOverflow="ellipsis" vert="horz" wrap="square" anchor="ctr" anchorCtr="1"/>
+        <a:lstStyle/>
+        <a:p>
+          <a:pPr>
+            <a:defRPr sz="1197" b="0" i="0" u="none" strike="noStrike" kern="1200" baseline="0">
+              <a:solidFill>
+                <a:schemeClr val="dk1">
+                  <a:lumMod val="65000"/>
+                  <a:lumOff val="35000"/>
+                </a:schemeClr>
+              </a:solidFill>
+              <a:latin typeface="+mn-lt"/>
+              <a:ea typeface="+mn-ea"/>
+              <a:cs typeface="+mn-cs"/>
+            </a:defRPr>
+          </a:pPr>
+          <a:endParaRPr lang="it-IT"/>
+        </a:p>
+      </c:txPr>
+    </c:legend>
+    <c:plotVisOnly val="1"/>
+    <c:dispBlanksAs val="gap"/>
+    <c:extLst>
+      <c:ext xmlns:c16r3="http://schemas.microsoft.com/office/drawing/2017/03/chart" uri="{56B9EC1D-385E-4148-901F-78D8002777C0}">
+        <c16r3:dataDisplayOptions16>
+          <c16r3:dispNaAsBlank val="1"/>
+        </c16r3:dataDisplayOptions16>
+      </c:ext>
+    </c:extLst>
+    <c:showDLblsOverMax val="0"/>
+  </c:chart>
+  <c:spPr>
+    <a:solidFill>
+      <a:schemeClr val="lt1"/>
+    </a:solidFill>
+    <a:ln w="9525" cap="flat" cmpd="sng" algn="ctr">
+      <a:solidFill>
+        <a:schemeClr val="dk1">
+          <a:lumMod val="15000"/>
+          <a:lumOff val="85000"/>
+        </a:schemeClr>
+      </a:solidFill>
+      <a:round/>
+    </a:ln>
+    <a:effectLst/>
+  </c:spPr>
+  <c:txPr>
+    <a:bodyPr/>
+    <a:lstStyle/>
+    <a:p>
+      <a:pPr>
+        <a:defRPr/>
+      </a:pPr>
+      <a:endParaRPr lang="it-IT"/>
+    </a:p>
+  </c:txPr>
+  <c:externalData r:id="rId3">
+    <c:autoUpdate val="0"/>
+  </c:externalData>
+</c:chartSpace>
+</file>
+
+<file path=ppt/charts/colors1.xml><?xml version="1.0" encoding="utf-8"?>
+<cs:colorStyle xmlns:cs="http://schemas.microsoft.com/office/drawing/2012/chartStyle" xmlns:a="http://schemas.openxmlformats.org/drawingml/2006/main" meth="cycle" id="10">
+  <a:schemeClr val="accent1"/>
+  <a:schemeClr val="accent2"/>
+  <a:schemeClr val="accent3"/>
+  <a:schemeClr val="accent4"/>
+  <a:schemeClr val="accent5"/>
+  <a:schemeClr val="accent6"/>
+  <cs:variation/>
+  <cs:variation>
+    <a:lumMod val="60000"/>
+  </cs:variation>
+  <cs:variation>
+    <a:lumMod val="80000"/>
+    <a:lumOff val="20000"/>
+  </cs:variation>
+  <cs:variation>
+    <a:lumMod val="80000"/>
+  </cs:variation>
+  <cs:variation>
+    <a:lumMod val="60000"/>
+    <a:lumOff val="40000"/>
+  </cs:variation>
+  <cs:variation>
+    <a:lumMod val="50000"/>
+  </cs:variation>
+  <cs:variation>
+    <a:lumMod val="70000"/>
+    <a:lumOff val="30000"/>
+  </cs:variation>
+  <cs:variation>
+    <a:lumMod val="70000"/>
+  </cs:variation>
+  <cs:variation>
+    <a:lumMod val="50000"/>
+    <a:lumOff val="50000"/>
+  </cs:variation>
+</cs:colorStyle>
+</file>
+
+<file path=ppt/charts/colors2.xml><?xml version="1.0" encoding="utf-8"?>
+<cs:colorStyle xmlns:cs="http://schemas.microsoft.com/office/drawing/2012/chartStyle" xmlns:a="http://schemas.openxmlformats.org/drawingml/2006/main" meth="cycle" id="10">
+  <a:schemeClr val="accent1"/>
+  <a:schemeClr val="accent2"/>
+  <a:schemeClr val="accent3"/>
+  <a:schemeClr val="accent4"/>
+  <a:schemeClr val="accent5"/>
+  <a:schemeClr val="accent6"/>
+  <cs:variation/>
+  <cs:variation>
+    <a:lumMod val="60000"/>
+  </cs:variation>
+  <cs:variation>
+    <a:lumMod val="80000"/>
+    <a:lumOff val="20000"/>
+  </cs:variation>
+  <cs:variation>
+    <a:lumMod val="80000"/>
+  </cs:variation>
+  <cs:variation>
+    <a:lumMod val="60000"/>
+    <a:lumOff val="40000"/>
+  </cs:variation>
+  <cs:variation>
+    <a:lumMod val="50000"/>
+  </cs:variation>
+  <cs:variation>
+    <a:lumMod val="70000"/>
+    <a:lumOff val="30000"/>
+  </cs:variation>
+  <cs:variation>
+    <a:lumMod val="70000"/>
+  </cs:variation>
+  <cs:variation>
+    <a:lumMod val="50000"/>
+    <a:lumOff val="50000"/>
+  </cs:variation>
+</cs:colorStyle>
+</file>
+
+<file path=ppt/charts/style1.xml><?xml version="1.0" encoding="utf-8"?>
+<cs:chartStyle xmlns:cs="http://schemas.microsoft.com/office/drawing/2012/chartStyle" xmlns:a="http://schemas.openxmlformats.org/drawingml/2006/main" id="208">
+  <cs:axisTitle>
+    <cs:lnRef idx="0"/>
+    <cs:fillRef idx="0"/>
+    <cs:effectRef idx="0"/>
+    <cs:fontRef idx="minor">
+      <a:schemeClr val="dk1">
+        <a:lumMod val="65000"/>
+        <a:lumOff val="35000"/>
+      </a:schemeClr>
+    </cs:fontRef>
+    <cs:defRPr sz="1197" b="1" kern="1200"/>
+  </cs:axisTitle>
+  <cs:categoryAxis>
+    <cs:lnRef idx="0"/>
+    <cs:fillRef idx="0"/>
+    <cs:effectRef idx="0"/>
+    <cs:fontRef idx="minor">
+      <a:schemeClr val="dk1">
+        <a:lumMod val="65000"/>
+        <a:lumOff val="35000"/>
+      </a:schemeClr>
+    </cs:fontRef>
+    <cs:spPr>
+      <a:ln w="9525" cap="flat" cmpd="sng" algn="ctr">
+        <a:solidFill>
+          <a:schemeClr val="dk1">
+            <a:lumMod val="15000"/>
+            <a:lumOff val="85000"/>
+          </a:schemeClr>
+        </a:solidFill>
+        <a:round/>
+      </a:ln>
+    </cs:spPr>
+    <cs:defRPr sz="1197" kern="1200" cap="none" spc="0" normalizeH="0" baseline="0"/>
+  </cs:categoryAxis>
+  <cs:chartArea>
+    <cs:lnRef idx="0"/>
+    <cs:fillRef idx="0"/>
+    <cs:effectRef idx="0"/>
+    <cs:fontRef idx="minor">
+      <a:schemeClr val="dk1"/>
+    </cs:fontRef>
+    <cs:spPr>
+      <a:solidFill>
+        <a:schemeClr val="lt1"/>
+      </a:solidFill>
+      <a:ln w="9525" cap="flat" cmpd="sng" algn="ctr">
+        <a:solidFill>
+          <a:schemeClr val="dk1">
+            <a:lumMod val="15000"/>
+            <a:lumOff val="85000"/>
+          </a:schemeClr>
+        </a:solidFill>
+        <a:round/>
+      </a:ln>
+    </cs:spPr>
+    <cs:defRPr sz="1197" kern="1200"/>
+  </cs:chartArea>
+  <cs:dataLabel>
+    <cs:lnRef idx="0"/>
+    <cs:fillRef idx="0"/>
+    <cs:effectRef idx="0"/>
+    <cs:fontRef idx="minor">
+      <a:schemeClr val="dk1">
+        <a:lumMod val="75000"/>
+        <a:lumOff val="25000"/>
+      </a:schemeClr>
+    </cs:fontRef>
+    <cs:defRPr sz="1197" kern="1200"/>
+  </cs:dataLabel>
+  <cs:dataLabelCallout>
+    <cs:lnRef idx="0"/>
+    <cs:fillRef idx="0"/>
+    <cs:effectRef idx="0"/>
+    <cs:fontRef idx="minor">
+      <a:schemeClr val="dk1">
+        <a:lumMod val="65000"/>
+        <a:lumOff val="35000"/>
+      </a:schemeClr>
+    </cs:fontRef>
+    <cs:spPr>
+      <a:solidFill>
+        <a:schemeClr val="lt1"/>
+      </a:solidFill>
+      <a:ln>
+        <a:solidFill>
+          <a:schemeClr val="dk1">
+            <a:lumMod val="25000"/>
+            <a:lumOff val="75000"/>
+          </a:schemeClr>
+        </a:solidFill>
+      </a:ln>
+    </cs:spPr>
+    <cs:defRPr sz="1197" kern="1200"/>
+    <cs:bodyPr rot="0" spcFirstLastPara="1" vertOverflow="clip" horzOverflow="clip" vert="horz" wrap="square" lIns="36576" tIns="18288" rIns="36576" bIns="18288" anchor="ctr" anchorCtr="1">
+      <a:spAutoFit/>
+    </cs:bodyPr>
+  </cs:dataLabelCallout>
+  <cs:dataPoint>
+    <cs:lnRef idx="0"/>
+    <cs:fillRef idx="0">
+      <cs:styleClr val="auto"/>
+    </cs:fillRef>
+    <cs:effectRef idx="0"/>
+    <cs:fontRef idx="minor">
+      <a:schemeClr val="dk1"/>
+    </cs:fontRef>
+    <cs:spPr>
+      <a:solidFill>
+        <a:schemeClr val="phClr"/>
+      </a:solidFill>
+    </cs:spPr>
+  </cs:dataPoint>
+  <cs:dataPoint3D>
+    <cs:lnRef idx="0"/>
+    <cs:fillRef idx="0">
+      <cs:styleClr val="auto"/>
+    </cs:fillRef>
+    <cs:effectRef idx="0"/>
+    <cs:fontRef idx="minor">
+      <a:schemeClr val="dk1"/>
+    </cs:fontRef>
+    <cs:spPr>
+      <a:solidFill>
+        <a:schemeClr val="phClr"/>
+      </a:solidFill>
+    </cs:spPr>
+  </cs:dataPoint3D>
+  <cs:dataPointLine>
+    <cs:lnRef idx="0">
+      <cs:styleClr val="auto"/>
+    </cs:lnRef>
+    <cs:fillRef idx="0"/>
+    <cs:effectRef idx="0"/>
+    <cs:fontRef idx="minor">
+      <a:schemeClr val="dk1"/>
+    </cs:fontRef>
+    <cs:spPr>
+      <a:ln w="22225" cap="rnd">
+        <a:solidFill>
+          <a:schemeClr val="phClr"/>
+        </a:solidFill>
+        <a:round/>
+      </a:ln>
+    </cs:spPr>
+  </cs:dataPointLine>
+  <cs:dataPointMarker>
+    <cs:lnRef idx="0">
+      <cs:styleClr val="auto"/>
+    </cs:lnRef>
+    <cs:fillRef idx="0">
+      <cs:styleClr val="auto"/>
+    </cs:fillRef>
+    <cs:effectRef idx="0"/>
+    <cs:fontRef idx="minor">
+      <a:schemeClr val="dk1"/>
+    </cs:fontRef>
+    <cs:spPr>
+      <a:solidFill>
+        <a:schemeClr val="lt1"/>
+      </a:solidFill>
+      <a:ln w="15875">
+        <a:solidFill>
+          <a:schemeClr val="phClr"/>
+        </a:solidFill>
+        <a:round/>
+      </a:ln>
+    </cs:spPr>
+  </cs:dataPointMarker>
+  <cs:dataPointMarkerLayout symbol="circle" size="6"/>
+  <cs:dataPointWireframe>
+    <cs:lnRef idx="0">
+      <cs:styleClr val="auto"/>
+    </cs:lnRef>
+    <cs:fillRef idx="0"/>
+    <cs:effectRef idx="0"/>
+    <cs:fontRef idx="minor">
+      <a:schemeClr val="dk1"/>
+    </cs:fontRef>
+    <cs:spPr>
+      <a:ln w="9525" cap="rnd">
+        <a:solidFill>
+          <a:schemeClr val="phClr"/>
+        </a:solidFill>
+        <a:round/>
+      </a:ln>
+    </cs:spPr>
+  </cs:dataPointWireframe>
+  <cs:dataTable>
+    <cs:lnRef idx="0"/>
+    <cs:fillRef idx="0"/>
+    <cs:effectRef idx="0"/>
+    <cs:fontRef idx="minor">
+      <a:schemeClr val="dk1">
+        <a:lumMod val="65000"/>
+        <a:lumOff val="35000"/>
+      </a:schemeClr>
+    </cs:fontRef>
+    <cs:spPr>
+      <a:ln w="9525" cap="flat" cmpd="sng" algn="ctr">
+        <a:solidFill>
+          <a:schemeClr val="dk1">
+            <a:lumMod val="15000"/>
+            <a:lumOff val="85000"/>
+          </a:schemeClr>
+        </a:solidFill>
+        <a:round/>
+      </a:ln>
+    </cs:spPr>
+    <cs:defRPr sz="1064" kern="1200"/>
+  </cs:dataTable>
+  <cs:downBar>
+    <cs:lnRef idx="0"/>
+    <cs:fillRef idx="0"/>
+    <cs:effectRef idx="0"/>
+    <cs:fontRef idx="minor">
+      <a:schemeClr val="dk1"/>
+    </cs:fontRef>
+    <cs:spPr>
+      <a:solidFill>
+        <a:schemeClr val="dk1">
+          <a:lumMod val="75000"/>
+          <a:lumOff val="25000"/>
+        </a:schemeClr>
+      </a:solidFill>
+      <a:ln w="9525" cap="flat" cmpd="sng" algn="ctr">
+        <a:solidFill>
+          <a:schemeClr val="dk1">
+            <a:lumMod val="50000"/>
+            <a:lumOff val="50000"/>
+          </a:schemeClr>
+        </a:solidFill>
+        <a:round/>
+      </a:ln>
+    </cs:spPr>
+  </cs:downBar>
+  <cs:dropLine>
+    <cs:lnRef idx="0"/>
+    <cs:fillRef idx="0"/>
+    <cs:effectRef idx="0"/>
+    <cs:fontRef idx="minor">
+      <a:schemeClr val="dk1"/>
+    </cs:fontRef>
+    <cs:spPr>
+      <a:ln w="9525" cap="flat" cmpd="sng" algn="ctr">
+        <a:solidFill>
+          <a:schemeClr val="dk1">
+            <a:lumMod val="35000"/>
+            <a:lumOff val="65000"/>
+          </a:schemeClr>
+        </a:solidFill>
+        <a:round/>
+      </a:ln>
+    </cs:spPr>
+  </cs:dropLine>
+  <cs:errorBar>
+    <cs:lnRef idx="0"/>
+    <cs:fillRef idx="0"/>
+    <cs:effectRef idx="0"/>
+    <cs:fontRef idx="minor">
+      <a:schemeClr val="dk1"/>
+    </cs:fontRef>
+    <cs:spPr>
+      <a:ln w="9525" cap="flat" cmpd="sng" algn="ctr">
+        <a:solidFill>
+          <a:schemeClr val="dk1">
+            <a:lumMod val="50000"/>
+            <a:lumOff val="50000"/>
+          </a:schemeClr>
+        </a:solidFill>
+        <a:round/>
+      </a:ln>
+    </cs:spPr>
+  </cs:errorBar>
+  <cs:floor>
+    <cs:lnRef idx="0"/>
+    <cs:fillRef idx="0"/>
+    <cs:effectRef idx="0"/>
+    <cs:fontRef idx="minor">
+      <a:schemeClr val="dk1"/>
+    </cs:fontRef>
+    <cs:spPr>
+      <a:pattFill prst="ltDnDiag">
+        <a:fgClr>
+          <a:schemeClr val="dk1">
+            <a:lumMod val="15000"/>
+            <a:lumOff val="85000"/>
+          </a:schemeClr>
+        </a:fgClr>
+        <a:bgClr>
+          <a:schemeClr val="lt1"/>
+        </a:bgClr>
+      </a:pattFill>
+    </cs:spPr>
+  </cs:floor>
+  <cs:gridlineMajor>
+    <cs:lnRef idx="0"/>
+    <cs:fillRef idx="0"/>
+    <cs:effectRef idx="0"/>
+    <cs:fontRef idx="minor">
+      <a:schemeClr val="dk1"/>
+    </cs:fontRef>
+    <cs:spPr>
+      <a:ln w="9525" cap="flat" cmpd="sng" algn="ctr">
+        <a:solidFill>
+          <a:schemeClr val="dk1">
+            <a:lumMod val="15000"/>
+            <a:lumOff val="85000"/>
+          </a:schemeClr>
+        </a:solidFill>
+        <a:round/>
+      </a:ln>
+    </cs:spPr>
+  </cs:gridlineMajor>
+  <cs:gridlineMinor>
+    <cs:lnRef idx="0"/>
+    <cs:fillRef idx="0"/>
+    <cs:effectRef idx="0"/>
+    <cs:fontRef idx="minor">
+      <a:schemeClr val="dk1"/>
+    </cs:fontRef>
+    <cs:spPr>
+      <a:ln w="9525" cap="flat" cmpd="sng" algn="ctr">
+        <a:solidFill>
+          <a:schemeClr val="dk1">
+            <a:lumMod val="5000"/>
+            <a:lumOff val="95000"/>
+          </a:schemeClr>
+        </a:solidFill>
+        <a:round/>
+      </a:ln>
+    </cs:spPr>
+  </cs:gridlineMinor>
+  <cs:hiLoLine>
+    <cs:lnRef idx="0"/>
+    <cs:fillRef idx="0"/>
+    <cs:effectRef idx="0"/>
+    <cs:fontRef idx="minor">
+      <a:schemeClr val="dk1"/>
+    </cs:fontRef>
+    <cs:spPr>
+      <a:ln w="9525" cap="flat" cmpd="sng" algn="ctr">
+        <a:solidFill>
+          <a:schemeClr val="dk1">
+            <a:lumMod val="35000"/>
+            <a:lumOff val="65000"/>
+          </a:schemeClr>
+        </a:solidFill>
+        <a:round/>
+      </a:ln>
+    </cs:spPr>
+  </cs:hiLoLine>
+  <cs:leaderLine>
+    <cs:lnRef idx="0"/>
+    <cs:fillRef idx="0"/>
+    <cs:effectRef idx="0"/>
+    <cs:fontRef idx="minor">
+      <a:schemeClr val="dk1"/>
+    </cs:fontRef>
+    <cs:spPr>
+      <a:ln w="9525" cap="flat" cmpd="sng" algn="ctr">
+        <a:solidFill>
+          <a:schemeClr val="dk1">
+            <a:lumMod val="35000"/>
+            <a:lumOff val="65000"/>
+          </a:schemeClr>
+        </a:solidFill>
+        <a:round/>
+      </a:ln>
+    </cs:spPr>
+  </cs:leaderLine>
+  <cs:legend>
+    <cs:lnRef idx="0"/>
+    <cs:fillRef idx="0"/>
+    <cs:effectRef idx="0"/>
+    <cs:fontRef idx="minor">
+      <a:schemeClr val="dk1">
+        <a:lumMod val="65000"/>
+        <a:lumOff val="35000"/>
+      </a:schemeClr>
+    </cs:fontRef>
+    <cs:defRPr sz="1197" kern="1200"/>
+  </cs:legend>
+  <cs:plotArea>
+    <cs:lnRef idx="0"/>
+    <cs:fillRef idx="0"/>
+    <cs:effectRef idx="0"/>
+    <cs:fontRef idx="minor">
+      <a:schemeClr val="dk1"/>
+    </cs:fontRef>
+    <cs:spPr>
+      <a:pattFill prst="ltDnDiag">
+        <a:fgClr>
+          <a:schemeClr val="dk1">
+            <a:lumMod val="15000"/>
+            <a:lumOff val="85000"/>
+          </a:schemeClr>
+        </a:fgClr>
+        <a:bgClr>
+          <a:schemeClr val="lt1"/>
+        </a:bgClr>
+      </a:pattFill>
+    </cs:spPr>
+  </cs:plotArea>
+  <cs:plotArea3D>
+    <cs:lnRef idx="0"/>
+    <cs:fillRef idx="0"/>
+    <cs:effectRef idx="0"/>
+    <cs:fontRef idx="minor">
+      <a:schemeClr val="dk1"/>
+    </cs:fontRef>
+    <cs:spPr>
+      <a:solidFill>
+        <a:schemeClr val="lt1"/>
+      </a:solidFill>
+    </cs:spPr>
+  </cs:plotArea3D>
+  <cs:seriesAxis>
+    <cs:lnRef idx="0"/>
+    <cs:fillRef idx="0"/>
+    <cs:effectRef idx="0"/>
+    <cs:fontRef idx="minor">
+      <a:schemeClr val="dk1">
+        <a:lumMod val="65000"/>
+        <a:lumOff val="35000"/>
+      </a:schemeClr>
+    </cs:fontRef>
+    <cs:defRPr sz="1197" kern="1200"/>
+  </cs:seriesAxis>
+  <cs:seriesLine>
+    <cs:lnRef idx="0"/>
+    <cs:fillRef idx="0"/>
+    <cs:effectRef idx="0"/>
+    <cs:fontRef idx="minor">
+      <a:schemeClr val="dk1"/>
+    </cs:fontRef>
+    <cs:spPr>
+      <a:ln w="9525" cap="flat" cmpd="sng" algn="ctr">
+        <a:solidFill>
+          <a:schemeClr val="dk1">
+            <a:lumMod val="35000"/>
+            <a:lumOff val="65000"/>
+          </a:schemeClr>
+        </a:solidFill>
+        <a:round/>
+      </a:ln>
+    </cs:spPr>
+  </cs:seriesLine>
+  <cs:title>
+    <cs:lnRef idx="0"/>
+    <cs:fillRef idx="0"/>
+    <cs:effectRef idx="0"/>
+    <cs:fontRef idx="major">
+      <a:schemeClr val="dk1">
+        <a:lumMod val="50000"/>
+        <a:lumOff val="50000"/>
+      </a:schemeClr>
+    </cs:fontRef>
+    <cs:defRPr sz="2128" b="1" kern="1200" cap="none" spc="0" normalizeH="0" baseline="0"/>
+  </cs:title>
+  <cs:trendline>
+    <cs:lnRef idx="0">
+      <cs:styleClr val="auto"/>
+    </cs:lnRef>
+    <cs:fillRef idx="0"/>
+    <cs:effectRef idx="0"/>
+    <cs:fontRef idx="minor">
+      <a:schemeClr val="dk1"/>
+    </cs:fontRef>
+    <cs:spPr>
+      <a:ln w="19050" cap="rnd">
+        <a:solidFill>
+          <a:schemeClr val="phClr"/>
+        </a:solidFill>
+      </a:ln>
+    </cs:spPr>
+  </cs:trendline>
+  <cs:trendlineLabel>
+    <cs:lnRef idx="0"/>
+    <cs:fillRef idx="0"/>
+    <cs:effectRef idx="0"/>
+    <cs:fontRef idx="minor">
+      <a:schemeClr val="dk1">
+        <a:lumMod val="65000"/>
+        <a:lumOff val="35000"/>
+      </a:schemeClr>
+    </cs:fontRef>
+    <cs:defRPr sz="1197" kern="1200"/>
+  </cs:trendlineLabel>
+  <cs:upBar>
+    <cs:lnRef idx="0"/>
+    <cs:fillRef idx="0"/>
+    <cs:effectRef idx="0"/>
+    <cs:fontRef idx="minor">
+      <a:schemeClr val="dk1"/>
+    </cs:fontRef>
+    <cs:spPr>
+      <a:solidFill>
+        <a:schemeClr val="lt1"/>
+      </a:solidFill>
+      <a:ln w="9525" cap="flat" cmpd="sng" algn="ctr">
+        <a:solidFill>
+          <a:schemeClr val="dk1">
+            <a:lumMod val="50000"/>
+            <a:lumOff val="50000"/>
+          </a:schemeClr>
+        </a:solidFill>
+        <a:round/>
+      </a:ln>
+    </cs:spPr>
+  </cs:upBar>
+  <cs:valueAxis>
+    <cs:lnRef idx="0"/>
+    <cs:fillRef idx="0"/>
+    <cs:effectRef idx="0"/>
+    <cs:fontRef idx="minor">
+      <a:schemeClr val="dk1">
+        <a:lumMod val="65000"/>
+        <a:lumOff val="35000"/>
+      </a:schemeClr>
+    </cs:fontRef>
+    <cs:defRPr sz="1197" kern="1200"/>
+  </cs:valueAxis>
+  <cs:wall>
+    <cs:lnRef idx="0"/>
+    <cs:fillRef idx="0"/>
+    <cs:effectRef idx="0"/>
+    <cs:fontRef idx="minor">
+      <a:schemeClr val="dk1"/>
+    </cs:fontRef>
+    <cs:spPr>
+      <a:pattFill prst="ltDnDiag">
+        <a:fgClr>
+          <a:schemeClr val="dk1">
+            <a:lumMod val="15000"/>
+            <a:lumOff val="85000"/>
+          </a:schemeClr>
+        </a:fgClr>
+        <a:bgClr>
+          <a:schemeClr val="lt1"/>
+        </a:bgClr>
+      </a:pattFill>
+    </cs:spPr>
+  </cs:wall>
+</cs:chartStyle>
+</file>
+
+<file path=ppt/charts/style2.xml><?xml version="1.0" encoding="utf-8"?>
+<cs:chartStyle xmlns:cs="http://schemas.microsoft.com/office/drawing/2012/chartStyle" xmlns:a="http://schemas.openxmlformats.org/drawingml/2006/main" id="208">
+  <cs:axisTitle>
+    <cs:lnRef idx="0"/>
+    <cs:fillRef idx="0"/>
+    <cs:effectRef idx="0"/>
+    <cs:fontRef idx="minor">
+      <a:schemeClr val="dk1">
+        <a:lumMod val="65000"/>
+        <a:lumOff val="35000"/>
+      </a:schemeClr>
+    </cs:fontRef>
+    <cs:defRPr sz="1197" b="1" kern="1200"/>
+  </cs:axisTitle>
+  <cs:categoryAxis>
+    <cs:lnRef idx="0"/>
+    <cs:fillRef idx="0"/>
+    <cs:effectRef idx="0"/>
+    <cs:fontRef idx="minor">
+      <a:schemeClr val="dk1">
+        <a:lumMod val="65000"/>
+        <a:lumOff val="35000"/>
+      </a:schemeClr>
+    </cs:fontRef>
+    <cs:spPr>
+      <a:ln w="9525" cap="flat" cmpd="sng" algn="ctr">
+        <a:solidFill>
+          <a:schemeClr val="dk1">
+            <a:lumMod val="15000"/>
+            <a:lumOff val="85000"/>
+          </a:schemeClr>
+        </a:solidFill>
+        <a:round/>
+      </a:ln>
+    </cs:spPr>
+    <cs:defRPr sz="1197" kern="1200" cap="none" spc="0" normalizeH="0" baseline="0"/>
+  </cs:categoryAxis>
+  <cs:chartArea>
+    <cs:lnRef idx="0"/>
+    <cs:fillRef idx="0"/>
+    <cs:effectRef idx="0"/>
+    <cs:fontRef idx="minor">
+      <a:schemeClr val="dk1"/>
+    </cs:fontRef>
+    <cs:spPr>
+      <a:solidFill>
+        <a:schemeClr val="lt1"/>
+      </a:solidFill>
+      <a:ln w="9525" cap="flat" cmpd="sng" algn="ctr">
+        <a:solidFill>
+          <a:schemeClr val="dk1">
+            <a:lumMod val="15000"/>
+            <a:lumOff val="85000"/>
+          </a:schemeClr>
+        </a:solidFill>
+        <a:round/>
+      </a:ln>
+    </cs:spPr>
+    <cs:defRPr sz="1197" kern="1200"/>
+  </cs:chartArea>
+  <cs:dataLabel>
+    <cs:lnRef idx="0"/>
+    <cs:fillRef idx="0"/>
+    <cs:effectRef idx="0"/>
+    <cs:fontRef idx="minor">
+      <a:schemeClr val="dk1">
+        <a:lumMod val="75000"/>
+        <a:lumOff val="25000"/>
+      </a:schemeClr>
+    </cs:fontRef>
+    <cs:defRPr sz="1197" kern="1200"/>
+  </cs:dataLabel>
+  <cs:dataLabelCallout>
+    <cs:lnRef idx="0"/>
+    <cs:fillRef idx="0"/>
+    <cs:effectRef idx="0"/>
+    <cs:fontRef idx="minor">
+      <a:schemeClr val="dk1">
+        <a:lumMod val="65000"/>
+        <a:lumOff val="35000"/>
+      </a:schemeClr>
+    </cs:fontRef>
+    <cs:spPr>
+      <a:solidFill>
+        <a:schemeClr val="lt1"/>
+      </a:solidFill>
+      <a:ln>
+        <a:solidFill>
+          <a:schemeClr val="dk1">
+            <a:lumMod val="25000"/>
+            <a:lumOff val="75000"/>
+          </a:schemeClr>
+        </a:solidFill>
+      </a:ln>
+    </cs:spPr>
+    <cs:defRPr sz="1197" kern="1200"/>
+    <cs:bodyPr rot="0" spcFirstLastPara="1" vertOverflow="clip" horzOverflow="clip" vert="horz" wrap="square" lIns="36576" tIns="18288" rIns="36576" bIns="18288" anchor="ctr" anchorCtr="1">
+      <a:spAutoFit/>
+    </cs:bodyPr>
+  </cs:dataLabelCallout>
+  <cs:dataPoint>
+    <cs:lnRef idx="0"/>
+    <cs:fillRef idx="0">
+      <cs:styleClr val="auto"/>
+    </cs:fillRef>
+    <cs:effectRef idx="0"/>
+    <cs:fontRef idx="minor">
+      <a:schemeClr val="dk1"/>
+    </cs:fontRef>
+    <cs:spPr>
+      <a:solidFill>
+        <a:schemeClr val="phClr"/>
+      </a:solidFill>
+    </cs:spPr>
+  </cs:dataPoint>
+  <cs:dataPoint3D>
+    <cs:lnRef idx="0"/>
+    <cs:fillRef idx="0">
+      <cs:styleClr val="auto"/>
+    </cs:fillRef>
+    <cs:effectRef idx="0"/>
+    <cs:fontRef idx="minor">
+      <a:schemeClr val="dk1"/>
+    </cs:fontRef>
+    <cs:spPr>
+      <a:solidFill>
+        <a:schemeClr val="phClr"/>
+      </a:solidFill>
+    </cs:spPr>
+  </cs:dataPoint3D>
+  <cs:dataPointLine>
+    <cs:lnRef idx="0">
+      <cs:styleClr val="auto"/>
+    </cs:lnRef>
+    <cs:fillRef idx="0"/>
+    <cs:effectRef idx="0"/>
+    <cs:fontRef idx="minor">
+      <a:schemeClr val="dk1"/>
+    </cs:fontRef>
+    <cs:spPr>
+      <a:ln w="22225" cap="rnd">
+        <a:solidFill>
+          <a:schemeClr val="phClr"/>
+        </a:solidFill>
+        <a:round/>
+      </a:ln>
+    </cs:spPr>
+  </cs:dataPointLine>
+  <cs:dataPointMarker>
+    <cs:lnRef idx="0">
+      <cs:styleClr val="auto"/>
+    </cs:lnRef>
+    <cs:fillRef idx="0">
+      <cs:styleClr val="auto"/>
+    </cs:fillRef>
+    <cs:effectRef idx="0"/>
+    <cs:fontRef idx="minor">
+      <a:schemeClr val="dk1"/>
+    </cs:fontRef>
+    <cs:spPr>
+      <a:solidFill>
+        <a:schemeClr val="lt1"/>
+      </a:solidFill>
+      <a:ln w="15875">
+        <a:solidFill>
+          <a:schemeClr val="phClr"/>
+        </a:solidFill>
+        <a:round/>
+      </a:ln>
+    </cs:spPr>
+  </cs:dataPointMarker>
+  <cs:dataPointMarkerLayout symbol="circle" size="6"/>
+  <cs:dataPointWireframe>
+    <cs:lnRef idx="0">
+      <cs:styleClr val="auto"/>
+    </cs:lnRef>
+    <cs:fillRef idx="0"/>
+    <cs:effectRef idx="0"/>
+    <cs:fontRef idx="minor">
+      <a:schemeClr val="dk1"/>
+    </cs:fontRef>
+    <cs:spPr>
+      <a:ln w="9525" cap="rnd">
+        <a:solidFill>
+          <a:schemeClr val="phClr"/>
+        </a:solidFill>
+        <a:round/>
+      </a:ln>
+    </cs:spPr>
+  </cs:dataPointWireframe>
+  <cs:dataTable>
+    <cs:lnRef idx="0"/>
+    <cs:fillRef idx="0"/>
+    <cs:effectRef idx="0"/>
+    <cs:fontRef idx="minor">
+      <a:schemeClr val="dk1">
+        <a:lumMod val="65000"/>
+        <a:lumOff val="35000"/>
+      </a:schemeClr>
+    </cs:fontRef>
+    <cs:spPr>
+      <a:ln w="9525" cap="flat" cmpd="sng" algn="ctr">
+        <a:solidFill>
+          <a:schemeClr val="dk1">
+            <a:lumMod val="15000"/>
+            <a:lumOff val="85000"/>
+          </a:schemeClr>
+        </a:solidFill>
+        <a:round/>
+      </a:ln>
+    </cs:spPr>
+    <cs:defRPr sz="1064" kern="1200"/>
+  </cs:dataTable>
+  <cs:downBar>
+    <cs:lnRef idx="0"/>
+    <cs:fillRef idx="0"/>
+    <cs:effectRef idx="0"/>
+    <cs:fontRef idx="minor">
+      <a:schemeClr val="dk1"/>
+    </cs:fontRef>
+    <cs:spPr>
+      <a:solidFill>
+        <a:schemeClr val="dk1">
+          <a:lumMod val="75000"/>
+          <a:lumOff val="25000"/>
+        </a:schemeClr>
+      </a:solidFill>
+      <a:ln w="9525" cap="flat" cmpd="sng" algn="ctr">
+        <a:solidFill>
+          <a:schemeClr val="dk1">
+            <a:lumMod val="50000"/>
+            <a:lumOff val="50000"/>
+          </a:schemeClr>
+        </a:solidFill>
+        <a:round/>
+      </a:ln>
+    </cs:spPr>
+  </cs:downBar>
+  <cs:dropLine>
+    <cs:lnRef idx="0"/>
+    <cs:fillRef idx="0"/>
+    <cs:effectRef idx="0"/>
+    <cs:fontRef idx="minor">
+      <a:schemeClr val="dk1"/>
+    </cs:fontRef>
+    <cs:spPr>
+      <a:ln w="9525" cap="flat" cmpd="sng" algn="ctr">
+        <a:solidFill>
+          <a:schemeClr val="dk1">
+            <a:lumMod val="35000"/>
+            <a:lumOff val="65000"/>
+          </a:schemeClr>
+        </a:solidFill>
+        <a:round/>
+      </a:ln>
+    </cs:spPr>
+  </cs:dropLine>
+  <cs:errorBar>
+    <cs:lnRef idx="0"/>
+    <cs:fillRef idx="0"/>
+    <cs:effectRef idx="0"/>
+    <cs:fontRef idx="minor">
+      <a:schemeClr val="dk1"/>
+    </cs:fontRef>
+    <cs:spPr>
+      <a:ln w="9525" cap="flat" cmpd="sng" algn="ctr">
+        <a:solidFill>
+          <a:schemeClr val="dk1">
+            <a:lumMod val="50000"/>
+            <a:lumOff val="50000"/>
+          </a:schemeClr>
+        </a:solidFill>
+        <a:round/>
+      </a:ln>
+    </cs:spPr>
+  </cs:errorBar>
+  <cs:floor>
+    <cs:lnRef idx="0"/>
+    <cs:fillRef idx="0"/>
+    <cs:effectRef idx="0"/>
+    <cs:fontRef idx="minor">
+      <a:schemeClr val="dk1"/>
+    </cs:fontRef>
+    <cs:spPr>
+      <a:pattFill prst="ltDnDiag">
+        <a:fgClr>
+          <a:schemeClr val="dk1">
+            <a:lumMod val="15000"/>
+            <a:lumOff val="85000"/>
+          </a:schemeClr>
+        </a:fgClr>
+        <a:bgClr>
+          <a:schemeClr val="lt1"/>
+        </a:bgClr>
+      </a:pattFill>
+    </cs:spPr>
+  </cs:floor>
+  <cs:gridlineMajor>
+    <cs:lnRef idx="0"/>
+    <cs:fillRef idx="0"/>
+    <cs:effectRef idx="0"/>
+    <cs:fontRef idx="minor">
+      <a:schemeClr val="dk1"/>
+    </cs:fontRef>
+    <cs:spPr>
+      <a:ln w="9525" cap="flat" cmpd="sng" algn="ctr">
+        <a:solidFill>
+          <a:schemeClr val="dk1">
+            <a:lumMod val="15000"/>
+            <a:lumOff val="85000"/>
+          </a:schemeClr>
+        </a:solidFill>
+        <a:round/>
+      </a:ln>
+    </cs:spPr>
+  </cs:gridlineMajor>
+  <cs:gridlineMinor>
+    <cs:lnRef idx="0"/>
+    <cs:fillRef idx="0"/>
+    <cs:effectRef idx="0"/>
+    <cs:fontRef idx="minor">
+      <a:schemeClr val="dk1"/>
+    </cs:fontRef>
+    <cs:spPr>
+      <a:ln w="9525" cap="flat" cmpd="sng" algn="ctr">
+        <a:solidFill>
+          <a:schemeClr val="dk1">
+            <a:lumMod val="5000"/>
+            <a:lumOff val="95000"/>
+          </a:schemeClr>
+        </a:solidFill>
+        <a:round/>
+      </a:ln>
+    </cs:spPr>
+  </cs:gridlineMinor>
+  <cs:hiLoLine>
+    <cs:lnRef idx="0"/>
+    <cs:fillRef idx="0"/>
+    <cs:effectRef idx="0"/>
+    <cs:fontRef idx="minor">
+      <a:schemeClr val="dk1"/>
+    </cs:fontRef>
+    <cs:spPr>
+      <a:ln w="9525" cap="flat" cmpd="sng" algn="ctr">
+        <a:solidFill>
+          <a:schemeClr val="dk1">
+            <a:lumMod val="35000"/>
+            <a:lumOff val="65000"/>
+          </a:schemeClr>
+        </a:solidFill>
+        <a:round/>
+      </a:ln>
+    </cs:spPr>
+  </cs:hiLoLine>
+  <cs:leaderLine>
+    <cs:lnRef idx="0"/>
+    <cs:fillRef idx="0"/>
+    <cs:effectRef idx="0"/>
+    <cs:fontRef idx="minor">
+      <a:schemeClr val="dk1"/>
+    </cs:fontRef>
+    <cs:spPr>
+      <a:ln w="9525" cap="flat" cmpd="sng" algn="ctr">
+        <a:solidFill>
+          <a:schemeClr val="dk1">
+            <a:lumMod val="35000"/>
+            <a:lumOff val="65000"/>
+          </a:schemeClr>
+        </a:solidFill>
+        <a:round/>
+      </a:ln>
+    </cs:spPr>
+  </cs:leaderLine>
+  <cs:legend>
+    <cs:lnRef idx="0"/>
+    <cs:fillRef idx="0"/>
+    <cs:effectRef idx="0"/>
+    <cs:fontRef idx="minor">
+      <a:schemeClr val="dk1">
+        <a:lumMod val="65000"/>
+        <a:lumOff val="35000"/>
+      </a:schemeClr>
+    </cs:fontRef>
+    <cs:defRPr sz="1197" kern="1200"/>
+  </cs:legend>
+  <cs:plotArea>
+    <cs:lnRef idx="0"/>
+    <cs:fillRef idx="0"/>
+    <cs:effectRef idx="0"/>
+    <cs:fontRef idx="minor">
+      <a:schemeClr val="dk1"/>
+    </cs:fontRef>
+    <cs:spPr>
+      <a:pattFill prst="ltDnDiag">
+        <a:fgClr>
+          <a:schemeClr val="dk1">
+            <a:lumMod val="15000"/>
+            <a:lumOff val="85000"/>
+          </a:schemeClr>
+        </a:fgClr>
+        <a:bgClr>
+          <a:schemeClr val="lt1"/>
+        </a:bgClr>
+      </a:pattFill>
+    </cs:spPr>
+  </cs:plotArea>
+  <cs:plotArea3D>
+    <cs:lnRef idx="0"/>
+    <cs:fillRef idx="0"/>
+    <cs:effectRef idx="0"/>
+    <cs:fontRef idx="minor">
+      <a:schemeClr val="dk1"/>
+    </cs:fontRef>
+    <cs:spPr>
+      <a:solidFill>
+        <a:schemeClr val="lt1"/>
+      </a:solidFill>
+    </cs:spPr>
+  </cs:plotArea3D>
+  <cs:seriesAxis>
+    <cs:lnRef idx="0"/>
+    <cs:fillRef idx="0"/>
+    <cs:effectRef idx="0"/>
+    <cs:fontRef idx="minor">
+      <a:schemeClr val="dk1">
+        <a:lumMod val="65000"/>
+        <a:lumOff val="35000"/>
+      </a:schemeClr>
+    </cs:fontRef>
+    <cs:defRPr sz="1197" kern="1200"/>
+  </cs:seriesAxis>
+  <cs:seriesLine>
+    <cs:lnRef idx="0"/>
+    <cs:fillRef idx="0"/>
+    <cs:effectRef idx="0"/>
+    <cs:fontRef idx="minor">
+      <a:schemeClr val="dk1"/>
+    </cs:fontRef>
+    <cs:spPr>
+      <a:ln w="9525" cap="flat" cmpd="sng" algn="ctr">
+        <a:solidFill>
+          <a:schemeClr val="dk1">
+            <a:lumMod val="35000"/>
+            <a:lumOff val="65000"/>
+          </a:schemeClr>
+        </a:solidFill>
+        <a:round/>
+      </a:ln>
+    </cs:spPr>
+  </cs:seriesLine>
+  <cs:title>
+    <cs:lnRef idx="0"/>
+    <cs:fillRef idx="0"/>
+    <cs:effectRef idx="0"/>
+    <cs:fontRef idx="major">
+      <a:schemeClr val="dk1">
+        <a:lumMod val="50000"/>
+        <a:lumOff val="50000"/>
+      </a:schemeClr>
+    </cs:fontRef>
+    <cs:defRPr sz="2128" b="1" kern="1200" cap="none" spc="0" normalizeH="0" baseline="0"/>
+  </cs:title>
+  <cs:trendline>
+    <cs:lnRef idx="0">
+      <cs:styleClr val="auto"/>
+    </cs:lnRef>
+    <cs:fillRef idx="0"/>
+    <cs:effectRef idx="0"/>
+    <cs:fontRef idx="minor">
+      <a:schemeClr val="dk1"/>
+    </cs:fontRef>
+    <cs:spPr>
+      <a:ln w="19050" cap="rnd">
+        <a:solidFill>
+          <a:schemeClr val="phClr"/>
+        </a:solidFill>
+      </a:ln>
+    </cs:spPr>
+  </cs:trendline>
+  <cs:trendlineLabel>
+    <cs:lnRef idx="0"/>
+    <cs:fillRef idx="0"/>
+    <cs:effectRef idx="0"/>
+    <cs:fontRef idx="minor">
+      <a:schemeClr val="dk1">
+        <a:lumMod val="65000"/>
+        <a:lumOff val="35000"/>
+      </a:schemeClr>
+    </cs:fontRef>
+    <cs:defRPr sz="1197" kern="1200"/>
+  </cs:trendlineLabel>
+  <cs:upBar>
+    <cs:lnRef idx="0"/>
+    <cs:fillRef idx="0"/>
+    <cs:effectRef idx="0"/>
+    <cs:fontRef idx="minor">
+      <a:schemeClr val="dk1"/>
+    </cs:fontRef>
+    <cs:spPr>
+      <a:solidFill>
+        <a:schemeClr val="lt1"/>
+      </a:solidFill>
+      <a:ln w="9525" cap="flat" cmpd="sng" algn="ctr">
+        <a:solidFill>
+          <a:schemeClr val="dk1">
+            <a:lumMod val="50000"/>
+            <a:lumOff val="50000"/>
+          </a:schemeClr>
+        </a:solidFill>
+        <a:round/>
+      </a:ln>
+    </cs:spPr>
+  </cs:upBar>
+  <cs:valueAxis>
+    <cs:lnRef idx="0"/>
+    <cs:fillRef idx="0"/>
+    <cs:effectRef idx="0"/>
+    <cs:fontRef idx="minor">
+      <a:schemeClr val="dk1">
+        <a:lumMod val="65000"/>
+        <a:lumOff val="35000"/>
+      </a:schemeClr>
+    </cs:fontRef>
+    <cs:defRPr sz="1197" kern="1200"/>
+  </cs:valueAxis>
+  <cs:wall>
+    <cs:lnRef idx="0"/>
+    <cs:fillRef idx="0"/>
+    <cs:effectRef idx="0"/>
+    <cs:fontRef idx="minor">
+      <a:schemeClr val="dk1"/>
+    </cs:fontRef>
+    <cs:spPr>
+      <a:pattFill prst="ltDnDiag">
+        <a:fgClr>
+          <a:schemeClr val="dk1">
+            <a:lumMod val="15000"/>
+            <a:lumOff val="85000"/>
+          </a:schemeClr>
+        </a:fgClr>
+        <a:bgClr>
+          <a:schemeClr val="lt1"/>
+        </a:bgClr>
+      </a:pattFill>
+    </cs:spPr>
+  </cs:wall>
+</cs:chartStyle>
 </file>
 
 <file path=ppt/notesMasters/notesMaster1.xml><?xml version="1.0" encoding="utf-8"?>
@@ -3725,8 +6143,226 @@
         </p:nvSpPr>
         <p:spPr>
           <a:xfrm>
-            <a:off x="2281800" y="4066282"/>
-            <a:ext cx="13724400" cy="2154436"/>
+            <a:off x="2281800" y="3493464"/>
+            <a:ext cx="13724400" cy="2769989"/>
+          </a:xfrm>
+          <a:prstGeom prst="rect">
+            <a:avLst/>
+          </a:prstGeom>
+          <a:noFill/>
+          <a:ln>
+            <a:noFill/>
+          </a:ln>
+        </p:spPr>
+        <p:txBody>
+          <a:bodyPr spcFirstLastPara="1" wrap="square" lIns="0" tIns="0" rIns="0" bIns="0" anchor="t" anchorCtr="0">
+            <a:spAutoFit/>
+          </a:bodyPr>
+          <a:lstStyle/>
+          <a:p>
+            <a:pPr marL="0" marR="0" lvl="0" indent="0" algn="ctr" rtl="0">
+              <a:spcBef>
+                <a:spcPts val="0"/>
+              </a:spcBef>
+              <a:spcAft>
+                <a:spcPts val="0"/>
+              </a:spcAft>
+              <a:buNone/>
+            </a:pPr>
+            <a:r>
+              <a:rPr lang="en-US" sz="9000" b="0" i="0" u="none" strike="noStrike" cap="none" dirty="0" err="1">
+                <a:solidFill>
+                  <a:srgbClr val="FFFFFF"/>
+                </a:solidFill>
+                <a:latin typeface="DM Serif Display"/>
+                <a:ea typeface="DM Serif Display"/>
+                <a:cs typeface="DM Serif Display"/>
+                <a:sym typeface="DM Serif Display"/>
+              </a:rPr>
+              <a:t>Analisi</a:t>
+            </a:r>
+            <a:r>
+              <a:rPr lang="en-US" sz="9000" b="0" i="0" u="none" strike="noStrike" cap="none" dirty="0">
+                <a:solidFill>
+                  <a:srgbClr val="FFFFFF"/>
+                </a:solidFill>
+                <a:latin typeface="DM Serif Display"/>
+                <a:ea typeface="DM Serif Display"/>
+                <a:cs typeface="DM Serif Display"/>
+                <a:sym typeface="DM Serif Display"/>
+              </a:rPr>
+              <a:t> </a:t>
+            </a:r>
+            <a:r>
+              <a:rPr lang="en-US" sz="9000" b="0" i="0" u="none" strike="noStrike" cap="none" dirty="0" err="1">
+                <a:solidFill>
+                  <a:srgbClr val="FFFFFF"/>
+                </a:solidFill>
+                <a:latin typeface="DM Serif Display"/>
+                <a:ea typeface="DM Serif Display"/>
+                <a:cs typeface="DM Serif Display"/>
+                <a:sym typeface="DM Serif Display"/>
+              </a:rPr>
+              <a:t>comparativa</a:t>
+            </a:r>
+            <a:r>
+              <a:rPr lang="en-US" sz="9000" b="0" i="0" u="none" strike="noStrike" cap="none" dirty="0">
+                <a:solidFill>
+                  <a:srgbClr val="FFFFFF"/>
+                </a:solidFill>
+                <a:latin typeface="DM Serif Display"/>
+                <a:ea typeface="DM Serif Display"/>
+                <a:cs typeface="DM Serif Display"/>
+                <a:sym typeface="DM Serif Display"/>
+              </a:rPr>
+              <a:t> di </a:t>
+            </a:r>
+            <a:r>
+              <a:rPr lang="en-US" sz="9000" b="0" i="0" u="none" strike="noStrike" cap="none" dirty="0" err="1">
+                <a:solidFill>
+                  <a:srgbClr val="FFFFFF"/>
+                </a:solidFill>
+                <a:latin typeface="DM Serif Display"/>
+                <a:ea typeface="DM Serif Display"/>
+                <a:cs typeface="DM Serif Display"/>
+                <a:sym typeface="DM Serif Display"/>
+              </a:rPr>
+              <a:t>soluzioni</a:t>
+            </a:r>
+            <a:r>
+              <a:rPr lang="en-US" sz="9000" b="0" i="0" u="none" strike="noStrike" cap="none" dirty="0">
+                <a:solidFill>
+                  <a:srgbClr val="FFFFFF"/>
+                </a:solidFill>
+                <a:latin typeface="DM Serif Display"/>
+                <a:ea typeface="DM Serif Display"/>
+                <a:cs typeface="DM Serif Display"/>
+                <a:sym typeface="DM Serif Display"/>
+              </a:rPr>
+              <a:t> </a:t>
+            </a:r>
+            <a:r>
+              <a:rPr lang="en-US" sz="9000" b="1" i="0" u="none" strike="noStrike" cap="none" dirty="0">
+                <a:solidFill>
+                  <a:srgbClr val="FFFFFF"/>
+                </a:solidFill>
+                <a:latin typeface="DM Serif Display"/>
+                <a:ea typeface="DM Serif Display"/>
+                <a:cs typeface="DM Serif Display"/>
+                <a:sym typeface="DM Serif Display"/>
+              </a:rPr>
+              <a:t>Serverless</a:t>
+            </a:r>
+            <a:endParaRPr sz="9000" b="1" dirty="0"/>
+          </a:p>
+        </p:txBody>
+      </p:sp>
+      <p:sp>
+        <p:nvSpPr>
+          <p:cNvPr id="2" name="Google Shape;33;p7">
+            <a:extLst>
+              <a:ext uri="{FF2B5EF4-FFF2-40B4-BE49-F238E27FC236}">
+                <a16:creationId xmlns:a16="http://schemas.microsoft.com/office/drawing/2014/main" id="{4C9CC24A-9DB5-ED1D-60E5-CD6EBE938E6D}"/>
+              </a:ext>
+            </a:extLst>
+          </p:cNvPr>
+          <p:cNvSpPr txBox="1"/>
+          <p:nvPr/>
+        </p:nvSpPr>
+        <p:spPr>
+          <a:xfrm>
+            <a:off x="12947650" y="8501452"/>
+            <a:ext cx="4341250" cy="1231106"/>
+          </a:xfrm>
+          <a:prstGeom prst="rect">
+            <a:avLst/>
+          </a:prstGeom>
+          <a:noFill/>
+          <a:ln>
+            <a:noFill/>
+          </a:ln>
+        </p:spPr>
+        <p:txBody>
+          <a:bodyPr spcFirstLastPara="1" wrap="square" lIns="0" tIns="0" rIns="0" bIns="0" anchor="t" anchorCtr="0">
+            <a:spAutoFit/>
+          </a:bodyPr>
+          <a:lstStyle/>
+          <a:p>
+            <a:pPr marL="0" marR="0" lvl="0" indent="0" algn="r" rtl="0">
+              <a:spcBef>
+                <a:spcPts val="0"/>
+              </a:spcBef>
+              <a:spcAft>
+                <a:spcPts val="0"/>
+              </a:spcAft>
+              <a:buNone/>
+            </a:pPr>
+            <a:r>
+              <a:rPr lang="en-US" sz="4000" b="0" i="0" u="none" strike="noStrike" cap="none" dirty="0" err="1">
+                <a:solidFill>
+                  <a:srgbClr val="FFFFFF"/>
+                </a:solidFill>
+                <a:latin typeface="DM Serif Display"/>
+                <a:ea typeface="DM Serif Display"/>
+                <a:cs typeface="DM Serif Display"/>
+                <a:sym typeface="DM Serif Display"/>
+              </a:rPr>
+              <a:t>Presentata</a:t>
+            </a:r>
+            <a:r>
+              <a:rPr lang="en-US" sz="4000" b="0" i="0" u="none" strike="noStrike" cap="none" dirty="0">
+                <a:solidFill>
+                  <a:srgbClr val="FFFFFF"/>
+                </a:solidFill>
+                <a:latin typeface="DM Serif Display"/>
+                <a:ea typeface="DM Serif Display"/>
+                <a:cs typeface="DM Serif Display"/>
+                <a:sym typeface="DM Serif Display"/>
+              </a:rPr>
+              <a:t> da:</a:t>
+            </a:r>
+          </a:p>
+          <a:p>
+            <a:pPr marL="0" marR="0" lvl="0" indent="0" algn="r" rtl="0">
+              <a:spcBef>
+                <a:spcPts val="0"/>
+              </a:spcBef>
+              <a:spcAft>
+                <a:spcPts val="0"/>
+              </a:spcAft>
+              <a:buNone/>
+            </a:pPr>
+            <a:r>
+              <a:rPr lang="en-US" sz="4000" b="0" i="0" u="none" strike="noStrike" cap="none" dirty="0">
+                <a:solidFill>
+                  <a:srgbClr val="FFFFFF"/>
+                </a:solidFill>
+                <a:latin typeface="DM Serif Display"/>
+                <a:ea typeface="DM Serif Display"/>
+                <a:cs typeface="DM Serif Display"/>
+                <a:sym typeface="DM Serif Display"/>
+              </a:rPr>
+              <a:t>Davide De Rosa</a:t>
+            </a:r>
+          </a:p>
+        </p:txBody>
+      </p:sp>
+      <p:sp>
+        <p:nvSpPr>
+          <p:cNvPr id="3" name="Google Shape;33;p7">
+            <a:extLst>
+              <a:ext uri="{FF2B5EF4-FFF2-40B4-BE49-F238E27FC236}">
+                <a16:creationId xmlns:a16="http://schemas.microsoft.com/office/drawing/2014/main" id="{01090928-6A38-B6D5-8F19-431E0E33551C}"/>
+              </a:ext>
+            </a:extLst>
+          </p:cNvPr>
+          <p:cNvSpPr txBox="1"/>
+          <p:nvPr/>
+        </p:nvSpPr>
+        <p:spPr>
+          <a:xfrm>
+            <a:off x="2281800" y="708329"/>
+            <a:ext cx="13724400" cy="430887"/>
           </a:xfrm>
           <a:prstGeom prst="rect">
             <a:avLst/>
@@ -3755,7 +6391,7 @@
               <a:buNone/>
             </a:pPr>
             <a:r>
-              <a:rPr lang="en-US" sz="10000" b="0" i="0" u="none" strike="noStrike" cap="none" dirty="0" err="1">
+              <a:rPr lang="en-US" sz="4000" b="0" i="0" u="none" strike="noStrike" cap="none" dirty="0" err="1">
                 <a:solidFill>
                   <a:srgbClr val="FFFFFF"/>
                 </a:solidFill>
@@ -3764,10 +6400,10 @@
                 <a:cs typeface="DM Serif Display"/>
                 <a:sym typeface="DM Serif Display"/>
               </a:rPr>
-              <a:t>Analisi</a:t>
-            </a:r>
-            <a:r>
-              <a:rPr lang="en-US" sz="10000" b="0" i="0" u="none" strike="noStrike" cap="none" dirty="0">
+              <a:t>Università</a:t>
+            </a:r>
+            <a:r>
+              <a:rPr lang="en-US" sz="4000" b="0" i="0" u="none" strike="noStrike" cap="none" dirty="0">
                 <a:solidFill>
                   <a:srgbClr val="FFFFFF"/>
                 </a:solidFill>
@@ -3776,236 +6412,9 @@
                 <a:cs typeface="DM Serif Display"/>
                 <a:sym typeface="DM Serif Display"/>
               </a:rPr>
-              <a:t> </a:t>
-            </a:r>
-            <a:r>
-              <a:rPr lang="en-US" sz="10000" b="0" i="0" u="none" strike="noStrike" cap="none" dirty="0" err="1">
-                <a:solidFill>
-                  <a:srgbClr val="FFFFFF"/>
-                </a:solidFill>
-                <a:latin typeface="DM Serif Display"/>
-                <a:ea typeface="DM Serif Display"/>
-                <a:cs typeface="DM Serif Display"/>
-                <a:sym typeface="DM Serif Display"/>
-              </a:rPr>
-              <a:t>comparativa</a:t>
-            </a:r>
-            <a:r>
-              <a:rPr lang="en-US" sz="10000" b="0" i="0" u="none" strike="noStrike" cap="none" dirty="0">
-                <a:solidFill>
-                  <a:srgbClr val="FFFFFF"/>
-                </a:solidFill>
-                <a:latin typeface="DM Serif Display"/>
-                <a:ea typeface="DM Serif Display"/>
-                <a:cs typeface="DM Serif Display"/>
-                <a:sym typeface="DM Serif Display"/>
-              </a:rPr>
-              <a:t> di </a:t>
-            </a:r>
-            <a:r>
-              <a:rPr lang="en-US" sz="10000" b="0" i="0" u="none" strike="noStrike" cap="none" dirty="0" err="1">
-                <a:solidFill>
-                  <a:srgbClr val="FFFFFF"/>
-                </a:solidFill>
-                <a:latin typeface="DM Serif Display"/>
-                <a:ea typeface="DM Serif Display"/>
-                <a:cs typeface="DM Serif Display"/>
-                <a:sym typeface="DM Serif Display"/>
-              </a:rPr>
-              <a:t>soluzioni</a:t>
-            </a:r>
-            <a:r>
-              <a:rPr lang="en-US" sz="10000" b="0" i="0" u="none" strike="noStrike" cap="none" dirty="0">
-                <a:solidFill>
-                  <a:srgbClr val="FFFFFF"/>
-                </a:solidFill>
-                <a:latin typeface="DM Serif Display"/>
-                <a:ea typeface="DM Serif Display"/>
-                <a:cs typeface="DM Serif Display"/>
-                <a:sym typeface="DM Serif Display"/>
-              </a:rPr>
-              <a:t> </a:t>
-            </a:r>
-            <a:r>
-              <a:rPr lang="en-US" sz="10000" b="1" i="0" u="none" strike="noStrike" cap="none" dirty="0">
-                <a:solidFill>
-                  <a:srgbClr val="FFFFFF"/>
-                </a:solidFill>
-                <a:latin typeface="DM Serif Display"/>
-                <a:ea typeface="DM Serif Display"/>
-                <a:cs typeface="DM Serif Display"/>
-                <a:sym typeface="DM Serif Display"/>
-              </a:rPr>
-              <a:t>Serverless</a:t>
-            </a:r>
-            <a:endParaRPr sz="10000" b="1" dirty="0"/>
-          </a:p>
-        </p:txBody>
-      </p:sp>
-      <p:sp>
-        <p:nvSpPr>
-          <p:cNvPr id="2" name="Google Shape;33;p7">
-            <a:extLst>
-              <a:ext uri="{FF2B5EF4-FFF2-40B4-BE49-F238E27FC236}">
-                <a16:creationId xmlns:a16="http://schemas.microsoft.com/office/drawing/2014/main" id="{4C9CC24A-9DB5-ED1D-60E5-CD6EBE938E6D}"/>
-              </a:ext>
-            </a:extLst>
-          </p:cNvPr>
-          <p:cNvSpPr txBox="1"/>
-          <p:nvPr/>
-        </p:nvSpPr>
-        <p:spPr>
-          <a:xfrm>
-            <a:off x="12947650" y="8501452"/>
-            <a:ext cx="4341250" cy="1077218"/>
-          </a:xfrm>
-          <a:prstGeom prst="rect">
-            <a:avLst/>
-          </a:prstGeom>
-          <a:noFill/>
-          <a:ln>
-            <a:noFill/>
-          </a:ln>
-        </p:spPr>
-        <p:txBody>
-          <a:bodyPr spcFirstLastPara="1" wrap="square" lIns="0" tIns="0" rIns="0" bIns="0" anchor="t" anchorCtr="0">
-            <a:spAutoFit/>
-          </a:bodyPr>
-          <a:lstStyle/>
-          <a:p>
-            <a:pPr marL="0" marR="0" lvl="0" indent="0" algn="r" rtl="0">
-              <a:lnSpc>
-                <a:spcPct val="70000"/>
-              </a:lnSpc>
-              <a:spcBef>
-                <a:spcPts val="0"/>
-              </a:spcBef>
-              <a:spcAft>
-                <a:spcPts val="0"/>
-              </a:spcAft>
-              <a:buNone/>
-            </a:pPr>
-            <a:r>
-              <a:rPr lang="en-US" sz="5000" b="0" i="0" u="none" strike="noStrike" cap="none" dirty="0" err="1">
-                <a:solidFill>
-                  <a:srgbClr val="FFFFFF"/>
-                </a:solidFill>
-                <a:latin typeface="DM Serif Display"/>
-                <a:ea typeface="DM Serif Display"/>
-                <a:cs typeface="DM Serif Display"/>
-                <a:sym typeface="DM Serif Display"/>
-              </a:rPr>
-              <a:t>Presentata</a:t>
-            </a:r>
-            <a:r>
-              <a:rPr lang="en-US" sz="5000" b="0" i="0" u="none" strike="noStrike" cap="none" dirty="0">
-                <a:solidFill>
-                  <a:srgbClr val="FFFFFF"/>
-                </a:solidFill>
-                <a:latin typeface="DM Serif Display"/>
-                <a:ea typeface="DM Serif Display"/>
-                <a:cs typeface="DM Serif Display"/>
-                <a:sym typeface="DM Serif Display"/>
-              </a:rPr>
-              <a:t> da:</a:t>
-            </a:r>
-          </a:p>
-          <a:p>
-            <a:pPr marL="0" marR="0" lvl="0" indent="0" algn="r" rtl="0">
-              <a:lnSpc>
-                <a:spcPct val="70000"/>
-              </a:lnSpc>
-              <a:spcBef>
-                <a:spcPts val="0"/>
-              </a:spcBef>
-              <a:spcAft>
-                <a:spcPts val="0"/>
-              </a:spcAft>
-              <a:buNone/>
-            </a:pPr>
-            <a:r>
-              <a:rPr lang="en-US" sz="5000" b="0" i="0" u="none" strike="noStrike" cap="none" dirty="0">
-                <a:solidFill>
-                  <a:srgbClr val="FFFFFF"/>
-                </a:solidFill>
-                <a:latin typeface="DM Serif Display"/>
-                <a:ea typeface="DM Serif Display"/>
-                <a:cs typeface="DM Serif Display"/>
-                <a:sym typeface="DM Serif Display"/>
-              </a:rPr>
-              <a:t>Davide De Rosa</a:t>
-            </a:r>
-          </a:p>
-        </p:txBody>
-      </p:sp>
-      <p:sp>
-        <p:nvSpPr>
-          <p:cNvPr id="3" name="Google Shape;33;p7">
-            <a:extLst>
-              <a:ext uri="{FF2B5EF4-FFF2-40B4-BE49-F238E27FC236}">
-                <a16:creationId xmlns:a16="http://schemas.microsoft.com/office/drawing/2014/main" id="{01090928-6A38-B6D5-8F19-431E0E33551C}"/>
-              </a:ext>
-            </a:extLst>
-          </p:cNvPr>
-          <p:cNvSpPr txBox="1"/>
-          <p:nvPr/>
-        </p:nvSpPr>
-        <p:spPr>
-          <a:xfrm>
-            <a:off x="2281800" y="708329"/>
-            <a:ext cx="13724400" cy="807913"/>
-          </a:xfrm>
-          <a:prstGeom prst="rect">
-            <a:avLst/>
-          </a:prstGeom>
-          <a:noFill/>
-          <a:ln>
-            <a:noFill/>
-          </a:ln>
-        </p:spPr>
-        <p:txBody>
-          <a:bodyPr spcFirstLastPara="1" wrap="square" lIns="0" tIns="0" rIns="0" bIns="0" anchor="t" anchorCtr="0">
-            <a:spAutoFit/>
-          </a:bodyPr>
-          <a:lstStyle/>
-          <a:p>
-            <a:pPr marL="0" marR="0" lvl="0" indent="0" algn="ctr" rtl="0">
-              <a:lnSpc>
-                <a:spcPct val="70000"/>
-              </a:lnSpc>
-              <a:spcBef>
-                <a:spcPts val="0"/>
-              </a:spcBef>
-              <a:spcAft>
-                <a:spcPts val="0"/>
-              </a:spcAft>
-              <a:buNone/>
-            </a:pPr>
-            <a:r>
-              <a:rPr lang="en-US" sz="7500" b="0" i="0" u="none" strike="noStrike" cap="none" dirty="0" err="1">
-                <a:solidFill>
-                  <a:srgbClr val="FFFFFF"/>
-                </a:solidFill>
-                <a:latin typeface="DM Serif Display"/>
-                <a:ea typeface="DM Serif Display"/>
-                <a:cs typeface="DM Serif Display"/>
-                <a:sym typeface="DM Serif Display"/>
-              </a:rPr>
-              <a:t>Università</a:t>
-            </a:r>
-            <a:r>
-              <a:rPr lang="en-US" sz="7500" b="0" i="0" u="none" strike="noStrike" cap="none" dirty="0">
-                <a:solidFill>
-                  <a:srgbClr val="FFFFFF"/>
-                </a:solidFill>
-                <a:latin typeface="DM Serif Display"/>
-                <a:ea typeface="DM Serif Display"/>
-                <a:cs typeface="DM Serif Display"/>
-                <a:sym typeface="DM Serif Display"/>
-              </a:rPr>
               <a:t> di Bologna</a:t>
             </a:r>
-            <a:endParaRPr sz="7500" b="1" dirty="0"/>
+            <a:endParaRPr sz="4000" b="1" dirty="0"/>
           </a:p>
         </p:txBody>
       </p:sp>
@@ -4024,7 +6433,7 @@
         <p:spPr>
           <a:xfrm>
             <a:off x="999100" y="8501453"/>
-            <a:ext cx="3598300" cy="1077218"/>
+            <a:ext cx="3598300" cy="1231106"/>
           </a:xfrm>
           <a:prstGeom prst="rect">
             <a:avLst/>
@@ -4041,9 +6450,6 @@
           <a:lstStyle/>
           <a:p>
             <a:pPr marL="0" marR="0" lvl="0" indent="0" rtl="0">
-              <a:lnSpc>
-                <a:spcPct val="70000"/>
-              </a:lnSpc>
               <a:spcBef>
                 <a:spcPts val="0"/>
               </a:spcBef>
@@ -4053,7 +6459,7 @@
               <a:buNone/>
             </a:pPr>
             <a:r>
-              <a:rPr lang="en-US" sz="5000" b="0" i="0" u="none" strike="noStrike" cap="none" dirty="0" err="1">
+              <a:rPr lang="en-US" sz="4000" i="0" u="none" strike="noStrike" cap="none" dirty="0" err="1">
                 <a:solidFill>
                   <a:srgbClr val="FFFFFF"/>
                 </a:solidFill>
@@ -4065,7 +6471,7 @@
               <a:t>Relatore</a:t>
             </a:r>
             <a:r>
-              <a:rPr lang="en-US" sz="5000" b="0" i="0" u="none" strike="noStrike" cap="none" dirty="0">
+              <a:rPr lang="en-US" sz="4000" i="0" u="none" strike="noStrike" cap="none" dirty="0">
                 <a:solidFill>
                   <a:srgbClr val="FFFFFF"/>
                 </a:solidFill>
@@ -4079,9 +6485,6 @@
           </a:p>
           <a:p>
             <a:pPr marL="0" marR="0" lvl="0" indent="0" rtl="0">
-              <a:lnSpc>
-                <a:spcPct val="70000"/>
-              </a:lnSpc>
               <a:spcBef>
                 <a:spcPts val="0"/>
               </a:spcBef>
@@ -4091,7 +6494,7 @@
               <a:buNone/>
             </a:pPr>
             <a:r>
-              <a:rPr lang="en-US" sz="5000" b="0" i="0" u="none" strike="noStrike" cap="none" dirty="0">
+              <a:rPr lang="en-US" sz="4000" b="0" i="0" u="none" strike="noStrike" cap="none" dirty="0">
                 <a:solidFill>
                   <a:srgbClr val="FFFFFF"/>
                 </a:solidFill>
@@ -4103,7 +6506,7 @@
               <a:t>Davide </a:t>
             </a:r>
             <a:r>
-              <a:rPr lang="en-US" sz="5000" dirty="0">
+              <a:rPr lang="en-US" sz="4000" dirty="0">
                 <a:solidFill>
                   <a:srgbClr val="FFFFFF"/>
                 </a:solidFill>
@@ -4114,7 +6517,7 @@
               </a:rPr>
               <a:t>Rossi</a:t>
             </a:r>
-            <a:endParaRPr lang="en-US" sz="5000" b="0" i="0" u="none" strike="noStrike" cap="none" dirty="0">
+            <a:endParaRPr lang="en-US" sz="4000" b="0" i="0" u="none" strike="noStrike" cap="none" dirty="0">
               <a:solidFill>
                 <a:srgbClr val="FFFFFF"/>
               </a:solidFill>
@@ -8870,6 +11273,120 @@
           </a:prstGeom>
         </p:spPr>
       </p:pic>
+      <p:sp>
+        <p:nvSpPr>
+          <p:cNvPr id="3" name="Google Shape;76;p12">
+            <a:extLst>
+              <a:ext uri="{FF2B5EF4-FFF2-40B4-BE49-F238E27FC236}">
+                <a16:creationId xmlns:a16="http://schemas.microsoft.com/office/drawing/2014/main" id="{3DFF2AD0-2A4E-543D-7052-DCFC9408F64D}"/>
+              </a:ext>
+            </a:extLst>
+          </p:cNvPr>
+          <p:cNvSpPr txBox="1"/>
+          <p:nvPr/>
+        </p:nvSpPr>
+        <p:spPr>
+          <a:xfrm>
+            <a:off x="3175749" y="4949601"/>
+            <a:ext cx="5028810" cy="387798"/>
+          </a:xfrm>
+          <a:prstGeom prst="rect">
+            <a:avLst/>
+          </a:prstGeom>
+          <a:noFill/>
+          <a:ln>
+            <a:noFill/>
+          </a:ln>
+        </p:spPr>
+        <p:txBody>
+          <a:bodyPr spcFirstLastPara="1" wrap="square" lIns="0" tIns="0" rIns="0" bIns="0" anchor="t" anchorCtr="0">
+            <a:spAutoFit/>
+          </a:bodyPr>
+          <a:lstStyle/>
+          <a:p>
+            <a:pPr marL="0" marR="0" lvl="0" indent="0" algn="l" rtl="0">
+              <a:lnSpc>
+                <a:spcPct val="70000"/>
+              </a:lnSpc>
+              <a:spcBef>
+                <a:spcPts val="0"/>
+              </a:spcBef>
+              <a:spcAft>
+                <a:spcPts val="0"/>
+              </a:spcAft>
+              <a:buNone/>
+            </a:pPr>
+            <a:r>
+              <a:rPr lang="en-US" sz="3600" b="1" dirty="0">
+                <a:solidFill>
+                  <a:srgbClr val="FFFFFF"/>
+                </a:solidFill>
+                <a:latin typeface="DM Serif Display"/>
+                <a:sym typeface="DM Serif Display"/>
+              </a:rPr>
+              <a:t>AWS DynamoDB</a:t>
+            </a:r>
+            <a:endParaRPr sz="4400" b="1" dirty="0"/>
+          </a:p>
+        </p:txBody>
+      </p:sp>
+      <p:sp>
+        <p:nvSpPr>
+          <p:cNvPr id="6" name="Google Shape;76;p12">
+            <a:extLst>
+              <a:ext uri="{FF2B5EF4-FFF2-40B4-BE49-F238E27FC236}">
+                <a16:creationId xmlns:a16="http://schemas.microsoft.com/office/drawing/2014/main" id="{0AFA0F16-73BC-AB7D-E4E1-627E363431E4}"/>
+              </a:ext>
+            </a:extLst>
+          </p:cNvPr>
+          <p:cNvSpPr txBox="1"/>
+          <p:nvPr/>
+        </p:nvSpPr>
+        <p:spPr>
+          <a:xfrm>
+            <a:off x="11697681" y="4949601"/>
+            <a:ext cx="5028810" cy="387798"/>
+          </a:xfrm>
+          <a:prstGeom prst="rect">
+            <a:avLst/>
+          </a:prstGeom>
+          <a:noFill/>
+          <a:ln>
+            <a:noFill/>
+          </a:ln>
+        </p:spPr>
+        <p:txBody>
+          <a:bodyPr spcFirstLastPara="1" wrap="square" lIns="0" tIns="0" rIns="0" bIns="0" anchor="t" anchorCtr="0">
+            <a:spAutoFit/>
+          </a:bodyPr>
+          <a:lstStyle/>
+          <a:p>
+            <a:pPr marL="0" marR="0" lvl="0" indent="0" algn="l" rtl="0">
+              <a:lnSpc>
+                <a:spcPct val="70000"/>
+              </a:lnSpc>
+              <a:spcBef>
+                <a:spcPts val="0"/>
+              </a:spcBef>
+              <a:spcAft>
+                <a:spcPts val="0"/>
+              </a:spcAft>
+              <a:buNone/>
+            </a:pPr>
+            <a:r>
+              <a:rPr lang="en-US" sz="3600" b="1" dirty="0">
+                <a:solidFill>
+                  <a:srgbClr val="FFFFFF"/>
+                </a:solidFill>
+                <a:latin typeface="DM Serif Display"/>
+                <a:sym typeface="DM Serif Display"/>
+              </a:rPr>
+              <a:t>Google Firebase</a:t>
+            </a:r>
+            <a:endParaRPr sz="4400" b="1" dirty="0"/>
+          </a:p>
+        </p:txBody>
+      </p:sp>
     </p:spTree>
     <p:extLst>
       <p:ext uri="{BB962C8B-B14F-4D97-AF65-F5344CB8AC3E}">
@@ -9488,6 +12005,120 @@
           </a:p>
         </p:txBody>
       </p:sp>
+      <p:sp>
+        <p:nvSpPr>
+          <p:cNvPr id="3" name="Google Shape;76;p12">
+            <a:extLst>
+              <a:ext uri="{FF2B5EF4-FFF2-40B4-BE49-F238E27FC236}">
+                <a16:creationId xmlns:a16="http://schemas.microsoft.com/office/drawing/2014/main" id="{686ABDD0-2EF3-C93C-B67D-2D178183582C}"/>
+              </a:ext>
+            </a:extLst>
+          </p:cNvPr>
+          <p:cNvSpPr txBox="1"/>
+          <p:nvPr/>
+        </p:nvSpPr>
+        <p:spPr>
+          <a:xfrm>
+            <a:off x="3175749" y="4949601"/>
+            <a:ext cx="5028810" cy="387798"/>
+          </a:xfrm>
+          <a:prstGeom prst="rect">
+            <a:avLst/>
+          </a:prstGeom>
+          <a:noFill/>
+          <a:ln>
+            <a:noFill/>
+          </a:ln>
+        </p:spPr>
+        <p:txBody>
+          <a:bodyPr spcFirstLastPara="1" wrap="square" lIns="0" tIns="0" rIns="0" bIns="0" anchor="t" anchorCtr="0">
+            <a:spAutoFit/>
+          </a:bodyPr>
+          <a:lstStyle/>
+          <a:p>
+            <a:pPr marL="0" marR="0" lvl="0" indent="0" algn="l" rtl="0">
+              <a:lnSpc>
+                <a:spcPct val="70000"/>
+              </a:lnSpc>
+              <a:spcBef>
+                <a:spcPts val="0"/>
+              </a:spcBef>
+              <a:spcAft>
+                <a:spcPts val="0"/>
+              </a:spcAft>
+              <a:buNone/>
+            </a:pPr>
+            <a:r>
+              <a:rPr lang="en-US" sz="3600" b="1" dirty="0">
+                <a:solidFill>
+                  <a:srgbClr val="FFFFFF"/>
+                </a:solidFill>
+                <a:latin typeface="DM Serif Display"/>
+                <a:sym typeface="DM Serif Display"/>
+              </a:rPr>
+              <a:t>AWS DynamoDB</a:t>
+            </a:r>
+            <a:endParaRPr sz="4400" b="1" dirty="0"/>
+          </a:p>
+        </p:txBody>
+      </p:sp>
+      <p:sp>
+        <p:nvSpPr>
+          <p:cNvPr id="9" name="Google Shape;76;p12">
+            <a:extLst>
+              <a:ext uri="{FF2B5EF4-FFF2-40B4-BE49-F238E27FC236}">
+                <a16:creationId xmlns:a16="http://schemas.microsoft.com/office/drawing/2014/main" id="{0551FDDC-264C-B10C-8C89-F709A49A397C}"/>
+              </a:ext>
+            </a:extLst>
+          </p:cNvPr>
+          <p:cNvSpPr txBox="1"/>
+          <p:nvPr/>
+        </p:nvSpPr>
+        <p:spPr>
+          <a:xfrm>
+            <a:off x="11697681" y="4949601"/>
+            <a:ext cx="5028810" cy="387798"/>
+          </a:xfrm>
+          <a:prstGeom prst="rect">
+            <a:avLst/>
+          </a:prstGeom>
+          <a:noFill/>
+          <a:ln>
+            <a:noFill/>
+          </a:ln>
+        </p:spPr>
+        <p:txBody>
+          <a:bodyPr spcFirstLastPara="1" wrap="square" lIns="0" tIns="0" rIns="0" bIns="0" anchor="t" anchorCtr="0">
+            <a:spAutoFit/>
+          </a:bodyPr>
+          <a:lstStyle/>
+          <a:p>
+            <a:pPr marL="0" marR="0" lvl="0" indent="0" algn="l" rtl="0">
+              <a:lnSpc>
+                <a:spcPct val="70000"/>
+              </a:lnSpc>
+              <a:spcBef>
+                <a:spcPts val="0"/>
+              </a:spcBef>
+              <a:spcAft>
+                <a:spcPts val="0"/>
+              </a:spcAft>
+              <a:buNone/>
+            </a:pPr>
+            <a:r>
+              <a:rPr lang="en-US" sz="3600" b="1" dirty="0">
+                <a:solidFill>
+                  <a:srgbClr val="FFFFFF"/>
+                </a:solidFill>
+                <a:latin typeface="DM Serif Display"/>
+                <a:sym typeface="DM Serif Display"/>
+              </a:rPr>
+              <a:t>Google Firebase</a:t>
+            </a:r>
+            <a:endParaRPr sz="4400" b="1" dirty="0"/>
+          </a:p>
+        </p:txBody>
+      </p:sp>
     </p:spTree>
     <p:extLst>
       <p:ext uri="{BB962C8B-B14F-4D97-AF65-F5344CB8AC3E}">
@@ -10257,6 +12888,120 @@
           </a:p>
         </p:txBody>
       </p:sp>
+      <p:sp>
+        <p:nvSpPr>
+          <p:cNvPr id="3" name="Google Shape;76;p12">
+            <a:extLst>
+              <a:ext uri="{FF2B5EF4-FFF2-40B4-BE49-F238E27FC236}">
+                <a16:creationId xmlns:a16="http://schemas.microsoft.com/office/drawing/2014/main" id="{E4EF0CB5-086D-8211-FB9C-C39C30939F11}"/>
+              </a:ext>
+            </a:extLst>
+          </p:cNvPr>
+          <p:cNvSpPr txBox="1"/>
+          <p:nvPr/>
+        </p:nvSpPr>
+        <p:spPr>
+          <a:xfrm>
+            <a:off x="3175749" y="4949601"/>
+            <a:ext cx="5028810" cy="387798"/>
+          </a:xfrm>
+          <a:prstGeom prst="rect">
+            <a:avLst/>
+          </a:prstGeom>
+          <a:noFill/>
+          <a:ln>
+            <a:noFill/>
+          </a:ln>
+        </p:spPr>
+        <p:txBody>
+          <a:bodyPr spcFirstLastPara="1" wrap="square" lIns="0" tIns="0" rIns="0" bIns="0" anchor="t" anchorCtr="0">
+            <a:spAutoFit/>
+          </a:bodyPr>
+          <a:lstStyle/>
+          <a:p>
+            <a:pPr marL="0" marR="0" lvl="0" indent="0" algn="l" rtl="0">
+              <a:lnSpc>
+                <a:spcPct val="70000"/>
+              </a:lnSpc>
+              <a:spcBef>
+                <a:spcPts val="0"/>
+              </a:spcBef>
+              <a:spcAft>
+                <a:spcPts val="0"/>
+              </a:spcAft>
+              <a:buNone/>
+            </a:pPr>
+            <a:r>
+              <a:rPr lang="en-US" sz="3600" b="1" dirty="0">
+                <a:solidFill>
+                  <a:srgbClr val="FFFFFF"/>
+                </a:solidFill>
+                <a:latin typeface="DM Serif Display"/>
+                <a:sym typeface="DM Serif Display"/>
+              </a:rPr>
+              <a:t>AWS DynamoDB</a:t>
+            </a:r>
+            <a:endParaRPr sz="4400" b="1" dirty="0"/>
+          </a:p>
+        </p:txBody>
+      </p:sp>
+      <p:sp>
+        <p:nvSpPr>
+          <p:cNvPr id="11" name="Google Shape;76;p12">
+            <a:extLst>
+              <a:ext uri="{FF2B5EF4-FFF2-40B4-BE49-F238E27FC236}">
+                <a16:creationId xmlns:a16="http://schemas.microsoft.com/office/drawing/2014/main" id="{983465BC-66E8-1A52-BEA3-416BD9B000A0}"/>
+              </a:ext>
+            </a:extLst>
+          </p:cNvPr>
+          <p:cNvSpPr txBox="1"/>
+          <p:nvPr/>
+        </p:nvSpPr>
+        <p:spPr>
+          <a:xfrm>
+            <a:off x="11697681" y="4949601"/>
+            <a:ext cx="5028810" cy="387798"/>
+          </a:xfrm>
+          <a:prstGeom prst="rect">
+            <a:avLst/>
+          </a:prstGeom>
+          <a:noFill/>
+          <a:ln>
+            <a:noFill/>
+          </a:ln>
+        </p:spPr>
+        <p:txBody>
+          <a:bodyPr spcFirstLastPara="1" wrap="square" lIns="0" tIns="0" rIns="0" bIns="0" anchor="t" anchorCtr="0">
+            <a:spAutoFit/>
+          </a:bodyPr>
+          <a:lstStyle/>
+          <a:p>
+            <a:pPr marL="0" marR="0" lvl="0" indent="0" algn="l" rtl="0">
+              <a:lnSpc>
+                <a:spcPct val="70000"/>
+              </a:lnSpc>
+              <a:spcBef>
+                <a:spcPts val="0"/>
+              </a:spcBef>
+              <a:spcAft>
+                <a:spcPts val="0"/>
+              </a:spcAft>
+              <a:buNone/>
+            </a:pPr>
+            <a:r>
+              <a:rPr lang="en-US" sz="3600" b="1" dirty="0">
+                <a:solidFill>
+                  <a:srgbClr val="FFFFFF"/>
+                </a:solidFill>
+                <a:latin typeface="DM Serif Display"/>
+                <a:sym typeface="DM Serif Display"/>
+              </a:rPr>
+              <a:t>Google Firebase</a:t>
+            </a:r>
+            <a:endParaRPr sz="4400" b="1" dirty="0"/>
+          </a:p>
+        </p:txBody>
+      </p:sp>
     </p:spTree>
     <p:extLst>
       <p:ext uri="{BB962C8B-B14F-4D97-AF65-F5344CB8AC3E}">
@@ -11441,6 +14186,120 @@
           </a:p>
         </p:txBody>
       </p:sp>
+      <p:sp>
+        <p:nvSpPr>
+          <p:cNvPr id="3" name="Google Shape;76;p12">
+            <a:extLst>
+              <a:ext uri="{FF2B5EF4-FFF2-40B4-BE49-F238E27FC236}">
+                <a16:creationId xmlns:a16="http://schemas.microsoft.com/office/drawing/2014/main" id="{D82F6EE4-84BD-998F-31BE-A831CEDEB603}"/>
+              </a:ext>
+            </a:extLst>
+          </p:cNvPr>
+          <p:cNvSpPr txBox="1"/>
+          <p:nvPr/>
+        </p:nvSpPr>
+        <p:spPr>
+          <a:xfrm>
+            <a:off x="3175749" y="4949601"/>
+            <a:ext cx="5028810" cy="387798"/>
+          </a:xfrm>
+          <a:prstGeom prst="rect">
+            <a:avLst/>
+          </a:prstGeom>
+          <a:noFill/>
+          <a:ln>
+            <a:noFill/>
+          </a:ln>
+        </p:spPr>
+        <p:txBody>
+          <a:bodyPr spcFirstLastPara="1" wrap="square" lIns="0" tIns="0" rIns="0" bIns="0" anchor="t" anchorCtr="0">
+            <a:spAutoFit/>
+          </a:bodyPr>
+          <a:lstStyle/>
+          <a:p>
+            <a:pPr marL="0" marR="0" lvl="0" indent="0" algn="l" rtl="0">
+              <a:lnSpc>
+                <a:spcPct val="70000"/>
+              </a:lnSpc>
+              <a:spcBef>
+                <a:spcPts val="0"/>
+              </a:spcBef>
+              <a:spcAft>
+                <a:spcPts val="0"/>
+              </a:spcAft>
+              <a:buNone/>
+            </a:pPr>
+            <a:r>
+              <a:rPr lang="en-US" sz="3600" b="1" dirty="0">
+                <a:solidFill>
+                  <a:srgbClr val="FFFFFF"/>
+                </a:solidFill>
+                <a:latin typeface="DM Serif Display"/>
+                <a:sym typeface="DM Serif Display"/>
+              </a:rPr>
+              <a:t>AWS DynamoDB</a:t>
+            </a:r>
+            <a:endParaRPr sz="4400" b="1" dirty="0"/>
+          </a:p>
+        </p:txBody>
+      </p:sp>
+      <p:sp>
+        <p:nvSpPr>
+          <p:cNvPr id="13" name="Google Shape;76;p12">
+            <a:extLst>
+              <a:ext uri="{FF2B5EF4-FFF2-40B4-BE49-F238E27FC236}">
+                <a16:creationId xmlns:a16="http://schemas.microsoft.com/office/drawing/2014/main" id="{7458C217-5303-53FA-1CC4-D46EDC8CB19B}"/>
+              </a:ext>
+            </a:extLst>
+          </p:cNvPr>
+          <p:cNvSpPr txBox="1"/>
+          <p:nvPr/>
+        </p:nvSpPr>
+        <p:spPr>
+          <a:xfrm>
+            <a:off x="11697681" y="4949601"/>
+            <a:ext cx="5028810" cy="387798"/>
+          </a:xfrm>
+          <a:prstGeom prst="rect">
+            <a:avLst/>
+          </a:prstGeom>
+          <a:noFill/>
+          <a:ln>
+            <a:noFill/>
+          </a:ln>
+        </p:spPr>
+        <p:txBody>
+          <a:bodyPr spcFirstLastPara="1" wrap="square" lIns="0" tIns="0" rIns="0" bIns="0" anchor="t" anchorCtr="0">
+            <a:spAutoFit/>
+          </a:bodyPr>
+          <a:lstStyle/>
+          <a:p>
+            <a:pPr marL="0" marR="0" lvl="0" indent="0" algn="l" rtl="0">
+              <a:lnSpc>
+                <a:spcPct val="70000"/>
+              </a:lnSpc>
+              <a:spcBef>
+                <a:spcPts val="0"/>
+              </a:spcBef>
+              <a:spcAft>
+                <a:spcPts val="0"/>
+              </a:spcAft>
+              <a:buNone/>
+            </a:pPr>
+            <a:r>
+              <a:rPr lang="en-US" sz="3600" b="1" dirty="0">
+                <a:solidFill>
+                  <a:srgbClr val="FFFFFF"/>
+                </a:solidFill>
+                <a:latin typeface="DM Serif Display"/>
+                <a:sym typeface="DM Serif Display"/>
+              </a:rPr>
+              <a:t>Google Firebase</a:t>
+            </a:r>
+            <a:endParaRPr sz="4400" b="1" dirty="0"/>
+          </a:p>
+        </p:txBody>
+      </p:sp>
     </p:spTree>
     <p:extLst>
       <p:ext uri="{BB962C8B-B14F-4D97-AF65-F5344CB8AC3E}">
@@ -11717,7 +14576,7 @@
         <p:spPr>
           <a:xfrm>
             <a:off x="1709487" y="3841693"/>
-            <a:ext cx="14869026" cy="3037755"/>
+            <a:ext cx="14869026" cy="3370153"/>
           </a:xfrm>
           <a:prstGeom prst="rect">
             <a:avLst/>
@@ -11734,9 +14593,6 @@
           <a:lstStyle/>
           <a:p>
             <a:pPr marL="0" marR="0" lvl="0" indent="0" algn="ctr" rtl="0">
-              <a:lnSpc>
-                <a:spcPct val="70000"/>
-              </a:lnSpc>
               <a:spcBef>
                 <a:spcPts val="0"/>
               </a:spcBef>
@@ -11823,8 +14679,19 @@
                 <a:latin typeface="DM Serif Display"/>
                 <a:sym typeface="DM Serif Display"/>
               </a:rPr>
-              <a:t> di API, </a:t>
-            </a:r>
+              <a:t> di API,</a:t>
+            </a:r>
+          </a:p>
+          <a:p>
+            <a:pPr marL="0" marR="0" lvl="0" indent="0" algn="ctr" rtl="0">
+              <a:spcBef>
+                <a:spcPts val="0"/>
+              </a:spcBef>
+              <a:spcAft>
+                <a:spcPts val="0"/>
+              </a:spcAft>
+              <a:buNone/>
+            </a:pPr>
             <a:r>
               <a:rPr lang="en-US" sz="5000" b="1" dirty="0" err="1">
                 <a:solidFill>
@@ -11939,41 +14806,41 @@
               </a:spcAft>
             </a:pPr>
             <a:r>
-              <a:rPr lang="en-US" sz="4400" b="1" dirty="0" err="1">
-                <a:solidFill>
-                  <a:srgbClr val="FFFFFF"/>
-                </a:solidFill>
-                <a:latin typeface="DM Serif Display"/>
+              <a:rPr lang="en-US" sz="4000" dirty="0" err="1">
+                <a:solidFill>
+                  <a:srgbClr val="FFFFFF"/>
+                </a:solidFill>
+                <a:latin typeface="DM Sans" pitchFamily="2" charset="77"/>
                 <a:sym typeface="DM Serif Display"/>
               </a:rPr>
               <a:t>Funzione</a:t>
             </a:r>
             <a:r>
-              <a:rPr lang="en-US" sz="4400" b="1" dirty="0">
-                <a:solidFill>
-                  <a:srgbClr val="FFFFFF"/>
-                </a:solidFill>
-                <a:latin typeface="DM Serif Display"/>
+              <a:rPr lang="en-US" sz="4000" dirty="0">
+                <a:solidFill>
+                  <a:srgbClr val="FFFFFF"/>
+                </a:solidFill>
+                <a:latin typeface="DM Sans" pitchFamily="2" charset="77"/>
                 <a:sym typeface="DM Serif Display"/>
               </a:rPr>
               <a:t> unica per </a:t>
             </a:r>
             <a:r>
-              <a:rPr lang="en-US" sz="4400" b="1" dirty="0" err="1">
-                <a:solidFill>
-                  <a:srgbClr val="FFFFFF"/>
-                </a:solidFill>
-                <a:latin typeface="DM Serif Display"/>
+              <a:rPr lang="en-US" sz="4000" dirty="0" err="1">
+                <a:solidFill>
+                  <a:srgbClr val="FFFFFF"/>
+                </a:solidFill>
+                <a:latin typeface="DM Sans" pitchFamily="2" charset="77"/>
                 <a:sym typeface="DM Serif Display"/>
               </a:rPr>
               <a:t>tutte</a:t>
             </a:r>
             <a:r>
-              <a:rPr lang="en-US" sz="4400" b="1" dirty="0">
-                <a:solidFill>
-                  <a:srgbClr val="FFFFFF"/>
-                </a:solidFill>
-                <a:latin typeface="DM Serif Display"/>
+              <a:rPr lang="en-US" sz="4000" dirty="0">
+                <a:solidFill>
+                  <a:srgbClr val="FFFFFF"/>
+                </a:solidFill>
+                <a:latin typeface="DM Sans" pitchFamily="2" charset="77"/>
                 <a:sym typeface="DM Serif Display"/>
               </a:rPr>
               <a:t> le API</a:t>
@@ -11991,11 +14858,11 @@
                 <a:spcPts val="0"/>
               </a:spcAft>
             </a:pPr>
-            <a:endParaRPr lang="en-US" sz="4400" b="1" dirty="0">
+            <a:endParaRPr lang="en-US" sz="4000" dirty="0">
               <a:solidFill>
                 <a:srgbClr val="FFFFFF"/>
               </a:solidFill>
-              <a:latin typeface="DM Serif Display"/>
+              <a:latin typeface="DM Sans" pitchFamily="2" charset="77"/>
               <a:sym typeface="DM Serif Display"/>
             </a:endParaRPr>
           </a:p>
@@ -12012,61 +14879,61 @@
               </a:spcAft>
             </a:pPr>
             <a:r>
-              <a:rPr lang="en-US" sz="4400" b="1" dirty="0" err="1">
-                <a:solidFill>
-                  <a:srgbClr val="FFFFFF"/>
-                </a:solidFill>
-                <a:latin typeface="DM Serif Display"/>
+              <a:rPr lang="en-US" sz="4000" dirty="0" err="1">
+                <a:solidFill>
+                  <a:srgbClr val="FFFFFF"/>
+                </a:solidFill>
+                <a:latin typeface="DM Sans" pitchFamily="2" charset="77"/>
                 <a:sym typeface="DM Serif Display"/>
               </a:rPr>
               <a:t>Funzione</a:t>
             </a:r>
             <a:r>
-              <a:rPr lang="en-US" sz="4400" b="1" dirty="0">
-                <a:solidFill>
-                  <a:srgbClr val="FFFFFF"/>
-                </a:solidFill>
-                <a:latin typeface="DM Serif Display"/>
+              <a:rPr lang="en-US" sz="4000" dirty="0">
+                <a:solidFill>
+                  <a:srgbClr val="FFFFFF"/>
+                </a:solidFill>
+                <a:latin typeface="DM Sans" pitchFamily="2" charset="77"/>
                 <a:sym typeface="DM Serif Display"/>
               </a:rPr>
               <a:t> per </a:t>
             </a:r>
             <a:r>
-              <a:rPr lang="en-US" sz="4400" b="1" dirty="0" err="1">
-                <a:solidFill>
-                  <a:srgbClr val="FFFFFF"/>
-                </a:solidFill>
-                <a:latin typeface="DM Serif Display"/>
+              <a:rPr lang="en-US" sz="4000" dirty="0" err="1">
+                <a:solidFill>
+                  <a:srgbClr val="FFFFFF"/>
+                </a:solidFill>
+                <a:latin typeface="DM Sans" pitchFamily="2" charset="77"/>
                 <a:sym typeface="DM Serif Display"/>
               </a:rPr>
               <a:t>ogni</a:t>
             </a:r>
             <a:r>
-              <a:rPr lang="en-US" sz="4400" b="1" dirty="0">
-                <a:solidFill>
-                  <a:srgbClr val="FFFFFF"/>
-                </a:solidFill>
-                <a:latin typeface="DM Serif Display"/>
+              <a:rPr lang="en-US" sz="4000" dirty="0">
+                <a:solidFill>
+                  <a:srgbClr val="FFFFFF"/>
+                </a:solidFill>
+                <a:latin typeface="DM Sans" pitchFamily="2" charset="77"/>
                 <a:sym typeface="DM Serif Display"/>
               </a:rPr>
               <a:t> </a:t>
             </a:r>
             <a:r>
-              <a:rPr lang="en-US" sz="4400" b="1" dirty="0" err="1">
-                <a:solidFill>
-                  <a:srgbClr val="FFFFFF"/>
-                </a:solidFill>
-                <a:latin typeface="DM Serif Display"/>
+              <a:rPr lang="en-US" sz="4000" dirty="0" err="1">
+                <a:solidFill>
+                  <a:srgbClr val="FFFFFF"/>
+                </a:solidFill>
+                <a:latin typeface="DM Sans" pitchFamily="2" charset="77"/>
                 <a:sym typeface="DM Serif Display"/>
               </a:rPr>
               <a:t>chiamata</a:t>
             </a:r>
             <a:r>
-              <a:rPr lang="en-US" sz="4400" b="1" dirty="0">
-                <a:solidFill>
-                  <a:srgbClr val="FFFFFF"/>
-                </a:solidFill>
-                <a:latin typeface="DM Serif Display"/>
+              <a:rPr lang="en-US" sz="4000" dirty="0">
+                <a:solidFill>
+                  <a:srgbClr val="FFFFFF"/>
+                </a:solidFill>
+                <a:latin typeface="DM Sans" pitchFamily="2" charset="77"/>
                 <a:sym typeface="DM Serif Display"/>
               </a:rPr>
               <a:t> API</a:t>
@@ -12131,7 +14998,7 @@
         </p:nvSpPr>
         <p:spPr>
           <a:xfrm>
-            <a:off x="4864099" y="5554133"/>
+            <a:off x="5257799" y="5960533"/>
             <a:ext cx="143934" cy="143934"/>
           </a:xfrm>
           <a:prstGeom prst="ellipse">
@@ -12185,7 +15052,7 @@
         </p:nvSpPr>
         <p:spPr>
           <a:xfrm>
-            <a:off x="4764748" y="6476999"/>
+            <a:off x="5160432" y="6807199"/>
             <a:ext cx="143934" cy="143934"/>
           </a:xfrm>
           <a:prstGeom prst="ellipse">
@@ -14831,7 +17698,7 @@
                 <a:cs typeface="DM Serif Display"/>
                 <a:sym typeface="DM Serif Display"/>
               </a:rPr>
-              <a:t>Caso Studio</a:t>
+              <a:t>Caso Studio - Performance</a:t>
             </a:r>
             <a:endParaRPr sz="2500" dirty="0"/>
           </a:p>
@@ -14854,7 +17721,7 @@
         <p:spPr>
           <a:xfrm>
             <a:off x="1028700" y="850900"/>
-            <a:ext cx="1693235" cy="0"/>
+            <a:ext cx="3759431" cy="0"/>
           </a:xfrm>
           <a:prstGeom prst="line">
             <a:avLst/>
@@ -14880,6 +17747,641 @@
           </a:fontRef>
         </p:style>
       </p:cxnSp>
+      <p:sp>
+        <p:nvSpPr>
+          <p:cNvPr id="13" name="Google Shape;72;p12">
+            <a:extLst>
+              <a:ext uri="{FF2B5EF4-FFF2-40B4-BE49-F238E27FC236}">
+                <a16:creationId xmlns:a16="http://schemas.microsoft.com/office/drawing/2014/main" id="{1057E337-7E31-ACA5-0C60-7DB0135643FB}"/>
+              </a:ext>
+            </a:extLst>
+          </p:cNvPr>
+          <p:cNvSpPr txBox="1"/>
+          <p:nvPr/>
+        </p:nvSpPr>
+        <p:spPr>
+          <a:xfrm>
+            <a:off x="7720443" y="2115689"/>
+            <a:ext cx="2645525" cy="538609"/>
+          </a:xfrm>
+          <a:prstGeom prst="rect">
+            <a:avLst/>
+          </a:prstGeom>
+          <a:noFill/>
+          <a:ln>
+            <a:noFill/>
+          </a:ln>
+        </p:spPr>
+        <p:txBody>
+          <a:bodyPr spcFirstLastPara="1" wrap="square" lIns="0" tIns="0" rIns="0" bIns="0" anchor="t" anchorCtr="0">
+            <a:spAutoFit/>
+          </a:bodyPr>
+          <a:lstStyle/>
+          <a:p>
+            <a:pPr marL="0" marR="0" lvl="0" indent="0" algn="l" rtl="0">
+              <a:lnSpc>
+                <a:spcPct val="70000"/>
+              </a:lnSpc>
+              <a:spcBef>
+                <a:spcPts val="0"/>
+              </a:spcBef>
+              <a:spcAft>
+                <a:spcPts val="0"/>
+              </a:spcAft>
+              <a:buNone/>
+            </a:pPr>
+            <a:r>
+              <a:rPr lang="en-US" sz="5000" b="1" dirty="0" err="1">
+                <a:solidFill>
+                  <a:srgbClr val="FFFFFF"/>
+                </a:solidFill>
+                <a:latin typeface="DM Serif Display"/>
+                <a:ea typeface="DM Serif Display"/>
+                <a:cs typeface="DM Serif Display"/>
+                <a:sym typeface="DM Serif Display"/>
+              </a:rPr>
+              <a:t>Latenza</a:t>
+            </a:r>
+            <a:endParaRPr lang="en-US" sz="5000" b="1" i="0" u="none" strike="noStrike" cap="none" dirty="0">
+              <a:solidFill>
+                <a:srgbClr val="FFFFFF"/>
+              </a:solidFill>
+              <a:latin typeface="DM Serif Display"/>
+              <a:ea typeface="DM Serif Display"/>
+              <a:cs typeface="DM Serif Display"/>
+              <a:sym typeface="DM Serif Display"/>
+            </a:endParaRPr>
+          </a:p>
+        </p:txBody>
+      </p:sp>
+      <p:sp>
+        <p:nvSpPr>
+          <p:cNvPr id="14" name="Google Shape;73;p12">
+            <a:extLst>
+              <a:ext uri="{FF2B5EF4-FFF2-40B4-BE49-F238E27FC236}">
+                <a16:creationId xmlns:a16="http://schemas.microsoft.com/office/drawing/2014/main" id="{195B823B-F5F9-7E7D-125B-8377D6B0F130}"/>
+              </a:ext>
+            </a:extLst>
+          </p:cNvPr>
+          <p:cNvSpPr txBox="1"/>
+          <p:nvPr/>
+        </p:nvSpPr>
+        <p:spPr>
+          <a:xfrm>
+            <a:off x="3136814" y="3013470"/>
+            <a:ext cx="11812782" cy="1338828"/>
+          </a:xfrm>
+          <a:prstGeom prst="rect">
+            <a:avLst/>
+          </a:prstGeom>
+          <a:noFill/>
+          <a:ln>
+            <a:noFill/>
+          </a:ln>
+        </p:spPr>
+        <p:txBody>
+          <a:bodyPr spcFirstLastPara="1" wrap="square" lIns="0" tIns="0" rIns="0" bIns="0" anchor="t" anchorCtr="0">
+            <a:spAutoFit/>
+          </a:bodyPr>
+          <a:lstStyle/>
+          <a:p>
+            <a:pPr algn="ctr"/>
+            <a:r>
+              <a:rPr lang="en-US" sz="2100" dirty="0">
+                <a:solidFill>
+                  <a:srgbClr val="FFFFFF"/>
+                </a:solidFill>
+                <a:latin typeface="DM Sans"/>
+                <a:sym typeface="DM Sans"/>
+              </a:rPr>
+              <a:t>Il tempo </a:t>
+            </a:r>
+            <a:r>
+              <a:rPr lang="en-US" sz="2100" dirty="0" err="1">
+                <a:solidFill>
+                  <a:srgbClr val="FFFFFF"/>
+                </a:solidFill>
+                <a:latin typeface="DM Sans"/>
+                <a:sym typeface="DM Sans"/>
+              </a:rPr>
+              <a:t>che</a:t>
+            </a:r>
+            <a:r>
+              <a:rPr lang="en-US" sz="2100" dirty="0">
+                <a:solidFill>
+                  <a:srgbClr val="FFFFFF"/>
+                </a:solidFill>
+                <a:latin typeface="DM Sans"/>
+                <a:sym typeface="DM Sans"/>
+              </a:rPr>
+              <a:t> </a:t>
+            </a:r>
+            <a:r>
+              <a:rPr lang="en-US" sz="2100" dirty="0" err="1">
+                <a:solidFill>
+                  <a:srgbClr val="FFFFFF"/>
+                </a:solidFill>
+                <a:latin typeface="DM Sans"/>
+                <a:sym typeface="DM Sans"/>
+              </a:rPr>
+              <a:t>un’API</a:t>
+            </a:r>
+            <a:r>
+              <a:rPr lang="en-US" sz="2100" dirty="0">
+                <a:solidFill>
+                  <a:srgbClr val="FFFFFF"/>
+                </a:solidFill>
+                <a:latin typeface="DM Sans"/>
+                <a:sym typeface="DM Sans"/>
+              </a:rPr>
+              <a:t> </a:t>
+            </a:r>
+            <a:r>
+              <a:rPr lang="en-US" sz="2100" dirty="0" err="1">
+                <a:solidFill>
+                  <a:srgbClr val="FFFFFF"/>
+                </a:solidFill>
+                <a:latin typeface="DM Sans"/>
+                <a:sym typeface="DM Sans"/>
+              </a:rPr>
+              <a:t>impiega</a:t>
+            </a:r>
+            <a:r>
+              <a:rPr lang="en-US" sz="2100" dirty="0">
+                <a:solidFill>
+                  <a:srgbClr val="FFFFFF"/>
+                </a:solidFill>
+                <a:latin typeface="DM Sans"/>
+                <a:sym typeface="DM Sans"/>
+              </a:rPr>
+              <a:t> per </a:t>
+            </a:r>
+            <a:r>
+              <a:rPr lang="en-US" sz="2100" dirty="0" err="1">
+                <a:solidFill>
+                  <a:srgbClr val="FFFFFF"/>
+                </a:solidFill>
+                <a:latin typeface="DM Sans"/>
+                <a:sym typeface="DM Sans"/>
+              </a:rPr>
+              <a:t>elaborare</a:t>
+            </a:r>
+            <a:r>
+              <a:rPr lang="en-US" sz="2100" dirty="0">
+                <a:solidFill>
+                  <a:srgbClr val="FFFFFF"/>
+                </a:solidFill>
+                <a:latin typeface="DM Sans"/>
+                <a:sym typeface="DM Sans"/>
+              </a:rPr>
+              <a:t> </a:t>
+            </a:r>
+            <a:r>
+              <a:rPr lang="en-US" sz="2100" dirty="0" err="1">
+                <a:solidFill>
+                  <a:srgbClr val="FFFFFF"/>
+                </a:solidFill>
+                <a:latin typeface="DM Sans"/>
+                <a:sym typeface="DM Sans"/>
+              </a:rPr>
+              <a:t>una</a:t>
+            </a:r>
+            <a:r>
+              <a:rPr lang="en-US" sz="2100" dirty="0">
+                <a:solidFill>
+                  <a:srgbClr val="FFFFFF"/>
+                </a:solidFill>
+                <a:latin typeface="DM Sans"/>
+                <a:sym typeface="DM Sans"/>
+              </a:rPr>
+              <a:t> </a:t>
+            </a:r>
+            <a:r>
+              <a:rPr lang="en-US" sz="2100" dirty="0" err="1">
+                <a:solidFill>
+                  <a:srgbClr val="FFFFFF"/>
+                </a:solidFill>
+                <a:latin typeface="DM Sans"/>
+                <a:sym typeface="DM Sans"/>
+              </a:rPr>
+              <a:t>richiesta</a:t>
+            </a:r>
+            <a:r>
+              <a:rPr lang="en-US" sz="2100" dirty="0">
+                <a:solidFill>
+                  <a:srgbClr val="FFFFFF"/>
+                </a:solidFill>
+                <a:latin typeface="DM Sans"/>
+                <a:sym typeface="DM Sans"/>
+              </a:rPr>
+              <a:t> ed </a:t>
+            </a:r>
+            <a:r>
+              <a:rPr lang="en-US" sz="2100" dirty="0" err="1">
+                <a:solidFill>
+                  <a:srgbClr val="FFFFFF"/>
+                </a:solidFill>
+                <a:latin typeface="DM Sans"/>
+                <a:sym typeface="DM Sans"/>
+              </a:rPr>
+              <a:t>inviare</a:t>
+            </a:r>
+            <a:r>
+              <a:rPr lang="en-US" sz="2100" dirty="0">
+                <a:solidFill>
+                  <a:srgbClr val="FFFFFF"/>
+                </a:solidFill>
+                <a:latin typeface="DM Sans"/>
+                <a:sym typeface="DM Sans"/>
+              </a:rPr>
+              <a:t> </a:t>
+            </a:r>
+            <a:r>
+              <a:rPr lang="en-US" sz="2100" dirty="0" err="1">
+                <a:solidFill>
+                  <a:srgbClr val="FFFFFF"/>
+                </a:solidFill>
+                <a:latin typeface="DM Sans"/>
+                <a:sym typeface="DM Sans"/>
+              </a:rPr>
+              <a:t>una</a:t>
+            </a:r>
+            <a:r>
+              <a:rPr lang="en-US" sz="2100" dirty="0">
+                <a:solidFill>
+                  <a:srgbClr val="FFFFFF"/>
+                </a:solidFill>
+                <a:latin typeface="DM Sans"/>
+                <a:sym typeface="DM Sans"/>
+              </a:rPr>
+              <a:t> </a:t>
+            </a:r>
+            <a:r>
+              <a:rPr lang="en-US" sz="2100" dirty="0" err="1">
+                <a:solidFill>
+                  <a:srgbClr val="FFFFFF"/>
+                </a:solidFill>
+                <a:latin typeface="DM Sans"/>
+                <a:sym typeface="DM Sans"/>
+              </a:rPr>
+              <a:t>risposta</a:t>
+            </a:r>
+            <a:r>
+              <a:rPr lang="en-US" sz="2100" dirty="0">
+                <a:solidFill>
+                  <a:srgbClr val="FFFFFF"/>
+                </a:solidFill>
+                <a:latin typeface="DM Sans"/>
+                <a:sym typeface="DM Sans"/>
+              </a:rPr>
+              <a:t>, </a:t>
+            </a:r>
+            <a:r>
+              <a:rPr lang="en-US" sz="2100" dirty="0" err="1">
+                <a:solidFill>
+                  <a:srgbClr val="FFFFFF"/>
+                </a:solidFill>
+                <a:latin typeface="DM Sans"/>
+                <a:sym typeface="DM Sans"/>
+              </a:rPr>
+              <a:t>compresi</a:t>
+            </a:r>
+            <a:r>
+              <a:rPr lang="en-US" sz="2100" dirty="0">
+                <a:solidFill>
+                  <a:srgbClr val="FFFFFF"/>
+                </a:solidFill>
+                <a:latin typeface="DM Sans"/>
+                <a:sym typeface="DM Sans"/>
+              </a:rPr>
+              <a:t> </a:t>
+            </a:r>
+            <a:r>
+              <a:rPr lang="en-US" sz="2100" dirty="0" err="1">
+                <a:solidFill>
+                  <a:srgbClr val="FFFFFF"/>
+                </a:solidFill>
+                <a:latin typeface="DM Sans"/>
+                <a:sym typeface="DM Sans"/>
+              </a:rPr>
+              <a:t>eventuali</a:t>
+            </a:r>
+            <a:r>
+              <a:rPr lang="en-US" sz="2100" dirty="0">
+                <a:solidFill>
+                  <a:srgbClr val="FFFFFF"/>
+                </a:solidFill>
+                <a:latin typeface="DM Sans"/>
+                <a:sym typeface="DM Sans"/>
+              </a:rPr>
+              <a:t> </a:t>
+            </a:r>
+            <a:r>
+              <a:rPr lang="en-US" sz="2100" dirty="0" err="1">
+                <a:solidFill>
+                  <a:srgbClr val="FFFFFF"/>
+                </a:solidFill>
+                <a:latin typeface="DM Sans"/>
+                <a:sym typeface="DM Sans"/>
+              </a:rPr>
+              <a:t>ritardi</a:t>
+            </a:r>
+            <a:r>
+              <a:rPr lang="en-US" sz="2100" dirty="0">
+                <a:solidFill>
+                  <a:srgbClr val="FFFFFF"/>
+                </a:solidFill>
+                <a:latin typeface="DM Sans"/>
+                <a:sym typeface="DM Sans"/>
+              </a:rPr>
+              <a:t> di rete o di </a:t>
+            </a:r>
+            <a:r>
+              <a:rPr lang="en-US" sz="2100" dirty="0" err="1">
+                <a:solidFill>
+                  <a:srgbClr val="FFFFFF"/>
+                </a:solidFill>
+                <a:latin typeface="DM Sans"/>
+                <a:sym typeface="DM Sans"/>
+              </a:rPr>
+              <a:t>elaborazione</a:t>
+            </a:r>
+            <a:r>
+              <a:rPr lang="en-US" sz="2100" dirty="0">
+                <a:solidFill>
+                  <a:srgbClr val="FFFFFF"/>
+                </a:solidFill>
+                <a:latin typeface="DM Sans"/>
+                <a:sym typeface="DM Sans"/>
+              </a:rPr>
+              <a:t>. </a:t>
+            </a:r>
+            <a:r>
+              <a:rPr lang="en-US" sz="2100" dirty="0" err="1">
+                <a:solidFill>
+                  <a:srgbClr val="FFFFFF"/>
+                </a:solidFill>
+                <a:latin typeface="DM Sans"/>
+                <a:sym typeface="DM Sans"/>
+              </a:rPr>
+              <a:t>Può</a:t>
+            </a:r>
+            <a:r>
+              <a:rPr lang="en-US" sz="2100" dirty="0">
+                <a:solidFill>
+                  <a:srgbClr val="FFFFFF"/>
+                </a:solidFill>
+                <a:latin typeface="DM Sans"/>
+                <a:sym typeface="DM Sans"/>
+              </a:rPr>
+              <a:t> </a:t>
+            </a:r>
+            <a:r>
+              <a:rPr lang="en-US" sz="2100" dirty="0" err="1">
+                <a:solidFill>
+                  <a:srgbClr val="FFFFFF"/>
+                </a:solidFill>
+                <a:latin typeface="DM Sans"/>
+                <a:sym typeface="DM Sans"/>
+              </a:rPr>
+              <a:t>essere</a:t>
+            </a:r>
+            <a:r>
+              <a:rPr lang="en-US" sz="2100" dirty="0">
+                <a:solidFill>
+                  <a:srgbClr val="FFFFFF"/>
+                </a:solidFill>
+                <a:latin typeface="DM Sans"/>
+                <a:sym typeface="DM Sans"/>
+              </a:rPr>
+              <a:t> </a:t>
+            </a:r>
+            <a:r>
+              <a:rPr lang="en-US" sz="2100" dirty="0" err="1">
+                <a:solidFill>
+                  <a:srgbClr val="FFFFFF"/>
+                </a:solidFill>
+                <a:latin typeface="DM Sans"/>
+                <a:sym typeface="DM Sans"/>
+              </a:rPr>
+              <a:t>influenzata</a:t>
+            </a:r>
+            <a:r>
+              <a:rPr lang="en-US" sz="2100" dirty="0">
+                <a:solidFill>
+                  <a:srgbClr val="FFFFFF"/>
+                </a:solidFill>
+                <a:latin typeface="DM Sans"/>
+                <a:sym typeface="DM Sans"/>
+              </a:rPr>
+              <a:t> da </a:t>
+            </a:r>
+            <a:r>
+              <a:rPr lang="en-US" sz="2100" dirty="0" err="1">
+                <a:solidFill>
+                  <a:srgbClr val="FFFFFF"/>
+                </a:solidFill>
+                <a:latin typeface="DM Sans"/>
+                <a:sym typeface="DM Sans"/>
+              </a:rPr>
+              <a:t>vari</a:t>
+            </a:r>
+            <a:r>
+              <a:rPr lang="en-US" sz="2100" dirty="0">
+                <a:solidFill>
+                  <a:srgbClr val="FFFFFF"/>
+                </a:solidFill>
+                <a:latin typeface="DM Sans"/>
+                <a:sym typeface="DM Sans"/>
+              </a:rPr>
+              <a:t> </a:t>
+            </a:r>
+            <a:r>
+              <a:rPr lang="en-US" sz="2100" dirty="0" err="1">
+                <a:solidFill>
+                  <a:srgbClr val="FFFFFF"/>
+                </a:solidFill>
+                <a:latin typeface="DM Sans"/>
+                <a:sym typeface="DM Sans"/>
+              </a:rPr>
+              <a:t>fattori</a:t>
+            </a:r>
+            <a:r>
+              <a:rPr lang="en-US" sz="2100" dirty="0">
+                <a:solidFill>
+                  <a:srgbClr val="FFFFFF"/>
+                </a:solidFill>
+                <a:latin typeface="DM Sans"/>
+                <a:sym typeface="DM Sans"/>
+              </a:rPr>
+              <a:t>, come la </a:t>
+            </a:r>
+            <a:r>
+              <a:rPr lang="en-US" sz="2100" dirty="0" err="1">
+                <a:solidFill>
+                  <a:srgbClr val="FFFFFF"/>
+                </a:solidFill>
+                <a:latin typeface="DM Sans"/>
+                <a:sym typeface="DM Sans"/>
+              </a:rPr>
+              <a:t>velocità</a:t>
+            </a:r>
+            <a:r>
+              <a:rPr lang="en-US" sz="2100" dirty="0">
+                <a:solidFill>
+                  <a:srgbClr val="FFFFFF"/>
+                </a:solidFill>
+                <a:latin typeface="DM Sans"/>
+                <a:sym typeface="DM Sans"/>
+              </a:rPr>
+              <a:t> </a:t>
+            </a:r>
+            <a:r>
+              <a:rPr lang="en-US" sz="2100" dirty="0" err="1">
+                <a:solidFill>
+                  <a:srgbClr val="FFFFFF"/>
+                </a:solidFill>
+                <a:latin typeface="DM Sans"/>
+                <a:sym typeface="DM Sans"/>
+              </a:rPr>
+              <a:t>della</a:t>
+            </a:r>
+            <a:r>
+              <a:rPr lang="en-US" sz="2100" dirty="0">
+                <a:solidFill>
+                  <a:srgbClr val="FFFFFF"/>
+                </a:solidFill>
+                <a:latin typeface="DM Sans"/>
+                <a:sym typeface="DM Sans"/>
+              </a:rPr>
+              <a:t> </a:t>
+            </a:r>
+            <a:r>
+              <a:rPr lang="en-US" sz="2100" dirty="0" err="1">
+                <a:solidFill>
+                  <a:srgbClr val="FFFFFF"/>
+                </a:solidFill>
+                <a:latin typeface="DM Sans"/>
+                <a:sym typeface="DM Sans"/>
+              </a:rPr>
+              <a:t>connessione</a:t>
+            </a:r>
+            <a:r>
+              <a:rPr lang="en-US" sz="2100" dirty="0">
+                <a:solidFill>
+                  <a:srgbClr val="FFFFFF"/>
+                </a:solidFill>
+                <a:latin typeface="DM Sans"/>
+                <a:sym typeface="DM Sans"/>
+              </a:rPr>
+              <a:t> di rete, il tempo di </a:t>
+            </a:r>
+            <a:r>
+              <a:rPr lang="en-US" sz="2100" dirty="0" err="1">
+                <a:solidFill>
+                  <a:srgbClr val="FFFFFF"/>
+                </a:solidFill>
+                <a:latin typeface="DM Sans"/>
+                <a:sym typeface="DM Sans"/>
+              </a:rPr>
+              <a:t>elaborazione</a:t>
+            </a:r>
+            <a:r>
+              <a:rPr lang="en-US" sz="2100" dirty="0">
+                <a:solidFill>
+                  <a:srgbClr val="FFFFFF"/>
+                </a:solidFill>
+                <a:latin typeface="DM Sans"/>
+                <a:sym typeface="DM Sans"/>
+              </a:rPr>
+              <a:t> </a:t>
+            </a:r>
+            <a:r>
+              <a:rPr lang="en-US" sz="2100" dirty="0" err="1">
+                <a:solidFill>
+                  <a:srgbClr val="FFFFFF"/>
+                </a:solidFill>
+                <a:latin typeface="DM Sans"/>
+                <a:sym typeface="DM Sans"/>
+              </a:rPr>
+              <a:t>dell’API</a:t>
+            </a:r>
+            <a:r>
+              <a:rPr lang="en-US" sz="2100" dirty="0">
+                <a:solidFill>
+                  <a:srgbClr val="FFFFFF"/>
+                </a:solidFill>
+                <a:latin typeface="DM Sans"/>
+                <a:sym typeface="DM Sans"/>
+              </a:rPr>
+              <a:t> e la </a:t>
+            </a:r>
+            <a:r>
+              <a:rPr lang="en-US" sz="2100" dirty="0" err="1">
+                <a:solidFill>
+                  <a:srgbClr val="FFFFFF"/>
+                </a:solidFill>
+                <a:latin typeface="DM Sans"/>
+                <a:sym typeface="DM Sans"/>
+              </a:rPr>
+              <a:t>quantità</a:t>
+            </a:r>
+            <a:r>
+              <a:rPr lang="en-US" sz="2100" dirty="0">
+                <a:solidFill>
+                  <a:srgbClr val="FFFFFF"/>
+                </a:solidFill>
+                <a:latin typeface="DM Sans"/>
+                <a:sym typeface="DM Sans"/>
+              </a:rPr>
+              <a:t> di </a:t>
+            </a:r>
+            <a:r>
+              <a:rPr lang="en-US" sz="2100" dirty="0" err="1">
+                <a:solidFill>
+                  <a:srgbClr val="FFFFFF"/>
+                </a:solidFill>
+                <a:latin typeface="DM Sans"/>
+                <a:sym typeface="DM Sans"/>
+              </a:rPr>
+              <a:t>dati</a:t>
+            </a:r>
+            <a:r>
+              <a:rPr lang="en-US" sz="2100" dirty="0">
+                <a:solidFill>
+                  <a:srgbClr val="FFFFFF"/>
+                </a:solidFill>
+                <a:latin typeface="DM Sans"/>
+                <a:sym typeface="DM Sans"/>
+              </a:rPr>
+              <a:t> </a:t>
+            </a:r>
+            <a:r>
+              <a:rPr lang="en-US" sz="2100" dirty="0" err="1">
+                <a:solidFill>
+                  <a:srgbClr val="FFFFFF"/>
+                </a:solidFill>
+                <a:latin typeface="DM Sans"/>
+                <a:sym typeface="DM Sans"/>
+              </a:rPr>
+              <a:t>trasferiti</a:t>
+            </a:r>
+            <a:r>
+              <a:rPr lang="en-US" sz="2100" dirty="0">
+                <a:solidFill>
+                  <a:srgbClr val="FFFFFF"/>
+                </a:solidFill>
+                <a:latin typeface="DM Sans"/>
+                <a:sym typeface="DM Sans"/>
+              </a:rPr>
+              <a:t>.</a:t>
+            </a:r>
+          </a:p>
+          <a:p>
+            <a:endParaRPr lang="en-US" sz="2400" dirty="0"/>
+          </a:p>
+        </p:txBody>
+      </p:sp>
     </p:spTree>
     <p:extLst>
       <p:ext uri="{BB962C8B-B14F-4D97-AF65-F5344CB8AC3E}">
@@ -14963,7 +18465,7 @@
                 <a:cs typeface="DM Serif Display"/>
                 <a:sym typeface="DM Serif Display"/>
               </a:rPr>
-              <a:t>Caso Studio</a:t>
+              <a:t>Caso Studio - Performance</a:t>
             </a:r>
             <a:endParaRPr sz="2500" dirty="0"/>
           </a:p>
@@ -14986,7 +18488,7 @@
         <p:spPr>
           <a:xfrm>
             <a:off x="1028700" y="850900"/>
-            <a:ext cx="1693235" cy="0"/>
+            <a:ext cx="3759431" cy="0"/>
           </a:xfrm>
           <a:prstGeom prst="line">
             <a:avLst/>
@@ -15012,10 +18514,896 @@
           </a:fontRef>
         </p:style>
       </p:cxnSp>
+      <p:sp>
+        <p:nvSpPr>
+          <p:cNvPr id="4" name="Google Shape;72;p12">
+            <a:extLst>
+              <a:ext uri="{FF2B5EF4-FFF2-40B4-BE49-F238E27FC236}">
+                <a16:creationId xmlns:a16="http://schemas.microsoft.com/office/drawing/2014/main" id="{77A3E7A3-F657-F38E-7BE2-C064A5BCB720}"/>
+              </a:ext>
+            </a:extLst>
+          </p:cNvPr>
+          <p:cNvSpPr txBox="1"/>
+          <p:nvPr/>
+        </p:nvSpPr>
+        <p:spPr>
+          <a:xfrm>
+            <a:off x="7720443" y="2115689"/>
+            <a:ext cx="2645525" cy="538609"/>
+          </a:xfrm>
+          <a:prstGeom prst="rect">
+            <a:avLst/>
+          </a:prstGeom>
+          <a:noFill/>
+          <a:ln>
+            <a:noFill/>
+          </a:ln>
+        </p:spPr>
+        <p:txBody>
+          <a:bodyPr spcFirstLastPara="1" wrap="square" lIns="0" tIns="0" rIns="0" bIns="0" anchor="t" anchorCtr="0">
+            <a:spAutoFit/>
+          </a:bodyPr>
+          <a:lstStyle/>
+          <a:p>
+            <a:pPr marL="0" marR="0" lvl="0" indent="0" algn="l" rtl="0">
+              <a:lnSpc>
+                <a:spcPct val="70000"/>
+              </a:lnSpc>
+              <a:spcBef>
+                <a:spcPts val="0"/>
+              </a:spcBef>
+              <a:spcAft>
+                <a:spcPts val="0"/>
+              </a:spcAft>
+              <a:buNone/>
+            </a:pPr>
+            <a:r>
+              <a:rPr lang="en-US" sz="5000" b="1" dirty="0" err="1">
+                <a:solidFill>
+                  <a:srgbClr val="FFFFFF"/>
+                </a:solidFill>
+                <a:latin typeface="DM Serif Display"/>
+                <a:ea typeface="DM Serif Display"/>
+                <a:cs typeface="DM Serif Display"/>
+                <a:sym typeface="DM Serif Display"/>
+              </a:rPr>
+              <a:t>Latenza</a:t>
+            </a:r>
+            <a:endParaRPr lang="en-US" sz="5000" b="1" i="0" u="none" strike="noStrike" cap="none" dirty="0">
+              <a:solidFill>
+                <a:srgbClr val="FFFFFF"/>
+              </a:solidFill>
+              <a:latin typeface="DM Serif Display"/>
+              <a:ea typeface="DM Serif Display"/>
+              <a:cs typeface="DM Serif Display"/>
+              <a:sym typeface="DM Serif Display"/>
+            </a:endParaRPr>
+          </a:p>
+        </p:txBody>
+      </p:sp>
+      <p:sp>
+        <p:nvSpPr>
+          <p:cNvPr id="5" name="Google Shape;73;p12">
+            <a:extLst>
+              <a:ext uri="{FF2B5EF4-FFF2-40B4-BE49-F238E27FC236}">
+                <a16:creationId xmlns:a16="http://schemas.microsoft.com/office/drawing/2014/main" id="{C2FFD851-D19D-F0E5-9648-5E6F6E4DB7FD}"/>
+              </a:ext>
+            </a:extLst>
+          </p:cNvPr>
+          <p:cNvSpPr txBox="1"/>
+          <p:nvPr/>
+        </p:nvSpPr>
+        <p:spPr>
+          <a:xfrm>
+            <a:off x="3136814" y="3013470"/>
+            <a:ext cx="11812782" cy="1338828"/>
+          </a:xfrm>
+          <a:prstGeom prst="rect">
+            <a:avLst/>
+          </a:prstGeom>
+          <a:noFill/>
+          <a:ln>
+            <a:noFill/>
+          </a:ln>
+        </p:spPr>
+        <p:txBody>
+          <a:bodyPr spcFirstLastPara="1" wrap="square" lIns="0" tIns="0" rIns="0" bIns="0" anchor="t" anchorCtr="0">
+            <a:spAutoFit/>
+          </a:bodyPr>
+          <a:lstStyle/>
+          <a:p>
+            <a:pPr algn="ctr"/>
+            <a:r>
+              <a:rPr lang="en-US" sz="2100" dirty="0">
+                <a:solidFill>
+                  <a:srgbClr val="FFFFFF"/>
+                </a:solidFill>
+                <a:latin typeface="DM Sans"/>
+                <a:sym typeface="DM Sans"/>
+              </a:rPr>
+              <a:t>Il tempo </a:t>
+            </a:r>
+            <a:r>
+              <a:rPr lang="en-US" sz="2100" dirty="0" err="1">
+                <a:solidFill>
+                  <a:srgbClr val="FFFFFF"/>
+                </a:solidFill>
+                <a:latin typeface="DM Sans"/>
+                <a:sym typeface="DM Sans"/>
+              </a:rPr>
+              <a:t>che</a:t>
+            </a:r>
+            <a:r>
+              <a:rPr lang="en-US" sz="2100" dirty="0">
+                <a:solidFill>
+                  <a:srgbClr val="FFFFFF"/>
+                </a:solidFill>
+                <a:latin typeface="DM Sans"/>
+                <a:sym typeface="DM Sans"/>
+              </a:rPr>
+              <a:t> </a:t>
+            </a:r>
+            <a:r>
+              <a:rPr lang="en-US" sz="2100" dirty="0" err="1">
+                <a:solidFill>
+                  <a:srgbClr val="FFFFFF"/>
+                </a:solidFill>
+                <a:latin typeface="DM Sans"/>
+                <a:sym typeface="DM Sans"/>
+              </a:rPr>
+              <a:t>un’API</a:t>
+            </a:r>
+            <a:r>
+              <a:rPr lang="en-US" sz="2100" dirty="0">
+                <a:solidFill>
+                  <a:srgbClr val="FFFFFF"/>
+                </a:solidFill>
+                <a:latin typeface="DM Sans"/>
+                <a:sym typeface="DM Sans"/>
+              </a:rPr>
+              <a:t> </a:t>
+            </a:r>
+            <a:r>
+              <a:rPr lang="en-US" sz="2100" dirty="0" err="1">
+                <a:solidFill>
+                  <a:srgbClr val="FFFFFF"/>
+                </a:solidFill>
+                <a:latin typeface="DM Sans"/>
+                <a:sym typeface="DM Sans"/>
+              </a:rPr>
+              <a:t>impiega</a:t>
+            </a:r>
+            <a:r>
+              <a:rPr lang="en-US" sz="2100" dirty="0">
+                <a:solidFill>
+                  <a:srgbClr val="FFFFFF"/>
+                </a:solidFill>
+                <a:latin typeface="DM Sans"/>
+                <a:sym typeface="DM Sans"/>
+              </a:rPr>
+              <a:t> per </a:t>
+            </a:r>
+            <a:r>
+              <a:rPr lang="en-US" sz="2100" dirty="0" err="1">
+                <a:solidFill>
+                  <a:srgbClr val="FFFFFF"/>
+                </a:solidFill>
+                <a:latin typeface="DM Sans"/>
+                <a:sym typeface="DM Sans"/>
+              </a:rPr>
+              <a:t>elaborare</a:t>
+            </a:r>
+            <a:r>
+              <a:rPr lang="en-US" sz="2100" dirty="0">
+                <a:solidFill>
+                  <a:srgbClr val="FFFFFF"/>
+                </a:solidFill>
+                <a:latin typeface="DM Sans"/>
+                <a:sym typeface="DM Sans"/>
+              </a:rPr>
+              <a:t> </a:t>
+            </a:r>
+            <a:r>
+              <a:rPr lang="en-US" sz="2100" dirty="0" err="1">
+                <a:solidFill>
+                  <a:srgbClr val="FFFFFF"/>
+                </a:solidFill>
+                <a:latin typeface="DM Sans"/>
+                <a:sym typeface="DM Sans"/>
+              </a:rPr>
+              <a:t>una</a:t>
+            </a:r>
+            <a:r>
+              <a:rPr lang="en-US" sz="2100" dirty="0">
+                <a:solidFill>
+                  <a:srgbClr val="FFFFFF"/>
+                </a:solidFill>
+                <a:latin typeface="DM Sans"/>
+                <a:sym typeface="DM Sans"/>
+              </a:rPr>
+              <a:t> </a:t>
+            </a:r>
+            <a:r>
+              <a:rPr lang="en-US" sz="2100" dirty="0" err="1">
+                <a:solidFill>
+                  <a:srgbClr val="FFFFFF"/>
+                </a:solidFill>
+                <a:latin typeface="DM Sans"/>
+                <a:sym typeface="DM Sans"/>
+              </a:rPr>
+              <a:t>richiesta</a:t>
+            </a:r>
+            <a:r>
+              <a:rPr lang="en-US" sz="2100" dirty="0">
+                <a:solidFill>
+                  <a:srgbClr val="FFFFFF"/>
+                </a:solidFill>
+                <a:latin typeface="DM Sans"/>
+                <a:sym typeface="DM Sans"/>
+              </a:rPr>
+              <a:t> ed </a:t>
+            </a:r>
+            <a:r>
+              <a:rPr lang="en-US" sz="2100" dirty="0" err="1">
+                <a:solidFill>
+                  <a:srgbClr val="FFFFFF"/>
+                </a:solidFill>
+                <a:latin typeface="DM Sans"/>
+                <a:sym typeface="DM Sans"/>
+              </a:rPr>
+              <a:t>inviare</a:t>
+            </a:r>
+            <a:r>
+              <a:rPr lang="en-US" sz="2100" dirty="0">
+                <a:solidFill>
+                  <a:srgbClr val="FFFFFF"/>
+                </a:solidFill>
+                <a:latin typeface="DM Sans"/>
+                <a:sym typeface="DM Sans"/>
+              </a:rPr>
+              <a:t> </a:t>
+            </a:r>
+            <a:r>
+              <a:rPr lang="en-US" sz="2100" dirty="0" err="1">
+                <a:solidFill>
+                  <a:srgbClr val="FFFFFF"/>
+                </a:solidFill>
+                <a:latin typeface="DM Sans"/>
+                <a:sym typeface="DM Sans"/>
+              </a:rPr>
+              <a:t>una</a:t>
+            </a:r>
+            <a:r>
+              <a:rPr lang="en-US" sz="2100" dirty="0">
+                <a:solidFill>
+                  <a:srgbClr val="FFFFFF"/>
+                </a:solidFill>
+                <a:latin typeface="DM Sans"/>
+                <a:sym typeface="DM Sans"/>
+              </a:rPr>
+              <a:t> </a:t>
+            </a:r>
+            <a:r>
+              <a:rPr lang="en-US" sz="2100" dirty="0" err="1">
+                <a:solidFill>
+                  <a:srgbClr val="FFFFFF"/>
+                </a:solidFill>
+                <a:latin typeface="DM Sans"/>
+                <a:sym typeface="DM Sans"/>
+              </a:rPr>
+              <a:t>risposta</a:t>
+            </a:r>
+            <a:r>
+              <a:rPr lang="en-US" sz="2100" dirty="0">
+                <a:solidFill>
+                  <a:srgbClr val="FFFFFF"/>
+                </a:solidFill>
+                <a:latin typeface="DM Sans"/>
+                <a:sym typeface="DM Sans"/>
+              </a:rPr>
+              <a:t>, </a:t>
+            </a:r>
+            <a:r>
+              <a:rPr lang="en-US" sz="2100" dirty="0" err="1">
+                <a:solidFill>
+                  <a:srgbClr val="FFFFFF"/>
+                </a:solidFill>
+                <a:latin typeface="DM Sans"/>
+                <a:sym typeface="DM Sans"/>
+              </a:rPr>
+              <a:t>compresi</a:t>
+            </a:r>
+            <a:r>
+              <a:rPr lang="en-US" sz="2100" dirty="0">
+                <a:solidFill>
+                  <a:srgbClr val="FFFFFF"/>
+                </a:solidFill>
+                <a:latin typeface="DM Sans"/>
+                <a:sym typeface="DM Sans"/>
+              </a:rPr>
+              <a:t> </a:t>
+            </a:r>
+            <a:r>
+              <a:rPr lang="en-US" sz="2100" dirty="0" err="1">
+                <a:solidFill>
+                  <a:srgbClr val="FFFFFF"/>
+                </a:solidFill>
+                <a:latin typeface="DM Sans"/>
+                <a:sym typeface="DM Sans"/>
+              </a:rPr>
+              <a:t>eventuali</a:t>
+            </a:r>
+            <a:r>
+              <a:rPr lang="en-US" sz="2100" dirty="0">
+                <a:solidFill>
+                  <a:srgbClr val="FFFFFF"/>
+                </a:solidFill>
+                <a:latin typeface="DM Sans"/>
+                <a:sym typeface="DM Sans"/>
+              </a:rPr>
+              <a:t> </a:t>
+            </a:r>
+            <a:r>
+              <a:rPr lang="en-US" sz="2100" dirty="0" err="1">
+                <a:solidFill>
+                  <a:srgbClr val="FFFFFF"/>
+                </a:solidFill>
+                <a:latin typeface="DM Sans"/>
+                <a:sym typeface="DM Sans"/>
+              </a:rPr>
+              <a:t>ritardi</a:t>
+            </a:r>
+            <a:r>
+              <a:rPr lang="en-US" sz="2100" dirty="0">
+                <a:solidFill>
+                  <a:srgbClr val="FFFFFF"/>
+                </a:solidFill>
+                <a:latin typeface="DM Sans"/>
+                <a:sym typeface="DM Sans"/>
+              </a:rPr>
+              <a:t> di rete o di </a:t>
+            </a:r>
+            <a:r>
+              <a:rPr lang="en-US" sz="2100" dirty="0" err="1">
+                <a:solidFill>
+                  <a:srgbClr val="FFFFFF"/>
+                </a:solidFill>
+                <a:latin typeface="DM Sans"/>
+                <a:sym typeface="DM Sans"/>
+              </a:rPr>
+              <a:t>elaborazione</a:t>
+            </a:r>
+            <a:r>
+              <a:rPr lang="en-US" sz="2100" dirty="0">
+                <a:solidFill>
+                  <a:srgbClr val="FFFFFF"/>
+                </a:solidFill>
+                <a:latin typeface="DM Sans"/>
+                <a:sym typeface="DM Sans"/>
+              </a:rPr>
+              <a:t>. </a:t>
+            </a:r>
+            <a:r>
+              <a:rPr lang="en-US" sz="2100" dirty="0" err="1">
+                <a:solidFill>
+                  <a:srgbClr val="FFFFFF"/>
+                </a:solidFill>
+                <a:latin typeface="DM Sans"/>
+                <a:sym typeface="DM Sans"/>
+              </a:rPr>
+              <a:t>Può</a:t>
+            </a:r>
+            <a:r>
+              <a:rPr lang="en-US" sz="2100" dirty="0">
+                <a:solidFill>
+                  <a:srgbClr val="FFFFFF"/>
+                </a:solidFill>
+                <a:latin typeface="DM Sans"/>
+                <a:sym typeface="DM Sans"/>
+              </a:rPr>
+              <a:t> </a:t>
+            </a:r>
+            <a:r>
+              <a:rPr lang="en-US" sz="2100" dirty="0" err="1">
+                <a:solidFill>
+                  <a:srgbClr val="FFFFFF"/>
+                </a:solidFill>
+                <a:latin typeface="DM Sans"/>
+                <a:sym typeface="DM Sans"/>
+              </a:rPr>
+              <a:t>essere</a:t>
+            </a:r>
+            <a:r>
+              <a:rPr lang="en-US" sz="2100" dirty="0">
+                <a:solidFill>
+                  <a:srgbClr val="FFFFFF"/>
+                </a:solidFill>
+                <a:latin typeface="DM Sans"/>
+                <a:sym typeface="DM Sans"/>
+              </a:rPr>
+              <a:t> </a:t>
+            </a:r>
+            <a:r>
+              <a:rPr lang="en-US" sz="2100" dirty="0" err="1">
+                <a:solidFill>
+                  <a:srgbClr val="FFFFFF"/>
+                </a:solidFill>
+                <a:latin typeface="DM Sans"/>
+                <a:sym typeface="DM Sans"/>
+              </a:rPr>
+              <a:t>influenzata</a:t>
+            </a:r>
+            <a:r>
+              <a:rPr lang="en-US" sz="2100" dirty="0">
+                <a:solidFill>
+                  <a:srgbClr val="FFFFFF"/>
+                </a:solidFill>
+                <a:latin typeface="DM Sans"/>
+                <a:sym typeface="DM Sans"/>
+              </a:rPr>
+              <a:t> da </a:t>
+            </a:r>
+            <a:r>
+              <a:rPr lang="en-US" sz="2100" dirty="0" err="1">
+                <a:solidFill>
+                  <a:srgbClr val="FFFFFF"/>
+                </a:solidFill>
+                <a:latin typeface="DM Sans"/>
+                <a:sym typeface="DM Sans"/>
+              </a:rPr>
+              <a:t>vari</a:t>
+            </a:r>
+            <a:r>
+              <a:rPr lang="en-US" sz="2100" dirty="0">
+                <a:solidFill>
+                  <a:srgbClr val="FFFFFF"/>
+                </a:solidFill>
+                <a:latin typeface="DM Sans"/>
+                <a:sym typeface="DM Sans"/>
+              </a:rPr>
+              <a:t> </a:t>
+            </a:r>
+            <a:r>
+              <a:rPr lang="en-US" sz="2100" dirty="0" err="1">
+                <a:solidFill>
+                  <a:srgbClr val="FFFFFF"/>
+                </a:solidFill>
+                <a:latin typeface="DM Sans"/>
+                <a:sym typeface="DM Sans"/>
+              </a:rPr>
+              <a:t>fattori</a:t>
+            </a:r>
+            <a:r>
+              <a:rPr lang="en-US" sz="2100" dirty="0">
+                <a:solidFill>
+                  <a:srgbClr val="FFFFFF"/>
+                </a:solidFill>
+                <a:latin typeface="DM Sans"/>
+                <a:sym typeface="DM Sans"/>
+              </a:rPr>
+              <a:t>, come la </a:t>
+            </a:r>
+            <a:r>
+              <a:rPr lang="en-US" sz="2100" dirty="0" err="1">
+                <a:solidFill>
+                  <a:srgbClr val="FFFFFF"/>
+                </a:solidFill>
+                <a:latin typeface="DM Sans"/>
+                <a:sym typeface="DM Sans"/>
+              </a:rPr>
+              <a:t>velocità</a:t>
+            </a:r>
+            <a:r>
+              <a:rPr lang="en-US" sz="2100" dirty="0">
+                <a:solidFill>
+                  <a:srgbClr val="FFFFFF"/>
+                </a:solidFill>
+                <a:latin typeface="DM Sans"/>
+                <a:sym typeface="DM Sans"/>
+              </a:rPr>
+              <a:t> </a:t>
+            </a:r>
+            <a:r>
+              <a:rPr lang="en-US" sz="2100" dirty="0" err="1">
+                <a:solidFill>
+                  <a:srgbClr val="FFFFFF"/>
+                </a:solidFill>
+                <a:latin typeface="DM Sans"/>
+                <a:sym typeface="DM Sans"/>
+              </a:rPr>
+              <a:t>della</a:t>
+            </a:r>
+            <a:r>
+              <a:rPr lang="en-US" sz="2100" dirty="0">
+                <a:solidFill>
+                  <a:srgbClr val="FFFFFF"/>
+                </a:solidFill>
+                <a:latin typeface="DM Sans"/>
+                <a:sym typeface="DM Sans"/>
+              </a:rPr>
+              <a:t> </a:t>
+            </a:r>
+            <a:r>
+              <a:rPr lang="en-US" sz="2100" dirty="0" err="1">
+                <a:solidFill>
+                  <a:srgbClr val="FFFFFF"/>
+                </a:solidFill>
+                <a:latin typeface="DM Sans"/>
+                <a:sym typeface="DM Sans"/>
+              </a:rPr>
+              <a:t>connessione</a:t>
+            </a:r>
+            <a:r>
+              <a:rPr lang="en-US" sz="2100" dirty="0">
+                <a:solidFill>
+                  <a:srgbClr val="FFFFFF"/>
+                </a:solidFill>
+                <a:latin typeface="DM Sans"/>
+                <a:sym typeface="DM Sans"/>
+              </a:rPr>
+              <a:t> di rete, il tempo di </a:t>
+            </a:r>
+            <a:r>
+              <a:rPr lang="en-US" sz="2100" dirty="0" err="1">
+                <a:solidFill>
+                  <a:srgbClr val="FFFFFF"/>
+                </a:solidFill>
+                <a:latin typeface="DM Sans"/>
+                <a:sym typeface="DM Sans"/>
+              </a:rPr>
+              <a:t>elaborazione</a:t>
+            </a:r>
+            <a:r>
+              <a:rPr lang="en-US" sz="2100" dirty="0">
+                <a:solidFill>
+                  <a:srgbClr val="FFFFFF"/>
+                </a:solidFill>
+                <a:latin typeface="DM Sans"/>
+                <a:sym typeface="DM Sans"/>
+              </a:rPr>
+              <a:t> </a:t>
+            </a:r>
+            <a:r>
+              <a:rPr lang="en-US" sz="2100" dirty="0" err="1">
+                <a:solidFill>
+                  <a:srgbClr val="FFFFFF"/>
+                </a:solidFill>
+                <a:latin typeface="DM Sans"/>
+                <a:sym typeface="DM Sans"/>
+              </a:rPr>
+              <a:t>dell’API</a:t>
+            </a:r>
+            <a:r>
+              <a:rPr lang="en-US" sz="2100" dirty="0">
+                <a:solidFill>
+                  <a:srgbClr val="FFFFFF"/>
+                </a:solidFill>
+                <a:latin typeface="DM Sans"/>
+                <a:sym typeface="DM Sans"/>
+              </a:rPr>
+              <a:t> e la </a:t>
+            </a:r>
+            <a:r>
+              <a:rPr lang="en-US" sz="2100" dirty="0" err="1">
+                <a:solidFill>
+                  <a:srgbClr val="FFFFFF"/>
+                </a:solidFill>
+                <a:latin typeface="DM Sans"/>
+                <a:sym typeface="DM Sans"/>
+              </a:rPr>
+              <a:t>quantità</a:t>
+            </a:r>
+            <a:r>
+              <a:rPr lang="en-US" sz="2100" dirty="0">
+                <a:solidFill>
+                  <a:srgbClr val="FFFFFF"/>
+                </a:solidFill>
+                <a:latin typeface="DM Sans"/>
+                <a:sym typeface="DM Sans"/>
+              </a:rPr>
+              <a:t> di </a:t>
+            </a:r>
+            <a:r>
+              <a:rPr lang="en-US" sz="2100" dirty="0" err="1">
+                <a:solidFill>
+                  <a:srgbClr val="FFFFFF"/>
+                </a:solidFill>
+                <a:latin typeface="DM Sans"/>
+                <a:sym typeface="DM Sans"/>
+              </a:rPr>
+              <a:t>dati</a:t>
+            </a:r>
+            <a:r>
+              <a:rPr lang="en-US" sz="2100" dirty="0">
+                <a:solidFill>
+                  <a:srgbClr val="FFFFFF"/>
+                </a:solidFill>
+                <a:latin typeface="DM Sans"/>
+                <a:sym typeface="DM Sans"/>
+              </a:rPr>
+              <a:t> </a:t>
+            </a:r>
+            <a:r>
+              <a:rPr lang="en-US" sz="2100" dirty="0" err="1">
+                <a:solidFill>
+                  <a:srgbClr val="FFFFFF"/>
+                </a:solidFill>
+                <a:latin typeface="DM Sans"/>
+                <a:sym typeface="DM Sans"/>
+              </a:rPr>
+              <a:t>trasferiti</a:t>
+            </a:r>
+            <a:r>
+              <a:rPr lang="en-US" sz="2100" dirty="0">
+                <a:solidFill>
+                  <a:srgbClr val="FFFFFF"/>
+                </a:solidFill>
+                <a:latin typeface="DM Sans"/>
+                <a:sym typeface="DM Sans"/>
+              </a:rPr>
+              <a:t>.</a:t>
+            </a:r>
+          </a:p>
+          <a:p>
+            <a:endParaRPr lang="en-US" sz="2400" dirty="0"/>
+          </a:p>
+        </p:txBody>
+      </p:sp>
+      <p:pic>
+        <p:nvPicPr>
+          <p:cNvPr id="7" name="Immagine 6" descr="Immagine che contiene testo, schermata, Carattere, numero&#10;&#10;Descrizione generata automaticamente">
+            <a:extLst>
+              <a:ext uri="{FF2B5EF4-FFF2-40B4-BE49-F238E27FC236}">
+                <a16:creationId xmlns:a16="http://schemas.microsoft.com/office/drawing/2014/main" id="{F0F7BFEF-3A20-8B91-6C6E-402990AA609C}"/>
+              </a:ext>
+            </a:extLst>
+          </p:cNvPr>
+          <p:cNvPicPr>
+            <a:picLocks noChangeAspect="1"/>
+          </p:cNvPicPr>
+          <p:nvPr/>
+        </p:nvPicPr>
+        <p:blipFill rotWithShape="1">
+          <a:blip r:embed="rId2"/>
+          <a:srcRect b="63275"/>
+          <a:stretch/>
+        </p:blipFill>
+        <p:spPr>
+          <a:xfrm>
+            <a:off x="1124776" y="6457200"/>
+            <a:ext cx="7227916" cy="1444806"/>
+          </a:xfrm>
+          <a:prstGeom prst="rect">
+            <a:avLst/>
+          </a:prstGeom>
+        </p:spPr>
+      </p:pic>
+      <p:pic>
+        <p:nvPicPr>
+          <p:cNvPr id="10" name="Immagine 9" descr="Immagine che contiene testo, schermata, Carattere, numero&#10;&#10;Descrizione generata automaticamente">
+            <a:extLst>
+              <a:ext uri="{FF2B5EF4-FFF2-40B4-BE49-F238E27FC236}">
+                <a16:creationId xmlns:a16="http://schemas.microsoft.com/office/drawing/2014/main" id="{F2E9B04C-4EE3-2FEF-62AA-0E9C43E8A9EB}"/>
+              </a:ext>
+            </a:extLst>
+          </p:cNvPr>
+          <p:cNvPicPr>
+            <a:picLocks noChangeAspect="1"/>
+          </p:cNvPicPr>
+          <p:nvPr/>
+        </p:nvPicPr>
+        <p:blipFill rotWithShape="1">
+          <a:blip r:embed="rId2"/>
+          <a:srcRect t="63275"/>
+          <a:stretch/>
+        </p:blipFill>
+        <p:spPr>
+          <a:xfrm>
+            <a:off x="9935306" y="6457200"/>
+            <a:ext cx="7227917" cy="1444806"/>
+          </a:xfrm>
+          <a:prstGeom prst="rect">
+            <a:avLst/>
+          </a:prstGeom>
+        </p:spPr>
+      </p:pic>
+      <p:sp>
+        <p:nvSpPr>
+          <p:cNvPr id="11" name="Google Shape;72;p12">
+            <a:extLst>
+              <a:ext uri="{FF2B5EF4-FFF2-40B4-BE49-F238E27FC236}">
+                <a16:creationId xmlns:a16="http://schemas.microsoft.com/office/drawing/2014/main" id="{55BB381F-0C8E-0644-44B4-AA570EECC89F}"/>
+              </a:ext>
+            </a:extLst>
+          </p:cNvPr>
+          <p:cNvSpPr txBox="1"/>
+          <p:nvPr/>
+        </p:nvSpPr>
+        <p:spPr>
+          <a:xfrm>
+            <a:off x="1831594" y="5781912"/>
+            <a:ext cx="4097852" cy="473976"/>
+          </a:xfrm>
+          <a:prstGeom prst="rect">
+            <a:avLst/>
+          </a:prstGeom>
+          <a:noFill/>
+          <a:ln>
+            <a:noFill/>
+          </a:ln>
+        </p:spPr>
+        <p:txBody>
+          <a:bodyPr spcFirstLastPara="1" wrap="square" lIns="0" tIns="0" rIns="0" bIns="0" anchor="t" anchorCtr="0">
+            <a:spAutoFit/>
+          </a:bodyPr>
+          <a:lstStyle/>
+          <a:p>
+            <a:pPr marL="0" marR="0" lvl="0" indent="0" algn="l" rtl="0">
+              <a:lnSpc>
+                <a:spcPct val="70000"/>
+              </a:lnSpc>
+              <a:spcBef>
+                <a:spcPts val="0"/>
+              </a:spcBef>
+              <a:spcAft>
+                <a:spcPts val="0"/>
+              </a:spcAft>
+              <a:buNone/>
+            </a:pPr>
+            <a:r>
+              <a:rPr lang="en-US" sz="4400" b="1" dirty="0">
+                <a:solidFill>
+                  <a:schemeClr val="bg1"/>
+                </a:solidFill>
+                <a:latin typeface="DM Serif Display"/>
+                <a:ea typeface="DM Serif Display"/>
+                <a:cs typeface="DM Serif Display"/>
+                <a:sym typeface="DM Serif Display"/>
+              </a:rPr>
+              <a:t>AWS Lambda</a:t>
+            </a:r>
+            <a:endParaRPr lang="en-US" sz="4400" b="1" i="0" u="none" strike="noStrike" cap="none" dirty="0">
+              <a:solidFill>
+                <a:schemeClr val="bg1"/>
+              </a:solidFill>
+              <a:latin typeface="DM Serif Display"/>
+              <a:ea typeface="DM Serif Display"/>
+              <a:cs typeface="DM Serif Display"/>
+              <a:sym typeface="DM Serif Display"/>
+            </a:endParaRPr>
+          </a:p>
+        </p:txBody>
+      </p:sp>
+      <p:sp>
+        <p:nvSpPr>
+          <p:cNvPr id="12" name="Google Shape;72;p12">
+            <a:extLst>
+              <a:ext uri="{FF2B5EF4-FFF2-40B4-BE49-F238E27FC236}">
+                <a16:creationId xmlns:a16="http://schemas.microsoft.com/office/drawing/2014/main" id="{CB233003-908B-BC6E-8469-90532992CDFB}"/>
+              </a:ext>
+            </a:extLst>
+          </p:cNvPr>
+          <p:cNvSpPr txBox="1"/>
+          <p:nvPr/>
+        </p:nvSpPr>
+        <p:spPr>
+          <a:xfrm>
+            <a:off x="10633571" y="5782089"/>
+            <a:ext cx="7192745" cy="473976"/>
+          </a:xfrm>
+          <a:prstGeom prst="rect">
+            <a:avLst/>
+          </a:prstGeom>
+          <a:noFill/>
+          <a:ln>
+            <a:noFill/>
+          </a:ln>
+        </p:spPr>
+        <p:txBody>
+          <a:bodyPr spcFirstLastPara="1" wrap="square" lIns="0" tIns="0" rIns="0" bIns="0" anchor="t" anchorCtr="0">
+            <a:spAutoFit/>
+          </a:bodyPr>
+          <a:lstStyle/>
+          <a:p>
+            <a:pPr marL="0" marR="0" lvl="0" indent="0" rtl="0">
+              <a:lnSpc>
+                <a:spcPct val="70000"/>
+              </a:lnSpc>
+              <a:spcBef>
+                <a:spcPts val="0"/>
+              </a:spcBef>
+              <a:spcAft>
+                <a:spcPts val="0"/>
+              </a:spcAft>
+              <a:buNone/>
+            </a:pPr>
+            <a:r>
+              <a:rPr lang="en-US" sz="4400" b="1" dirty="0">
+                <a:solidFill>
+                  <a:schemeClr val="bg1"/>
+                </a:solidFill>
+                <a:latin typeface="DM Serif Display"/>
+                <a:ea typeface="DM Serif Display"/>
+                <a:cs typeface="DM Serif Display"/>
+                <a:sym typeface="DM Serif Display"/>
+              </a:rPr>
+              <a:t>Google Cloud Functions</a:t>
+            </a:r>
+            <a:endParaRPr lang="en-US" sz="4400" b="1" i="0" u="none" strike="noStrike" cap="none" dirty="0">
+              <a:solidFill>
+                <a:schemeClr val="bg1"/>
+              </a:solidFill>
+              <a:latin typeface="DM Serif Display"/>
+              <a:ea typeface="DM Serif Display"/>
+              <a:cs typeface="DM Serif Display"/>
+              <a:sym typeface="DM Serif Display"/>
+            </a:endParaRPr>
+          </a:p>
+        </p:txBody>
+      </p:sp>
+      <p:pic>
+        <p:nvPicPr>
+          <p:cNvPr id="3" name="Immagine 2">
+            <a:extLst>
+              <a:ext uri="{FF2B5EF4-FFF2-40B4-BE49-F238E27FC236}">
+                <a16:creationId xmlns:a16="http://schemas.microsoft.com/office/drawing/2014/main" id="{161260A9-43A1-8BFD-A755-9D36A9C295A9}"/>
+              </a:ext>
+            </a:extLst>
+          </p:cNvPr>
+          <p:cNvPicPr>
+            <a:picLocks noChangeAspect="1"/>
+          </p:cNvPicPr>
+          <p:nvPr/>
+        </p:nvPicPr>
+        <p:blipFill>
+          <a:blip r:embed="rId3"/>
+          <a:stretch>
+            <a:fillRect/>
+          </a:stretch>
+        </p:blipFill>
+        <p:spPr>
+          <a:xfrm>
+            <a:off x="1124776" y="5674473"/>
+            <a:ext cx="538608" cy="538608"/>
+          </a:xfrm>
+          <a:prstGeom prst="rect">
+            <a:avLst/>
+          </a:prstGeom>
+        </p:spPr>
+      </p:pic>
+      <p:pic>
+        <p:nvPicPr>
+          <p:cNvPr id="6" name="Immagine 5">
+            <a:extLst>
+              <a:ext uri="{FF2B5EF4-FFF2-40B4-BE49-F238E27FC236}">
+                <a16:creationId xmlns:a16="http://schemas.microsoft.com/office/drawing/2014/main" id="{E5D927A5-EB0A-E155-AED0-A94E675AA992}"/>
+              </a:ext>
+            </a:extLst>
+          </p:cNvPr>
+          <p:cNvPicPr>
+            <a:picLocks noChangeAspect="1"/>
+          </p:cNvPicPr>
+          <p:nvPr/>
+        </p:nvPicPr>
+        <p:blipFill rotWithShape="1">
+          <a:blip r:embed="rId4"/>
+          <a:srcRect l="33489" t="9937" r="34196" b="22348"/>
+          <a:stretch/>
+        </p:blipFill>
+        <p:spPr>
+          <a:xfrm>
+            <a:off x="9864434" y="5694406"/>
+            <a:ext cx="594789" cy="518675"/>
+          </a:xfrm>
+          <a:prstGeom prst="rect">
+            <a:avLst/>
+          </a:prstGeom>
+        </p:spPr>
+      </p:pic>
     </p:spTree>
     <p:extLst>
       <p:ext uri="{BB962C8B-B14F-4D97-AF65-F5344CB8AC3E}">
-        <p14:creationId xmlns:p14="http://schemas.microsoft.com/office/powerpoint/2010/main" val="239068952"/>
+        <p14:creationId xmlns:p14="http://schemas.microsoft.com/office/powerpoint/2010/main" val="3048707010"/>
       </p:ext>
     </p:extLst>
   </p:cSld>
@@ -15250,6 +19638,3020 @@
   <p:cSld>
     <p:spTree>
       <p:nvGrpSpPr>
+        <p:cNvPr id="1" name=""/>
+        <p:cNvGrpSpPr/>
+        <p:nvPr/>
+      </p:nvGrpSpPr>
+      <p:grpSpPr>
+        <a:xfrm>
+          <a:off x="0" y="0"/>
+          <a:ext cx="0" cy="0"/>
+          <a:chOff x="0" y="0"/>
+          <a:chExt cx="0" cy="0"/>
+        </a:xfrm>
+      </p:grpSpPr>
+      <p:sp>
+        <p:nvSpPr>
+          <p:cNvPr id="8" name="Google Shape;56;p10">
+            <a:extLst>
+              <a:ext uri="{FF2B5EF4-FFF2-40B4-BE49-F238E27FC236}">
+                <a16:creationId xmlns:a16="http://schemas.microsoft.com/office/drawing/2014/main" id="{0E534E2B-B9B0-016A-73CF-EE8D0D011C0F}"/>
+              </a:ext>
+            </a:extLst>
+          </p:cNvPr>
+          <p:cNvSpPr txBox="1"/>
+          <p:nvPr/>
+        </p:nvSpPr>
+        <p:spPr>
+          <a:xfrm>
+            <a:off x="1028700" y="434774"/>
+            <a:ext cx="5728091" cy="307777"/>
+          </a:xfrm>
+          <a:prstGeom prst="rect">
+            <a:avLst/>
+          </a:prstGeom>
+          <a:noFill/>
+          <a:ln>
+            <a:noFill/>
+          </a:ln>
+        </p:spPr>
+        <p:txBody>
+          <a:bodyPr spcFirstLastPara="1" wrap="square" lIns="0" tIns="0" rIns="0" bIns="0" anchor="t" anchorCtr="0">
+            <a:spAutoFit/>
+          </a:bodyPr>
+          <a:lstStyle/>
+          <a:p>
+            <a:pPr marL="0" marR="0" lvl="0" indent="0" algn="l" rtl="0">
+              <a:lnSpc>
+                <a:spcPct val="80000"/>
+              </a:lnSpc>
+              <a:spcBef>
+                <a:spcPts val="0"/>
+              </a:spcBef>
+              <a:spcAft>
+                <a:spcPts val="0"/>
+              </a:spcAft>
+              <a:buNone/>
+            </a:pPr>
+            <a:r>
+              <a:rPr lang="en-US" sz="2500" b="0" i="0" u="none" strike="noStrike" cap="none" dirty="0">
+                <a:solidFill>
+                  <a:srgbClr val="FFFFFF"/>
+                </a:solidFill>
+                <a:latin typeface="DM Serif Display"/>
+                <a:ea typeface="DM Serif Display"/>
+                <a:cs typeface="DM Serif Display"/>
+                <a:sym typeface="DM Serif Display"/>
+              </a:rPr>
+              <a:t>Caso Studio - </a:t>
+            </a:r>
+            <a:r>
+              <a:rPr lang="en-US" sz="2500" b="0" i="0" u="none" strike="noStrike" cap="none" dirty="0" err="1">
+                <a:solidFill>
+                  <a:srgbClr val="FFFFFF"/>
+                </a:solidFill>
+                <a:latin typeface="DM Serif Display"/>
+                <a:ea typeface="DM Serif Display"/>
+                <a:cs typeface="DM Serif Display"/>
+                <a:sym typeface="DM Serif Display"/>
+              </a:rPr>
+              <a:t>Costi</a:t>
+            </a:r>
+            <a:endParaRPr sz="2500" dirty="0"/>
+          </a:p>
+        </p:txBody>
+      </p:sp>
+      <p:cxnSp>
+        <p:nvCxnSpPr>
+          <p:cNvPr id="2" name="Connettore 1 1">
+            <a:extLst>
+              <a:ext uri="{FF2B5EF4-FFF2-40B4-BE49-F238E27FC236}">
+                <a16:creationId xmlns:a16="http://schemas.microsoft.com/office/drawing/2014/main" id="{190909B4-04D6-5F6E-1B11-75135F02A660}"/>
+              </a:ext>
+            </a:extLst>
+          </p:cNvPr>
+          <p:cNvCxnSpPr>
+            <a:cxnSpLocks/>
+          </p:cNvCxnSpPr>
+          <p:nvPr/>
+        </p:nvCxnSpPr>
+        <p:spPr>
+          <a:xfrm>
+            <a:off x="1028700" y="850900"/>
+            <a:ext cx="2628900" cy="0"/>
+          </a:xfrm>
+          <a:prstGeom prst="line">
+            <a:avLst/>
+          </a:prstGeom>
+          <a:ln>
+            <a:solidFill>
+              <a:schemeClr val="bg1"/>
+            </a:solidFill>
+          </a:ln>
+        </p:spPr>
+        <p:style>
+          <a:lnRef idx="3">
+            <a:schemeClr val="dk1"/>
+          </a:lnRef>
+          <a:fillRef idx="0">
+            <a:schemeClr val="dk1"/>
+          </a:fillRef>
+          <a:effectRef idx="2">
+            <a:schemeClr val="dk1"/>
+          </a:effectRef>
+          <a:fontRef idx="minor">
+            <a:schemeClr val="tx1"/>
+          </a:fontRef>
+        </p:style>
+      </p:cxnSp>
+      <p:graphicFrame>
+        <p:nvGraphicFramePr>
+          <p:cNvPr id="4" name="Grafico 3">
+            <a:extLst>
+              <a:ext uri="{FF2B5EF4-FFF2-40B4-BE49-F238E27FC236}">
+                <a16:creationId xmlns:a16="http://schemas.microsoft.com/office/drawing/2014/main" id="{35F8B354-21CD-F33C-4502-C76E8A09AA4C}"/>
+              </a:ext>
+            </a:extLst>
+          </p:cNvPr>
+          <p:cNvGraphicFramePr/>
+          <p:nvPr>
+            <p:extLst>
+              <p:ext uri="{D42A27DB-BD31-4B8C-83A1-F6EECF244321}">
+                <p14:modId xmlns:p14="http://schemas.microsoft.com/office/powerpoint/2010/main" val="1969439528"/>
+              </p:ext>
+            </p:extLst>
+          </p:nvPr>
+        </p:nvGraphicFramePr>
+        <p:xfrm>
+          <a:off x="4082668" y="1769279"/>
+          <a:ext cx="10122663" cy="6748442"/>
+        </p:xfrm>
+        <a:graphic>
+          <a:graphicData uri="http://schemas.openxmlformats.org/drawingml/2006/chart">
+            <c:chart xmlns:c="http://schemas.openxmlformats.org/drawingml/2006/chart" xmlns:r="http://schemas.openxmlformats.org/officeDocument/2006/relationships" r:id="rId2"/>
+          </a:graphicData>
+        </a:graphic>
+      </p:graphicFrame>
+    </p:spTree>
+    <p:extLst>
+      <p:ext uri="{BB962C8B-B14F-4D97-AF65-F5344CB8AC3E}">
+        <p14:creationId xmlns:p14="http://schemas.microsoft.com/office/powerpoint/2010/main" val="538991173"/>
+      </p:ext>
+    </p:extLst>
+  </p:cSld>
+  <p:clrMapOvr>
+    <a:masterClrMapping/>
+  </p:clrMapOvr>
+</p:sld>
+</file>
+
+<file path=ppt/slides/slide31.xml><?xml version="1.0" encoding="utf-8"?>
+<p:sld xmlns:a="http://schemas.openxmlformats.org/drawingml/2006/main" xmlns:r="http://schemas.openxmlformats.org/officeDocument/2006/relationships" xmlns:p="http://schemas.openxmlformats.org/presentationml/2006/main">
+  <p:cSld>
+    <p:spTree>
+      <p:nvGrpSpPr>
+        <p:cNvPr id="1" name=""/>
+        <p:cNvGrpSpPr/>
+        <p:nvPr/>
+      </p:nvGrpSpPr>
+      <p:grpSpPr>
+        <a:xfrm>
+          <a:off x="0" y="0"/>
+          <a:ext cx="0" cy="0"/>
+          <a:chOff x="0" y="0"/>
+          <a:chExt cx="0" cy="0"/>
+        </a:xfrm>
+      </p:grpSpPr>
+      <p:sp>
+        <p:nvSpPr>
+          <p:cNvPr id="8" name="Google Shape;56;p10">
+            <a:extLst>
+              <a:ext uri="{FF2B5EF4-FFF2-40B4-BE49-F238E27FC236}">
+                <a16:creationId xmlns:a16="http://schemas.microsoft.com/office/drawing/2014/main" id="{0E534E2B-B9B0-016A-73CF-EE8D0D011C0F}"/>
+              </a:ext>
+            </a:extLst>
+          </p:cNvPr>
+          <p:cNvSpPr txBox="1"/>
+          <p:nvPr/>
+        </p:nvSpPr>
+        <p:spPr>
+          <a:xfrm>
+            <a:off x="1028700" y="434774"/>
+            <a:ext cx="5728091" cy="307777"/>
+          </a:xfrm>
+          <a:prstGeom prst="rect">
+            <a:avLst/>
+          </a:prstGeom>
+          <a:noFill/>
+          <a:ln>
+            <a:noFill/>
+          </a:ln>
+        </p:spPr>
+        <p:txBody>
+          <a:bodyPr spcFirstLastPara="1" wrap="square" lIns="0" tIns="0" rIns="0" bIns="0" anchor="t" anchorCtr="0">
+            <a:spAutoFit/>
+          </a:bodyPr>
+          <a:lstStyle/>
+          <a:p>
+            <a:pPr marL="0" marR="0" lvl="0" indent="0" algn="l" rtl="0">
+              <a:lnSpc>
+                <a:spcPct val="80000"/>
+              </a:lnSpc>
+              <a:spcBef>
+                <a:spcPts val="0"/>
+              </a:spcBef>
+              <a:spcAft>
+                <a:spcPts val="0"/>
+              </a:spcAft>
+              <a:buNone/>
+            </a:pPr>
+            <a:r>
+              <a:rPr lang="en-US" sz="2500" b="0" i="0" u="none" strike="noStrike" cap="none" dirty="0">
+                <a:solidFill>
+                  <a:srgbClr val="FFFFFF"/>
+                </a:solidFill>
+                <a:latin typeface="DM Serif Display"/>
+                <a:ea typeface="DM Serif Display"/>
+                <a:cs typeface="DM Serif Display"/>
+                <a:sym typeface="DM Serif Display"/>
+              </a:rPr>
+              <a:t>Caso Studio - </a:t>
+            </a:r>
+            <a:r>
+              <a:rPr lang="en-US" sz="2500" b="0" i="0" u="none" strike="noStrike" cap="none" dirty="0" err="1">
+                <a:solidFill>
+                  <a:srgbClr val="FFFFFF"/>
+                </a:solidFill>
+                <a:latin typeface="DM Serif Display"/>
+                <a:ea typeface="DM Serif Display"/>
+                <a:cs typeface="DM Serif Display"/>
+                <a:sym typeface="DM Serif Display"/>
+              </a:rPr>
+              <a:t>Costi</a:t>
+            </a:r>
+            <a:endParaRPr sz="2500" dirty="0"/>
+          </a:p>
+        </p:txBody>
+      </p:sp>
+      <p:cxnSp>
+        <p:nvCxnSpPr>
+          <p:cNvPr id="2" name="Connettore 1 1">
+            <a:extLst>
+              <a:ext uri="{FF2B5EF4-FFF2-40B4-BE49-F238E27FC236}">
+                <a16:creationId xmlns:a16="http://schemas.microsoft.com/office/drawing/2014/main" id="{190909B4-04D6-5F6E-1B11-75135F02A660}"/>
+              </a:ext>
+            </a:extLst>
+          </p:cNvPr>
+          <p:cNvCxnSpPr>
+            <a:cxnSpLocks/>
+          </p:cNvCxnSpPr>
+          <p:nvPr/>
+        </p:nvCxnSpPr>
+        <p:spPr>
+          <a:xfrm>
+            <a:off x="1028700" y="850900"/>
+            <a:ext cx="2628900" cy="0"/>
+          </a:xfrm>
+          <a:prstGeom prst="line">
+            <a:avLst/>
+          </a:prstGeom>
+          <a:ln>
+            <a:solidFill>
+              <a:schemeClr val="bg1"/>
+            </a:solidFill>
+          </a:ln>
+        </p:spPr>
+        <p:style>
+          <a:lnRef idx="3">
+            <a:schemeClr val="dk1"/>
+          </a:lnRef>
+          <a:fillRef idx="0">
+            <a:schemeClr val="dk1"/>
+          </a:fillRef>
+          <a:effectRef idx="2">
+            <a:schemeClr val="dk1"/>
+          </a:effectRef>
+          <a:fontRef idx="minor">
+            <a:schemeClr val="tx1"/>
+          </a:fontRef>
+        </p:style>
+      </p:cxnSp>
+      <p:graphicFrame>
+        <p:nvGraphicFramePr>
+          <p:cNvPr id="4" name="Grafico 3">
+            <a:extLst>
+              <a:ext uri="{FF2B5EF4-FFF2-40B4-BE49-F238E27FC236}">
+                <a16:creationId xmlns:a16="http://schemas.microsoft.com/office/drawing/2014/main" id="{35F8B354-21CD-F33C-4502-C76E8A09AA4C}"/>
+              </a:ext>
+            </a:extLst>
+          </p:cNvPr>
+          <p:cNvGraphicFramePr/>
+          <p:nvPr/>
+        </p:nvGraphicFramePr>
+        <p:xfrm>
+          <a:off x="1821686" y="2224107"/>
+          <a:ext cx="8758177" cy="5838785"/>
+        </p:xfrm>
+        <a:graphic>
+          <a:graphicData uri="http://schemas.openxmlformats.org/drawingml/2006/chart">
+            <c:chart xmlns:c="http://schemas.openxmlformats.org/drawingml/2006/chart" xmlns:r="http://schemas.openxmlformats.org/officeDocument/2006/relationships" r:id="rId2"/>
+          </a:graphicData>
+        </a:graphic>
+      </p:graphicFrame>
+      <p:sp>
+        <p:nvSpPr>
+          <p:cNvPr id="5" name="Google Shape;76;p12">
+            <a:extLst>
+              <a:ext uri="{FF2B5EF4-FFF2-40B4-BE49-F238E27FC236}">
+                <a16:creationId xmlns:a16="http://schemas.microsoft.com/office/drawing/2014/main" id="{1E536EB5-1CF2-DCB2-F34E-711FB10A0C3D}"/>
+              </a:ext>
+            </a:extLst>
+          </p:cNvPr>
+          <p:cNvSpPr txBox="1"/>
+          <p:nvPr/>
+        </p:nvSpPr>
+        <p:spPr>
+          <a:xfrm>
+            <a:off x="11730537" y="4157565"/>
+            <a:ext cx="5500188" cy="538609"/>
+          </a:xfrm>
+          <a:prstGeom prst="rect">
+            <a:avLst/>
+          </a:prstGeom>
+          <a:noFill/>
+          <a:ln>
+            <a:noFill/>
+          </a:ln>
+        </p:spPr>
+        <p:txBody>
+          <a:bodyPr spcFirstLastPara="1" wrap="square" lIns="0" tIns="0" rIns="0" bIns="0" anchor="t" anchorCtr="0">
+            <a:spAutoFit/>
+          </a:bodyPr>
+          <a:lstStyle/>
+          <a:p>
+            <a:pPr marL="0" marR="0" lvl="0" indent="0" algn="ctr" rtl="0">
+              <a:lnSpc>
+                <a:spcPct val="70000"/>
+              </a:lnSpc>
+              <a:spcBef>
+                <a:spcPts val="0"/>
+              </a:spcBef>
+              <a:spcAft>
+                <a:spcPts val="0"/>
+              </a:spcAft>
+              <a:buNone/>
+            </a:pPr>
+            <a:r>
+              <a:rPr lang="en-US" sz="5000" b="1" i="0" u="none" strike="noStrike" cap="none" dirty="0" err="1">
+                <a:solidFill>
+                  <a:srgbClr val="FFFFFF"/>
+                </a:solidFill>
+                <a:latin typeface="DM Serif Display"/>
+                <a:ea typeface="DM Serif Display"/>
+                <a:cs typeface="DM Serif Display"/>
+                <a:sym typeface="DM Serif Display"/>
+              </a:rPr>
+              <a:t>Richieste</a:t>
+            </a:r>
+            <a:r>
+              <a:rPr lang="en-US" sz="5000" b="1" i="0" u="none" strike="noStrike" cap="none" dirty="0">
+                <a:solidFill>
+                  <a:srgbClr val="FFFFFF"/>
+                </a:solidFill>
+                <a:latin typeface="DM Serif Display"/>
+                <a:ea typeface="DM Serif Display"/>
+                <a:cs typeface="DM Serif Display"/>
+                <a:sym typeface="DM Serif Display"/>
+              </a:rPr>
+              <a:t> </a:t>
+            </a:r>
+            <a:r>
+              <a:rPr lang="en-US" sz="5000" b="1" i="0" u="none" strike="noStrike" cap="none" dirty="0" err="1">
+                <a:solidFill>
+                  <a:srgbClr val="FFFFFF"/>
+                </a:solidFill>
+                <a:latin typeface="DM Serif Display"/>
+                <a:ea typeface="DM Serif Display"/>
+                <a:cs typeface="DM Serif Display"/>
+                <a:sym typeface="DM Serif Display"/>
+              </a:rPr>
+              <a:t>gratuite</a:t>
+            </a:r>
+            <a:endParaRPr sz="5000" b="1" dirty="0"/>
+          </a:p>
+        </p:txBody>
+      </p:sp>
+      <p:sp>
+        <p:nvSpPr>
+          <p:cNvPr id="6" name="Google Shape;77;p12">
+            <a:extLst>
+              <a:ext uri="{FF2B5EF4-FFF2-40B4-BE49-F238E27FC236}">
+                <a16:creationId xmlns:a16="http://schemas.microsoft.com/office/drawing/2014/main" id="{91FDFCCF-2A85-DC85-FE88-847FAB7AC6CC}"/>
+              </a:ext>
+            </a:extLst>
+          </p:cNvPr>
+          <p:cNvSpPr txBox="1"/>
+          <p:nvPr/>
+        </p:nvSpPr>
+        <p:spPr>
+          <a:xfrm>
+            <a:off x="11580518" y="4987363"/>
+            <a:ext cx="5800226" cy="969496"/>
+          </a:xfrm>
+          <a:prstGeom prst="rect">
+            <a:avLst/>
+          </a:prstGeom>
+          <a:noFill/>
+          <a:ln>
+            <a:noFill/>
+          </a:ln>
+        </p:spPr>
+        <p:txBody>
+          <a:bodyPr spcFirstLastPara="1" wrap="square" lIns="0" tIns="0" rIns="0" bIns="0" anchor="t" anchorCtr="0">
+            <a:spAutoFit/>
+          </a:bodyPr>
+          <a:lstStyle/>
+          <a:p>
+            <a:pPr marL="0" marR="0" lvl="0" indent="0" algn="ctr" rtl="0">
+              <a:lnSpc>
+                <a:spcPct val="100000"/>
+              </a:lnSpc>
+              <a:spcBef>
+                <a:spcPts val="0"/>
+              </a:spcBef>
+              <a:spcAft>
+                <a:spcPts val="0"/>
+              </a:spcAft>
+              <a:buNone/>
+            </a:pPr>
+            <a:r>
+              <a:rPr lang="it-IT" sz="2100" dirty="0">
+                <a:solidFill>
+                  <a:srgbClr val="D86613"/>
+                </a:solidFill>
+                <a:latin typeface="DM Sans"/>
+                <a:sym typeface="DM Sans"/>
+              </a:rPr>
+              <a:t>Lambda</a:t>
+            </a:r>
+            <a:r>
+              <a:rPr lang="it-IT" sz="2100" dirty="0">
+                <a:solidFill>
+                  <a:srgbClr val="FFFFFF"/>
+                </a:solidFill>
+                <a:latin typeface="DM Sans"/>
+                <a:sym typeface="DM Sans"/>
+              </a:rPr>
+              <a:t>: 1 milione di richieste al mese</a:t>
+            </a:r>
+          </a:p>
+          <a:p>
+            <a:pPr marL="0" marR="0" lvl="0" indent="0" algn="ctr" rtl="0">
+              <a:lnSpc>
+                <a:spcPct val="100000"/>
+              </a:lnSpc>
+              <a:spcBef>
+                <a:spcPts val="0"/>
+              </a:spcBef>
+              <a:spcAft>
+                <a:spcPts val="0"/>
+              </a:spcAft>
+              <a:buNone/>
+            </a:pPr>
+            <a:endParaRPr lang="it-IT" sz="2100" dirty="0">
+              <a:solidFill>
+                <a:srgbClr val="FFFFFF"/>
+              </a:solidFill>
+              <a:latin typeface="DM Sans"/>
+              <a:sym typeface="DM Sans"/>
+            </a:endParaRPr>
+          </a:p>
+          <a:p>
+            <a:pPr marL="0" marR="0" lvl="0" indent="0" algn="ctr" rtl="0">
+              <a:lnSpc>
+                <a:spcPct val="100000"/>
+              </a:lnSpc>
+              <a:spcBef>
+                <a:spcPts val="0"/>
+              </a:spcBef>
+              <a:spcAft>
+                <a:spcPts val="0"/>
+              </a:spcAft>
+              <a:buNone/>
+            </a:pPr>
+            <a:r>
+              <a:rPr lang="it-IT" sz="2100" dirty="0">
+                <a:solidFill>
+                  <a:srgbClr val="669DF5"/>
+                </a:solidFill>
+                <a:latin typeface="DM Sans"/>
+                <a:sym typeface="DM Sans"/>
+              </a:rPr>
+              <a:t>Cloud Functions</a:t>
+            </a:r>
+            <a:r>
+              <a:rPr lang="it-IT" sz="2100" dirty="0">
+                <a:solidFill>
+                  <a:srgbClr val="FFFFFF"/>
+                </a:solidFill>
+                <a:latin typeface="DM Sans"/>
+                <a:sym typeface="DM Sans"/>
+              </a:rPr>
+              <a:t>: 2 milioni di richieste al mese</a:t>
+            </a:r>
+            <a:endParaRPr lang="it-IT" dirty="0"/>
+          </a:p>
+        </p:txBody>
+      </p:sp>
+    </p:spTree>
+    <p:extLst>
+      <p:ext uri="{BB962C8B-B14F-4D97-AF65-F5344CB8AC3E}">
+        <p14:creationId xmlns:p14="http://schemas.microsoft.com/office/powerpoint/2010/main" val="1323526670"/>
+      </p:ext>
+    </p:extLst>
+  </p:cSld>
+  <p:clrMapOvr>
+    <a:masterClrMapping/>
+  </p:clrMapOvr>
+</p:sld>
+</file>
+
+<file path=ppt/slides/slide32.xml><?xml version="1.0" encoding="utf-8"?>
+<p:sld xmlns:a="http://schemas.openxmlformats.org/drawingml/2006/main" xmlns:r="http://schemas.openxmlformats.org/officeDocument/2006/relationships" xmlns:p="http://schemas.openxmlformats.org/presentationml/2006/main">
+  <p:cSld>
+    <p:spTree>
+      <p:nvGrpSpPr>
+        <p:cNvPr id="1" name=""/>
+        <p:cNvGrpSpPr/>
+        <p:nvPr/>
+      </p:nvGrpSpPr>
+      <p:grpSpPr>
+        <a:xfrm>
+          <a:off x="0" y="0"/>
+          <a:ext cx="0" cy="0"/>
+          <a:chOff x="0" y="0"/>
+          <a:chExt cx="0" cy="0"/>
+        </a:xfrm>
+      </p:grpSpPr>
+      <p:sp>
+        <p:nvSpPr>
+          <p:cNvPr id="8" name="Google Shape;56;p10">
+            <a:extLst>
+              <a:ext uri="{FF2B5EF4-FFF2-40B4-BE49-F238E27FC236}">
+                <a16:creationId xmlns:a16="http://schemas.microsoft.com/office/drawing/2014/main" id="{0E534E2B-B9B0-016A-73CF-EE8D0D011C0F}"/>
+              </a:ext>
+            </a:extLst>
+          </p:cNvPr>
+          <p:cNvSpPr txBox="1"/>
+          <p:nvPr/>
+        </p:nvSpPr>
+        <p:spPr>
+          <a:xfrm>
+            <a:off x="1028700" y="434774"/>
+            <a:ext cx="5728091" cy="307777"/>
+          </a:xfrm>
+          <a:prstGeom prst="rect">
+            <a:avLst/>
+          </a:prstGeom>
+          <a:noFill/>
+          <a:ln>
+            <a:noFill/>
+          </a:ln>
+        </p:spPr>
+        <p:txBody>
+          <a:bodyPr spcFirstLastPara="1" wrap="square" lIns="0" tIns="0" rIns="0" bIns="0" anchor="t" anchorCtr="0">
+            <a:spAutoFit/>
+          </a:bodyPr>
+          <a:lstStyle/>
+          <a:p>
+            <a:pPr marL="0" marR="0" lvl="0" indent="0" algn="l" rtl="0">
+              <a:lnSpc>
+                <a:spcPct val="80000"/>
+              </a:lnSpc>
+              <a:spcBef>
+                <a:spcPts val="0"/>
+              </a:spcBef>
+              <a:spcAft>
+                <a:spcPts val="0"/>
+              </a:spcAft>
+              <a:buNone/>
+            </a:pPr>
+            <a:r>
+              <a:rPr lang="en-US" sz="2500" b="0" i="0" u="none" strike="noStrike" cap="none" dirty="0">
+                <a:solidFill>
+                  <a:srgbClr val="FFFFFF"/>
+                </a:solidFill>
+                <a:latin typeface="DM Serif Display"/>
+                <a:ea typeface="DM Serif Display"/>
+                <a:cs typeface="DM Serif Display"/>
+                <a:sym typeface="DM Serif Display"/>
+              </a:rPr>
+              <a:t>Caso Studio - </a:t>
+            </a:r>
+            <a:r>
+              <a:rPr lang="en-US" sz="2500" b="0" i="0" u="none" strike="noStrike" cap="none" dirty="0" err="1">
+                <a:solidFill>
+                  <a:srgbClr val="FFFFFF"/>
+                </a:solidFill>
+                <a:latin typeface="DM Serif Display"/>
+                <a:ea typeface="DM Serif Display"/>
+                <a:cs typeface="DM Serif Display"/>
+                <a:sym typeface="DM Serif Display"/>
+              </a:rPr>
+              <a:t>Usabilità</a:t>
+            </a:r>
+            <a:endParaRPr sz="2500" dirty="0"/>
+          </a:p>
+        </p:txBody>
+      </p:sp>
+      <p:cxnSp>
+        <p:nvCxnSpPr>
+          <p:cNvPr id="2" name="Connettore 1 1">
+            <a:extLst>
+              <a:ext uri="{FF2B5EF4-FFF2-40B4-BE49-F238E27FC236}">
+                <a16:creationId xmlns:a16="http://schemas.microsoft.com/office/drawing/2014/main" id="{190909B4-04D6-5F6E-1B11-75135F02A660}"/>
+              </a:ext>
+            </a:extLst>
+          </p:cNvPr>
+          <p:cNvCxnSpPr>
+            <a:cxnSpLocks/>
+          </p:cNvCxnSpPr>
+          <p:nvPr/>
+        </p:nvCxnSpPr>
+        <p:spPr>
+          <a:xfrm>
+            <a:off x="1028700" y="850900"/>
+            <a:ext cx="3228975" cy="0"/>
+          </a:xfrm>
+          <a:prstGeom prst="line">
+            <a:avLst/>
+          </a:prstGeom>
+          <a:ln>
+            <a:solidFill>
+              <a:schemeClr val="bg1"/>
+            </a:solidFill>
+          </a:ln>
+        </p:spPr>
+        <p:style>
+          <a:lnRef idx="3">
+            <a:schemeClr val="dk1"/>
+          </a:lnRef>
+          <a:fillRef idx="0">
+            <a:schemeClr val="dk1"/>
+          </a:fillRef>
+          <a:effectRef idx="2">
+            <a:schemeClr val="dk1"/>
+          </a:effectRef>
+          <a:fontRef idx="minor">
+            <a:schemeClr val="tx1"/>
+          </a:fontRef>
+        </p:style>
+      </p:cxnSp>
+      <p:sp>
+        <p:nvSpPr>
+          <p:cNvPr id="13" name="Google Shape;77;p12">
+            <a:extLst>
+              <a:ext uri="{FF2B5EF4-FFF2-40B4-BE49-F238E27FC236}">
+                <a16:creationId xmlns:a16="http://schemas.microsoft.com/office/drawing/2014/main" id="{91739436-01A0-55DF-FE40-8696C66AD7E9}"/>
+              </a:ext>
+            </a:extLst>
+          </p:cNvPr>
+          <p:cNvSpPr txBox="1"/>
+          <p:nvPr/>
+        </p:nvSpPr>
+        <p:spPr>
+          <a:xfrm>
+            <a:off x="6542474" y="2563709"/>
+            <a:ext cx="4826400" cy="2585323"/>
+          </a:xfrm>
+          <a:prstGeom prst="rect">
+            <a:avLst/>
+          </a:prstGeom>
+          <a:noFill/>
+          <a:ln>
+            <a:noFill/>
+          </a:ln>
+        </p:spPr>
+        <p:txBody>
+          <a:bodyPr spcFirstLastPara="1" wrap="square" lIns="0" tIns="0" rIns="0" bIns="0" anchor="t" anchorCtr="0">
+            <a:spAutoFit/>
+          </a:bodyPr>
+          <a:lstStyle/>
+          <a:p>
+            <a:pPr marL="0" marR="0" lvl="0" indent="0" algn="l" rtl="0">
+              <a:lnSpc>
+                <a:spcPct val="100000"/>
+              </a:lnSpc>
+              <a:spcBef>
+                <a:spcPts val="0"/>
+              </a:spcBef>
+              <a:spcAft>
+                <a:spcPts val="0"/>
+              </a:spcAft>
+              <a:buNone/>
+            </a:pPr>
+            <a:r>
+              <a:rPr lang="it-IT" sz="2100" b="0" i="0" u="none" strike="noStrike" cap="none" dirty="0">
+                <a:solidFill>
+                  <a:srgbClr val="FFFFFF"/>
+                </a:solidFill>
+                <a:latin typeface="DM Sans"/>
+                <a:ea typeface="DM Sans"/>
+                <a:cs typeface="DM Sans"/>
+                <a:sym typeface="DM Sans"/>
+              </a:rPr>
+              <a:t>Interfaccia intuitiva, curata e dettagliata</a:t>
+            </a:r>
+          </a:p>
+          <a:p>
+            <a:pPr marL="0" marR="0" lvl="0" indent="0" algn="l" rtl="0">
+              <a:lnSpc>
+                <a:spcPct val="100000"/>
+              </a:lnSpc>
+              <a:spcBef>
+                <a:spcPts val="0"/>
+              </a:spcBef>
+              <a:spcAft>
+                <a:spcPts val="0"/>
+              </a:spcAft>
+              <a:buNone/>
+            </a:pPr>
+            <a:endParaRPr lang="it-IT" sz="2100" dirty="0">
+              <a:solidFill>
+                <a:srgbClr val="FFFFFF"/>
+              </a:solidFill>
+              <a:latin typeface="DM Sans"/>
+              <a:sym typeface="DM Sans"/>
+            </a:endParaRPr>
+          </a:p>
+          <a:p>
+            <a:pPr marL="0" marR="0" lvl="0" indent="0" algn="l" rtl="0">
+              <a:lnSpc>
+                <a:spcPct val="100000"/>
+              </a:lnSpc>
+              <a:spcBef>
+                <a:spcPts val="0"/>
+              </a:spcBef>
+              <a:spcAft>
+                <a:spcPts val="0"/>
+              </a:spcAft>
+              <a:buNone/>
+            </a:pPr>
+            <a:r>
+              <a:rPr lang="it-IT" sz="2100" dirty="0">
+                <a:solidFill>
+                  <a:srgbClr val="FFFFFF"/>
+                </a:solidFill>
+                <a:latin typeface="DM Sans"/>
+                <a:sym typeface="DM Sans"/>
+              </a:rPr>
+              <a:t>Migliore documentazione per gli sviluppatori</a:t>
+            </a:r>
+          </a:p>
+          <a:p>
+            <a:pPr marL="0" marR="0" lvl="0" indent="0" algn="l" rtl="0">
+              <a:lnSpc>
+                <a:spcPct val="100000"/>
+              </a:lnSpc>
+              <a:spcBef>
+                <a:spcPts val="0"/>
+              </a:spcBef>
+              <a:spcAft>
+                <a:spcPts val="0"/>
+              </a:spcAft>
+              <a:buNone/>
+            </a:pPr>
+            <a:endParaRPr lang="it-IT" sz="2100" dirty="0">
+              <a:solidFill>
+                <a:srgbClr val="FFFFFF"/>
+              </a:solidFill>
+              <a:latin typeface="DM Sans"/>
+              <a:sym typeface="DM Sans"/>
+            </a:endParaRPr>
+          </a:p>
+          <a:p>
+            <a:pPr marL="0" marR="0" lvl="0" indent="0" algn="l" rtl="0">
+              <a:lnSpc>
+                <a:spcPct val="100000"/>
+              </a:lnSpc>
+              <a:spcBef>
+                <a:spcPts val="0"/>
+              </a:spcBef>
+              <a:spcAft>
+                <a:spcPts val="0"/>
+              </a:spcAft>
+              <a:buNone/>
+            </a:pPr>
+            <a:r>
+              <a:rPr lang="it-IT" sz="2100" dirty="0">
+                <a:solidFill>
+                  <a:srgbClr val="FFFFFF"/>
+                </a:solidFill>
+                <a:latin typeface="DM Sans"/>
+                <a:sym typeface="DM Sans"/>
+              </a:rPr>
+              <a:t>Esempi pratici per piccoli progetti software</a:t>
+            </a:r>
+          </a:p>
+        </p:txBody>
+      </p:sp>
+      <p:sp>
+        <p:nvSpPr>
+          <p:cNvPr id="18" name="Google Shape;77;p12">
+            <a:extLst>
+              <a:ext uri="{FF2B5EF4-FFF2-40B4-BE49-F238E27FC236}">
+                <a16:creationId xmlns:a16="http://schemas.microsoft.com/office/drawing/2014/main" id="{9958F709-66D0-7790-7CB5-DB100EBFB8E0}"/>
+              </a:ext>
+            </a:extLst>
+          </p:cNvPr>
+          <p:cNvSpPr txBox="1"/>
+          <p:nvPr/>
+        </p:nvSpPr>
+        <p:spPr>
+          <a:xfrm>
+            <a:off x="6542474" y="6525020"/>
+            <a:ext cx="4826400" cy="1615827"/>
+          </a:xfrm>
+          <a:prstGeom prst="rect">
+            <a:avLst/>
+          </a:prstGeom>
+          <a:noFill/>
+          <a:ln>
+            <a:noFill/>
+          </a:ln>
+        </p:spPr>
+        <p:txBody>
+          <a:bodyPr spcFirstLastPara="1" wrap="square" lIns="0" tIns="0" rIns="0" bIns="0" anchor="t" anchorCtr="0">
+            <a:spAutoFit/>
+          </a:bodyPr>
+          <a:lstStyle/>
+          <a:p>
+            <a:pPr marL="0" marR="0" lvl="0" indent="0" algn="l" rtl="0">
+              <a:lnSpc>
+                <a:spcPct val="100000"/>
+              </a:lnSpc>
+              <a:spcBef>
+                <a:spcPts val="0"/>
+              </a:spcBef>
+              <a:spcAft>
+                <a:spcPts val="0"/>
+              </a:spcAft>
+              <a:buNone/>
+            </a:pPr>
+            <a:r>
+              <a:rPr lang="it-IT" sz="2100" b="0" i="0" u="none" strike="noStrike" cap="none" dirty="0">
+                <a:solidFill>
+                  <a:srgbClr val="FFFFFF"/>
+                </a:solidFill>
+                <a:latin typeface="DM Sans"/>
+                <a:ea typeface="DM Sans"/>
+                <a:cs typeface="DM Sans"/>
+                <a:sym typeface="DM Sans"/>
+              </a:rPr>
+              <a:t>Interfaccia intuitiva, curata e dettagliata</a:t>
+            </a:r>
+          </a:p>
+          <a:p>
+            <a:pPr marL="0" marR="0" lvl="0" indent="0" algn="l" rtl="0">
+              <a:lnSpc>
+                <a:spcPct val="100000"/>
+              </a:lnSpc>
+              <a:spcBef>
+                <a:spcPts val="0"/>
+              </a:spcBef>
+              <a:spcAft>
+                <a:spcPts val="0"/>
+              </a:spcAft>
+              <a:buNone/>
+            </a:pPr>
+            <a:endParaRPr lang="it-IT" sz="2100" b="0" i="0" u="none" strike="noStrike" cap="none" dirty="0">
+              <a:solidFill>
+                <a:srgbClr val="FFFFFF"/>
+              </a:solidFill>
+              <a:latin typeface="DM Sans"/>
+              <a:ea typeface="DM Sans"/>
+              <a:cs typeface="DM Sans"/>
+              <a:sym typeface="DM Sans"/>
+            </a:endParaRPr>
+          </a:p>
+          <a:p>
+            <a:pPr marL="0" marR="0" lvl="0" indent="0" algn="l" rtl="0">
+              <a:lnSpc>
+                <a:spcPct val="100000"/>
+              </a:lnSpc>
+              <a:spcBef>
+                <a:spcPts val="0"/>
+              </a:spcBef>
+              <a:spcAft>
+                <a:spcPts val="0"/>
+              </a:spcAft>
+              <a:buNone/>
+            </a:pPr>
+            <a:r>
+              <a:rPr lang="it-IT" sz="2100" dirty="0">
+                <a:solidFill>
+                  <a:srgbClr val="FFFFFF"/>
+                </a:solidFill>
+                <a:latin typeface="DM Sans"/>
+                <a:ea typeface="DM Sans"/>
+                <a:cs typeface="DM Sans"/>
+                <a:sym typeface="DM Sans"/>
+              </a:rPr>
+              <a:t>D</a:t>
+            </a:r>
+            <a:r>
+              <a:rPr lang="it-IT" sz="2100" b="0" i="0" u="none" strike="noStrike" cap="none" dirty="0">
+                <a:solidFill>
+                  <a:srgbClr val="FFFFFF"/>
+                </a:solidFill>
+                <a:latin typeface="DM Sans"/>
+                <a:ea typeface="DM Sans"/>
+                <a:cs typeface="DM Sans"/>
+                <a:sym typeface="DM Sans"/>
+              </a:rPr>
+              <a:t>ocumentazione ufficiale più carente rispetto a Lambda</a:t>
+            </a:r>
+            <a:endParaRPr lang="it-IT" sz="2100" dirty="0">
+              <a:solidFill>
+                <a:srgbClr val="FFFFFF"/>
+              </a:solidFill>
+              <a:latin typeface="DM Sans"/>
+              <a:sym typeface="DM Sans"/>
+            </a:endParaRPr>
+          </a:p>
+        </p:txBody>
+      </p:sp>
+      <p:pic>
+        <p:nvPicPr>
+          <p:cNvPr id="4" name="Immagine 3">
+            <a:extLst>
+              <a:ext uri="{FF2B5EF4-FFF2-40B4-BE49-F238E27FC236}">
+                <a16:creationId xmlns:a16="http://schemas.microsoft.com/office/drawing/2014/main" id="{90D24D6A-2BCD-4710-AFE0-22872DAE15EE}"/>
+              </a:ext>
+            </a:extLst>
+          </p:cNvPr>
+          <p:cNvPicPr>
+            <a:picLocks noChangeAspect="1"/>
+          </p:cNvPicPr>
+          <p:nvPr/>
+        </p:nvPicPr>
+        <p:blipFill>
+          <a:blip r:embed="rId2"/>
+          <a:stretch>
+            <a:fillRect/>
+          </a:stretch>
+        </p:blipFill>
+        <p:spPr>
+          <a:xfrm>
+            <a:off x="2145227" y="2102560"/>
+            <a:ext cx="2727248" cy="2727248"/>
+          </a:xfrm>
+          <a:prstGeom prst="rect">
+            <a:avLst/>
+          </a:prstGeom>
+        </p:spPr>
+      </p:pic>
+      <p:pic>
+        <p:nvPicPr>
+          <p:cNvPr id="5" name="Immagine 4">
+            <a:extLst>
+              <a:ext uri="{FF2B5EF4-FFF2-40B4-BE49-F238E27FC236}">
+                <a16:creationId xmlns:a16="http://schemas.microsoft.com/office/drawing/2014/main" id="{98EAD790-4F7E-1B52-4E7B-A7708520E2A8}"/>
+              </a:ext>
+            </a:extLst>
+          </p:cNvPr>
+          <p:cNvPicPr>
+            <a:picLocks noChangeAspect="1"/>
+          </p:cNvPicPr>
+          <p:nvPr/>
+        </p:nvPicPr>
+        <p:blipFill rotWithShape="1">
+          <a:blip r:embed="rId3"/>
+          <a:srcRect l="33489" t="9937" r="34196" b="22348"/>
+          <a:stretch/>
+        </p:blipFill>
+        <p:spPr>
+          <a:xfrm>
+            <a:off x="1741877" y="6004873"/>
+            <a:ext cx="3533947" cy="3081714"/>
+          </a:xfrm>
+          <a:prstGeom prst="rect">
+            <a:avLst/>
+          </a:prstGeom>
+        </p:spPr>
+      </p:pic>
+      <p:sp>
+        <p:nvSpPr>
+          <p:cNvPr id="6" name="Google Shape;76;p12">
+            <a:extLst>
+              <a:ext uri="{FF2B5EF4-FFF2-40B4-BE49-F238E27FC236}">
+                <a16:creationId xmlns:a16="http://schemas.microsoft.com/office/drawing/2014/main" id="{2F4B45AF-153D-F849-9368-4F7EFDE6A964}"/>
+              </a:ext>
+            </a:extLst>
+          </p:cNvPr>
+          <p:cNvSpPr txBox="1"/>
+          <p:nvPr/>
+        </p:nvSpPr>
+        <p:spPr>
+          <a:xfrm>
+            <a:off x="2089919" y="5030249"/>
+            <a:ext cx="2837861" cy="387798"/>
+          </a:xfrm>
+          <a:prstGeom prst="rect">
+            <a:avLst/>
+          </a:prstGeom>
+          <a:noFill/>
+          <a:ln>
+            <a:noFill/>
+          </a:ln>
+        </p:spPr>
+        <p:txBody>
+          <a:bodyPr spcFirstLastPara="1" wrap="square" lIns="0" tIns="0" rIns="0" bIns="0" anchor="t" anchorCtr="0">
+            <a:spAutoFit/>
+          </a:bodyPr>
+          <a:lstStyle/>
+          <a:p>
+            <a:pPr marL="0" marR="0" lvl="0" indent="0" algn="l" rtl="0">
+              <a:lnSpc>
+                <a:spcPct val="70000"/>
+              </a:lnSpc>
+              <a:spcBef>
+                <a:spcPts val="0"/>
+              </a:spcBef>
+              <a:spcAft>
+                <a:spcPts val="0"/>
+              </a:spcAft>
+              <a:buNone/>
+            </a:pPr>
+            <a:r>
+              <a:rPr lang="en-US" sz="3600" b="1" i="0" u="none" strike="noStrike" cap="none" dirty="0">
+                <a:solidFill>
+                  <a:srgbClr val="FFFFFF"/>
+                </a:solidFill>
+                <a:latin typeface="DM Serif Display"/>
+                <a:ea typeface="DM Serif Display"/>
+                <a:cs typeface="DM Serif Display"/>
+                <a:sym typeface="DM Serif Display"/>
+              </a:rPr>
+              <a:t>AWS Lambda</a:t>
+            </a:r>
+            <a:endParaRPr sz="4400" b="1" dirty="0"/>
+          </a:p>
+        </p:txBody>
+      </p:sp>
+      <p:sp>
+        <p:nvSpPr>
+          <p:cNvPr id="7" name="Google Shape;76;p12">
+            <a:extLst>
+              <a:ext uri="{FF2B5EF4-FFF2-40B4-BE49-F238E27FC236}">
+                <a16:creationId xmlns:a16="http://schemas.microsoft.com/office/drawing/2014/main" id="{1153C7BF-B85C-D469-8262-7A62D84CEA3B}"/>
+              </a:ext>
+            </a:extLst>
+          </p:cNvPr>
+          <p:cNvSpPr txBox="1"/>
+          <p:nvPr/>
+        </p:nvSpPr>
+        <p:spPr>
+          <a:xfrm>
+            <a:off x="2005829" y="9144151"/>
+            <a:ext cx="3130597" cy="387798"/>
+          </a:xfrm>
+          <a:prstGeom prst="rect">
+            <a:avLst/>
+          </a:prstGeom>
+          <a:noFill/>
+          <a:ln>
+            <a:noFill/>
+          </a:ln>
+        </p:spPr>
+        <p:txBody>
+          <a:bodyPr spcFirstLastPara="1" wrap="square" lIns="0" tIns="0" rIns="0" bIns="0" anchor="t" anchorCtr="0">
+            <a:spAutoFit/>
+          </a:bodyPr>
+          <a:lstStyle/>
+          <a:p>
+            <a:pPr marL="0" marR="0" lvl="0" indent="0" algn="l" rtl="0">
+              <a:lnSpc>
+                <a:spcPct val="70000"/>
+              </a:lnSpc>
+              <a:spcBef>
+                <a:spcPts val="0"/>
+              </a:spcBef>
+              <a:spcAft>
+                <a:spcPts val="0"/>
+              </a:spcAft>
+              <a:buNone/>
+            </a:pPr>
+            <a:r>
+              <a:rPr lang="en-US" sz="3600" b="1" i="0" u="none" strike="noStrike" cap="none" dirty="0">
+                <a:solidFill>
+                  <a:srgbClr val="FFFFFF"/>
+                </a:solidFill>
+                <a:latin typeface="DM Serif Display"/>
+                <a:ea typeface="DM Serif Display"/>
+                <a:cs typeface="DM Serif Display"/>
+                <a:sym typeface="DM Serif Display"/>
+              </a:rPr>
+              <a:t>G.C. Functions</a:t>
+            </a:r>
+            <a:endParaRPr sz="4400" b="1" dirty="0"/>
+          </a:p>
+        </p:txBody>
+      </p:sp>
+      <p:sp>
+        <p:nvSpPr>
+          <p:cNvPr id="9" name="Google Shape;77;p12">
+            <a:extLst>
+              <a:ext uri="{FF2B5EF4-FFF2-40B4-BE49-F238E27FC236}">
+                <a16:creationId xmlns:a16="http://schemas.microsoft.com/office/drawing/2014/main" id="{C7F2A922-B509-6EA2-D098-1C42BD99F422}"/>
+              </a:ext>
+            </a:extLst>
+          </p:cNvPr>
+          <p:cNvSpPr txBox="1"/>
+          <p:nvPr/>
+        </p:nvSpPr>
+        <p:spPr>
+          <a:xfrm>
+            <a:off x="12504476" y="2563708"/>
+            <a:ext cx="4826400" cy="1938992"/>
+          </a:xfrm>
+          <a:prstGeom prst="rect">
+            <a:avLst/>
+          </a:prstGeom>
+          <a:noFill/>
+          <a:ln>
+            <a:noFill/>
+          </a:ln>
+        </p:spPr>
+        <p:txBody>
+          <a:bodyPr spcFirstLastPara="1" wrap="square" lIns="0" tIns="0" rIns="0" bIns="0" anchor="t" anchorCtr="0">
+            <a:spAutoFit/>
+          </a:bodyPr>
+          <a:lstStyle/>
+          <a:p>
+            <a:pPr marL="0" marR="0" lvl="0" indent="0" algn="l" rtl="0">
+              <a:lnSpc>
+                <a:spcPct val="100000"/>
+              </a:lnSpc>
+              <a:spcBef>
+                <a:spcPts val="0"/>
+              </a:spcBef>
+              <a:spcAft>
+                <a:spcPts val="0"/>
+              </a:spcAft>
+              <a:buNone/>
+            </a:pPr>
+            <a:r>
+              <a:rPr lang="it-IT" sz="2100" b="0" i="0" u="none" strike="noStrike" cap="none" dirty="0">
+                <a:solidFill>
+                  <a:srgbClr val="FFFFFF"/>
+                </a:solidFill>
+                <a:latin typeface="DM Sans"/>
+                <a:ea typeface="DM Sans"/>
+                <a:cs typeface="DM Sans"/>
+                <a:sym typeface="DM Sans"/>
+              </a:rPr>
+              <a:t>Processo di </a:t>
+            </a:r>
+            <a:r>
+              <a:rPr lang="it-IT" sz="2100" b="0" i="0" u="none" strike="noStrike" cap="none" dirty="0" err="1">
+                <a:solidFill>
+                  <a:srgbClr val="FFFFFF"/>
+                </a:solidFill>
+                <a:latin typeface="DM Sans"/>
+                <a:ea typeface="DM Sans"/>
+                <a:cs typeface="DM Sans"/>
+                <a:sym typeface="DM Sans"/>
+              </a:rPr>
+              <a:t>deploy</a:t>
+            </a:r>
+            <a:r>
+              <a:rPr lang="it-IT" sz="2100" b="0" i="0" u="none" strike="noStrike" cap="none" dirty="0">
+                <a:solidFill>
+                  <a:srgbClr val="FFFFFF"/>
+                </a:solidFill>
+                <a:latin typeface="DM Sans"/>
+                <a:ea typeface="DM Sans"/>
+                <a:cs typeface="DM Sans"/>
+                <a:sym typeface="DM Sans"/>
+              </a:rPr>
+              <a:t> più lungo rispetto a GCF</a:t>
+            </a:r>
+          </a:p>
+          <a:p>
+            <a:pPr marL="0" marR="0" lvl="0" indent="0" algn="l" rtl="0">
+              <a:lnSpc>
+                <a:spcPct val="100000"/>
+              </a:lnSpc>
+              <a:spcBef>
+                <a:spcPts val="0"/>
+              </a:spcBef>
+              <a:spcAft>
+                <a:spcPts val="0"/>
+              </a:spcAft>
+              <a:buNone/>
+            </a:pPr>
+            <a:endParaRPr lang="it-IT" sz="2100" dirty="0">
+              <a:solidFill>
+                <a:srgbClr val="FFFFFF"/>
+              </a:solidFill>
+              <a:latin typeface="DM Sans"/>
+              <a:sym typeface="DM Sans"/>
+            </a:endParaRPr>
+          </a:p>
+          <a:p>
+            <a:pPr marL="0" marR="0" lvl="0" indent="0" algn="l" rtl="0">
+              <a:lnSpc>
+                <a:spcPct val="100000"/>
+              </a:lnSpc>
+              <a:spcBef>
+                <a:spcPts val="0"/>
+              </a:spcBef>
+              <a:spcAft>
+                <a:spcPts val="0"/>
+              </a:spcAft>
+              <a:buNone/>
+            </a:pPr>
+            <a:r>
+              <a:rPr lang="it-IT" sz="2100" dirty="0">
+                <a:solidFill>
+                  <a:srgbClr val="FFFFFF"/>
+                </a:solidFill>
+                <a:latin typeface="DM Sans"/>
+                <a:sym typeface="DM Sans"/>
+              </a:rPr>
+              <a:t>Configurazione più complessa e dettagliata della funzione per il setup iniziale</a:t>
+            </a:r>
+          </a:p>
+        </p:txBody>
+      </p:sp>
+      <p:sp>
+        <p:nvSpPr>
+          <p:cNvPr id="10" name="Google Shape;77;p12">
+            <a:extLst>
+              <a:ext uri="{FF2B5EF4-FFF2-40B4-BE49-F238E27FC236}">
+                <a16:creationId xmlns:a16="http://schemas.microsoft.com/office/drawing/2014/main" id="{18513B5F-B741-93BD-88AB-672F5B49D907}"/>
+              </a:ext>
+            </a:extLst>
+          </p:cNvPr>
+          <p:cNvSpPr txBox="1"/>
+          <p:nvPr/>
+        </p:nvSpPr>
+        <p:spPr>
+          <a:xfrm>
+            <a:off x="12504476" y="6525020"/>
+            <a:ext cx="4826400" cy="1292662"/>
+          </a:xfrm>
+          <a:prstGeom prst="rect">
+            <a:avLst/>
+          </a:prstGeom>
+          <a:noFill/>
+          <a:ln>
+            <a:noFill/>
+          </a:ln>
+        </p:spPr>
+        <p:txBody>
+          <a:bodyPr spcFirstLastPara="1" wrap="square" lIns="0" tIns="0" rIns="0" bIns="0" anchor="t" anchorCtr="0">
+            <a:spAutoFit/>
+          </a:bodyPr>
+          <a:lstStyle/>
+          <a:p>
+            <a:pPr marL="0" marR="0" lvl="0" indent="0" algn="l" rtl="0">
+              <a:lnSpc>
+                <a:spcPct val="100000"/>
+              </a:lnSpc>
+              <a:spcBef>
+                <a:spcPts val="0"/>
+              </a:spcBef>
+              <a:spcAft>
+                <a:spcPts val="0"/>
+              </a:spcAft>
+              <a:buNone/>
+            </a:pPr>
+            <a:r>
+              <a:rPr lang="it-IT" sz="2100" b="0" i="0" u="none" strike="noStrike" cap="none" dirty="0">
+                <a:solidFill>
+                  <a:srgbClr val="FFFFFF"/>
+                </a:solidFill>
+                <a:latin typeface="DM Sans"/>
+                <a:ea typeface="DM Sans"/>
+                <a:cs typeface="DM Sans"/>
+                <a:sym typeface="DM Sans"/>
+              </a:rPr>
+              <a:t>Minor numero di step per il </a:t>
+            </a:r>
+            <a:r>
+              <a:rPr lang="it-IT" sz="2100" b="0" i="0" u="none" strike="noStrike" cap="none" dirty="0" err="1">
+                <a:solidFill>
+                  <a:srgbClr val="FFFFFF"/>
+                </a:solidFill>
+                <a:latin typeface="DM Sans"/>
+                <a:ea typeface="DM Sans"/>
+                <a:cs typeface="DM Sans"/>
+                <a:sym typeface="DM Sans"/>
+              </a:rPr>
+              <a:t>deploy</a:t>
+            </a:r>
+            <a:endParaRPr lang="it-IT" sz="2100" b="0" i="0" u="none" strike="noStrike" cap="none" dirty="0">
+              <a:solidFill>
+                <a:srgbClr val="FFFFFF"/>
+              </a:solidFill>
+              <a:latin typeface="DM Sans"/>
+              <a:ea typeface="DM Sans"/>
+              <a:cs typeface="DM Sans"/>
+              <a:sym typeface="DM Sans"/>
+            </a:endParaRPr>
+          </a:p>
+          <a:p>
+            <a:pPr marL="0" marR="0" lvl="0" indent="0" algn="l" rtl="0">
+              <a:lnSpc>
+                <a:spcPct val="100000"/>
+              </a:lnSpc>
+              <a:spcBef>
+                <a:spcPts val="0"/>
+              </a:spcBef>
+              <a:spcAft>
+                <a:spcPts val="0"/>
+              </a:spcAft>
+              <a:buNone/>
+            </a:pPr>
+            <a:endParaRPr lang="it-IT" sz="2100" dirty="0">
+              <a:solidFill>
+                <a:srgbClr val="FFFFFF"/>
+              </a:solidFill>
+              <a:latin typeface="DM Sans"/>
+              <a:sym typeface="DM Sans"/>
+            </a:endParaRPr>
+          </a:p>
+          <a:p>
+            <a:pPr marL="0" marR="0" lvl="0" indent="0" algn="l" rtl="0">
+              <a:lnSpc>
+                <a:spcPct val="100000"/>
+              </a:lnSpc>
+              <a:spcBef>
+                <a:spcPts val="0"/>
+              </a:spcBef>
+              <a:spcAft>
+                <a:spcPts val="0"/>
+              </a:spcAft>
+              <a:buNone/>
+            </a:pPr>
+            <a:r>
+              <a:rPr lang="it-IT" sz="2100" dirty="0">
+                <a:solidFill>
+                  <a:srgbClr val="FFFFFF"/>
+                </a:solidFill>
+                <a:latin typeface="DM Sans"/>
+                <a:sym typeface="DM Sans"/>
+              </a:rPr>
+              <a:t>Setup iniziale più rapido rispetto a Lambda</a:t>
+            </a:r>
+          </a:p>
+        </p:txBody>
+      </p:sp>
+      <p:sp>
+        <p:nvSpPr>
+          <p:cNvPr id="16" name="Google Shape;76;p12">
+            <a:extLst>
+              <a:ext uri="{FF2B5EF4-FFF2-40B4-BE49-F238E27FC236}">
+                <a16:creationId xmlns:a16="http://schemas.microsoft.com/office/drawing/2014/main" id="{6B426AEC-E285-079C-60C6-DCC909AF6101}"/>
+              </a:ext>
+            </a:extLst>
+          </p:cNvPr>
+          <p:cNvSpPr txBox="1"/>
+          <p:nvPr/>
+        </p:nvSpPr>
+        <p:spPr>
+          <a:xfrm>
+            <a:off x="6542474" y="1606502"/>
+            <a:ext cx="2837861" cy="387798"/>
+          </a:xfrm>
+          <a:prstGeom prst="rect">
+            <a:avLst/>
+          </a:prstGeom>
+          <a:noFill/>
+          <a:ln>
+            <a:noFill/>
+          </a:ln>
+        </p:spPr>
+        <p:txBody>
+          <a:bodyPr spcFirstLastPara="1" wrap="square" lIns="0" tIns="0" rIns="0" bIns="0" anchor="t" anchorCtr="0">
+            <a:spAutoFit/>
+          </a:bodyPr>
+          <a:lstStyle/>
+          <a:p>
+            <a:pPr marL="0" marR="0" lvl="0" indent="0" algn="l" rtl="0">
+              <a:lnSpc>
+                <a:spcPct val="70000"/>
+              </a:lnSpc>
+              <a:spcBef>
+                <a:spcPts val="0"/>
+              </a:spcBef>
+              <a:spcAft>
+                <a:spcPts val="0"/>
+              </a:spcAft>
+              <a:buNone/>
+            </a:pPr>
+            <a:r>
+              <a:rPr lang="en-US" sz="3600" b="1" i="0" u="none" strike="noStrike" cap="none" dirty="0" err="1">
+                <a:solidFill>
+                  <a:srgbClr val="FFFFFF"/>
+                </a:solidFill>
+                <a:latin typeface="DM Serif Display"/>
+                <a:ea typeface="DM Serif Display"/>
+                <a:cs typeface="DM Serif Display"/>
+                <a:sym typeface="DM Serif Display"/>
+              </a:rPr>
+              <a:t>Usabilità</a:t>
+            </a:r>
+            <a:endParaRPr sz="4400" b="1" dirty="0"/>
+          </a:p>
+        </p:txBody>
+      </p:sp>
+      <p:sp>
+        <p:nvSpPr>
+          <p:cNvPr id="24" name="Google Shape;76;p12">
+            <a:extLst>
+              <a:ext uri="{FF2B5EF4-FFF2-40B4-BE49-F238E27FC236}">
+                <a16:creationId xmlns:a16="http://schemas.microsoft.com/office/drawing/2014/main" id="{B2393937-2997-7280-EC4C-40948AC1C23F}"/>
+              </a:ext>
+            </a:extLst>
+          </p:cNvPr>
+          <p:cNvSpPr txBox="1"/>
+          <p:nvPr/>
+        </p:nvSpPr>
+        <p:spPr>
+          <a:xfrm>
+            <a:off x="12515846" y="1606502"/>
+            <a:ext cx="3655496" cy="387798"/>
+          </a:xfrm>
+          <a:prstGeom prst="rect">
+            <a:avLst/>
+          </a:prstGeom>
+          <a:noFill/>
+          <a:ln>
+            <a:noFill/>
+          </a:ln>
+        </p:spPr>
+        <p:txBody>
+          <a:bodyPr spcFirstLastPara="1" wrap="square" lIns="0" tIns="0" rIns="0" bIns="0" anchor="t" anchorCtr="0">
+            <a:spAutoFit/>
+          </a:bodyPr>
+          <a:lstStyle/>
+          <a:p>
+            <a:pPr marL="0" marR="0" lvl="0" indent="0" algn="l" rtl="0">
+              <a:lnSpc>
+                <a:spcPct val="70000"/>
+              </a:lnSpc>
+              <a:spcBef>
+                <a:spcPts val="0"/>
+              </a:spcBef>
+              <a:spcAft>
+                <a:spcPts val="0"/>
+              </a:spcAft>
+              <a:buNone/>
+            </a:pPr>
+            <a:r>
+              <a:rPr lang="en-US" sz="3600" b="1" i="0" u="none" strike="noStrike" cap="none" dirty="0" err="1">
+                <a:solidFill>
+                  <a:srgbClr val="FFFFFF"/>
+                </a:solidFill>
+                <a:latin typeface="DM Serif Display"/>
+                <a:ea typeface="DM Serif Display"/>
+                <a:cs typeface="DM Serif Display"/>
+                <a:sym typeface="DM Serif Display"/>
+              </a:rPr>
+              <a:t>Facilità</a:t>
+            </a:r>
+            <a:r>
+              <a:rPr lang="en-US" sz="3600" b="1" i="0" u="none" strike="noStrike" cap="none" dirty="0">
+                <a:solidFill>
+                  <a:srgbClr val="FFFFFF"/>
+                </a:solidFill>
+                <a:latin typeface="DM Serif Display"/>
+                <a:ea typeface="DM Serif Display"/>
+                <a:cs typeface="DM Serif Display"/>
+                <a:sym typeface="DM Serif Display"/>
+              </a:rPr>
+              <a:t> di Deploy</a:t>
+            </a:r>
+            <a:endParaRPr sz="4400" b="1" dirty="0"/>
+          </a:p>
+        </p:txBody>
+      </p:sp>
+      <p:cxnSp>
+        <p:nvCxnSpPr>
+          <p:cNvPr id="25" name="Connettore 1 24">
+            <a:extLst>
+              <a:ext uri="{FF2B5EF4-FFF2-40B4-BE49-F238E27FC236}">
+                <a16:creationId xmlns:a16="http://schemas.microsoft.com/office/drawing/2014/main" id="{7C0D2F20-F243-C190-EAAC-A6DAE83201F6}"/>
+              </a:ext>
+            </a:extLst>
+          </p:cNvPr>
+          <p:cNvCxnSpPr>
+            <a:cxnSpLocks/>
+          </p:cNvCxnSpPr>
+          <p:nvPr/>
+        </p:nvCxnSpPr>
+        <p:spPr>
+          <a:xfrm>
+            <a:off x="6400797" y="5818187"/>
+            <a:ext cx="11044238" cy="0"/>
+          </a:xfrm>
+          <a:prstGeom prst="line">
+            <a:avLst/>
+          </a:prstGeom>
+          <a:ln>
+            <a:solidFill>
+              <a:schemeClr val="bg1"/>
+            </a:solidFill>
+          </a:ln>
+        </p:spPr>
+        <p:style>
+          <a:lnRef idx="3">
+            <a:schemeClr val="dk1"/>
+          </a:lnRef>
+          <a:fillRef idx="0">
+            <a:schemeClr val="dk1"/>
+          </a:fillRef>
+          <a:effectRef idx="2">
+            <a:schemeClr val="dk1"/>
+          </a:effectRef>
+          <a:fontRef idx="minor">
+            <a:schemeClr val="tx1"/>
+          </a:fontRef>
+        </p:style>
+      </p:cxnSp>
+      <p:cxnSp>
+        <p:nvCxnSpPr>
+          <p:cNvPr id="27" name="Connettore 1 26">
+            <a:extLst>
+              <a:ext uri="{FF2B5EF4-FFF2-40B4-BE49-F238E27FC236}">
+                <a16:creationId xmlns:a16="http://schemas.microsoft.com/office/drawing/2014/main" id="{E88B5C9F-00FA-6700-A6B7-65DBFEBEF189}"/>
+              </a:ext>
+            </a:extLst>
+          </p:cNvPr>
+          <p:cNvCxnSpPr>
+            <a:cxnSpLocks/>
+          </p:cNvCxnSpPr>
+          <p:nvPr/>
+        </p:nvCxnSpPr>
+        <p:spPr>
+          <a:xfrm>
+            <a:off x="11865836" y="2300288"/>
+            <a:ext cx="0" cy="7231661"/>
+          </a:xfrm>
+          <a:prstGeom prst="line">
+            <a:avLst/>
+          </a:prstGeom>
+          <a:ln>
+            <a:solidFill>
+              <a:schemeClr val="bg1"/>
+            </a:solidFill>
+          </a:ln>
+        </p:spPr>
+        <p:style>
+          <a:lnRef idx="3">
+            <a:schemeClr val="dk1"/>
+          </a:lnRef>
+          <a:fillRef idx="0">
+            <a:schemeClr val="dk1"/>
+          </a:fillRef>
+          <a:effectRef idx="2">
+            <a:schemeClr val="dk1"/>
+          </a:effectRef>
+          <a:fontRef idx="minor">
+            <a:schemeClr val="tx1"/>
+          </a:fontRef>
+        </p:style>
+      </p:cxnSp>
+    </p:spTree>
+    <p:extLst>
+      <p:ext uri="{BB962C8B-B14F-4D97-AF65-F5344CB8AC3E}">
+        <p14:creationId xmlns:p14="http://schemas.microsoft.com/office/powerpoint/2010/main" val="1707785297"/>
+      </p:ext>
+    </p:extLst>
+  </p:cSld>
+  <p:clrMapOvr>
+    <a:masterClrMapping/>
+  </p:clrMapOvr>
+</p:sld>
+</file>
+
+<file path=ppt/slides/slide33.xml><?xml version="1.0" encoding="utf-8"?>
+<p:sld xmlns:a="http://schemas.openxmlformats.org/drawingml/2006/main" xmlns:r="http://schemas.openxmlformats.org/officeDocument/2006/relationships" xmlns:p="http://schemas.openxmlformats.org/presentationml/2006/main">
+  <p:cSld>
+    <p:spTree>
+      <p:nvGrpSpPr>
+        <p:cNvPr id="1" name=""/>
+        <p:cNvGrpSpPr/>
+        <p:nvPr/>
+      </p:nvGrpSpPr>
+      <p:grpSpPr>
+        <a:xfrm>
+          <a:off x="0" y="0"/>
+          <a:ext cx="0" cy="0"/>
+          <a:chOff x="0" y="0"/>
+          <a:chExt cx="0" cy="0"/>
+        </a:xfrm>
+      </p:grpSpPr>
+      <p:sp>
+        <p:nvSpPr>
+          <p:cNvPr id="8" name="Google Shape;56;p10">
+            <a:extLst>
+              <a:ext uri="{FF2B5EF4-FFF2-40B4-BE49-F238E27FC236}">
+                <a16:creationId xmlns:a16="http://schemas.microsoft.com/office/drawing/2014/main" id="{0E534E2B-B9B0-016A-73CF-EE8D0D011C0F}"/>
+              </a:ext>
+            </a:extLst>
+          </p:cNvPr>
+          <p:cNvSpPr txBox="1"/>
+          <p:nvPr/>
+        </p:nvSpPr>
+        <p:spPr>
+          <a:xfrm>
+            <a:off x="1028700" y="434774"/>
+            <a:ext cx="5728091" cy="307777"/>
+          </a:xfrm>
+          <a:prstGeom prst="rect">
+            <a:avLst/>
+          </a:prstGeom>
+          <a:noFill/>
+          <a:ln>
+            <a:noFill/>
+          </a:ln>
+        </p:spPr>
+        <p:txBody>
+          <a:bodyPr spcFirstLastPara="1" wrap="square" lIns="0" tIns="0" rIns="0" bIns="0" anchor="t" anchorCtr="0">
+            <a:spAutoFit/>
+          </a:bodyPr>
+          <a:lstStyle/>
+          <a:p>
+            <a:pPr marL="0" marR="0" lvl="0" indent="0" algn="l" rtl="0">
+              <a:lnSpc>
+                <a:spcPct val="80000"/>
+              </a:lnSpc>
+              <a:spcBef>
+                <a:spcPts val="0"/>
+              </a:spcBef>
+              <a:spcAft>
+                <a:spcPts val="0"/>
+              </a:spcAft>
+              <a:buNone/>
+            </a:pPr>
+            <a:r>
+              <a:rPr lang="en-US" sz="2500" b="0" i="0" u="none" strike="noStrike" cap="none" dirty="0">
+                <a:solidFill>
+                  <a:srgbClr val="FFFFFF"/>
+                </a:solidFill>
+                <a:latin typeface="DM Serif Display"/>
+                <a:ea typeface="DM Serif Display"/>
+                <a:cs typeface="DM Serif Display"/>
+                <a:sym typeface="DM Serif Display"/>
+              </a:rPr>
+              <a:t>Caso Studio - </a:t>
+            </a:r>
+            <a:r>
+              <a:rPr lang="en-US" sz="2500" b="0" i="0" u="none" strike="noStrike" cap="none" dirty="0" err="1">
+                <a:solidFill>
+                  <a:srgbClr val="FFFFFF"/>
+                </a:solidFill>
+                <a:latin typeface="DM Serif Display"/>
+                <a:ea typeface="DM Serif Display"/>
+                <a:cs typeface="DM Serif Display"/>
+                <a:sym typeface="DM Serif Display"/>
+              </a:rPr>
+              <a:t>Confronto</a:t>
+            </a:r>
+            <a:r>
+              <a:rPr lang="en-US" sz="2500" b="0" i="0" u="none" strike="noStrike" cap="none" dirty="0">
+                <a:solidFill>
+                  <a:srgbClr val="FFFFFF"/>
+                </a:solidFill>
+                <a:latin typeface="DM Serif Display"/>
+                <a:ea typeface="DM Serif Display"/>
+                <a:cs typeface="DM Serif Display"/>
+                <a:sym typeface="DM Serif Display"/>
+              </a:rPr>
+              <a:t> </a:t>
+            </a:r>
+            <a:r>
+              <a:rPr lang="en-US" sz="2500" b="0" i="0" u="none" strike="noStrike" cap="none" dirty="0" err="1">
+                <a:solidFill>
+                  <a:srgbClr val="FFFFFF"/>
+                </a:solidFill>
+                <a:latin typeface="DM Serif Display"/>
+                <a:ea typeface="DM Serif Display"/>
+                <a:cs typeface="DM Serif Display"/>
+                <a:sym typeface="DM Serif Display"/>
+              </a:rPr>
+              <a:t>risultati</a:t>
+            </a:r>
+            <a:endParaRPr sz="2500" dirty="0"/>
+          </a:p>
+        </p:txBody>
+      </p:sp>
+      <p:cxnSp>
+        <p:nvCxnSpPr>
+          <p:cNvPr id="2" name="Connettore 1 1">
+            <a:extLst>
+              <a:ext uri="{FF2B5EF4-FFF2-40B4-BE49-F238E27FC236}">
+                <a16:creationId xmlns:a16="http://schemas.microsoft.com/office/drawing/2014/main" id="{190909B4-04D6-5F6E-1B11-75135F02A660}"/>
+              </a:ext>
+            </a:extLst>
+          </p:cNvPr>
+          <p:cNvCxnSpPr>
+            <a:cxnSpLocks/>
+          </p:cNvCxnSpPr>
+          <p:nvPr/>
+        </p:nvCxnSpPr>
+        <p:spPr>
+          <a:xfrm>
+            <a:off x="1028700" y="850900"/>
+            <a:ext cx="4557713" cy="0"/>
+          </a:xfrm>
+          <a:prstGeom prst="line">
+            <a:avLst/>
+          </a:prstGeom>
+          <a:ln>
+            <a:solidFill>
+              <a:schemeClr val="bg1"/>
+            </a:solidFill>
+          </a:ln>
+        </p:spPr>
+        <p:style>
+          <a:lnRef idx="3">
+            <a:schemeClr val="dk1"/>
+          </a:lnRef>
+          <a:fillRef idx="0">
+            <a:schemeClr val="dk1"/>
+          </a:fillRef>
+          <a:effectRef idx="2">
+            <a:schemeClr val="dk1"/>
+          </a:effectRef>
+          <a:fontRef idx="minor">
+            <a:schemeClr val="tx1"/>
+          </a:fontRef>
+        </p:style>
+      </p:cxnSp>
+      <p:graphicFrame>
+        <p:nvGraphicFramePr>
+          <p:cNvPr id="6" name="Tabella 5">
+            <a:extLst>
+              <a:ext uri="{FF2B5EF4-FFF2-40B4-BE49-F238E27FC236}">
+                <a16:creationId xmlns:a16="http://schemas.microsoft.com/office/drawing/2014/main" id="{71A83496-20BD-6057-386E-D68ABD7EBDE9}"/>
+              </a:ext>
+            </a:extLst>
+          </p:cNvPr>
+          <p:cNvGraphicFramePr>
+            <a:graphicFrameLocks noGrp="1"/>
+          </p:cNvGraphicFramePr>
+          <p:nvPr>
+            <p:extLst>
+              <p:ext uri="{D42A27DB-BD31-4B8C-83A1-F6EECF244321}">
+                <p14:modId xmlns:p14="http://schemas.microsoft.com/office/powerpoint/2010/main" val="841444585"/>
+              </p:ext>
+            </p:extLst>
+          </p:nvPr>
+        </p:nvGraphicFramePr>
+        <p:xfrm>
+          <a:off x="1234485" y="2420403"/>
+          <a:ext cx="15819030" cy="5903397"/>
+        </p:xfrm>
+        <a:graphic>
+          <a:graphicData uri="http://schemas.openxmlformats.org/drawingml/2006/table">
+            <a:tbl>
+              <a:tblPr firstRow="1" bandRow="1">
+                <a:tableStyleId>{2D5ABB26-0587-4C30-8999-92F81FD0307C}</a:tableStyleId>
+              </a:tblPr>
+              <a:tblGrid>
+                <a:gridCol w="4523378">
+                  <a:extLst>
+                    <a:ext uri="{9D8B030D-6E8A-4147-A177-3AD203B41FA5}">
+                      <a16:colId xmlns:a16="http://schemas.microsoft.com/office/drawing/2014/main" val="1983946502"/>
+                    </a:ext>
+                  </a:extLst>
+                </a:gridCol>
+                <a:gridCol w="5372100">
+                  <a:extLst>
+                    <a:ext uri="{9D8B030D-6E8A-4147-A177-3AD203B41FA5}">
+                      <a16:colId xmlns:a16="http://schemas.microsoft.com/office/drawing/2014/main" val="1046375484"/>
+                    </a:ext>
+                  </a:extLst>
+                </a:gridCol>
+                <a:gridCol w="5923552">
+                  <a:extLst>
+                    <a:ext uri="{9D8B030D-6E8A-4147-A177-3AD203B41FA5}">
+                      <a16:colId xmlns:a16="http://schemas.microsoft.com/office/drawing/2014/main" val="1528119263"/>
+                    </a:ext>
+                  </a:extLst>
+                </a:gridCol>
+              </a:tblGrid>
+              <a:tr h="1229657">
+                <a:tc>
+                  <a:txBody>
+                    <a:bodyPr/>
+                    <a:lstStyle/>
+                    <a:p>
+                      <a:endParaRPr lang="it-IT" sz="3700" dirty="0">
+                        <a:solidFill>
+                          <a:schemeClr val="bg1"/>
+                        </a:solidFill>
+                      </a:endParaRPr>
+                    </a:p>
+                  </a:txBody>
+                  <a:tcPr marL="111787" marR="111787" marT="55894" marB="55894">
+                    <a:lnL w="12700" cap="flat" cmpd="sng" algn="ctr">
+                      <a:noFill/>
+                      <a:prstDash val="solid"/>
+                      <a:round/>
+                      <a:headEnd type="none" w="med" len="med"/>
+                      <a:tailEnd type="none" w="med" len="med"/>
+                    </a:lnL>
+                    <a:lnR w="12700" cap="flat" cmpd="sng" algn="ctr">
+                      <a:noFill/>
+                      <a:prstDash val="solid"/>
+                      <a:round/>
+                      <a:headEnd type="none" w="med" len="med"/>
+                      <a:tailEnd type="none" w="med" len="med"/>
+                    </a:lnR>
+                    <a:lnT w="12700" cap="flat" cmpd="sng" algn="ctr">
+                      <a:noFill/>
+                      <a:prstDash val="solid"/>
+                      <a:round/>
+                      <a:headEnd type="none" w="med" len="med"/>
+                      <a:tailEnd type="none" w="med" len="med"/>
+                    </a:lnT>
+                    <a:lnB w="12700" cap="flat" cmpd="sng" algn="ctr">
+                      <a:solidFill>
+                        <a:schemeClr val="bg1"/>
+                      </a:solidFill>
+                      <a:prstDash val="solid"/>
+                      <a:round/>
+                      <a:headEnd type="none" w="med" len="med"/>
+                      <a:tailEnd type="none" w="med" len="med"/>
+                    </a:lnB>
+                    <a:lnTlToBr w="12700" cmpd="sng">
+                      <a:noFill/>
+                      <a:prstDash val="solid"/>
+                    </a:lnTlToBr>
+                    <a:lnBlToTr w="12700" cmpd="sng">
+                      <a:noFill/>
+                      <a:prstDash val="solid"/>
+                    </a:lnBlToTr>
+                    <a:noFill/>
+                  </a:tcPr>
+                </a:tc>
+                <a:tc>
+                  <a:txBody>
+                    <a:bodyPr/>
+                    <a:lstStyle/>
+                    <a:p>
+                      <a:pPr algn="ctr"/>
+                      <a:r>
+                        <a:rPr lang="it-IT" sz="3700" dirty="0">
+                          <a:solidFill>
+                            <a:schemeClr val="bg1"/>
+                          </a:solidFill>
+                        </a:rPr>
+                        <a:t>   AWS Lambda</a:t>
+                      </a:r>
+                    </a:p>
+                  </a:txBody>
+                  <a:tcPr marL="111787" marR="111787" marT="55894" marB="55894" anchor="ctr">
+                    <a:lnL w="12700" cap="flat" cmpd="sng" algn="ctr">
+                      <a:noFill/>
+                      <a:prstDash val="solid"/>
+                      <a:round/>
+                      <a:headEnd type="none" w="med" len="med"/>
+                      <a:tailEnd type="none" w="med" len="med"/>
+                    </a:lnL>
+                    <a:lnR w="12700" cap="flat" cmpd="sng" algn="ctr">
+                      <a:noFill/>
+                      <a:prstDash val="solid"/>
+                      <a:round/>
+                      <a:headEnd type="none" w="med" len="med"/>
+                      <a:tailEnd type="none" w="med" len="med"/>
+                    </a:lnR>
+                    <a:lnT w="12700" cap="flat" cmpd="sng" algn="ctr">
+                      <a:noFill/>
+                      <a:prstDash val="solid"/>
+                      <a:round/>
+                      <a:headEnd type="none" w="med" len="med"/>
+                      <a:tailEnd type="none" w="med" len="med"/>
+                    </a:lnT>
+                    <a:lnB w="12700" cap="flat" cmpd="sng" algn="ctr">
+                      <a:solidFill>
+                        <a:schemeClr val="bg1"/>
+                      </a:solidFill>
+                      <a:prstDash val="solid"/>
+                      <a:round/>
+                      <a:headEnd type="none" w="med" len="med"/>
+                      <a:tailEnd type="none" w="med" len="med"/>
+                    </a:lnB>
+                    <a:lnTlToBr w="12700" cmpd="sng">
+                      <a:noFill/>
+                      <a:prstDash val="solid"/>
+                    </a:lnTlToBr>
+                    <a:lnBlToTr w="12700" cmpd="sng">
+                      <a:noFill/>
+                      <a:prstDash val="solid"/>
+                    </a:lnBlToTr>
+                    <a:noFill/>
+                  </a:tcPr>
+                </a:tc>
+                <a:tc>
+                  <a:txBody>
+                    <a:bodyPr/>
+                    <a:lstStyle/>
+                    <a:p>
+                      <a:pPr algn="ctr"/>
+                      <a:r>
+                        <a:rPr lang="it-IT" sz="3700" dirty="0">
+                          <a:solidFill>
+                            <a:schemeClr val="bg1"/>
+                          </a:solidFill>
+                        </a:rPr>
+                        <a:t>   Google Cloud Functions</a:t>
+                      </a:r>
+                    </a:p>
+                  </a:txBody>
+                  <a:tcPr marL="111787" marR="111787" marT="55894" marB="55894" anchor="ctr">
+                    <a:lnL w="12700" cap="flat" cmpd="sng" algn="ctr">
+                      <a:noFill/>
+                      <a:prstDash val="solid"/>
+                      <a:round/>
+                      <a:headEnd type="none" w="med" len="med"/>
+                      <a:tailEnd type="none" w="med" len="med"/>
+                    </a:lnL>
+                    <a:lnR w="12700" cap="flat" cmpd="sng" algn="ctr">
+                      <a:noFill/>
+                      <a:prstDash val="solid"/>
+                      <a:round/>
+                      <a:headEnd type="none" w="med" len="med"/>
+                      <a:tailEnd type="none" w="med" len="med"/>
+                    </a:lnR>
+                    <a:lnT w="12700" cap="flat" cmpd="sng" algn="ctr">
+                      <a:noFill/>
+                      <a:prstDash val="solid"/>
+                      <a:round/>
+                      <a:headEnd type="none" w="med" len="med"/>
+                      <a:tailEnd type="none" w="med" len="med"/>
+                    </a:lnT>
+                    <a:lnB w="12700" cap="flat" cmpd="sng" algn="ctr">
+                      <a:solidFill>
+                        <a:schemeClr val="bg1"/>
+                      </a:solidFill>
+                      <a:prstDash val="solid"/>
+                      <a:round/>
+                      <a:headEnd type="none" w="med" len="med"/>
+                      <a:tailEnd type="none" w="med" len="med"/>
+                    </a:lnB>
+                    <a:lnTlToBr w="12700" cmpd="sng">
+                      <a:noFill/>
+                      <a:prstDash val="solid"/>
+                    </a:lnTlToBr>
+                    <a:lnBlToTr w="12700" cmpd="sng">
+                      <a:noFill/>
+                      <a:prstDash val="solid"/>
+                    </a:lnBlToTr>
+                    <a:noFill/>
+                  </a:tcPr>
+                </a:tc>
+                <a:extLst>
+                  <a:ext uri="{0D108BD9-81ED-4DB2-BD59-A6C34878D82A}">
+                    <a16:rowId xmlns:a16="http://schemas.microsoft.com/office/drawing/2014/main" val="4218703777"/>
+                  </a:ext>
+                </a:extLst>
+              </a:tr>
+              <a:tr h="857034">
+                <a:tc>
+                  <a:txBody>
+                    <a:bodyPr/>
+                    <a:lstStyle/>
+                    <a:p>
+                      <a:pPr algn="l"/>
+                      <a:r>
+                        <a:rPr lang="it-IT" sz="3700" dirty="0">
+                          <a:solidFill>
+                            <a:schemeClr val="bg1"/>
+                          </a:solidFill>
+                        </a:rPr>
+                        <a:t>Performance</a:t>
+                      </a:r>
+                    </a:p>
+                  </a:txBody>
+                  <a:tcPr marL="111787" marR="111787" marT="55894" marB="55894" anchor="ctr">
+                    <a:lnL w="12700" cap="flat" cmpd="sng" algn="ctr">
+                      <a:noFill/>
+                      <a:prstDash val="solid"/>
+                      <a:round/>
+                      <a:headEnd type="none" w="med" len="med"/>
+                      <a:tailEnd type="none" w="med" len="med"/>
+                    </a:lnL>
+                    <a:lnR w="12700" cap="flat" cmpd="sng" algn="ctr">
+                      <a:noFill/>
+                      <a:prstDash val="solid"/>
+                      <a:round/>
+                      <a:headEnd type="none" w="med" len="med"/>
+                      <a:tailEnd type="none" w="med" len="med"/>
+                    </a:lnR>
+                    <a:lnT w="12700" cap="flat" cmpd="sng" algn="ctr">
+                      <a:solidFill>
+                        <a:schemeClr val="bg1"/>
+                      </a:solidFill>
+                      <a:prstDash val="solid"/>
+                      <a:round/>
+                      <a:headEnd type="none" w="med" len="med"/>
+                      <a:tailEnd type="none" w="med" len="med"/>
+                    </a:lnT>
+                    <a:lnB w="12700" cap="flat" cmpd="sng" algn="ctr">
+                      <a:solidFill>
+                        <a:schemeClr val="bg1"/>
+                      </a:solidFill>
+                      <a:prstDash val="solid"/>
+                      <a:round/>
+                      <a:headEnd type="none" w="med" len="med"/>
+                      <a:tailEnd type="none" w="med" len="med"/>
+                    </a:lnB>
+                    <a:lnTlToBr w="12700" cmpd="sng">
+                      <a:noFill/>
+                      <a:prstDash val="solid"/>
+                    </a:lnTlToBr>
+                    <a:lnBlToTr w="12700" cmpd="sng">
+                      <a:noFill/>
+                      <a:prstDash val="solid"/>
+                    </a:lnBlToTr>
+                    <a:noFill/>
+                  </a:tcPr>
+                </a:tc>
+                <a:tc>
+                  <a:txBody>
+                    <a:bodyPr/>
+                    <a:lstStyle/>
+                    <a:p>
+                      <a:pPr algn="ctr"/>
+                      <a:r>
+                        <a:rPr lang="it-IT" sz="4900" b="0" dirty="0">
+                          <a:solidFill>
+                            <a:schemeClr val="bg1"/>
+                          </a:solidFill>
+                        </a:rPr>
+                        <a:t>+</a:t>
+                      </a:r>
+                    </a:p>
+                  </a:txBody>
+                  <a:tcPr marL="111787" marR="111787" marT="55894" marB="55894" anchor="ctr">
+                    <a:lnL w="12700" cap="flat" cmpd="sng" algn="ctr">
+                      <a:noFill/>
+                      <a:prstDash val="solid"/>
+                      <a:round/>
+                      <a:headEnd type="none" w="med" len="med"/>
+                      <a:tailEnd type="none" w="med" len="med"/>
+                    </a:lnL>
+                    <a:lnR w="12700" cap="flat" cmpd="sng" algn="ctr">
+                      <a:noFill/>
+                      <a:prstDash val="solid"/>
+                      <a:round/>
+                      <a:headEnd type="none" w="med" len="med"/>
+                      <a:tailEnd type="none" w="med" len="med"/>
+                    </a:lnR>
+                    <a:lnT w="12700" cap="flat" cmpd="sng" algn="ctr">
+                      <a:solidFill>
+                        <a:schemeClr val="bg1"/>
+                      </a:solidFill>
+                      <a:prstDash val="solid"/>
+                      <a:round/>
+                      <a:headEnd type="none" w="med" len="med"/>
+                      <a:tailEnd type="none" w="med" len="med"/>
+                    </a:lnT>
+                    <a:lnB w="12700" cap="flat" cmpd="sng" algn="ctr">
+                      <a:solidFill>
+                        <a:schemeClr val="bg1"/>
+                      </a:solidFill>
+                      <a:prstDash val="solid"/>
+                      <a:round/>
+                      <a:headEnd type="none" w="med" len="med"/>
+                      <a:tailEnd type="none" w="med" len="med"/>
+                    </a:lnB>
+                    <a:lnTlToBr w="12700" cmpd="sng">
+                      <a:noFill/>
+                      <a:prstDash val="solid"/>
+                    </a:lnTlToBr>
+                    <a:lnBlToTr w="12700" cmpd="sng">
+                      <a:noFill/>
+                      <a:prstDash val="solid"/>
+                    </a:lnBlToTr>
+                    <a:noFill/>
+                  </a:tcPr>
+                </a:tc>
+                <a:tc>
+                  <a:txBody>
+                    <a:bodyPr/>
+                    <a:lstStyle/>
+                    <a:p>
+                      <a:pPr algn="ctr"/>
+                      <a:r>
+                        <a:rPr lang="it-IT" sz="4900" b="0" dirty="0">
+                          <a:solidFill>
+                            <a:schemeClr val="bg1"/>
+                          </a:solidFill>
+                        </a:rPr>
+                        <a:t>-</a:t>
+                      </a:r>
+                    </a:p>
+                  </a:txBody>
+                  <a:tcPr marL="111787" marR="111787" marT="55894" marB="55894" anchor="ctr">
+                    <a:lnL w="12700" cap="flat" cmpd="sng" algn="ctr">
+                      <a:noFill/>
+                      <a:prstDash val="solid"/>
+                      <a:round/>
+                      <a:headEnd type="none" w="med" len="med"/>
+                      <a:tailEnd type="none" w="med" len="med"/>
+                    </a:lnL>
+                    <a:lnR w="12700" cap="flat" cmpd="sng" algn="ctr">
+                      <a:noFill/>
+                      <a:prstDash val="solid"/>
+                      <a:round/>
+                      <a:headEnd type="none" w="med" len="med"/>
+                      <a:tailEnd type="none" w="med" len="med"/>
+                    </a:lnR>
+                    <a:lnT w="12700" cap="flat" cmpd="sng" algn="ctr">
+                      <a:solidFill>
+                        <a:schemeClr val="bg1"/>
+                      </a:solidFill>
+                      <a:prstDash val="solid"/>
+                      <a:round/>
+                      <a:headEnd type="none" w="med" len="med"/>
+                      <a:tailEnd type="none" w="med" len="med"/>
+                    </a:lnT>
+                    <a:lnB w="12700" cap="flat" cmpd="sng" algn="ctr">
+                      <a:solidFill>
+                        <a:schemeClr val="bg1"/>
+                      </a:solidFill>
+                      <a:prstDash val="solid"/>
+                      <a:round/>
+                      <a:headEnd type="none" w="med" len="med"/>
+                      <a:tailEnd type="none" w="med" len="med"/>
+                    </a:lnB>
+                    <a:lnTlToBr w="12700" cmpd="sng">
+                      <a:noFill/>
+                      <a:prstDash val="solid"/>
+                    </a:lnTlToBr>
+                    <a:lnBlToTr w="12700" cmpd="sng">
+                      <a:noFill/>
+                      <a:prstDash val="solid"/>
+                    </a:lnBlToTr>
+                    <a:noFill/>
+                  </a:tcPr>
+                </a:tc>
+                <a:extLst>
+                  <a:ext uri="{0D108BD9-81ED-4DB2-BD59-A6C34878D82A}">
+                    <a16:rowId xmlns:a16="http://schemas.microsoft.com/office/drawing/2014/main" val="948766026"/>
+                  </a:ext>
+                </a:extLst>
+              </a:tr>
+              <a:tr h="857034">
+                <a:tc>
+                  <a:txBody>
+                    <a:bodyPr/>
+                    <a:lstStyle/>
+                    <a:p>
+                      <a:pPr algn="l"/>
+                      <a:r>
+                        <a:rPr lang="it-IT" sz="3700" dirty="0">
+                          <a:solidFill>
+                            <a:schemeClr val="bg1"/>
+                          </a:solidFill>
+                        </a:rPr>
+                        <a:t>Costo per richiesta</a:t>
+                      </a:r>
+                    </a:p>
+                  </a:txBody>
+                  <a:tcPr marL="111787" marR="111787" marT="55894" marB="55894" anchor="ctr">
+                    <a:lnL w="12700" cap="flat" cmpd="sng" algn="ctr">
+                      <a:noFill/>
+                      <a:prstDash val="solid"/>
+                      <a:round/>
+                      <a:headEnd type="none" w="med" len="med"/>
+                      <a:tailEnd type="none" w="med" len="med"/>
+                    </a:lnL>
+                    <a:lnR w="12700" cap="flat" cmpd="sng" algn="ctr">
+                      <a:noFill/>
+                      <a:prstDash val="solid"/>
+                      <a:round/>
+                      <a:headEnd type="none" w="med" len="med"/>
+                      <a:tailEnd type="none" w="med" len="med"/>
+                    </a:lnR>
+                    <a:lnT w="12700" cap="flat" cmpd="sng" algn="ctr">
+                      <a:solidFill>
+                        <a:schemeClr val="bg1"/>
+                      </a:solidFill>
+                      <a:prstDash val="solid"/>
+                      <a:round/>
+                      <a:headEnd type="none" w="med" len="med"/>
+                      <a:tailEnd type="none" w="med" len="med"/>
+                    </a:lnT>
+                    <a:lnB w="12700" cap="flat" cmpd="sng" algn="ctr">
+                      <a:solidFill>
+                        <a:schemeClr val="bg1"/>
+                      </a:solidFill>
+                      <a:prstDash val="solid"/>
+                      <a:round/>
+                      <a:headEnd type="none" w="med" len="med"/>
+                      <a:tailEnd type="none" w="med" len="med"/>
+                    </a:lnB>
+                    <a:lnTlToBr w="12700" cmpd="sng">
+                      <a:noFill/>
+                      <a:prstDash val="solid"/>
+                    </a:lnTlToBr>
+                    <a:lnBlToTr w="12700" cmpd="sng">
+                      <a:noFill/>
+                      <a:prstDash val="solid"/>
+                    </a:lnBlToTr>
+                    <a:noFill/>
+                  </a:tcPr>
+                </a:tc>
+                <a:tc>
+                  <a:txBody>
+                    <a:bodyPr/>
+                    <a:lstStyle/>
+                    <a:p>
+                      <a:pPr algn="ctr"/>
+                      <a:r>
+                        <a:rPr lang="it-IT" sz="4900" b="0" dirty="0">
+                          <a:solidFill>
+                            <a:schemeClr val="bg1"/>
+                          </a:solidFill>
+                        </a:rPr>
+                        <a:t>+</a:t>
+                      </a:r>
+                    </a:p>
+                  </a:txBody>
+                  <a:tcPr marL="111787" marR="111787" marT="55894" marB="55894" anchor="ctr">
+                    <a:lnL w="12700" cap="flat" cmpd="sng" algn="ctr">
+                      <a:noFill/>
+                      <a:prstDash val="solid"/>
+                      <a:round/>
+                      <a:headEnd type="none" w="med" len="med"/>
+                      <a:tailEnd type="none" w="med" len="med"/>
+                    </a:lnL>
+                    <a:lnR w="12700" cap="flat" cmpd="sng" algn="ctr">
+                      <a:noFill/>
+                      <a:prstDash val="solid"/>
+                      <a:round/>
+                      <a:headEnd type="none" w="med" len="med"/>
+                      <a:tailEnd type="none" w="med" len="med"/>
+                    </a:lnR>
+                    <a:lnT w="12700" cap="flat" cmpd="sng" algn="ctr">
+                      <a:solidFill>
+                        <a:schemeClr val="bg1"/>
+                      </a:solidFill>
+                      <a:prstDash val="solid"/>
+                      <a:round/>
+                      <a:headEnd type="none" w="med" len="med"/>
+                      <a:tailEnd type="none" w="med" len="med"/>
+                    </a:lnT>
+                    <a:lnB w="12700" cap="flat" cmpd="sng" algn="ctr">
+                      <a:solidFill>
+                        <a:schemeClr val="bg1"/>
+                      </a:solidFill>
+                      <a:prstDash val="solid"/>
+                      <a:round/>
+                      <a:headEnd type="none" w="med" len="med"/>
+                      <a:tailEnd type="none" w="med" len="med"/>
+                    </a:lnB>
+                    <a:lnTlToBr w="12700" cmpd="sng">
+                      <a:noFill/>
+                      <a:prstDash val="solid"/>
+                    </a:lnTlToBr>
+                    <a:lnBlToTr w="12700" cmpd="sng">
+                      <a:noFill/>
+                      <a:prstDash val="solid"/>
+                    </a:lnBlToTr>
+                    <a:noFill/>
+                  </a:tcPr>
+                </a:tc>
+                <a:tc>
+                  <a:txBody>
+                    <a:bodyPr/>
+                    <a:lstStyle/>
+                    <a:p>
+                      <a:pPr algn="ctr"/>
+                      <a:r>
+                        <a:rPr lang="it-IT" sz="4900" b="0" dirty="0">
+                          <a:solidFill>
+                            <a:schemeClr val="bg1"/>
+                          </a:solidFill>
+                        </a:rPr>
+                        <a:t>-</a:t>
+                      </a:r>
+                    </a:p>
+                  </a:txBody>
+                  <a:tcPr marL="111787" marR="111787" marT="55894" marB="55894" anchor="ctr">
+                    <a:lnL w="12700" cap="flat" cmpd="sng" algn="ctr">
+                      <a:noFill/>
+                      <a:prstDash val="solid"/>
+                      <a:round/>
+                      <a:headEnd type="none" w="med" len="med"/>
+                      <a:tailEnd type="none" w="med" len="med"/>
+                    </a:lnL>
+                    <a:lnR w="12700" cap="flat" cmpd="sng" algn="ctr">
+                      <a:noFill/>
+                      <a:prstDash val="solid"/>
+                      <a:round/>
+                      <a:headEnd type="none" w="med" len="med"/>
+                      <a:tailEnd type="none" w="med" len="med"/>
+                    </a:lnR>
+                    <a:lnT w="12700" cap="flat" cmpd="sng" algn="ctr">
+                      <a:solidFill>
+                        <a:schemeClr val="bg1"/>
+                      </a:solidFill>
+                      <a:prstDash val="solid"/>
+                      <a:round/>
+                      <a:headEnd type="none" w="med" len="med"/>
+                      <a:tailEnd type="none" w="med" len="med"/>
+                    </a:lnT>
+                    <a:lnB w="12700" cap="flat" cmpd="sng" algn="ctr">
+                      <a:solidFill>
+                        <a:schemeClr val="bg1"/>
+                      </a:solidFill>
+                      <a:prstDash val="solid"/>
+                      <a:round/>
+                      <a:headEnd type="none" w="med" len="med"/>
+                      <a:tailEnd type="none" w="med" len="med"/>
+                    </a:lnB>
+                    <a:lnTlToBr w="12700" cmpd="sng">
+                      <a:noFill/>
+                      <a:prstDash val="solid"/>
+                    </a:lnTlToBr>
+                    <a:lnBlToTr w="12700" cmpd="sng">
+                      <a:noFill/>
+                      <a:prstDash val="solid"/>
+                    </a:lnBlToTr>
+                    <a:noFill/>
+                  </a:tcPr>
+                </a:tc>
+                <a:extLst>
+                  <a:ext uri="{0D108BD9-81ED-4DB2-BD59-A6C34878D82A}">
+                    <a16:rowId xmlns:a16="http://schemas.microsoft.com/office/drawing/2014/main" val="1231955494"/>
+                  </a:ext>
+                </a:extLst>
+              </a:tr>
+              <a:tr h="857034">
+                <a:tc>
+                  <a:txBody>
+                    <a:bodyPr/>
+                    <a:lstStyle/>
+                    <a:p>
+                      <a:pPr algn="l"/>
+                      <a:r>
+                        <a:rPr lang="it-IT" sz="3700" dirty="0">
+                          <a:solidFill>
+                            <a:schemeClr val="bg1"/>
+                          </a:solidFill>
+                        </a:rPr>
+                        <a:t>Richieste gratuite</a:t>
+                      </a:r>
+                    </a:p>
+                  </a:txBody>
+                  <a:tcPr marL="111787" marR="111787" marT="55894" marB="55894" anchor="ctr">
+                    <a:lnL w="12700" cap="flat" cmpd="sng" algn="ctr">
+                      <a:noFill/>
+                      <a:prstDash val="solid"/>
+                      <a:round/>
+                      <a:headEnd type="none" w="med" len="med"/>
+                      <a:tailEnd type="none" w="med" len="med"/>
+                    </a:lnL>
+                    <a:lnR w="12700" cap="flat" cmpd="sng" algn="ctr">
+                      <a:noFill/>
+                      <a:prstDash val="solid"/>
+                      <a:round/>
+                      <a:headEnd type="none" w="med" len="med"/>
+                      <a:tailEnd type="none" w="med" len="med"/>
+                    </a:lnR>
+                    <a:lnT w="12700" cap="flat" cmpd="sng" algn="ctr">
+                      <a:solidFill>
+                        <a:schemeClr val="bg1"/>
+                      </a:solidFill>
+                      <a:prstDash val="solid"/>
+                      <a:round/>
+                      <a:headEnd type="none" w="med" len="med"/>
+                      <a:tailEnd type="none" w="med" len="med"/>
+                    </a:lnT>
+                    <a:lnB w="12700" cap="flat" cmpd="sng" algn="ctr">
+                      <a:solidFill>
+                        <a:schemeClr val="bg1"/>
+                      </a:solidFill>
+                      <a:prstDash val="solid"/>
+                      <a:round/>
+                      <a:headEnd type="none" w="med" len="med"/>
+                      <a:tailEnd type="none" w="med" len="med"/>
+                    </a:lnB>
+                    <a:lnTlToBr w="12700" cmpd="sng">
+                      <a:noFill/>
+                      <a:prstDash val="solid"/>
+                    </a:lnTlToBr>
+                    <a:lnBlToTr w="12700" cmpd="sng">
+                      <a:noFill/>
+                      <a:prstDash val="solid"/>
+                    </a:lnBlToTr>
+                    <a:noFill/>
+                  </a:tcPr>
+                </a:tc>
+                <a:tc>
+                  <a:txBody>
+                    <a:bodyPr/>
+                    <a:lstStyle/>
+                    <a:p>
+                      <a:pPr algn="ctr"/>
+                      <a:r>
+                        <a:rPr lang="it-IT" sz="4900" b="0" dirty="0">
+                          <a:solidFill>
+                            <a:schemeClr val="bg1"/>
+                          </a:solidFill>
+                        </a:rPr>
+                        <a:t>-</a:t>
+                      </a:r>
+                    </a:p>
+                  </a:txBody>
+                  <a:tcPr marL="111787" marR="111787" marT="55894" marB="55894" anchor="ctr">
+                    <a:lnL w="12700" cap="flat" cmpd="sng" algn="ctr">
+                      <a:noFill/>
+                      <a:prstDash val="solid"/>
+                      <a:round/>
+                      <a:headEnd type="none" w="med" len="med"/>
+                      <a:tailEnd type="none" w="med" len="med"/>
+                    </a:lnL>
+                    <a:lnR w="12700" cap="flat" cmpd="sng" algn="ctr">
+                      <a:noFill/>
+                      <a:prstDash val="solid"/>
+                      <a:round/>
+                      <a:headEnd type="none" w="med" len="med"/>
+                      <a:tailEnd type="none" w="med" len="med"/>
+                    </a:lnR>
+                    <a:lnT w="12700" cap="flat" cmpd="sng" algn="ctr">
+                      <a:solidFill>
+                        <a:schemeClr val="bg1"/>
+                      </a:solidFill>
+                      <a:prstDash val="solid"/>
+                      <a:round/>
+                      <a:headEnd type="none" w="med" len="med"/>
+                      <a:tailEnd type="none" w="med" len="med"/>
+                    </a:lnT>
+                    <a:lnB w="12700" cap="flat" cmpd="sng" algn="ctr">
+                      <a:solidFill>
+                        <a:schemeClr val="bg1"/>
+                      </a:solidFill>
+                      <a:prstDash val="solid"/>
+                      <a:round/>
+                      <a:headEnd type="none" w="med" len="med"/>
+                      <a:tailEnd type="none" w="med" len="med"/>
+                    </a:lnB>
+                    <a:lnTlToBr w="12700" cmpd="sng">
+                      <a:noFill/>
+                      <a:prstDash val="solid"/>
+                    </a:lnTlToBr>
+                    <a:lnBlToTr w="12700" cmpd="sng">
+                      <a:noFill/>
+                      <a:prstDash val="solid"/>
+                    </a:lnBlToTr>
+                    <a:noFill/>
+                  </a:tcPr>
+                </a:tc>
+                <a:tc>
+                  <a:txBody>
+                    <a:bodyPr/>
+                    <a:lstStyle/>
+                    <a:p>
+                      <a:pPr algn="ctr"/>
+                      <a:r>
+                        <a:rPr lang="it-IT" sz="4900" b="0" dirty="0">
+                          <a:solidFill>
+                            <a:schemeClr val="bg1"/>
+                          </a:solidFill>
+                        </a:rPr>
+                        <a:t>+</a:t>
+                      </a:r>
+                    </a:p>
+                  </a:txBody>
+                  <a:tcPr marL="111787" marR="111787" marT="55894" marB="55894" anchor="ctr">
+                    <a:lnL w="12700" cap="flat" cmpd="sng" algn="ctr">
+                      <a:noFill/>
+                      <a:prstDash val="solid"/>
+                      <a:round/>
+                      <a:headEnd type="none" w="med" len="med"/>
+                      <a:tailEnd type="none" w="med" len="med"/>
+                    </a:lnL>
+                    <a:lnR w="12700" cap="flat" cmpd="sng" algn="ctr">
+                      <a:noFill/>
+                      <a:prstDash val="solid"/>
+                      <a:round/>
+                      <a:headEnd type="none" w="med" len="med"/>
+                      <a:tailEnd type="none" w="med" len="med"/>
+                    </a:lnR>
+                    <a:lnT w="12700" cap="flat" cmpd="sng" algn="ctr">
+                      <a:solidFill>
+                        <a:schemeClr val="bg1"/>
+                      </a:solidFill>
+                      <a:prstDash val="solid"/>
+                      <a:round/>
+                      <a:headEnd type="none" w="med" len="med"/>
+                      <a:tailEnd type="none" w="med" len="med"/>
+                    </a:lnT>
+                    <a:lnB w="12700" cap="flat" cmpd="sng" algn="ctr">
+                      <a:solidFill>
+                        <a:schemeClr val="bg1"/>
+                      </a:solidFill>
+                      <a:prstDash val="solid"/>
+                      <a:round/>
+                      <a:headEnd type="none" w="med" len="med"/>
+                      <a:tailEnd type="none" w="med" len="med"/>
+                    </a:lnB>
+                    <a:lnTlToBr w="12700" cmpd="sng">
+                      <a:noFill/>
+                      <a:prstDash val="solid"/>
+                    </a:lnTlToBr>
+                    <a:lnBlToTr w="12700" cmpd="sng">
+                      <a:noFill/>
+                      <a:prstDash val="solid"/>
+                    </a:lnBlToTr>
+                    <a:noFill/>
+                  </a:tcPr>
+                </a:tc>
+                <a:extLst>
+                  <a:ext uri="{0D108BD9-81ED-4DB2-BD59-A6C34878D82A}">
+                    <a16:rowId xmlns:a16="http://schemas.microsoft.com/office/drawing/2014/main" val="281966418"/>
+                  </a:ext>
+                </a:extLst>
+              </a:tr>
+              <a:tr h="857034">
+                <a:tc>
+                  <a:txBody>
+                    <a:bodyPr/>
+                    <a:lstStyle/>
+                    <a:p>
+                      <a:pPr algn="l"/>
+                      <a:r>
+                        <a:rPr lang="it-IT" sz="3700" dirty="0">
+                          <a:solidFill>
+                            <a:schemeClr val="bg1"/>
+                          </a:solidFill>
+                        </a:rPr>
+                        <a:t>Facilità di </a:t>
+                      </a:r>
+                      <a:r>
+                        <a:rPr lang="it-IT" sz="3700" dirty="0" err="1">
+                          <a:solidFill>
+                            <a:schemeClr val="bg1"/>
+                          </a:solidFill>
+                        </a:rPr>
+                        <a:t>Deploy</a:t>
+                      </a:r>
+                      <a:endParaRPr lang="it-IT" sz="3700" dirty="0">
+                        <a:solidFill>
+                          <a:schemeClr val="bg1"/>
+                        </a:solidFill>
+                      </a:endParaRPr>
+                    </a:p>
+                  </a:txBody>
+                  <a:tcPr marL="111787" marR="111787" marT="55894" marB="55894" anchor="ctr">
+                    <a:lnL w="12700" cap="flat" cmpd="sng" algn="ctr">
+                      <a:noFill/>
+                      <a:prstDash val="solid"/>
+                      <a:round/>
+                      <a:headEnd type="none" w="med" len="med"/>
+                      <a:tailEnd type="none" w="med" len="med"/>
+                    </a:lnL>
+                    <a:lnR w="12700" cap="flat" cmpd="sng" algn="ctr">
+                      <a:noFill/>
+                      <a:prstDash val="solid"/>
+                      <a:round/>
+                      <a:headEnd type="none" w="med" len="med"/>
+                      <a:tailEnd type="none" w="med" len="med"/>
+                    </a:lnR>
+                    <a:lnT w="12700" cap="flat" cmpd="sng" algn="ctr">
+                      <a:solidFill>
+                        <a:schemeClr val="bg1"/>
+                      </a:solidFill>
+                      <a:prstDash val="solid"/>
+                      <a:round/>
+                      <a:headEnd type="none" w="med" len="med"/>
+                      <a:tailEnd type="none" w="med" len="med"/>
+                    </a:lnT>
+                    <a:lnB w="12700" cap="flat" cmpd="sng" algn="ctr">
+                      <a:solidFill>
+                        <a:schemeClr val="bg1"/>
+                      </a:solidFill>
+                      <a:prstDash val="solid"/>
+                      <a:round/>
+                      <a:headEnd type="none" w="med" len="med"/>
+                      <a:tailEnd type="none" w="med" len="med"/>
+                    </a:lnB>
+                    <a:lnTlToBr w="12700" cmpd="sng">
+                      <a:noFill/>
+                      <a:prstDash val="solid"/>
+                    </a:lnTlToBr>
+                    <a:lnBlToTr w="12700" cmpd="sng">
+                      <a:noFill/>
+                      <a:prstDash val="solid"/>
+                    </a:lnBlToTr>
+                    <a:noFill/>
+                  </a:tcPr>
+                </a:tc>
+                <a:tc>
+                  <a:txBody>
+                    <a:bodyPr/>
+                    <a:lstStyle/>
+                    <a:p>
+                      <a:pPr algn="ctr"/>
+                      <a:r>
+                        <a:rPr lang="it-IT" sz="4900" b="0" dirty="0">
+                          <a:solidFill>
+                            <a:schemeClr val="bg1"/>
+                          </a:solidFill>
+                        </a:rPr>
+                        <a:t>-</a:t>
+                      </a:r>
+                    </a:p>
+                  </a:txBody>
+                  <a:tcPr marL="111787" marR="111787" marT="55894" marB="55894" anchor="ctr">
+                    <a:lnL w="12700" cap="flat" cmpd="sng" algn="ctr">
+                      <a:noFill/>
+                      <a:prstDash val="solid"/>
+                      <a:round/>
+                      <a:headEnd type="none" w="med" len="med"/>
+                      <a:tailEnd type="none" w="med" len="med"/>
+                    </a:lnL>
+                    <a:lnR w="12700" cap="flat" cmpd="sng" algn="ctr">
+                      <a:noFill/>
+                      <a:prstDash val="solid"/>
+                      <a:round/>
+                      <a:headEnd type="none" w="med" len="med"/>
+                      <a:tailEnd type="none" w="med" len="med"/>
+                    </a:lnR>
+                    <a:lnT w="12700" cap="flat" cmpd="sng" algn="ctr">
+                      <a:solidFill>
+                        <a:schemeClr val="bg1"/>
+                      </a:solidFill>
+                      <a:prstDash val="solid"/>
+                      <a:round/>
+                      <a:headEnd type="none" w="med" len="med"/>
+                      <a:tailEnd type="none" w="med" len="med"/>
+                    </a:lnT>
+                    <a:lnB w="12700" cap="flat" cmpd="sng" algn="ctr">
+                      <a:solidFill>
+                        <a:schemeClr val="bg1"/>
+                      </a:solidFill>
+                      <a:prstDash val="solid"/>
+                      <a:round/>
+                      <a:headEnd type="none" w="med" len="med"/>
+                      <a:tailEnd type="none" w="med" len="med"/>
+                    </a:lnB>
+                    <a:lnTlToBr w="12700" cmpd="sng">
+                      <a:noFill/>
+                      <a:prstDash val="solid"/>
+                    </a:lnTlToBr>
+                    <a:lnBlToTr w="12700" cmpd="sng">
+                      <a:noFill/>
+                      <a:prstDash val="solid"/>
+                    </a:lnBlToTr>
+                    <a:noFill/>
+                  </a:tcPr>
+                </a:tc>
+                <a:tc>
+                  <a:txBody>
+                    <a:bodyPr/>
+                    <a:lstStyle/>
+                    <a:p>
+                      <a:pPr algn="ctr"/>
+                      <a:r>
+                        <a:rPr lang="it-IT" sz="4900" b="0" dirty="0">
+                          <a:solidFill>
+                            <a:schemeClr val="bg1"/>
+                          </a:solidFill>
+                        </a:rPr>
+                        <a:t>+</a:t>
+                      </a:r>
+                    </a:p>
+                  </a:txBody>
+                  <a:tcPr marL="111787" marR="111787" marT="55894" marB="55894" anchor="ctr">
+                    <a:lnL w="12700" cap="flat" cmpd="sng" algn="ctr">
+                      <a:noFill/>
+                      <a:prstDash val="solid"/>
+                      <a:round/>
+                      <a:headEnd type="none" w="med" len="med"/>
+                      <a:tailEnd type="none" w="med" len="med"/>
+                    </a:lnL>
+                    <a:lnR w="12700" cap="flat" cmpd="sng" algn="ctr">
+                      <a:noFill/>
+                      <a:prstDash val="solid"/>
+                      <a:round/>
+                      <a:headEnd type="none" w="med" len="med"/>
+                      <a:tailEnd type="none" w="med" len="med"/>
+                    </a:lnR>
+                    <a:lnT w="12700" cap="flat" cmpd="sng" algn="ctr">
+                      <a:solidFill>
+                        <a:schemeClr val="bg1"/>
+                      </a:solidFill>
+                      <a:prstDash val="solid"/>
+                      <a:round/>
+                      <a:headEnd type="none" w="med" len="med"/>
+                      <a:tailEnd type="none" w="med" len="med"/>
+                    </a:lnT>
+                    <a:lnB w="12700" cap="flat" cmpd="sng" algn="ctr">
+                      <a:solidFill>
+                        <a:schemeClr val="bg1"/>
+                      </a:solidFill>
+                      <a:prstDash val="solid"/>
+                      <a:round/>
+                      <a:headEnd type="none" w="med" len="med"/>
+                      <a:tailEnd type="none" w="med" len="med"/>
+                    </a:lnB>
+                    <a:lnTlToBr w="12700" cmpd="sng">
+                      <a:noFill/>
+                      <a:prstDash val="solid"/>
+                    </a:lnTlToBr>
+                    <a:lnBlToTr w="12700" cmpd="sng">
+                      <a:noFill/>
+                      <a:prstDash val="solid"/>
+                    </a:lnBlToTr>
+                    <a:noFill/>
+                  </a:tcPr>
+                </a:tc>
+                <a:extLst>
+                  <a:ext uri="{0D108BD9-81ED-4DB2-BD59-A6C34878D82A}">
+                    <a16:rowId xmlns:a16="http://schemas.microsoft.com/office/drawing/2014/main" val="2427793616"/>
+                  </a:ext>
+                </a:extLst>
+              </a:tr>
+              <a:tr h="1229657">
+                <a:tc>
+                  <a:txBody>
+                    <a:bodyPr/>
+                    <a:lstStyle/>
+                    <a:p>
+                      <a:pPr algn="l"/>
+                      <a:r>
+                        <a:rPr lang="it-IT" sz="3700" dirty="0">
+                          <a:solidFill>
+                            <a:schemeClr val="bg1"/>
+                          </a:solidFill>
+                        </a:rPr>
+                        <a:t>Qualità della documentazione</a:t>
+                      </a:r>
+                    </a:p>
+                  </a:txBody>
+                  <a:tcPr marL="111787" marR="111787" marT="55894" marB="55894" anchor="ctr">
+                    <a:lnL w="12700" cap="flat" cmpd="sng" algn="ctr">
+                      <a:noFill/>
+                      <a:prstDash val="solid"/>
+                      <a:round/>
+                      <a:headEnd type="none" w="med" len="med"/>
+                      <a:tailEnd type="none" w="med" len="med"/>
+                    </a:lnL>
+                    <a:lnR w="12700" cap="flat" cmpd="sng" algn="ctr">
+                      <a:noFill/>
+                      <a:prstDash val="solid"/>
+                      <a:round/>
+                      <a:headEnd type="none" w="med" len="med"/>
+                      <a:tailEnd type="none" w="med" len="med"/>
+                    </a:lnR>
+                    <a:lnT w="12700" cap="flat" cmpd="sng" algn="ctr">
+                      <a:solidFill>
+                        <a:schemeClr val="bg1"/>
+                      </a:solidFill>
+                      <a:prstDash val="solid"/>
+                      <a:round/>
+                      <a:headEnd type="none" w="med" len="med"/>
+                      <a:tailEnd type="none" w="med" len="med"/>
+                    </a:lnT>
+                    <a:lnB w="12700" cap="flat" cmpd="sng" algn="ctr">
+                      <a:solidFill>
+                        <a:schemeClr val="bg1"/>
+                      </a:solidFill>
+                      <a:prstDash val="solid"/>
+                      <a:round/>
+                      <a:headEnd type="none" w="med" len="med"/>
+                      <a:tailEnd type="none" w="med" len="med"/>
+                    </a:lnB>
+                    <a:lnTlToBr w="12700" cmpd="sng">
+                      <a:noFill/>
+                      <a:prstDash val="solid"/>
+                    </a:lnTlToBr>
+                    <a:lnBlToTr w="12700" cmpd="sng">
+                      <a:noFill/>
+                      <a:prstDash val="solid"/>
+                    </a:lnBlToTr>
+                    <a:noFill/>
+                  </a:tcPr>
+                </a:tc>
+                <a:tc>
+                  <a:txBody>
+                    <a:bodyPr/>
+                    <a:lstStyle/>
+                    <a:p>
+                      <a:pPr algn="ctr"/>
+                      <a:r>
+                        <a:rPr lang="it-IT" sz="4900" b="0" dirty="0">
+                          <a:solidFill>
+                            <a:schemeClr val="bg1"/>
+                          </a:solidFill>
+                        </a:rPr>
+                        <a:t>+</a:t>
+                      </a:r>
+                    </a:p>
+                  </a:txBody>
+                  <a:tcPr marL="111787" marR="111787" marT="55894" marB="55894" anchor="ctr">
+                    <a:lnL w="12700" cap="flat" cmpd="sng" algn="ctr">
+                      <a:noFill/>
+                      <a:prstDash val="solid"/>
+                      <a:round/>
+                      <a:headEnd type="none" w="med" len="med"/>
+                      <a:tailEnd type="none" w="med" len="med"/>
+                    </a:lnL>
+                    <a:lnR w="12700" cap="flat" cmpd="sng" algn="ctr">
+                      <a:noFill/>
+                      <a:prstDash val="solid"/>
+                      <a:round/>
+                      <a:headEnd type="none" w="med" len="med"/>
+                      <a:tailEnd type="none" w="med" len="med"/>
+                    </a:lnR>
+                    <a:lnT w="12700" cap="flat" cmpd="sng" algn="ctr">
+                      <a:solidFill>
+                        <a:schemeClr val="bg1"/>
+                      </a:solidFill>
+                      <a:prstDash val="solid"/>
+                      <a:round/>
+                      <a:headEnd type="none" w="med" len="med"/>
+                      <a:tailEnd type="none" w="med" len="med"/>
+                    </a:lnT>
+                    <a:lnB w="12700" cap="flat" cmpd="sng" algn="ctr">
+                      <a:solidFill>
+                        <a:schemeClr val="bg1"/>
+                      </a:solidFill>
+                      <a:prstDash val="solid"/>
+                      <a:round/>
+                      <a:headEnd type="none" w="med" len="med"/>
+                      <a:tailEnd type="none" w="med" len="med"/>
+                    </a:lnB>
+                    <a:lnTlToBr w="12700" cmpd="sng">
+                      <a:noFill/>
+                      <a:prstDash val="solid"/>
+                    </a:lnTlToBr>
+                    <a:lnBlToTr w="12700" cmpd="sng">
+                      <a:noFill/>
+                      <a:prstDash val="solid"/>
+                    </a:lnBlToTr>
+                    <a:noFill/>
+                  </a:tcPr>
+                </a:tc>
+                <a:tc>
+                  <a:txBody>
+                    <a:bodyPr/>
+                    <a:lstStyle/>
+                    <a:p>
+                      <a:pPr algn="ctr"/>
+                      <a:r>
+                        <a:rPr lang="it-IT" sz="4900" b="0" dirty="0">
+                          <a:solidFill>
+                            <a:schemeClr val="bg1"/>
+                          </a:solidFill>
+                        </a:rPr>
+                        <a:t>-</a:t>
+                      </a:r>
+                    </a:p>
+                  </a:txBody>
+                  <a:tcPr marL="111787" marR="111787" marT="55894" marB="55894" anchor="ctr">
+                    <a:lnL w="12700" cap="flat" cmpd="sng" algn="ctr">
+                      <a:noFill/>
+                      <a:prstDash val="solid"/>
+                      <a:round/>
+                      <a:headEnd type="none" w="med" len="med"/>
+                      <a:tailEnd type="none" w="med" len="med"/>
+                    </a:lnL>
+                    <a:lnR w="12700" cap="flat" cmpd="sng" algn="ctr">
+                      <a:noFill/>
+                      <a:prstDash val="solid"/>
+                      <a:round/>
+                      <a:headEnd type="none" w="med" len="med"/>
+                      <a:tailEnd type="none" w="med" len="med"/>
+                    </a:lnR>
+                    <a:lnT w="12700" cap="flat" cmpd="sng" algn="ctr">
+                      <a:solidFill>
+                        <a:schemeClr val="bg1"/>
+                      </a:solidFill>
+                      <a:prstDash val="solid"/>
+                      <a:round/>
+                      <a:headEnd type="none" w="med" len="med"/>
+                      <a:tailEnd type="none" w="med" len="med"/>
+                    </a:lnT>
+                    <a:lnB w="12700" cap="flat" cmpd="sng" algn="ctr">
+                      <a:solidFill>
+                        <a:schemeClr val="bg1"/>
+                      </a:solidFill>
+                      <a:prstDash val="solid"/>
+                      <a:round/>
+                      <a:headEnd type="none" w="med" len="med"/>
+                      <a:tailEnd type="none" w="med" len="med"/>
+                    </a:lnB>
+                    <a:lnTlToBr w="12700" cmpd="sng">
+                      <a:noFill/>
+                      <a:prstDash val="solid"/>
+                    </a:lnTlToBr>
+                    <a:lnBlToTr w="12700" cmpd="sng">
+                      <a:noFill/>
+                      <a:prstDash val="solid"/>
+                    </a:lnBlToTr>
+                    <a:noFill/>
+                  </a:tcPr>
+                </a:tc>
+                <a:extLst>
+                  <a:ext uri="{0D108BD9-81ED-4DB2-BD59-A6C34878D82A}">
+                    <a16:rowId xmlns:a16="http://schemas.microsoft.com/office/drawing/2014/main" val="3057440261"/>
+                  </a:ext>
+                </a:extLst>
+              </a:tr>
+            </a:tbl>
+          </a:graphicData>
+        </a:graphic>
+      </p:graphicFrame>
+      <p:pic>
+        <p:nvPicPr>
+          <p:cNvPr id="7" name="Immagine 6">
+            <a:extLst>
+              <a:ext uri="{FF2B5EF4-FFF2-40B4-BE49-F238E27FC236}">
+                <a16:creationId xmlns:a16="http://schemas.microsoft.com/office/drawing/2014/main" id="{BC00A0AC-4119-D381-A9B6-E65A69462FFF}"/>
+              </a:ext>
+            </a:extLst>
+          </p:cNvPr>
+          <p:cNvPicPr>
+            <a:picLocks noChangeAspect="1"/>
+          </p:cNvPicPr>
+          <p:nvPr/>
+        </p:nvPicPr>
+        <p:blipFill>
+          <a:blip r:embed="rId2"/>
+          <a:stretch>
+            <a:fillRect/>
+          </a:stretch>
+        </p:blipFill>
+        <p:spPr>
+          <a:xfrm>
+            <a:off x="6466805" y="2780942"/>
+            <a:ext cx="538608" cy="538608"/>
+          </a:xfrm>
+          <a:prstGeom prst="rect">
+            <a:avLst/>
+          </a:prstGeom>
+        </p:spPr>
+      </p:pic>
+      <p:pic>
+        <p:nvPicPr>
+          <p:cNvPr id="9" name="Immagine 8">
+            <a:extLst>
+              <a:ext uri="{FF2B5EF4-FFF2-40B4-BE49-F238E27FC236}">
+                <a16:creationId xmlns:a16="http://schemas.microsoft.com/office/drawing/2014/main" id="{6320C9D6-F8F4-EDA9-59D3-75F65A2BDC37}"/>
+              </a:ext>
+            </a:extLst>
+          </p:cNvPr>
+          <p:cNvPicPr>
+            <a:picLocks noChangeAspect="1"/>
+          </p:cNvPicPr>
+          <p:nvPr/>
+        </p:nvPicPr>
+        <p:blipFill rotWithShape="1">
+          <a:blip r:embed="rId3"/>
+          <a:srcRect l="33489" t="9937" r="34196" b="22348"/>
+          <a:stretch/>
+        </p:blipFill>
+        <p:spPr>
+          <a:xfrm>
+            <a:off x="11052105" y="2790908"/>
+            <a:ext cx="594789" cy="518675"/>
+          </a:xfrm>
+          <a:prstGeom prst="rect">
+            <a:avLst/>
+          </a:prstGeom>
+        </p:spPr>
+      </p:pic>
+    </p:spTree>
+    <p:extLst>
+      <p:ext uri="{BB962C8B-B14F-4D97-AF65-F5344CB8AC3E}">
+        <p14:creationId xmlns:p14="http://schemas.microsoft.com/office/powerpoint/2010/main" val="725113457"/>
+      </p:ext>
+    </p:extLst>
+  </p:cSld>
+  <p:clrMapOvr>
+    <a:masterClrMapping/>
+  </p:clrMapOvr>
+</p:sld>
+</file>
+
+<file path=ppt/slides/slide34.xml><?xml version="1.0" encoding="utf-8"?>
+<p:sld xmlns:a="http://schemas.openxmlformats.org/drawingml/2006/main" xmlns:r="http://schemas.openxmlformats.org/officeDocument/2006/relationships" xmlns:p="http://schemas.openxmlformats.org/presentationml/2006/main">
+  <p:cSld>
+    <p:spTree>
+      <p:nvGrpSpPr>
         <p:cNvPr id="1" name="Shape 32"/>
         <p:cNvGrpSpPr/>
         <p:nvPr/>
@@ -15476,65 +22878,6 @@
           </a:p>
         </p:txBody>
       </p:sp>
-      <p:pic>
-        <p:nvPicPr>
-          <p:cNvPr id="10" name="Immagine 9">
-            <a:extLst>
-              <a:ext uri="{FF2B5EF4-FFF2-40B4-BE49-F238E27FC236}">
-                <a16:creationId xmlns:a16="http://schemas.microsoft.com/office/drawing/2014/main" id="{DBD5A5B1-223E-EC1B-E8B1-731099E28CAE}"/>
-              </a:ext>
-            </a:extLst>
-          </p:cNvPr>
-          <p:cNvPicPr>
-            <a:picLocks noChangeAspect="1"/>
-          </p:cNvPicPr>
-          <p:nvPr/>
-        </p:nvPicPr>
-        <p:blipFill>
-          <a:blip r:embed="rId2"/>
-          <a:stretch>
-            <a:fillRect/>
-          </a:stretch>
-        </p:blipFill>
-        <p:spPr>
-          <a:xfrm>
-            <a:off x="2679946" y="1784685"/>
-            <a:ext cx="3358815" cy="3358815"/>
-          </a:xfrm>
-          <a:prstGeom prst="rect">
-            <a:avLst/>
-          </a:prstGeom>
-        </p:spPr>
-      </p:pic>
-      <p:pic>
-        <p:nvPicPr>
-          <p:cNvPr id="12" name="Immagine 11">
-            <a:extLst>
-              <a:ext uri="{FF2B5EF4-FFF2-40B4-BE49-F238E27FC236}">
-                <a16:creationId xmlns:a16="http://schemas.microsoft.com/office/drawing/2014/main" id="{837C90BC-FA72-1769-262B-ED257BBEF349}"/>
-              </a:ext>
-            </a:extLst>
-          </p:cNvPr>
-          <p:cNvPicPr>
-            <a:picLocks noChangeAspect="1"/>
-          </p:cNvPicPr>
-          <p:nvPr/>
-        </p:nvPicPr>
-        <p:blipFill rotWithShape="1">
-          <a:blip r:embed="rId3"/>
-          <a:srcRect l="33489" t="9937" r="34196" b="22348"/>
-          <a:stretch/>
-        </p:blipFill>
-        <p:spPr>
-          <a:xfrm>
-            <a:off x="10696896" y="1908987"/>
-            <a:ext cx="3709169" cy="3234513"/>
-          </a:xfrm>
-          <a:prstGeom prst="rect">
-            <a:avLst/>
-          </a:prstGeom>
-        </p:spPr>
-      </p:pic>
       <p:cxnSp>
         <p:nvCxnSpPr>
           <p:cNvPr id="2" name="Connettore 1 1">
@@ -15578,6 +22921,183 @@
           </a:fontRef>
         </p:style>
       </p:cxnSp>
+      <p:sp>
+        <p:nvSpPr>
+          <p:cNvPr id="3" name="Google Shape;76;p12">
+            <a:extLst>
+              <a:ext uri="{FF2B5EF4-FFF2-40B4-BE49-F238E27FC236}">
+                <a16:creationId xmlns:a16="http://schemas.microsoft.com/office/drawing/2014/main" id="{F9D778E2-A79C-E2C6-9720-060573D775DD}"/>
+              </a:ext>
+            </a:extLst>
+          </p:cNvPr>
+          <p:cNvSpPr txBox="1"/>
+          <p:nvPr/>
+        </p:nvSpPr>
+        <p:spPr>
+          <a:xfrm>
+            <a:off x="2621599" y="1354160"/>
+            <a:ext cx="5028810" cy="387798"/>
+          </a:xfrm>
+          <a:prstGeom prst="rect">
+            <a:avLst/>
+          </a:prstGeom>
+          <a:noFill/>
+          <a:ln>
+            <a:noFill/>
+          </a:ln>
+        </p:spPr>
+        <p:txBody>
+          <a:bodyPr spcFirstLastPara="1" wrap="square" lIns="0" tIns="0" rIns="0" bIns="0" anchor="t" anchorCtr="0">
+            <a:spAutoFit/>
+          </a:bodyPr>
+          <a:lstStyle/>
+          <a:p>
+            <a:pPr marL="0" marR="0" lvl="0" indent="0" algn="l" rtl="0">
+              <a:lnSpc>
+                <a:spcPct val="70000"/>
+              </a:lnSpc>
+              <a:spcBef>
+                <a:spcPts val="0"/>
+              </a:spcBef>
+              <a:spcAft>
+                <a:spcPts val="0"/>
+              </a:spcAft>
+              <a:buNone/>
+            </a:pPr>
+            <a:r>
+              <a:rPr lang="en-US" sz="3600" b="1" i="0" u="none" strike="noStrike" cap="none" dirty="0">
+                <a:solidFill>
+                  <a:srgbClr val="FFFFFF"/>
+                </a:solidFill>
+                <a:latin typeface="DM Serif Display"/>
+                <a:ea typeface="DM Serif Display"/>
+                <a:cs typeface="DM Serif Display"/>
+                <a:sym typeface="DM Serif Display"/>
+              </a:rPr>
+              <a:t>AWS Lambda</a:t>
+            </a:r>
+            <a:endParaRPr sz="4400" b="1" dirty="0"/>
+          </a:p>
+        </p:txBody>
+      </p:sp>
+      <p:sp>
+        <p:nvSpPr>
+          <p:cNvPr id="4" name="Google Shape;76;p12">
+            <a:extLst>
+              <a:ext uri="{FF2B5EF4-FFF2-40B4-BE49-F238E27FC236}">
+                <a16:creationId xmlns:a16="http://schemas.microsoft.com/office/drawing/2014/main" id="{8E06AC57-E94E-B66F-89A8-7078DC7A27D1}"/>
+              </a:ext>
+            </a:extLst>
+          </p:cNvPr>
+          <p:cNvSpPr txBox="1"/>
+          <p:nvPr/>
+        </p:nvSpPr>
+        <p:spPr>
+          <a:xfrm>
+            <a:off x="11011881" y="1354160"/>
+            <a:ext cx="5028810" cy="387798"/>
+          </a:xfrm>
+          <a:prstGeom prst="rect">
+            <a:avLst/>
+          </a:prstGeom>
+          <a:noFill/>
+          <a:ln>
+            <a:noFill/>
+          </a:ln>
+        </p:spPr>
+        <p:txBody>
+          <a:bodyPr spcFirstLastPara="1" wrap="square" lIns="0" tIns="0" rIns="0" bIns="0" anchor="t" anchorCtr="0">
+            <a:spAutoFit/>
+          </a:bodyPr>
+          <a:lstStyle/>
+          <a:p>
+            <a:pPr marL="0" marR="0" lvl="0" indent="0" algn="l" rtl="0">
+              <a:lnSpc>
+                <a:spcPct val="70000"/>
+              </a:lnSpc>
+              <a:spcBef>
+                <a:spcPts val="0"/>
+              </a:spcBef>
+              <a:spcAft>
+                <a:spcPts val="0"/>
+              </a:spcAft>
+              <a:buNone/>
+            </a:pPr>
+            <a:r>
+              <a:rPr lang="en-US" sz="3600" b="1" i="0" u="none" strike="noStrike" cap="none" dirty="0">
+                <a:solidFill>
+                  <a:srgbClr val="FFFFFF"/>
+                </a:solidFill>
+                <a:latin typeface="DM Serif Display"/>
+                <a:ea typeface="DM Serif Display"/>
+                <a:cs typeface="DM Serif Display"/>
+                <a:sym typeface="DM Serif Display"/>
+              </a:rPr>
+              <a:t>Google Cloud Functions</a:t>
+            </a:r>
+            <a:endParaRPr sz="4400" b="1" dirty="0"/>
+          </a:p>
+        </p:txBody>
+      </p:sp>
+      <p:pic>
+        <p:nvPicPr>
+          <p:cNvPr id="5" name="Immagine 4">
+            <a:extLst>
+              <a:ext uri="{FF2B5EF4-FFF2-40B4-BE49-F238E27FC236}">
+                <a16:creationId xmlns:a16="http://schemas.microsoft.com/office/drawing/2014/main" id="{100253A3-A80E-1FB9-64AE-D77A1AAC71E3}"/>
+              </a:ext>
+            </a:extLst>
+          </p:cNvPr>
+          <p:cNvPicPr>
+            <a:picLocks noChangeAspect="1"/>
+          </p:cNvPicPr>
+          <p:nvPr/>
+        </p:nvPicPr>
+        <p:blipFill>
+          <a:blip r:embed="rId2"/>
+          <a:stretch>
+            <a:fillRect/>
+          </a:stretch>
+        </p:blipFill>
+        <p:spPr>
+          <a:xfrm>
+            <a:off x="2679946" y="1827549"/>
+            <a:ext cx="3358815" cy="3358815"/>
+          </a:xfrm>
+          <a:prstGeom prst="rect">
+            <a:avLst/>
+          </a:prstGeom>
+        </p:spPr>
+      </p:pic>
+      <p:pic>
+        <p:nvPicPr>
+          <p:cNvPr id="6" name="Immagine 5">
+            <a:extLst>
+              <a:ext uri="{FF2B5EF4-FFF2-40B4-BE49-F238E27FC236}">
+                <a16:creationId xmlns:a16="http://schemas.microsoft.com/office/drawing/2014/main" id="{63FF177D-D174-B808-E53E-C8DA2D04C175}"/>
+              </a:ext>
+            </a:extLst>
+          </p:cNvPr>
+          <p:cNvPicPr>
+            <a:picLocks noChangeAspect="1"/>
+          </p:cNvPicPr>
+          <p:nvPr/>
+        </p:nvPicPr>
+        <p:blipFill rotWithShape="1">
+          <a:blip r:embed="rId3"/>
+          <a:srcRect l="33489" t="9937" r="34196" b="22348"/>
+          <a:stretch/>
+        </p:blipFill>
+        <p:spPr>
+          <a:xfrm>
+            <a:off x="10696896" y="1951851"/>
+            <a:ext cx="3709169" cy="3234513"/>
+          </a:xfrm>
+          <a:prstGeom prst="rect">
+            <a:avLst/>
+          </a:prstGeom>
+        </p:spPr>
+      </p:pic>
     </p:spTree>
     <p:extLst>
       <p:ext uri="{BB962C8B-B14F-4D97-AF65-F5344CB8AC3E}">
@@ -15725,7 +23245,7 @@
         </p:blipFill>
         <p:spPr>
           <a:xfrm>
-            <a:off x="2679946" y="1784685"/>
+            <a:off x="2679946" y="1827549"/>
             <a:ext cx="3358815" cy="3358815"/>
           </a:xfrm>
           <a:prstGeom prst="rect">
@@ -15784,7 +23304,7 @@
         </p:blipFill>
         <p:spPr>
           <a:xfrm>
-            <a:off x="10696896" y="1908987"/>
+            <a:off x="10696896" y="1951851"/>
             <a:ext cx="3709169" cy="3234513"/>
           </a:xfrm>
           <a:prstGeom prst="rect">
@@ -15865,6 +23385,238 @@
           </a:fontRef>
         </p:style>
       </p:cxnSp>
+      <p:sp>
+        <p:nvSpPr>
+          <p:cNvPr id="3" name="Google Shape;76;p12">
+            <a:extLst>
+              <a:ext uri="{FF2B5EF4-FFF2-40B4-BE49-F238E27FC236}">
+                <a16:creationId xmlns:a16="http://schemas.microsoft.com/office/drawing/2014/main" id="{AF90646C-A800-4A0C-F177-C84B45EC8DA5}"/>
+              </a:ext>
+            </a:extLst>
+          </p:cNvPr>
+          <p:cNvSpPr txBox="1"/>
+          <p:nvPr/>
+        </p:nvSpPr>
+        <p:spPr>
+          <a:xfrm>
+            <a:off x="2621599" y="1354160"/>
+            <a:ext cx="5028810" cy="387798"/>
+          </a:xfrm>
+          <a:prstGeom prst="rect">
+            <a:avLst/>
+          </a:prstGeom>
+          <a:noFill/>
+          <a:ln>
+            <a:noFill/>
+          </a:ln>
+        </p:spPr>
+        <p:txBody>
+          <a:bodyPr spcFirstLastPara="1" wrap="square" lIns="0" tIns="0" rIns="0" bIns="0" anchor="t" anchorCtr="0">
+            <a:spAutoFit/>
+          </a:bodyPr>
+          <a:lstStyle/>
+          <a:p>
+            <a:pPr marL="0" marR="0" lvl="0" indent="0" algn="l" rtl="0">
+              <a:lnSpc>
+                <a:spcPct val="70000"/>
+              </a:lnSpc>
+              <a:spcBef>
+                <a:spcPts val="0"/>
+              </a:spcBef>
+              <a:spcAft>
+                <a:spcPts val="0"/>
+              </a:spcAft>
+              <a:buNone/>
+            </a:pPr>
+            <a:r>
+              <a:rPr lang="en-US" sz="3600" b="1" i="0" u="none" strike="noStrike" cap="none" dirty="0">
+                <a:solidFill>
+                  <a:srgbClr val="FFFFFF"/>
+                </a:solidFill>
+                <a:latin typeface="DM Serif Display"/>
+                <a:ea typeface="DM Serif Display"/>
+                <a:cs typeface="DM Serif Display"/>
+                <a:sym typeface="DM Serif Display"/>
+              </a:rPr>
+              <a:t>AWS Lambda</a:t>
+            </a:r>
+            <a:endParaRPr sz="4400" b="1" dirty="0"/>
+          </a:p>
+        </p:txBody>
+      </p:sp>
+      <p:sp>
+        <p:nvSpPr>
+          <p:cNvPr id="4" name="Google Shape;76;p12">
+            <a:extLst>
+              <a:ext uri="{FF2B5EF4-FFF2-40B4-BE49-F238E27FC236}">
+                <a16:creationId xmlns:a16="http://schemas.microsoft.com/office/drawing/2014/main" id="{B630354C-3427-2C6A-D98C-F7E8C5D757E0}"/>
+              </a:ext>
+            </a:extLst>
+          </p:cNvPr>
+          <p:cNvSpPr txBox="1"/>
+          <p:nvPr/>
+        </p:nvSpPr>
+        <p:spPr>
+          <a:xfrm>
+            <a:off x="11011881" y="1354160"/>
+            <a:ext cx="5028810" cy="387798"/>
+          </a:xfrm>
+          <a:prstGeom prst="rect">
+            <a:avLst/>
+          </a:prstGeom>
+          <a:noFill/>
+          <a:ln>
+            <a:noFill/>
+          </a:ln>
+        </p:spPr>
+        <p:txBody>
+          <a:bodyPr spcFirstLastPara="1" wrap="square" lIns="0" tIns="0" rIns="0" bIns="0" anchor="t" anchorCtr="0">
+            <a:spAutoFit/>
+          </a:bodyPr>
+          <a:lstStyle/>
+          <a:p>
+            <a:pPr marL="0" marR="0" lvl="0" indent="0" algn="l" rtl="0">
+              <a:lnSpc>
+                <a:spcPct val="70000"/>
+              </a:lnSpc>
+              <a:spcBef>
+                <a:spcPts val="0"/>
+              </a:spcBef>
+              <a:spcAft>
+                <a:spcPts val="0"/>
+              </a:spcAft>
+              <a:buNone/>
+            </a:pPr>
+            <a:r>
+              <a:rPr lang="en-US" sz="3600" b="1" i="0" u="none" strike="noStrike" cap="none" dirty="0">
+                <a:solidFill>
+                  <a:srgbClr val="FFFFFF"/>
+                </a:solidFill>
+                <a:latin typeface="DM Serif Display"/>
+                <a:ea typeface="DM Serif Display"/>
+                <a:cs typeface="DM Serif Display"/>
+                <a:sym typeface="DM Serif Display"/>
+              </a:rPr>
+              <a:t>Google Cloud Functions</a:t>
+            </a:r>
+            <a:endParaRPr sz="4400" b="1" dirty="0"/>
+          </a:p>
+        </p:txBody>
+      </p:sp>
+      <p:sp>
+        <p:nvSpPr>
+          <p:cNvPr id="5" name="Google Shape;76;p12">
+            <a:extLst>
+              <a:ext uri="{FF2B5EF4-FFF2-40B4-BE49-F238E27FC236}">
+                <a16:creationId xmlns:a16="http://schemas.microsoft.com/office/drawing/2014/main" id="{A90C6080-4654-09E5-0772-82F5CFD76767}"/>
+              </a:ext>
+            </a:extLst>
+          </p:cNvPr>
+          <p:cNvSpPr txBox="1"/>
+          <p:nvPr/>
+        </p:nvSpPr>
+        <p:spPr>
+          <a:xfrm>
+            <a:off x="4739668" y="8948834"/>
+            <a:ext cx="5028810" cy="387798"/>
+          </a:xfrm>
+          <a:prstGeom prst="rect">
+            <a:avLst/>
+          </a:prstGeom>
+          <a:noFill/>
+          <a:ln>
+            <a:noFill/>
+          </a:ln>
+        </p:spPr>
+        <p:txBody>
+          <a:bodyPr spcFirstLastPara="1" wrap="square" lIns="0" tIns="0" rIns="0" bIns="0" anchor="t" anchorCtr="0">
+            <a:spAutoFit/>
+          </a:bodyPr>
+          <a:lstStyle/>
+          <a:p>
+            <a:pPr marL="0" marR="0" lvl="0" indent="0" algn="l" rtl="0">
+              <a:lnSpc>
+                <a:spcPct val="70000"/>
+              </a:lnSpc>
+              <a:spcBef>
+                <a:spcPts val="0"/>
+              </a:spcBef>
+              <a:spcAft>
+                <a:spcPts val="0"/>
+              </a:spcAft>
+              <a:buNone/>
+            </a:pPr>
+            <a:r>
+              <a:rPr lang="en-US" sz="3600" b="1" dirty="0">
+                <a:solidFill>
+                  <a:srgbClr val="FFFFFF"/>
+                </a:solidFill>
+                <a:latin typeface="DM Serif Display"/>
+                <a:sym typeface="DM Serif Display"/>
+              </a:rPr>
+              <a:t>AWS DynamoDB</a:t>
+            </a:r>
+            <a:endParaRPr sz="4400" b="1" dirty="0"/>
+          </a:p>
+        </p:txBody>
+      </p:sp>
+      <p:sp>
+        <p:nvSpPr>
+          <p:cNvPr id="6" name="Google Shape;76;p12">
+            <a:extLst>
+              <a:ext uri="{FF2B5EF4-FFF2-40B4-BE49-F238E27FC236}">
+                <a16:creationId xmlns:a16="http://schemas.microsoft.com/office/drawing/2014/main" id="{6B50626A-1432-EFF8-0D6B-5F171E3FFBBF}"/>
+              </a:ext>
+            </a:extLst>
+          </p:cNvPr>
+          <p:cNvSpPr txBox="1"/>
+          <p:nvPr/>
+        </p:nvSpPr>
+        <p:spPr>
+          <a:xfrm>
+            <a:off x="12826393" y="8948834"/>
+            <a:ext cx="5028810" cy="387798"/>
+          </a:xfrm>
+          <a:prstGeom prst="rect">
+            <a:avLst/>
+          </a:prstGeom>
+          <a:noFill/>
+          <a:ln>
+            <a:noFill/>
+          </a:ln>
+        </p:spPr>
+        <p:txBody>
+          <a:bodyPr spcFirstLastPara="1" wrap="square" lIns="0" tIns="0" rIns="0" bIns="0" anchor="t" anchorCtr="0">
+            <a:spAutoFit/>
+          </a:bodyPr>
+          <a:lstStyle/>
+          <a:p>
+            <a:pPr marL="0" marR="0" lvl="0" indent="0" algn="l" rtl="0">
+              <a:lnSpc>
+                <a:spcPct val="70000"/>
+              </a:lnSpc>
+              <a:spcBef>
+                <a:spcPts val="0"/>
+              </a:spcBef>
+              <a:spcAft>
+                <a:spcPts val="0"/>
+              </a:spcAft>
+              <a:buNone/>
+            </a:pPr>
+            <a:r>
+              <a:rPr lang="en-US" sz="3600" b="1" dirty="0">
+                <a:solidFill>
+                  <a:srgbClr val="FFFFFF"/>
+                </a:solidFill>
+                <a:latin typeface="DM Serif Display"/>
+                <a:sym typeface="DM Serif Display"/>
+              </a:rPr>
+              <a:t>Google Firebase</a:t>
+            </a:r>
+            <a:endParaRPr sz="4400" b="1" dirty="0"/>
+          </a:p>
+        </p:txBody>
+      </p:sp>
     </p:spTree>
     <p:extLst>
       <p:ext uri="{BB962C8B-B14F-4D97-AF65-F5344CB8AC3E}">
@@ -16011,8 +23763,8 @@
         </p:nvSpPr>
         <p:spPr>
           <a:xfrm>
-            <a:off x="1709487" y="3150647"/>
-            <a:ext cx="14869026" cy="3985706"/>
+            <a:off x="1709487" y="2919814"/>
+            <a:ext cx="14869026" cy="4231928"/>
           </a:xfrm>
           <a:prstGeom prst="rect">
             <a:avLst/>
@@ -16029,9 +23781,6 @@
           <a:lstStyle/>
           <a:p>
             <a:pPr marL="0" marR="0" lvl="0" indent="0" algn="ctr" rtl="0">
-              <a:lnSpc>
-                <a:spcPct val="70000"/>
-              </a:lnSpc>
               <a:spcBef>
                 <a:spcPts val="0"/>
               </a:spcBef>
@@ -16284,120 +24033,120 @@
               </a:spcAft>
             </a:pPr>
             <a:r>
-              <a:rPr lang="en-US" sz="4400" b="1" dirty="0" err="1">
-                <a:solidFill>
-                  <a:srgbClr val="FFFFFF"/>
-                </a:solidFill>
-                <a:latin typeface="DM Serif Display"/>
+              <a:rPr lang="en-US" sz="4000" dirty="0" err="1">
+                <a:solidFill>
+                  <a:srgbClr val="FFFFFF"/>
+                </a:solidFill>
+                <a:latin typeface="DM Sans" pitchFamily="2" charset="77"/>
                 <a:sym typeface="DM Serif Display"/>
               </a:rPr>
               <a:t>Rendere</a:t>
             </a:r>
             <a:r>
-              <a:rPr lang="en-US" sz="4400" b="1" dirty="0">
-                <a:solidFill>
-                  <a:srgbClr val="FFFFFF"/>
-                </a:solidFill>
-                <a:latin typeface="DM Serif Display"/>
+              <a:rPr lang="en-US" sz="4000" dirty="0">
+                <a:solidFill>
+                  <a:srgbClr val="FFFFFF"/>
+                </a:solidFill>
+                <a:latin typeface="DM Sans" pitchFamily="2" charset="77"/>
                 <a:sym typeface="DM Serif Display"/>
               </a:rPr>
               <a:t> </a:t>
             </a:r>
             <a:r>
-              <a:rPr lang="en-US" sz="4400" b="1" dirty="0" err="1">
-                <a:solidFill>
-                  <a:srgbClr val="FFFFFF"/>
-                </a:solidFill>
-                <a:latin typeface="DM Serif Display"/>
+              <a:rPr lang="en-US" sz="4000" dirty="0" err="1">
+                <a:solidFill>
+                  <a:srgbClr val="FFFFFF"/>
+                </a:solidFill>
+                <a:latin typeface="DM Sans" pitchFamily="2" charset="77"/>
                 <a:sym typeface="DM Serif Display"/>
               </a:rPr>
               <a:t>i</a:t>
             </a:r>
             <a:r>
-              <a:rPr lang="en-US" sz="4400" b="1" dirty="0">
-                <a:solidFill>
-                  <a:srgbClr val="FFFFFF"/>
-                </a:solidFill>
-                <a:latin typeface="DM Serif Display"/>
+              <a:rPr lang="en-US" sz="4000" dirty="0">
+                <a:solidFill>
+                  <a:srgbClr val="FFFFFF"/>
+                </a:solidFill>
+                <a:latin typeface="DM Sans" pitchFamily="2" charset="77"/>
                 <a:sym typeface="DM Serif Display"/>
               </a:rPr>
               <a:t> </a:t>
             </a:r>
             <a:r>
-              <a:rPr lang="en-US" sz="4400" b="1" dirty="0" err="1">
-                <a:solidFill>
-                  <a:srgbClr val="FFFFFF"/>
-                </a:solidFill>
-                <a:latin typeface="DM Serif Display"/>
+              <a:rPr lang="en-US" sz="4000" dirty="0" err="1">
+                <a:solidFill>
+                  <a:srgbClr val="FFFFFF"/>
+                </a:solidFill>
+                <a:latin typeface="DM Sans" pitchFamily="2" charset="77"/>
                 <a:sym typeface="DM Serif Display"/>
               </a:rPr>
               <a:t>servizi</a:t>
             </a:r>
             <a:r>
-              <a:rPr lang="en-US" sz="4400" b="1" dirty="0">
-                <a:solidFill>
-                  <a:srgbClr val="FFFFFF"/>
-                </a:solidFill>
-                <a:latin typeface="DM Serif Display"/>
+              <a:rPr lang="en-US" sz="4000" dirty="0">
+                <a:solidFill>
+                  <a:srgbClr val="FFFFFF"/>
+                </a:solidFill>
+                <a:latin typeface="DM Sans" pitchFamily="2" charset="77"/>
                 <a:sym typeface="DM Serif Display"/>
               </a:rPr>
               <a:t> </a:t>
             </a:r>
             <a:r>
-              <a:rPr lang="en-US" sz="4400" b="1" dirty="0" err="1">
-                <a:solidFill>
-                  <a:srgbClr val="FFFFFF"/>
-                </a:solidFill>
-                <a:latin typeface="DM Serif Display"/>
+              <a:rPr lang="en-US" sz="4000" dirty="0" err="1">
+                <a:solidFill>
+                  <a:srgbClr val="FFFFFF"/>
+                </a:solidFill>
+                <a:latin typeface="DM Sans" pitchFamily="2" charset="77"/>
                 <a:sym typeface="DM Serif Display"/>
               </a:rPr>
               <a:t>informatici</a:t>
             </a:r>
             <a:r>
-              <a:rPr lang="en-US" sz="4400" b="1" dirty="0">
-                <a:solidFill>
-                  <a:srgbClr val="FFFFFF"/>
-                </a:solidFill>
-                <a:latin typeface="DM Serif Display"/>
+              <a:rPr lang="en-US" sz="4000" dirty="0">
+                <a:solidFill>
+                  <a:srgbClr val="FFFFFF"/>
+                </a:solidFill>
+                <a:latin typeface="DM Sans" pitchFamily="2" charset="77"/>
                 <a:sym typeface="DM Serif Display"/>
               </a:rPr>
               <a:t> </a:t>
             </a:r>
             <a:r>
-              <a:rPr lang="en-US" sz="4400" b="1" dirty="0" err="1">
-                <a:solidFill>
-                  <a:srgbClr val="FFFFFF"/>
-                </a:solidFill>
-                <a:latin typeface="DM Serif Display"/>
+              <a:rPr lang="en-US" sz="4000" dirty="0" err="1">
+                <a:solidFill>
+                  <a:srgbClr val="FFFFFF"/>
+                </a:solidFill>
+                <a:latin typeface="DM Sans" pitchFamily="2" charset="77"/>
                 <a:sym typeface="DM Serif Display"/>
               </a:rPr>
               <a:t>più</a:t>
             </a:r>
             <a:r>
-              <a:rPr lang="en-US" sz="4400" b="1" dirty="0">
-                <a:solidFill>
-                  <a:srgbClr val="FFFFFF"/>
-                </a:solidFill>
-                <a:latin typeface="DM Serif Display"/>
+              <a:rPr lang="en-US" sz="4000" dirty="0">
+                <a:solidFill>
+                  <a:srgbClr val="FFFFFF"/>
+                </a:solidFill>
+                <a:latin typeface="DM Sans" pitchFamily="2" charset="77"/>
                 <a:sym typeface="DM Serif Display"/>
               </a:rPr>
               <a:t> </a:t>
             </a:r>
             <a:r>
-              <a:rPr lang="en-US" sz="4400" b="1" dirty="0" err="1">
-                <a:solidFill>
-                  <a:srgbClr val="FFFFFF"/>
-                </a:solidFill>
-                <a:latin typeface="DM Serif Display"/>
+              <a:rPr lang="en-US" sz="4000" dirty="0" err="1">
+                <a:solidFill>
+                  <a:srgbClr val="FFFFFF"/>
+                </a:solidFill>
+                <a:latin typeface="DM Sans" pitchFamily="2" charset="77"/>
                 <a:sym typeface="DM Serif Display"/>
               </a:rPr>
               <a:t>accessibili</a:t>
             </a:r>
-            <a:endParaRPr lang="en-US" sz="4400" b="1" dirty="0">
+            <a:endParaRPr lang="en-US" sz="4000" dirty="0">
               <a:solidFill>
                 <a:srgbClr val="FFFFFF"/>
               </a:solidFill>
-              <a:latin typeface="DM Serif Display"/>
+              <a:latin typeface="DM Sans" pitchFamily="2" charset="77"/>
               <a:sym typeface="DM Serif Display"/>
             </a:endParaRPr>
           </a:p>
@@ -16413,11 +24162,11 @@
                 <a:spcPts val="0"/>
               </a:spcAft>
             </a:pPr>
-            <a:endParaRPr lang="en-US" sz="4400" b="1" dirty="0">
+            <a:endParaRPr lang="en-US" sz="4000" dirty="0">
               <a:solidFill>
                 <a:srgbClr val="FFFFFF"/>
               </a:solidFill>
-              <a:latin typeface="DM Serif Display"/>
+              <a:latin typeface="DM Sans" pitchFamily="2" charset="77"/>
               <a:sym typeface="DM Serif Display"/>
             </a:endParaRPr>
           </a:p>
@@ -16434,60 +24183,60 @@
               </a:spcAft>
             </a:pPr>
             <a:r>
-              <a:rPr lang="en-US" sz="4400" b="1" dirty="0" err="1">
-                <a:solidFill>
-                  <a:srgbClr val="FFFFFF"/>
-                </a:solidFill>
-                <a:latin typeface="DM Serif Display"/>
+              <a:rPr lang="en-US" sz="4000" dirty="0" err="1">
+                <a:solidFill>
+                  <a:srgbClr val="FFFFFF"/>
+                </a:solidFill>
+                <a:latin typeface="DM Sans" pitchFamily="2" charset="77"/>
                 <a:sym typeface="DM Serif Display"/>
               </a:rPr>
               <a:t>Personalizzabili</a:t>
             </a:r>
             <a:r>
-              <a:rPr lang="en-US" sz="4400" b="1" dirty="0">
-                <a:solidFill>
-                  <a:srgbClr val="FFFFFF"/>
-                </a:solidFill>
-                <a:latin typeface="DM Serif Display"/>
+              <a:rPr lang="en-US" sz="4000" dirty="0">
+                <a:solidFill>
+                  <a:srgbClr val="FFFFFF"/>
+                </a:solidFill>
+                <a:latin typeface="DM Sans" pitchFamily="2" charset="77"/>
                 <a:sym typeface="DM Serif Display"/>
               </a:rPr>
               <a:t> in base alle </a:t>
             </a:r>
             <a:r>
-              <a:rPr lang="en-US" sz="4400" b="1" dirty="0" err="1">
-                <a:solidFill>
-                  <a:srgbClr val="FFFFFF"/>
-                </a:solidFill>
-                <a:latin typeface="DM Serif Display"/>
+              <a:rPr lang="en-US" sz="4000" dirty="0" err="1">
+                <a:solidFill>
+                  <a:srgbClr val="FFFFFF"/>
+                </a:solidFill>
+                <a:latin typeface="DM Sans" pitchFamily="2" charset="77"/>
                 <a:sym typeface="DM Serif Display"/>
               </a:rPr>
               <a:t>esigenze</a:t>
             </a:r>
             <a:r>
-              <a:rPr lang="en-US" sz="4400" b="1" dirty="0">
-                <a:solidFill>
-                  <a:srgbClr val="FFFFFF"/>
-                </a:solidFill>
-                <a:latin typeface="DM Serif Display"/>
+              <a:rPr lang="en-US" sz="4000" dirty="0">
+                <a:solidFill>
+                  <a:srgbClr val="FFFFFF"/>
+                </a:solidFill>
+                <a:latin typeface="DM Sans" pitchFamily="2" charset="77"/>
                 <a:sym typeface="DM Serif Display"/>
               </a:rPr>
               <a:t> </a:t>
             </a:r>
             <a:r>
-              <a:rPr lang="en-US" sz="4400" b="1" dirty="0" err="1">
-                <a:solidFill>
-                  <a:srgbClr val="FFFFFF"/>
-                </a:solidFill>
-                <a:latin typeface="DM Serif Display"/>
+              <a:rPr lang="en-US" sz="4000" dirty="0" err="1">
+                <a:solidFill>
+                  <a:srgbClr val="FFFFFF"/>
+                </a:solidFill>
+                <a:latin typeface="DM Sans" pitchFamily="2" charset="77"/>
                 <a:sym typeface="DM Serif Display"/>
               </a:rPr>
               <a:t>specifiche</a:t>
             </a:r>
-            <a:endParaRPr lang="en-US" sz="4400" b="1" dirty="0">
+            <a:endParaRPr lang="en-US" sz="4000" dirty="0">
               <a:solidFill>
                 <a:srgbClr val="FFFFFF"/>
               </a:solidFill>
-              <a:latin typeface="DM Serif Display"/>
+              <a:latin typeface="DM Sans" pitchFamily="2" charset="77"/>
               <a:sym typeface="DM Serif Display"/>
             </a:endParaRPr>
           </a:p>
@@ -16503,11 +24252,11 @@
                 <a:spcPts val="0"/>
               </a:spcAft>
             </a:pPr>
-            <a:endParaRPr lang="en-US" sz="4400" b="1" dirty="0">
+            <a:endParaRPr lang="en-US" sz="4000" dirty="0">
               <a:solidFill>
                 <a:srgbClr val="FFFFFF"/>
               </a:solidFill>
-              <a:latin typeface="DM Serif Display"/>
+              <a:latin typeface="DM Sans" pitchFamily="2" charset="77"/>
               <a:sym typeface="DM Serif Display"/>
             </a:endParaRPr>
           </a:p>
@@ -16524,80 +24273,80 @@
               </a:spcAft>
             </a:pPr>
             <a:r>
-              <a:rPr lang="en-US" sz="4400" b="1" dirty="0" err="1">
-                <a:solidFill>
-                  <a:srgbClr val="FFFFFF"/>
-                </a:solidFill>
-                <a:latin typeface="DM Serif Display"/>
+              <a:rPr lang="en-US" sz="4000" dirty="0" err="1">
+                <a:solidFill>
+                  <a:srgbClr val="FFFFFF"/>
+                </a:solidFill>
+                <a:latin typeface="DM Sans" pitchFamily="2" charset="77"/>
                 <a:sym typeface="DM Serif Display"/>
               </a:rPr>
               <a:t>Delegare</a:t>
             </a:r>
             <a:r>
-              <a:rPr lang="en-US" sz="4400" b="1" dirty="0">
-                <a:solidFill>
-                  <a:srgbClr val="FFFFFF"/>
-                </a:solidFill>
-                <a:latin typeface="DM Serif Display"/>
+              <a:rPr lang="en-US" sz="4000" dirty="0">
+                <a:solidFill>
+                  <a:srgbClr val="FFFFFF"/>
+                </a:solidFill>
+                <a:latin typeface="DM Sans" pitchFamily="2" charset="77"/>
                 <a:sym typeface="DM Serif Display"/>
               </a:rPr>
               <a:t> </a:t>
             </a:r>
             <a:r>
-              <a:rPr lang="en-US" sz="4400" b="1" dirty="0" err="1">
-                <a:solidFill>
-                  <a:srgbClr val="FFFFFF"/>
-                </a:solidFill>
-                <a:latin typeface="DM Serif Display"/>
+              <a:rPr lang="en-US" sz="4000" dirty="0" err="1">
+                <a:solidFill>
+                  <a:srgbClr val="FFFFFF"/>
+                </a:solidFill>
+                <a:latin typeface="DM Sans" pitchFamily="2" charset="77"/>
                 <a:sym typeface="DM Serif Display"/>
               </a:rPr>
               <a:t>all’infrastruttura</a:t>
             </a:r>
             <a:r>
-              <a:rPr lang="en-US" sz="4400" b="1" dirty="0">
-                <a:solidFill>
-                  <a:srgbClr val="FFFFFF"/>
-                </a:solidFill>
-                <a:latin typeface="DM Serif Display"/>
+              <a:rPr lang="en-US" sz="4000" dirty="0">
+                <a:solidFill>
+                  <a:srgbClr val="FFFFFF"/>
+                </a:solidFill>
+                <a:latin typeface="DM Sans" pitchFamily="2" charset="77"/>
                 <a:sym typeface="DM Serif Display"/>
               </a:rPr>
               <a:t> la </a:t>
             </a:r>
             <a:r>
-              <a:rPr lang="en-US" sz="4400" b="1" dirty="0" err="1">
-                <a:solidFill>
-                  <a:srgbClr val="FFFFFF"/>
-                </a:solidFill>
-                <a:latin typeface="DM Serif Display"/>
+              <a:rPr lang="en-US" sz="4000" dirty="0" err="1">
+                <a:solidFill>
+                  <a:srgbClr val="FFFFFF"/>
+                </a:solidFill>
+                <a:latin typeface="DM Sans" pitchFamily="2" charset="77"/>
                 <a:sym typeface="DM Serif Display"/>
               </a:rPr>
               <a:t>gestione</a:t>
             </a:r>
             <a:r>
-              <a:rPr lang="en-US" sz="4400" b="1" dirty="0">
-                <a:solidFill>
-                  <a:srgbClr val="FFFFFF"/>
-                </a:solidFill>
-                <a:latin typeface="DM Serif Display"/>
+              <a:rPr lang="en-US" sz="4000" dirty="0">
+                <a:solidFill>
+                  <a:srgbClr val="FFFFFF"/>
+                </a:solidFill>
+                <a:latin typeface="DM Sans" pitchFamily="2" charset="77"/>
                 <a:sym typeface="DM Serif Display"/>
               </a:rPr>
               <a:t> </a:t>
             </a:r>
             <a:r>
-              <a:rPr lang="en-US" sz="4400" b="1" dirty="0" err="1">
-                <a:solidFill>
-                  <a:srgbClr val="FFFFFF"/>
-                </a:solidFill>
-                <a:latin typeface="DM Serif Display"/>
+              <a:rPr lang="en-US" sz="4000" dirty="0" err="1">
+                <a:solidFill>
+                  <a:srgbClr val="FFFFFF"/>
+                </a:solidFill>
+                <a:latin typeface="DM Sans" pitchFamily="2" charset="77"/>
                 <a:sym typeface="DM Serif Display"/>
               </a:rPr>
               <a:t>operativa</a:t>
             </a:r>
-            <a:endParaRPr lang="en-US" sz="4400" b="1" dirty="0">
+            <a:endParaRPr lang="en-US" sz="4000" dirty="0">
               <a:solidFill>
                 <a:srgbClr val="FFFFFF"/>
               </a:solidFill>
-              <a:latin typeface="DM Serif Display"/>
+              <a:latin typeface="DM Sans" pitchFamily="2" charset="77"/>
               <a:sym typeface="DM Serif Display"/>
             </a:endParaRPr>
           </a:p>
@@ -16617,7 +24366,7 @@
         </p:nvSpPr>
         <p:spPr>
           <a:xfrm>
-            <a:off x="3312642" y="4847985"/>
+            <a:off x="3334159" y="5920272"/>
             <a:ext cx="143934" cy="143934"/>
           </a:xfrm>
           <a:prstGeom prst="ellipse">
@@ -16671,7 +24420,7 @@
         </p:nvSpPr>
         <p:spPr>
           <a:xfrm>
-            <a:off x="2786617" y="5786966"/>
+            <a:off x="3363900" y="6752055"/>
             <a:ext cx="143934" cy="143934"/>
           </a:xfrm>
           <a:prstGeom prst="ellipse">
@@ -16725,7 +24474,7 @@
         </p:nvSpPr>
         <p:spPr>
           <a:xfrm>
-            <a:off x="2714650" y="6735779"/>
+            <a:off x="3887009" y="5045610"/>
             <a:ext cx="143934" cy="143934"/>
           </a:xfrm>
           <a:prstGeom prst="ellipse">

--- a/presentazione/presentazione.pptx
+++ b/presentazione/presentazione.pptx
@@ -3213,7 +3213,7 @@
               </a:spcAft>
               <a:buNone/>
             </a:pPr>
-            <a:endParaRPr/>
+            <a:endParaRPr dirty="0"/>
           </a:p>
         </p:txBody>
       </p:sp>
@@ -7647,7 +7647,7 @@
                 <a:cs typeface="DM Sans"/>
                 <a:sym typeface="DM Sans"/>
               </a:rPr>
-              <a:t>, o </a:t>
+              <a:t> o </a:t>
             </a:r>
             <a:r>
               <a:rPr lang="en-US" sz="2100" b="0" i="0" u="none" strike="noStrike" cap="none" dirty="0" err="1">
@@ -9057,7 +9057,7 @@
                 <a:cs typeface="DM Sans"/>
                 <a:sym typeface="DM Sans"/>
               </a:rPr>
-              <a:t>, o </a:t>
+              <a:t> o </a:t>
             </a:r>
             <a:r>
               <a:rPr lang="en-US" sz="2100" b="0" i="0" u="none" strike="noStrike" cap="none" dirty="0" err="1">
@@ -10664,7 +10664,7 @@
         <p:spPr>
           <a:xfrm>
             <a:off x="11073084" y="6607512"/>
-            <a:ext cx="4826400" cy="646331"/>
+            <a:ext cx="4826400" cy="1292662"/>
           </a:xfrm>
           <a:prstGeom prst="rect">
             <a:avLst/>
@@ -10858,7 +10858,175 @@
                 <a:cs typeface="DM Sans"/>
                 <a:sym typeface="DM Sans"/>
               </a:rPr>
-              <a:t>.</a:t>
+              <a:t>. </a:t>
+            </a:r>
+            <a:r>
+              <a:rPr lang="en-US" sz="2100" b="0" i="0" u="none" strike="noStrike" cap="none" dirty="0" err="1">
+                <a:solidFill>
+                  <a:srgbClr val="FFFFFF"/>
+                </a:solidFill>
+                <a:latin typeface="DM Sans"/>
+                <a:ea typeface="DM Sans"/>
+                <a:cs typeface="DM Sans"/>
+                <a:sym typeface="DM Sans"/>
+              </a:rPr>
+              <a:t>Alcuni</a:t>
+            </a:r>
+            <a:r>
+              <a:rPr lang="en-US" sz="2100" b="0" i="0" u="none" strike="noStrike" cap="none" dirty="0">
+                <a:solidFill>
+                  <a:srgbClr val="FFFFFF"/>
+                </a:solidFill>
+                <a:latin typeface="DM Sans"/>
+                <a:ea typeface="DM Sans"/>
+                <a:cs typeface="DM Sans"/>
+                <a:sym typeface="DM Sans"/>
+              </a:rPr>
+              <a:t> </a:t>
+            </a:r>
+            <a:r>
+              <a:rPr lang="en-US" sz="2100" b="0" i="0" u="none" strike="noStrike" cap="none" dirty="0" err="1">
+                <a:solidFill>
+                  <a:srgbClr val="FFFFFF"/>
+                </a:solidFill>
+                <a:latin typeface="DM Sans"/>
+                <a:ea typeface="DM Sans"/>
+                <a:cs typeface="DM Sans"/>
+                <a:sym typeface="DM Sans"/>
+              </a:rPr>
+              <a:t>esempi</a:t>
+            </a:r>
+            <a:r>
+              <a:rPr lang="en-US" sz="2100" b="0" i="0" u="none" strike="noStrike" cap="none" dirty="0">
+                <a:solidFill>
+                  <a:srgbClr val="FFFFFF"/>
+                </a:solidFill>
+                <a:latin typeface="DM Sans"/>
+                <a:ea typeface="DM Sans"/>
+                <a:cs typeface="DM Sans"/>
+                <a:sym typeface="DM Sans"/>
+              </a:rPr>
+              <a:t> </a:t>
+            </a:r>
+            <a:r>
+              <a:rPr lang="en-US" sz="2100" b="0" i="0" u="none" strike="noStrike" cap="none" dirty="0" err="1">
+                <a:solidFill>
+                  <a:srgbClr val="FFFFFF"/>
+                </a:solidFill>
+                <a:latin typeface="DM Sans"/>
+                <a:ea typeface="DM Sans"/>
+                <a:cs typeface="DM Sans"/>
+                <a:sym typeface="DM Sans"/>
+              </a:rPr>
+              <a:t>includono</a:t>
+            </a:r>
+            <a:r>
+              <a:rPr lang="en-US" sz="2100" b="0" i="0" u="none" strike="noStrike" cap="none" dirty="0">
+                <a:solidFill>
+                  <a:srgbClr val="FFFFFF"/>
+                </a:solidFill>
+                <a:latin typeface="DM Sans"/>
+                <a:ea typeface="DM Sans"/>
+                <a:cs typeface="DM Sans"/>
+                <a:sym typeface="DM Sans"/>
+              </a:rPr>
+              <a:t> lo storage, </a:t>
+            </a:r>
+            <a:r>
+              <a:rPr lang="en-US" sz="2100" b="0" i="0" u="none" strike="noStrike" cap="none" dirty="0" err="1">
+                <a:solidFill>
+                  <a:srgbClr val="FFFFFF"/>
+                </a:solidFill>
+                <a:latin typeface="DM Sans"/>
+                <a:ea typeface="DM Sans"/>
+                <a:cs typeface="DM Sans"/>
+                <a:sym typeface="DM Sans"/>
+              </a:rPr>
+              <a:t>servizi</a:t>
+            </a:r>
+            <a:r>
+              <a:rPr lang="en-US" sz="2100" b="0" i="0" u="none" strike="noStrike" cap="none" dirty="0">
+                <a:solidFill>
+                  <a:srgbClr val="FFFFFF"/>
+                </a:solidFill>
+                <a:latin typeface="DM Sans"/>
+                <a:ea typeface="DM Sans"/>
+                <a:cs typeface="DM Sans"/>
+                <a:sym typeface="DM Sans"/>
+              </a:rPr>
+              <a:t> di </a:t>
+            </a:r>
+            <a:r>
+              <a:rPr lang="en-US" sz="2100" b="0" i="0" u="none" strike="noStrike" cap="none" dirty="0" err="1">
+                <a:solidFill>
+                  <a:srgbClr val="FFFFFF"/>
+                </a:solidFill>
+                <a:latin typeface="DM Sans"/>
+                <a:ea typeface="DM Sans"/>
+                <a:cs typeface="DM Sans"/>
+                <a:sym typeface="DM Sans"/>
+              </a:rPr>
+              <a:t>notifica</a:t>
+            </a:r>
+            <a:r>
+              <a:rPr lang="en-US" sz="2100" b="0" i="0" u="none" strike="noStrike" cap="none" dirty="0">
+                <a:solidFill>
+                  <a:srgbClr val="FFFFFF"/>
+                </a:solidFill>
+                <a:latin typeface="DM Sans"/>
+                <a:ea typeface="DM Sans"/>
+                <a:cs typeface="DM Sans"/>
+                <a:sym typeface="DM Sans"/>
+              </a:rPr>
+              <a:t> di </a:t>
+            </a:r>
+            <a:r>
+              <a:rPr lang="en-US" sz="2100" b="0" i="0" u="none" strike="noStrike" cap="none" dirty="0" err="1">
+                <a:solidFill>
+                  <a:srgbClr val="FFFFFF"/>
+                </a:solidFill>
+                <a:latin typeface="DM Sans"/>
+                <a:ea typeface="DM Sans"/>
+                <a:cs typeface="DM Sans"/>
+                <a:sym typeface="DM Sans"/>
+              </a:rPr>
+              <a:t>messaggi</a:t>
+            </a:r>
+            <a:r>
+              <a:rPr lang="en-US" sz="2100" b="0" i="0" u="none" strike="noStrike" cap="none" dirty="0">
+                <a:solidFill>
+                  <a:srgbClr val="FFFFFF"/>
+                </a:solidFill>
+                <a:latin typeface="DM Sans"/>
+                <a:ea typeface="DM Sans"/>
+                <a:cs typeface="DM Sans"/>
+                <a:sym typeface="DM Sans"/>
+              </a:rPr>
+              <a:t> e </a:t>
+            </a:r>
+            <a:r>
+              <a:rPr lang="en-US" sz="2100" b="0" i="0" u="none" strike="noStrike" cap="none" dirty="0" err="1">
+                <a:solidFill>
+                  <a:srgbClr val="FFFFFF"/>
+                </a:solidFill>
+                <a:latin typeface="DM Sans"/>
+                <a:ea typeface="DM Sans"/>
+                <a:cs typeface="DM Sans"/>
+                <a:sym typeface="DM Sans"/>
+              </a:rPr>
+              <a:t>strumenti</a:t>
+            </a:r>
+            <a:r>
+              <a:rPr lang="en-US" sz="2100" b="0" i="0" u="none" strike="noStrike" cap="none" dirty="0">
+                <a:solidFill>
+                  <a:srgbClr val="FFFFFF"/>
+                </a:solidFill>
+                <a:latin typeface="DM Sans"/>
+                <a:ea typeface="DM Sans"/>
+                <a:cs typeface="DM Sans"/>
+                <a:sym typeface="DM Sans"/>
+              </a:rPr>
+              <a:t> per il DevOps.</a:t>
             </a:r>
             <a:endParaRPr dirty="0"/>
           </a:p>
@@ -11381,7 +11549,17 @@
                 <a:latin typeface="DM Serif Display"/>
                 <a:sym typeface="DM Serif Display"/>
               </a:rPr>
-              <a:t>Google Firebase</a:t>
+              <a:t>Google </a:t>
+            </a:r>
+            <a:r>
+              <a:rPr lang="en-US" sz="3600" b="1" dirty="0" err="1">
+                <a:solidFill>
+                  <a:srgbClr val="FFFFFF"/>
+                </a:solidFill>
+                <a:latin typeface="DM Serif Display"/>
+                <a:sym typeface="DM Serif Display"/>
+              </a:rPr>
+              <a:t>Firestore</a:t>
             </a:r>
             <a:endParaRPr sz="4400" b="1" dirty="0"/>
           </a:p>
@@ -11593,7 +11771,7 @@
         </p:nvSpPr>
         <p:spPr>
           <a:xfrm>
-            <a:off x="1028101" y="6038545"/>
+            <a:off x="1028101" y="6102713"/>
             <a:ext cx="4826400" cy="1077218"/>
           </a:xfrm>
           <a:prstGeom prst="rect">
@@ -11690,7 +11868,7 @@
         </p:nvSpPr>
         <p:spPr>
           <a:xfrm>
-            <a:off x="1028701" y="7378962"/>
+            <a:off x="1028701" y="7443130"/>
             <a:ext cx="4826400" cy="1292662"/>
           </a:xfrm>
           <a:prstGeom prst="rect">
@@ -12113,7 +12291,17 @@
                 <a:latin typeface="DM Serif Display"/>
                 <a:sym typeface="DM Serif Display"/>
               </a:rPr>
-              <a:t>Google Firebase</a:t>
+              <a:t>Google </a:t>
+            </a:r>
+            <a:r>
+              <a:rPr lang="en-US" sz="3600" b="1" dirty="0" err="1">
+                <a:solidFill>
+                  <a:srgbClr val="FFFFFF"/>
+                </a:solidFill>
+                <a:latin typeface="DM Serif Display"/>
+                <a:sym typeface="DM Serif Display"/>
+              </a:rPr>
+              <a:t>Firestore</a:t>
             </a:r>
             <a:endParaRPr sz="4400" b="1" dirty="0"/>
           </a:p>
@@ -12325,7 +12513,7 @@
         </p:nvSpPr>
         <p:spPr>
           <a:xfrm>
-            <a:off x="1028101" y="6038545"/>
+            <a:off x="1028101" y="6102713"/>
             <a:ext cx="4826400" cy="1077218"/>
           </a:xfrm>
           <a:prstGeom prst="rect">
@@ -12422,7 +12610,7 @@
         </p:nvSpPr>
         <p:spPr>
           <a:xfrm>
-            <a:off x="1028701" y="7378962"/>
+            <a:off x="1028701" y="7443130"/>
             <a:ext cx="4826400" cy="1292662"/>
           </a:xfrm>
           <a:prstGeom prst="rect">
@@ -12751,7 +12939,7 @@
         </p:nvSpPr>
         <p:spPr>
           <a:xfrm>
-            <a:off x="6730800" y="6038647"/>
+            <a:off x="6730800" y="6102815"/>
             <a:ext cx="5028810" cy="1077218"/>
           </a:xfrm>
           <a:prstGeom prst="rect">
@@ -12843,8 +13031,8 @@
         </p:nvSpPr>
         <p:spPr>
           <a:xfrm>
-            <a:off x="6730800" y="7378761"/>
-            <a:ext cx="4826400" cy="1938992"/>
+            <a:off x="6730800" y="7442929"/>
+            <a:ext cx="4826400" cy="1292662"/>
           </a:xfrm>
           <a:prstGeom prst="rect">
             <a:avLst/>
@@ -12882,7 +13070,7 @@
                 <a:cs typeface="DM Sans"/>
                 <a:sym typeface="DM Sans"/>
               </a:rPr>
-              <a:t>Non ci sono limiti predefiniti sulla quantità di dati che una tabella può contenere. Come per le piattaforme precedentemente citate, il pagamento avviene solo in base al consumo effettivo.</a:t>
+              <a:t>Non ci sono limiti predefiniti sulla quantità di dati che una tabella può contenere. Il pagamento avviene solo in base al consumo effettivo.</a:t>
             </a:r>
             <a:endParaRPr dirty="0"/>
           </a:p>
@@ -12996,7 +13184,17 @@
                 <a:latin typeface="DM Serif Display"/>
                 <a:sym typeface="DM Serif Display"/>
               </a:rPr>
-              <a:t>Google Firebase</a:t>
+              <a:t>Google </a:t>
+            </a:r>
+            <a:r>
+              <a:rPr lang="en-US" sz="3600" b="1" dirty="0" err="1">
+                <a:solidFill>
+                  <a:srgbClr val="FFFFFF"/>
+                </a:solidFill>
+                <a:latin typeface="DM Serif Display"/>
+                <a:sym typeface="DM Serif Display"/>
+              </a:rPr>
+              <a:t>Firestore</a:t>
             </a:r>
             <a:endParaRPr sz="4400" b="1" dirty="0"/>
           </a:p>
@@ -13208,7 +13406,7 @@
         </p:nvSpPr>
         <p:spPr>
           <a:xfrm>
-            <a:off x="1028101" y="6038545"/>
+            <a:off x="1028101" y="6102713"/>
             <a:ext cx="4826400" cy="1077218"/>
           </a:xfrm>
           <a:prstGeom prst="rect">
@@ -13305,7 +13503,7 @@
         </p:nvSpPr>
         <p:spPr>
           <a:xfrm>
-            <a:off x="1028701" y="7378962"/>
+            <a:off x="1028701" y="7443130"/>
             <a:ext cx="4826400" cy="1292662"/>
           </a:xfrm>
           <a:prstGeom prst="rect">
@@ -13634,7 +13832,7 @@
         </p:nvSpPr>
         <p:spPr>
           <a:xfrm>
-            <a:off x="6730800" y="6038647"/>
+            <a:off x="6730800" y="6102815"/>
             <a:ext cx="5028810" cy="1077218"/>
           </a:xfrm>
           <a:prstGeom prst="rect">
@@ -13726,8 +13924,8 @@
         </p:nvSpPr>
         <p:spPr>
           <a:xfrm>
-            <a:off x="6730800" y="7378761"/>
-            <a:ext cx="4826400" cy="1938992"/>
+            <a:off x="6730800" y="7442929"/>
+            <a:ext cx="4826400" cy="1292662"/>
           </a:xfrm>
           <a:prstGeom prst="rect">
             <a:avLst/>
@@ -13765,7 +13963,7 @@
                 <a:cs typeface="DM Sans"/>
                 <a:sym typeface="DM Sans"/>
               </a:rPr>
-              <a:t>Non ci sono limiti predefiniti sulla quantità di dati che una tabella può contenere. Come per le piattaforme precedentemente citate, il pagamento avviene solo in base al consumo effettivo.</a:t>
+              <a:t>Non ci sono limiti predefiniti sulla quantità di dati che una tabella può contenere. Il pagamento avviene solo in base al consumo effettivo.</a:t>
             </a:r>
             <a:endParaRPr dirty="0"/>
           </a:p>
@@ -13785,7 +13983,7 @@
         </p:nvSpPr>
         <p:spPr>
           <a:xfrm>
-            <a:off x="12433502" y="6038545"/>
+            <a:off x="12433502" y="6102713"/>
             <a:ext cx="4826400" cy="1077218"/>
           </a:xfrm>
           <a:prstGeom prst="rect">
@@ -13877,7 +14075,7 @@
         </p:nvSpPr>
         <p:spPr>
           <a:xfrm>
-            <a:off x="12433502" y="7378560"/>
+            <a:off x="12433502" y="7442728"/>
             <a:ext cx="4826400" cy="1292662"/>
           </a:xfrm>
           <a:prstGeom prst="rect">
@@ -14294,7 +14492,17 @@
                 <a:latin typeface="DM Serif Display"/>
                 <a:sym typeface="DM Serif Display"/>
               </a:rPr>
-              <a:t>Google Firebase</a:t>
+              <a:t>Google </a:t>
+            </a:r>
+            <a:r>
+              <a:rPr lang="en-US" sz="3600" b="1" dirty="0" err="1">
+                <a:solidFill>
+                  <a:srgbClr val="FFFFFF"/>
+                </a:solidFill>
+                <a:latin typeface="DM Serif Display"/>
+                <a:sym typeface="DM Serif Display"/>
+              </a:rPr>
+              <a:t>Firestore</a:t>
             </a:r>
             <a:endParaRPr sz="4400" b="1" dirty="0"/>
           </a:p>
@@ -16099,7 +16307,7 @@
                 <a:cs typeface="DM Sans"/>
                 <a:sym typeface="DM Sans"/>
               </a:rPr>
-              <a:t>Difficoltà nel capire quando creare una nuova funzione.</a:t>
+              <a:t>Difficoltà nel capire quando creare una nuova funzione</a:t>
             </a:r>
           </a:p>
           <a:p>
@@ -20260,6 +20468,42 @@
               </a:rPr>
               <a:t>Usabilità</a:t>
             </a:r>
+            <a:r>
+              <a:rPr lang="en-US" sz="2500" b="0" i="0" u="none" strike="noStrike" cap="none" dirty="0">
+                <a:solidFill>
+                  <a:srgbClr val="FFFFFF"/>
+                </a:solidFill>
+                <a:latin typeface="DM Serif Display"/>
+                <a:ea typeface="DM Serif Display"/>
+                <a:cs typeface="DM Serif Display"/>
+                <a:sym typeface="DM Serif Display"/>
+              </a:rPr>
+              <a:t>/</a:t>
+            </a:r>
+            <a:r>
+              <a:rPr lang="en-US" sz="2500" b="0" i="0" u="none" strike="noStrike" cap="none" dirty="0" err="1">
+                <a:solidFill>
+                  <a:srgbClr val="FFFFFF"/>
+                </a:solidFill>
+                <a:latin typeface="DM Serif Display"/>
+                <a:ea typeface="DM Serif Display"/>
+                <a:cs typeface="DM Serif Display"/>
+                <a:sym typeface="DM Serif Display"/>
+              </a:rPr>
+              <a:t>Facilità</a:t>
+            </a:r>
+            <a:r>
+              <a:rPr lang="en-US" sz="2500" b="0" i="0" u="none" strike="noStrike" cap="none" dirty="0">
+                <a:solidFill>
+                  <a:srgbClr val="FFFFFF"/>
+                </a:solidFill>
+                <a:latin typeface="DM Serif Display"/>
+                <a:ea typeface="DM Serif Display"/>
+                <a:cs typeface="DM Serif Display"/>
+                <a:sym typeface="DM Serif Display"/>
+              </a:rPr>
+              <a:t> di Deploy</a:t>
+            </a:r>
             <a:endParaRPr sz="2500" dirty="0"/>
           </a:p>
         </p:txBody>
@@ -20281,7 +20525,7 @@
         <p:spPr>
           <a:xfrm>
             <a:off x="1028700" y="850900"/>
-            <a:ext cx="3228975" cy="0"/>
+            <a:ext cx="5728091" cy="0"/>
           </a:xfrm>
           <a:prstGeom prst="line">
             <a:avLst/>
@@ -21344,6 +21588,30 @@
                 <a:cs typeface="DM Serif Display"/>
                 <a:sym typeface="DM Serif Display"/>
               </a:rPr>
+              <a:t>dei</a:t>
+            </a:r>
+            <a:r>
+              <a:rPr lang="en-US" sz="2500" b="0" i="0" u="none" strike="noStrike" cap="none" dirty="0">
+                <a:solidFill>
+                  <a:srgbClr val="FFFFFF"/>
+                </a:solidFill>
+                <a:latin typeface="DM Serif Display"/>
+                <a:ea typeface="DM Serif Display"/>
+                <a:cs typeface="DM Serif Display"/>
+                <a:sym typeface="DM Serif Display"/>
+              </a:rPr>
+              <a:t> </a:t>
+            </a:r>
+            <a:r>
+              <a:rPr lang="en-US" sz="2500" b="0" i="0" u="none" strike="noStrike" cap="none" dirty="0" err="1">
+                <a:solidFill>
+                  <a:srgbClr val="FFFFFF"/>
+                </a:solidFill>
+                <a:latin typeface="DM Serif Display"/>
+                <a:ea typeface="DM Serif Display"/>
+                <a:cs typeface="DM Serif Display"/>
+                <a:sym typeface="DM Serif Display"/>
+              </a:rPr>
               <a:t>risultati</a:t>
             </a:r>
             <a:endParaRPr sz="2500" dirty="0"/>
@@ -21367,7 +21635,7 @@
         <p:spPr>
           <a:xfrm>
             <a:off x="1028700" y="850900"/>
-            <a:ext cx="4557713" cy="0"/>
+            <a:ext cx="5092700" cy="0"/>
           </a:xfrm>
           <a:prstGeom prst="line">
             <a:avLst/>
@@ -23611,7 +23879,17 @@
                 <a:latin typeface="DM Serif Display"/>
                 <a:sym typeface="DM Serif Display"/>
               </a:rPr>
-              <a:t>Google Firebase</a:t>
+              <a:t>Google </a:t>
+            </a:r>
+            <a:r>
+              <a:rPr lang="en-US" sz="3600" b="1" dirty="0" err="1">
+                <a:solidFill>
+                  <a:srgbClr val="FFFFFF"/>
+                </a:solidFill>
+                <a:latin typeface="DM Serif Display"/>
+                <a:sym typeface="DM Serif Display"/>
+              </a:rPr>
+              <a:t>Firestore</a:t>
             </a:r>
             <a:endParaRPr sz="4400" b="1" dirty="0"/>
           </a:p>
@@ -27167,7 +27445,7 @@
                 <a:cs typeface="DM Sans"/>
                 <a:sym typeface="DM Sans"/>
               </a:rPr>
-              <a:t>, o </a:t>
+              <a:t> o </a:t>
             </a:r>
             <a:r>
               <a:rPr lang="en-US" sz="2100" b="0" i="0" u="none" strike="noStrike" cap="none" dirty="0" err="1">

--- a/presentazione/presentazione.pptx
+++ b/presentazione/presentazione.pptx
@@ -5,7 +5,7 @@
     <p:sldMasterId id="2147483653" r:id="rId1"/>
   </p:sldMasterIdLst>
   <p:notesMasterIdLst>
-    <p:notesMasterId r:id="rId36"/>
+    <p:notesMasterId r:id="rId33"/>
   </p:notesMasterIdLst>
   <p:sldIdLst>
     <p:sldId id="256" r:id="rId2"/>
@@ -19,44 +19,41 @@
     <p:sldId id="297" r:id="rId10"/>
     <p:sldId id="298" r:id="rId11"/>
     <p:sldId id="299" r:id="rId12"/>
-    <p:sldId id="279" r:id="rId13"/>
-    <p:sldId id="300" r:id="rId14"/>
-    <p:sldId id="301" r:id="rId15"/>
-    <p:sldId id="303" r:id="rId16"/>
-    <p:sldId id="311" r:id="rId17"/>
-    <p:sldId id="312" r:id="rId18"/>
-    <p:sldId id="313" r:id="rId19"/>
-    <p:sldId id="314" r:id="rId20"/>
-    <p:sldId id="285" r:id="rId21"/>
-    <p:sldId id="286" r:id="rId22"/>
-    <p:sldId id="304" r:id="rId23"/>
-    <p:sldId id="305" r:id="rId24"/>
-    <p:sldId id="290" r:id="rId25"/>
-    <p:sldId id="306" r:id="rId26"/>
-    <p:sldId id="307" r:id="rId27"/>
-    <p:sldId id="288" r:id="rId28"/>
-    <p:sldId id="315" r:id="rId29"/>
-    <p:sldId id="316" r:id="rId30"/>
-    <p:sldId id="317" r:id="rId31"/>
-    <p:sldId id="319" r:id="rId32"/>
-    <p:sldId id="320" r:id="rId33"/>
-    <p:sldId id="321" r:id="rId34"/>
-    <p:sldId id="291" r:id="rId35"/>
+    <p:sldId id="303" r:id="rId13"/>
+    <p:sldId id="311" r:id="rId14"/>
+    <p:sldId id="312" r:id="rId15"/>
+    <p:sldId id="313" r:id="rId16"/>
+    <p:sldId id="314" r:id="rId17"/>
+    <p:sldId id="285" r:id="rId18"/>
+    <p:sldId id="305" r:id="rId19"/>
+    <p:sldId id="322" r:id="rId20"/>
+    <p:sldId id="323" r:id="rId21"/>
+    <p:sldId id="307" r:id="rId22"/>
+    <p:sldId id="324" r:id="rId23"/>
+    <p:sldId id="325" r:id="rId24"/>
+    <p:sldId id="288" r:id="rId25"/>
+    <p:sldId id="315" r:id="rId26"/>
+    <p:sldId id="316" r:id="rId27"/>
+    <p:sldId id="317" r:id="rId28"/>
+    <p:sldId id="319" r:id="rId29"/>
+    <p:sldId id="320" r:id="rId30"/>
+    <p:sldId id="321" r:id="rId31"/>
+    <p:sldId id="291" r:id="rId32"/>
   </p:sldIdLst>
   <p:sldSz cx="18288000" cy="10287000"/>
   <p:notesSz cx="6858000" cy="9144000"/>
   <p:embeddedFontLst>
     <p:embeddedFont>
       <p:font typeface="DM Sans" pitchFamily="2" charset="77"/>
-      <p:regular r:id="rId37"/>
-      <p:bold r:id="rId38"/>
-      <p:italic r:id="rId39"/>
-      <p:boldItalic r:id="rId40"/>
+      <p:regular r:id="rId34"/>
+      <p:bold r:id="rId35"/>
+      <p:italic r:id="rId36"/>
+      <p:boldItalic r:id="rId37"/>
     </p:embeddedFont>
     <p:embeddedFont>
       <p:font typeface="DM Serif Display" pitchFamily="2" charset="0"/>
-      <p:regular r:id="rId41"/>
-      <p:italic r:id="rId42"/>
+      <p:regular r:id="rId38"/>
+      <p:italic r:id="rId39"/>
     </p:embeddedFont>
   </p:embeddedFontLst>
   <p:defaultTextStyle>
@@ -9767,1397 +9764,6 @@
                 <a:cs typeface="DM Serif Display"/>
                 <a:sym typeface="DM Serif Display"/>
               </a:rPr>
-              <a:t>Definizione</a:t>
-            </a:r>
-            <a:r>
-              <a:rPr lang="en-US" sz="2500" b="0" i="0" u="none" strike="noStrike" cap="none" dirty="0">
-                <a:solidFill>
-                  <a:srgbClr val="FFFFFF"/>
-                </a:solidFill>
-                <a:latin typeface="DM Serif Display"/>
-                <a:ea typeface="DM Serif Display"/>
-                <a:cs typeface="DM Serif Display"/>
-                <a:sym typeface="DM Serif Display"/>
-              </a:rPr>
-              <a:t> di Serverless Computing</a:t>
-            </a:r>
-            <a:endParaRPr sz="2500" dirty="0"/>
-          </a:p>
-        </p:txBody>
-      </p:sp>
-      <p:sp>
-        <p:nvSpPr>
-          <p:cNvPr id="19" name="Google Shape;72;p12">
-            <a:extLst>
-              <a:ext uri="{FF2B5EF4-FFF2-40B4-BE49-F238E27FC236}">
-                <a16:creationId xmlns:a16="http://schemas.microsoft.com/office/drawing/2014/main" id="{A76B0EE9-B9B7-5459-54B5-C6A2EC5F7254}"/>
-              </a:ext>
-            </a:extLst>
-          </p:cNvPr>
-          <p:cNvSpPr txBox="1"/>
-          <p:nvPr/>
-        </p:nvSpPr>
-        <p:spPr>
-          <a:xfrm>
-            <a:off x="2228098" y="2794612"/>
-            <a:ext cx="13831804" cy="700192"/>
-          </a:xfrm>
-          <a:prstGeom prst="rect">
-            <a:avLst/>
-          </a:prstGeom>
-          <a:noFill/>
-          <a:ln>
-            <a:noFill/>
-          </a:ln>
-        </p:spPr>
-        <p:txBody>
-          <a:bodyPr spcFirstLastPara="1" wrap="square" lIns="0" tIns="0" rIns="0" bIns="0" anchor="t" anchorCtr="0">
-            <a:spAutoFit/>
-          </a:bodyPr>
-          <a:lstStyle/>
-          <a:p>
-            <a:pPr marL="0" marR="0" lvl="0" indent="0" algn="ctr" rtl="0">
-              <a:lnSpc>
-                <a:spcPct val="70000"/>
-              </a:lnSpc>
-              <a:spcBef>
-                <a:spcPts val="0"/>
-              </a:spcBef>
-              <a:spcAft>
-                <a:spcPts val="0"/>
-              </a:spcAft>
-              <a:buNone/>
-            </a:pPr>
-            <a:r>
-              <a:rPr lang="en-US" sz="6500" b="1" dirty="0">
-                <a:solidFill>
-                  <a:srgbClr val="FFFFFF"/>
-                </a:solidFill>
-                <a:latin typeface="DM Serif Display"/>
-                <a:ea typeface="DM Serif Display"/>
-                <a:cs typeface="DM Serif Display"/>
-                <a:sym typeface="DM Serif Display"/>
-              </a:rPr>
-              <a:t>Serverless Computing = </a:t>
-            </a:r>
-            <a:r>
-              <a:rPr lang="en-US" sz="6500" b="1" dirty="0" err="1">
-                <a:solidFill>
-                  <a:srgbClr val="FFFFFF"/>
-                </a:solidFill>
-                <a:latin typeface="DM Serif Display"/>
-                <a:ea typeface="DM Serif Display"/>
-                <a:cs typeface="DM Serif Display"/>
-                <a:sym typeface="DM Serif Display"/>
-              </a:rPr>
-              <a:t>FaaS</a:t>
-            </a:r>
-            <a:r>
-              <a:rPr lang="en-US" sz="6500" b="1" dirty="0">
-                <a:solidFill>
-                  <a:srgbClr val="FFFFFF"/>
-                </a:solidFill>
-                <a:latin typeface="DM Serif Display"/>
-                <a:ea typeface="DM Serif Display"/>
-                <a:cs typeface="DM Serif Display"/>
-                <a:sym typeface="DM Serif Display"/>
-              </a:rPr>
-              <a:t> + BaaS</a:t>
-            </a:r>
-            <a:endParaRPr lang="en-US" sz="6500" b="1" i="0" u="none" strike="noStrike" cap="none" dirty="0">
-              <a:solidFill>
-                <a:srgbClr val="FFFFFF"/>
-              </a:solidFill>
-              <a:latin typeface="DM Serif Display"/>
-              <a:ea typeface="DM Serif Display"/>
-              <a:cs typeface="DM Serif Display"/>
-              <a:sym typeface="DM Serif Display"/>
-            </a:endParaRPr>
-          </a:p>
-        </p:txBody>
-      </p:sp>
-      <p:cxnSp>
-        <p:nvCxnSpPr>
-          <p:cNvPr id="2" name="Connettore 1 1">
-            <a:extLst>
-              <a:ext uri="{FF2B5EF4-FFF2-40B4-BE49-F238E27FC236}">
-                <a16:creationId xmlns:a16="http://schemas.microsoft.com/office/drawing/2014/main" id="{D92C33CD-99B8-5546-3497-FFA70F7843BB}"/>
-              </a:ext>
-            </a:extLst>
-          </p:cNvPr>
-          <p:cNvCxnSpPr>
-            <a:cxnSpLocks/>
-          </p:cNvCxnSpPr>
-          <p:nvPr/>
-        </p:nvCxnSpPr>
-        <p:spPr>
-          <a:xfrm>
-            <a:off x="1028700" y="850900"/>
-            <a:ext cx="5092700" cy="0"/>
-          </a:xfrm>
-          <a:prstGeom prst="line">
-            <a:avLst/>
-          </a:prstGeom>
-          <a:ln>
-            <a:solidFill>
-              <a:schemeClr val="bg1"/>
-            </a:solidFill>
-          </a:ln>
-        </p:spPr>
-        <p:style>
-          <a:lnRef idx="3">
-            <a:schemeClr val="dk1"/>
-          </a:lnRef>
-          <a:fillRef idx="0">
-            <a:schemeClr val="dk1"/>
-          </a:fillRef>
-          <a:effectRef idx="2">
-            <a:schemeClr val="dk1"/>
-          </a:effectRef>
-          <a:fontRef idx="minor">
-            <a:schemeClr val="tx1"/>
-          </a:fontRef>
-        </p:style>
-      </p:cxnSp>
-    </p:spTree>
-    <p:extLst>
-      <p:ext uri="{BB962C8B-B14F-4D97-AF65-F5344CB8AC3E}">
-        <p14:creationId xmlns:p14="http://schemas.microsoft.com/office/powerpoint/2010/main" val="2144404382"/>
-      </p:ext>
-    </p:extLst>
-  </p:cSld>
-  <p:clrMapOvr>
-    <a:masterClrMapping/>
-  </p:clrMapOvr>
-</p:sld>
-</file>
-
-<file path=ppt/slides/slide13.xml><?xml version="1.0" encoding="utf-8"?>
-<p:sld xmlns:a="http://schemas.openxmlformats.org/drawingml/2006/main" xmlns:r="http://schemas.openxmlformats.org/officeDocument/2006/relationships" xmlns:p="http://schemas.openxmlformats.org/presentationml/2006/main">
-  <p:cSld>
-    <p:spTree>
-      <p:nvGrpSpPr>
-        <p:cNvPr id="1" name=""/>
-        <p:cNvGrpSpPr/>
-        <p:nvPr/>
-      </p:nvGrpSpPr>
-      <p:grpSpPr>
-        <a:xfrm>
-          <a:off x="0" y="0"/>
-          <a:ext cx="0" cy="0"/>
-          <a:chOff x="0" y="0"/>
-          <a:chExt cx="0" cy="0"/>
-        </a:xfrm>
-      </p:grpSpPr>
-      <p:sp>
-        <p:nvSpPr>
-          <p:cNvPr id="8" name="Google Shape;56;p10">
-            <a:extLst>
-              <a:ext uri="{FF2B5EF4-FFF2-40B4-BE49-F238E27FC236}">
-                <a16:creationId xmlns:a16="http://schemas.microsoft.com/office/drawing/2014/main" id="{0E534E2B-B9B0-016A-73CF-EE8D0D011C0F}"/>
-              </a:ext>
-            </a:extLst>
-          </p:cNvPr>
-          <p:cNvSpPr txBox="1"/>
-          <p:nvPr/>
-        </p:nvSpPr>
-        <p:spPr>
-          <a:xfrm>
-            <a:off x="1028700" y="434774"/>
-            <a:ext cx="5728091" cy="307777"/>
-          </a:xfrm>
-          <a:prstGeom prst="rect">
-            <a:avLst/>
-          </a:prstGeom>
-          <a:noFill/>
-          <a:ln>
-            <a:noFill/>
-          </a:ln>
-        </p:spPr>
-        <p:txBody>
-          <a:bodyPr spcFirstLastPara="1" wrap="square" lIns="0" tIns="0" rIns="0" bIns="0" anchor="t" anchorCtr="0">
-            <a:spAutoFit/>
-          </a:bodyPr>
-          <a:lstStyle/>
-          <a:p>
-            <a:pPr marL="0" marR="0" lvl="0" indent="0" algn="l" rtl="0">
-              <a:lnSpc>
-                <a:spcPct val="80000"/>
-              </a:lnSpc>
-              <a:spcBef>
-                <a:spcPts val="0"/>
-              </a:spcBef>
-              <a:spcAft>
-                <a:spcPts val="0"/>
-              </a:spcAft>
-              <a:buNone/>
-            </a:pPr>
-            <a:r>
-              <a:rPr lang="en-US" sz="2500" b="0" i="0" u="none" strike="noStrike" cap="none" dirty="0" err="1">
-                <a:solidFill>
-                  <a:srgbClr val="FFFFFF"/>
-                </a:solidFill>
-                <a:latin typeface="DM Serif Display"/>
-                <a:ea typeface="DM Serif Display"/>
-                <a:cs typeface="DM Serif Display"/>
-                <a:sym typeface="DM Serif Display"/>
-              </a:rPr>
-              <a:t>Definizione</a:t>
-            </a:r>
-            <a:r>
-              <a:rPr lang="en-US" sz="2500" b="0" i="0" u="none" strike="noStrike" cap="none" dirty="0">
-                <a:solidFill>
-                  <a:srgbClr val="FFFFFF"/>
-                </a:solidFill>
-                <a:latin typeface="DM Serif Display"/>
-                <a:ea typeface="DM Serif Display"/>
-                <a:cs typeface="DM Serif Display"/>
-                <a:sym typeface="DM Serif Display"/>
-              </a:rPr>
-              <a:t> di Serverless Computing</a:t>
-            </a:r>
-            <a:endParaRPr sz="2500" dirty="0"/>
-          </a:p>
-        </p:txBody>
-      </p:sp>
-      <p:sp>
-        <p:nvSpPr>
-          <p:cNvPr id="19" name="Google Shape;72;p12">
-            <a:extLst>
-              <a:ext uri="{FF2B5EF4-FFF2-40B4-BE49-F238E27FC236}">
-                <a16:creationId xmlns:a16="http://schemas.microsoft.com/office/drawing/2014/main" id="{A76B0EE9-B9B7-5459-54B5-C6A2EC5F7254}"/>
-              </a:ext>
-            </a:extLst>
-          </p:cNvPr>
-          <p:cNvSpPr txBox="1"/>
-          <p:nvPr/>
-        </p:nvSpPr>
-        <p:spPr>
-          <a:xfrm>
-            <a:off x="2228098" y="2794612"/>
-            <a:ext cx="13831804" cy="700192"/>
-          </a:xfrm>
-          <a:prstGeom prst="rect">
-            <a:avLst/>
-          </a:prstGeom>
-          <a:noFill/>
-          <a:ln>
-            <a:noFill/>
-          </a:ln>
-        </p:spPr>
-        <p:txBody>
-          <a:bodyPr spcFirstLastPara="1" wrap="square" lIns="0" tIns="0" rIns="0" bIns="0" anchor="t" anchorCtr="0">
-            <a:spAutoFit/>
-          </a:bodyPr>
-          <a:lstStyle/>
-          <a:p>
-            <a:pPr marL="0" marR="0" lvl="0" indent="0" algn="ctr" rtl="0">
-              <a:lnSpc>
-                <a:spcPct val="70000"/>
-              </a:lnSpc>
-              <a:spcBef>
-                <a:spcPts val="0"/>
-              </a:spcBef>
-              <a:spcAft>
-                <a:spcPts val="0"/>
-              </a:spcAft>
-              <a:buNone/>
-            </a:pPr>
-            <a:r>
-              <a:rPr lang="en-US" sz="6500" b="1" dirty="0">
-                <a:solidFill>
-                  <a:srgbClr val="FFFFFF"/>
-                </a:solidFill>
-                <a:latin typeface="DM Serif Display"/>
-                <a:ea typeface="DM Serif Display"/>
-                <a:cs typeface="DM Serif Display"/>
-                <a:sym typeface="DM Serif Display"/>
-              </a:rPr>
-              <a:t>Serverless Computing = </a:t>
-            </a:r>
-            <a:r>
-              <a:rPr lang="en-US" sz="6500" b="1" dirty="0" err="1">
-                <a:solidFill>
-                  <a:srgbClr val="FFFFFF"/>
-                </a:solidFill>
-                <a:latin typeface="DM Serif Display"/>
-                <a:ea typeface="DM Serif Display"/>
-                <a:cs typeface="DM Serif Display"/>
-                <a:sym typeface="DM Serif Display"/>
-              </a:rPr>
-              <a:t>FaaS</a:t>
-            </a:r>
-            <a:r>
-              <a:rPr lang="en-US" sz="6500" b="1" dirty="0">
-                <a:solidFill>
-                  <a:srgbClr val="FFFFFF"/>
-                </a:solidFill>
-                <a:latin typeface="DM Serif Display"/>
-                <a:ea typeface="DM Serif Display"/>
-                <a:cs typeface="DM Serif Display"/>
-                <a:sym typeface="DM Serif Display"/>
-              </a:rPr>
-              <a:t> + BaaS</a:t>
-            </a:r>
-            <a:endParaRPr lang="en-US" sz="6500" b="1" i="0" u="none" strike="noStrike" cap="none" dirty="0">
-              <a:solidFill>
-                <a:srgbClr val="FFFFFF"/>
-              </a:solidFill>
-              <a:latin typeface="DM Serif Display"/>
-              <a:ea typeface="DM Serif Display"/>
-              <a:cs typeface="DM Serif Display"/>
-              <a:sym typeface="DM Serif Display"/>
-            </a:endParaRPr>
-          </a:p>
-        </p:txBody>
-      </p:sp>
-      <p:sp>
-        <p:nvSpPr>
-          <p:cNvPr id="21" name="Google Shape;76;p12">
-            <a:extLst>
-              <a:ext uri="{FF2B5EF4-FFF2-40B4-BE49-F238E27FC236}">
-                <a16:creationId xmlns:a16="http://schemas.microsoft.com/office/drawing/2014/main" id="{CC43A8B1-30F3-C5A8-6D2E-D3579AC8FA4E}"/>
-              </a:ext>
-            </a:extLst>
-          </p:cNvPr>
-          <p:cNvSpPr txBox="1"/>
-          <p:nvPr/>
-        </p:nvSpPr>
-        <p:spPr>
-          <a:xfrm>
-            <a:off x="2388518" y="5090936"/>
-            <a:ext cx="5028810" cy="1077218"/>
-          </a:xfrm>
-          <a:prstGeom prst="rect">
-            <a:avLst/>
-          </a:prstGeom>
-          <a:noFill/>
-          <a:ln>
-            <a:noFill/>
-          </a:ln>
-        </p:spPr>
-        <p:txBody>
-          <a:bodyPr spcFirstLastPara="1" wrap="square" lIns="0" tIns="0" rIns="0" bIns="0" anchor="t" anchorCtr="0">
-            <a:spAutoFit/>
-          </a:bodyPr>
-          <a:lstStyle/>
-          <a:p>
-            <a:pPr marL="0" marR="0" lvl="0" indent="0" algn="l" rtl="0">
-              <a:lnSpc>
-                <a:spcPct val="70000"/>
-              </a:lnSpc>
-              <a:spcBef>
-                <a:spcPts val="0"/>
-              </a:spcBef>
-              <a:spcAft>
-                <a:spcPts val="0"/>
-              </a:spcAft>
-              <a:buNone/>
-            </a:pPr>
-            <a:r>
-              <a:rPr lang="en-US" sz="5000" b="1" i="0" u="none" strike="noStrike" cap="none" dirty="0">
-                <a:solidFill>
-                  <a:srgbClr val="FFFFFF"/>
-                </a:solidFill>
-                <a:latin typeface="DM Serif Display"/>
-                <a:ea typeface="DM Serif Display"/>
-                <a:cs typeface="DM Serif Display"/>
-                <a:sym typeface="DM Serif Display"/>
-              </a:rPr>
-              <a:t>Function-as-a-Service</a:t>
-            </a:r>
-            <a:endParaRPr sz="5000" b="1" dirty="0"/>
-          </a:p>
-        </p:txBody>
-      </p:sp>
-      <p:sp>
-        <p:nvSpPr>
-          <p:cNvPr id="22" name="Google Shape;77;p12">
-            <a:extLst>
-              <a:ext uri="{FF2B5EF4-FFF2-40B4-BE49-F238E27FC236}">
-                <a16:creationId xmlns:a16="http://schemas.microsoft.com/office/drawing/2014/main" id="{12A0D881-1B10-D744-603E-7732CDCCAC1B}"/>
-              </a:ext>
-            </a:extLst>
-          </p:cNvPr>
-          <p:cNvSpPr txBox="1"/>
-          <p:nvPr/>
-        </p:nvSpPr>
-        <p:spPr>
-          <a:xfrm>
-            <a:off x="2388518" y="6607512"/>
-            <a:ext cx="4826400" cy="969496"/>
-          </a:xfrm>
-          <a:prstGeom prst="rect">
-            <a:avLst/>
-          </a:prstGeom>
-          <a:noFill/>
-          <a:ln>
-            <a:noFill/>
-          </a:ln>
-        </p:spPr>
-        <p:txBody>
-          <a:bodyPr spcFirstLastPara="1" wrap="square" lIns="0" tIns="0" rIns="0" bIns="0" anchor="t" anchorCtr="0">
-            <a:spAutoFit/>
-          </a:bodyPr>
-          <a:lstStyle/>
-          <a:p>
-            <a:pPr marL="0" marR="0" lvl="0" indent="0" algn="l" rtl="0">
-              <a:lnSpc>
-                <a:spcPct val="100000"/>
-              </a:lnSpc>
-              <a:spcBef>
-                <a:spcPts val="0"/>
-              </a:spcBef>
-              <a:spcAft>
-                <a:spcPts val="0"/>
-              </a:spcAft>
-              <a:buNone/>
-            </a:pPr>
-            <a:r>
-              <a:rPr lang="it-IT" sz="2100" b="0" i="0" u="none" strike="noStrike" cap="none" dirty="0">
-                <a:solidFill>
-                  <a:srgbClr val="FFFFFF"/>
-                </a:solidFill>
-                <a:latin typeface="DM Sans"/>
-                <a:ea typeface="DM Sans"/>
-                <a:cs typeface="DM Sans"/>
-                <a:sym typeface="DM Sans"/>
-              </a:rPr>
-              <a:t>Un’applicazione viene scomposta in funzioni o microservizi a livello di funzione.</a:t>
-            </a:r>
-            <a:endParaRPr dirty="0"/>
-          </a:p>
-        </p:txBody>
-      </p:sp>
-      <p:cxnSp>
-        <p:nvCxnSpPr>
-          <p:cNvPr id="2" name="Connettore 1 1">
-            <a:extLst>
-              <a:ext uri="{FF2B5EF4-FFF2-40B4-BE49-F238E27FC236}">
-                <a16:creationId xmlns:a16="http://schemas.microsoft.com/office/drawing/2014/main" id="{D92C33CD-99B8-5546-3497-FFA70F7843BB}"/>
-              </a:ext>
-            </a:extLst>
-          </p:cNvPr>
-          <p:cNvCxnSpPr>
-            <a:cxnSpLocks/>
-          </p:cNvCxnSpPr>
-          <p:nvPr/>
-        </p:nvCxnSpPr>
-        <p:spPr>
-          <a:xfrm>
-            <a:off x="1028700" y="850900"/>
-            <a:ext cx="5092700" cy="0"/>
-          </a:xfrm>
-          <a:prstGeom prst="line">
-            <a:avLst/>
-          </a:prstGeom>
-          <a:ln>
-            <a:solidFill>
-              <a:schemeClr val="bg1"/>
-            </a:solidFill>
-          </a:ln>
-        </p:spPr>
-        <p:style>
-          <a:lnRef idx="3">
-            <a:schemeClr val="dk1"/>
-          </a:lnRef>
-          <a:fillRef idx="0">
-            <a:schemeClr val="dk1"/>
-          </a:fillRef>
-          <a:effectRef idx="2">
-            <a:schemeClr val="dk1"/>
-          </a:effectRef>
-          <a:fontRef idx="minor">
-            <a:schemeClr val="tx1"/>
-          </a:fontRef>
-        </p:style>
-      </p:cxnSp>
-    </p:spTree>
-    <p:extLst>
-      <p:ext uri="{BB962C8B-B14F-4D97-AF65-F5344CB8AC3E}">
-        <p14:creationId xmlns:p14="http://schemas.microsoft.com/office/powerpoint/2010/main" val="1641249590"/>
-      </p:ext>
-    </p:extLst>
-  </p:cSld>
-  <p:clrMapOvr>
-    <a:masterClrMapping/>
-  </p:clrMapOvr>
-</p:sld>
-</file>
-
-<file path=ppt/slides/slide14.xml><?xml version="1.0" encoding="utf-8"?>
-<p:sld xmlns:a="http://schemas.openxmlformats.org/drawingml/2006/main" xmlns:r="http://schemas.openxmlformats.org/officeDocument/2006/relationships" xmlns:p="http://schemas.openxmlformats.org/presentationml/2006/main">
-  <p:cSld>
-    <p:spTree>
-      <p:nvGrpSpPr>
-        <p:cNvPr id="1" name=""/>
-        <p:cNvGrpSpPr/>
-        <p:nvPr/>
-      </p:nvGrpSpPr>
-      <p:grpSpPr>
-        <a:xfrm>
-          <a:off x="0" y="0"/>
-          <a:ext cx="0" cy="0"/>
-          <a:chOff x="0" y="0"/>
-          <a:chExt cx="0" cy="0"/>
-        </a:xfrm>
-      </p:grpSpPr>
-      <p:sp>
-        <p:nvSpPr>
-          <p:cNvPr id="8" name="Google Shape;56;p10">
-            <a:extLst>
-              <a:ext uri="{FF2B5EF4-FFF2-40B4-BE49-F238E27FC236}">
-                <a16:creationId xmlns:a16="http://schemas.microsoft.com/office/drawing/2014/main" id="{0E534E2B-B9B0-016A-73CF-EE8D0D011C0F}"/>
-              </a:ext>
-            </a:extLst>
-          </p:cNvPr>
-          <p:cNvSpPr txBox="1"/>
-          <p:nvPr/>
-        </p:nvSpPr>
-        <p:spPr>
-          <a:xfrm>
-            <a:off x="1028700" y="434774"/>
-            <a:ext cx="5728091" cy="307777"/>
-          </a:xfrm>
-          <a:prstGeom prst="rect">
-            <a:avLst/>
-          </a:prstGeom>
-          <a:noFill/>
-          <a:ln>
-            <a:noFill/>
-          </a:ln>
-        </p:spPr>
-        <p:txBody>
-          <a:bodyPr spcFirstLastPara="1" wrap="square" lIns="0" tIns="0" rIns="0" bIns="0" anchor="t" anchorCtr="0">
-            <a:spAutoFit/>
-          </a:bodyPr>
-          <a:lstStyle/>
-          <a:p>
-            <a:pPr marL="0" marR="0" lvl="0" indent="0" algn="l" rtl="0">
-              <a:lnSpc>
-                <a:spcPct val="80000"/>
-              </a:lnSpc>
-              <a:spcBef>
-                <a:spcPts val="0"/>
-              </a:spcBef>
-              <a:spcAft>
-                <a:spcPts val="0"/>
-              </a:spcAft>
-              <a:buNone/>
-            </a:pPr>
-            <a:r>
-              <a:rPr lang="en-US" sz="2500" b="0" i="0" u="none" strike="noStrike" cap="none" dirty="0" err="1">
-                <a:solidFill>
-                  <a:srgbClr val="FFFFFF"/>
-                </a:solidFill>
-                <a:latin typeface="DM Serif Display"/>
-                <a:ea typeface="DM Serif Display"/>
-                <a:cs typeface="DM Serif Display"/>
-                <a:sym typeface="DM Serif Display"/>
-              </a:rPr>
-              <a:t>Definizione</a:t>
-            </a:r>
-            <a:r>
-              <a:rPr lang="en-US" sz="2500" b="0" i="0" u="none" strike="noStrike" cap="none" dirty="0">
-                <a:solidFill>
-                  <a:srgbClr val="FFFFFF"/>
-                </a:solidFill>
-                <a:latin typeface="DM Serif Display"/>
-                <a:ea typeface="DM Serif Display"/>
-                <a:cs typeface="DM Serif Display"/>
-                <a:sym typeface="DM Serif Display"/>
-              </a:rPr>
-              <a:t> di Serverless Computing</a:t>
-            </a:r>
-            <a:endParaRPr sz="2500" dirty="0"/>
-          </a:p>
-        </p:txBody>
-      </p:sp>
-      <p:sp>
-        <p:nvSpPr>
-          <p:cNvPr id="19" name="Google Shape;72;p12">
-            <a:extLst>
-              <a:ext uri="{FF2B5EF4-FFF2-40B4-BE49-F238E27FC236}">
-                <a16:creationId xmlns:a16="http://schemas.microsoft.com/office/drawing/2014/main" id="{A76B0EE9-B9B7-5459-54B5-C6A2EC5F7254}"/>
-              </a:ext>
-            </a:extLst>
-          </p:cNvPr>
-          <p:cNvSpPr txBox="1"/>
-          <p:nvPr/>
-        </p:nvSpPr>
-        <p:spPr>
-          <a:xfrm>
-            <a:off x="2228098" y="2794612"/>
-            <a:ext cx="13831804" cy="700192"/>
-          </a:xfrm>
-          <a:prstGeom prst="rect">
-            <a:avLst/>
-          </a:prstGeom>
-          <a:noFill/>
-          <a:ln>
-            <a:noFill/>
-          </a:ln>
-        </p:spPr>
-        <p:txBody>
-          <a:bodyPr spcFirstLastPara="1" wrap="square" lIns="0" tIns="0" rIns="0" bIns="0" anchor="t" anchorCtr="0">
-            <a:spAutoFit/>
-          </a:bodyPr>
-          <a:lstStyle/>
-          <a:p>
-            <a:pPr marL="0" marR="0" lvl="0" indent="0" algn="ctr" rtl="0">
-              <a:lnSpc>
-                <a:spcPct val="70000"/>
-              </a:lnSpc>
-              <a:spcBef>
-                <a:spcPts val="0"/>
-              </a:spcBef>
-              <a:spcAft>
-                <a:spcPts val="0"/>
-              </a:spcAft>
-              <a:buNone/>
-            </a:pPr>
-            <a:r>
-              <a:rPr lang="en-US" sz="6500" b="1" dirty="0">
-                <a:solidFill>
-                  <a:srgbClr val="FFFFFF"/>
-                </a:solidFill>
-                <a:latin typeface="DM Serif Display"/>
-                <a:ea typeface="DM Serif Display"/>
-                <a:cs typeface="DM Serif Display"/>
-                <a:sym typeface="DM Serif Display"/>
-              </a:rPr>
-              <a:t>Serverless Computing = </a:t>
-            </a:r>
-            <a:r>
-              <a:rPr lang="en-US" sz="6500" b="1" dirty="0" err="1">
-                <a:solidFill>
-                  <a:srgbClr val="FFFFFF"/>
-                </a:solidFill>
-                <a:latin typeface="DM Serif Display"/>
-                <a:ea typeface="DM Serif Display"/>
-                <a:cs typeface="DM Serif Display"/>
-                <a:sym typeface="DM Serif Display"/>
-              </a:rPr>
-              <a:t>FaaS</a:t>
-            </a:r>
-            <a:r>
-              <a:rPr lang="en-US" sz="6500" b="1" dirty="0">
-                <a:solidFill>
-                  <a:srgbClr val="FFFFFF"/>
-                </a:solidFill>
-                <a:latin typeface="DM Serif Display"/>
-                <a:ea typeface="DM Serif Display"/>
-                <a:cs typeface="DM Serif Display"/>
-                <a:sym typeface="DM Serif Display"/>
-              </a:rPr>
-              <a:t> + BaaS</a:t>
-            </a:r>
-            <a:endParaRPr lang="en-US" sz="6500" b="1" i="0" u="none" strike="noStrike" cap="none" dirty="0">
-              <a:solidFill>
-                <a:srgbClr val="FFFFFF"/>
-              </a:solidFill>
-              <a:latin typeface="DM Serif Display"/>
-              <a:ea typeface="DM Serif Display"/>
-              <a:cs typeface="DM Serif Display"/>
-              <a:sym typeface="DM Serif Display"/>
-            </a:endParaRPr>
-          </a:p>
-        </p:txBody>
-      </p:sp>
-      <p:sp>
-        <p:nvSpPr>
-          <p:cNvPr id="21" name="Google Shape;76;p12">
-            <a:extLst>
-              <a:ext uri="{FF2B5EF4-FFF2-40B4-BE49-F238E27FC236}">
-                <a16:creationId xmlns:a16="http://schemas.microsoft.com/office/drawing/2014/main" id="{CC43A8B1-30F3-C5A8-6D2E-D3579AC8FA4E}"/>
-              </a:ext>
-            </a:extLst>
-          </p:cNvPr>
-          <p:cNvSpPr txBox="1"/>
-          <p:nvPr/>
-        </p:nvSpPr>
-        <p:spPr>
-          <a:xfrm>
-            <a:off x="2388518" y="5090936"/>
-            <a:ext cx="5028810" cy="1077218"/>
-          </a:xfrm>
-          <a:prstGeom prst="rect">
-            <a:avLst/>
-          </a:prstGeom>
-          <a:noFill/>
-          <a:ln>
-            <a:noFill/>
-          </a:ln>
-        </p:spPr>
-        <p:txBody>
-          <a:bodyPr spcFirstLastPara="1" wrap="square" lIns="0" tIns="0" rIns="0" bIns="0" anchor="t" anchorCtr="0">
-            <a:spAutoFit/>
-          </a:bodyPr>
-          <a:lstStyle/>
-          <a:p>
-            <a:pPr marL="0" marR="0" lvl="0" indent="0" algn="l" rtl="0">
-              <a:lnSpc>
-                <a:spcPct val="70000"/>
-              </a:lnSpc>
-              <a:spcBef>
-                <a:spcPts val="0"/>
-              </a:spcBef>
-              <a:spcAft>
-                <a:spcPts val="0"/>
-              </a:spcAft>
-              <a:buNone/>
-            </a:pPr>
-            <a:r>
-              <a:rPr lang="en-US" sz="5000" b="1" i="0" u="none" strike="noStrike" cap="none" dirty="0">
-                <a:solidFill>
-                  <a:srgbClr val="FFFFFF"/>
-                </a:solidFill>
-                <a:latin typeface="DM Serif Display"/>
-                <a:ea typeface="DM Serif Display"/>
-                <a:cs typeface="DM Serif Display"/>
-                <a:sym typeface="DM Serif Display"/>
-              </a:rPr>
-              <a:t>Function-as-a-Service</a:t>
-            </a:r>
-            <a:endParaRPr sz="5000" b="1" dirty="0"/>
-          </a:p>
-        </p:txBody>
-      </p:sp>
-      <p:sp>
-        <p:nvSpPr>
-          <p:cNvPr id="22" name="Google Shape;77;p12">
-            <a:extLst>
-              <a:ext uri="{FF2B5EF4-FFF2-40B4-BE49-F238E27FC236}">
-                <a16:creationId xmlns:a16="http://schemas.microsoft.com/office/drawing/2014/main" id="{12A0D881-1B10-D744-603E-7732CDCCAC1B}"/>
-              </a:ext>
-            </a:extLst>
-          </p:cNvPr>
-          <p:cNvSpPr txBox="1"/>
-          <p:nvPr/>
-        </p:nvSpPr>
-        <p:spPr>
-          <a:xfrm>
-            <a:off x="2388518" y="6607512"/>
-            <a:ext cx="4826400" cy="969496"/>
-          </a:xfrm>
-          <a:prstGeom prst="rect">
-            <a:avLst/>
-          </a:prstGeom>
-          <a:noFill/>
-          <a:ln>
-            <a:noFill/>
-          </a:ln>
-        </p:spPr>
-        <p:txBody>
-          <a:bodyPr spcFirstLastPara="1" wrap="square" lIns="0" tIns="0" rIns="0" bIns="0" anchor="t" anchorCtr="0">
-            <a:spAutoFit/>
-          </a:bodyPr>
-          <a:lstStyle/>
-          <a:p>
-            <a:pPr marL="0" marR="0" lvl="0" indent="0" algn="l" rtl="0">
-              <a:lnSpc>
-                <a:spcPct val="100000"/>
-              </a:lnSpc>
-              <a:spcBef>
-                <a:spcPts val="0"/>
-              </a:spcBef>
-              <a:spcAft>
-                <a:spcPts val="0"/>
-              </a:spcAft>
-              <a:buNone/>
-            </a:pPr>
-            <a:r>
-              <a:rPr lang="it-IT" sz="2100" b="0" i="0" u="none" strike="noStrike" cap="none" dirty="0">
-                <a:solidFill>
-                  <a:srgbClr val="FFFFFF"/>
-                </a:solidFill>
-                <a:latin typeface="DM Sans"/>
-                <a:ea typeface="DM Sans"/>
-                <a:cs typeface="DM Sans"/>
-                <a:sym typeface="DM Sans"/>
-              </a:rPr>
-              <a:t>Un’applicazione viene scomposta in funzioni o microservizi a livello di funzione.</a:t>
-            </a:r>
-            <a:endParaRPr dirty="0"/>
-          </a:p>
-        </p:txBody>
-      </p:sp>
-      <p:sp>
-        <p:nvSpPr>
-          <p:cNvPr id="23" name="Google Shape;78;p12">
-            <a:extLst>
-              <a:ext uri="{FF2B5EF4-FFF2-40B4-BE49-F238E27FC236}">
-                <a16:creationId xmlns:a16="http://schemas.microsoft.com/office/drawing/2014/main" id="{8A639B22-289C-1DB1-8037-FC17108FBEB2}"/>
-              </a:ext>
-            </a:extLst>
-          </p:cNvPr>
-          <p:cNvSpPr txBox="1"/>
-          <p:nvPr/>
-        </p:nvSpPr>
-        <p:spPr>
-          <a:xfrm>
-            <a:off x="11073084" y="5090936"/>
-            <a:ext cx="4826400" cy="1077218"/>
-          </a:xfrm>
-          <a:prstGeom prst="rect">
-            <a:avLst/>
-          </a:prstGeom>
-          <a:noFill/>
-          <a:ln>
-            <a:noFill/>
-          </a:ln>
-        </p:spPr>
-        <p:txBody>
-          <a:bodyPr spcFirstLastPara="1" wrap="square" lIns="0" tIns="0" rIns="0" bIns="0" anchor="t" anchorCtr="0">
-            <a:spAutoFit/>
-          </a:bodyPr>
-          <a:lstStyle/>
-          <a:p>
-            <a:pPr marL="0" marR="0" lvl="0" indent="0" algn="r" rtl="0">
-              <a:lnSpc>
-                <a:spcPct val="70000"/>
-              </a:lnSpc>
-              <a:spcBef>
-                <a:spcPts val="0"/>
-              </a:spcBef>
-              <a:spcAft>
-                <a:spcPts val="0"/>
-              </a:spcAft>
-              <a:buNone/>
-            </a:pPr>
-            <a:r>
-              <a:rPr lang="en-US" sz="5000" b="1" dirty="0">
-                <a:solidFill>
-                  <a:srgbClr val="FFFFFF"/>
-                </a:solidFill>
-                <a:latin typeface="DM Serif Display"/>
-                <a:ea typeface="DM Serif Display"/>
-                <a:cs typeface="DM Serif Display"/>
-                <a:sym typeface="DM Serif Display"/>
-              </a:rPr>
-              <a:t>Backend-as-a-Service</a:t>
-            </a:r>
-            <a:endParaRPr lang="en-US" sz="5000" b="1" i="0" u="none" strike="noStrike" cap="none" dirty="0">
-              <a:solidFill>
-                <a:srgbClr val="FFFFFF"/>
-              </a:solidFill>
-              <a:latin typeface="DM Serif Display"/>
-              <a:ea typeface="DM Serif Display"/>
-              <a:cs typeface="DM Serif Display"/>
-              <a:sym typeface="DM Serif Display"/>
-            </a:endParaRPr>
-          </a:p>
-        </p:txBody>
-      </p:sp>
-      <p:sp>
-        <p:nvSpPr>
-          <p:cNvPr id="24" name="Google Shape;79;p12">
-            <a:extLst>
-              <a:ext uri="{FF2B5EF4-FFF2-40B4-BE49-F238E27FC236}">
-                <a16:creationId xmlns:a16="http://schemas.microsoft.com/office/drawing/2014/main" id="{213D06DD-2982-033D-EAD3-D0CD756E0E20}"/>
-              </a:ext>
-            </a:extLst>
-          </p:cNvPr>
-          <p:cNvSpPr txBox="1"/>
-          <p:nvPr/>
-        </p:nvSpPr>
-        <p:spPr>
-          <a:xfrm>
-            <a:off x="11073084" y="6607512"/>
-            <a:ext cx="4826400" cy="1292662"/>
-          </a:xfrm>
-          <a:prstGeom prst="rect">
-            <a:avLst/>
-          </a:prstGeom>
-          <a:noFill/>
-          <a:ln>
-            <a:noFill/>
-          </a:ln>
-        </p:spPr>
-        <p:txBody>
-          <a:bodyPr spcFirstLastPara="1" wrap="square" lIns="0" tIns="0" rIns="0" bIns="0" anchor="t" anchorCtr="0">
-            <a:spAutoFit/>
-          </a:bodyPr>
-          <a:lstStyle/>
-          <a:p>
-            <a:pPr marL="0" marR="0" lvl="0" indent="0" algn="r" rtl="0">
-              <a:lnSpc>
-                <a:spcPct val="100000"/>
-              </a:lnSpc>
-              <a:spcBef>
-                <a:spcPts val="0"/>
-              </a:spcBef>
-              <a:spcAft>
-                <a:spcPts val="0"/>
-              </a:spcAft>
-              <a:buNone/>
-            </a:pPr>
-            <a:r>
-              <a:rPr lang="en-US" sz="2100" b="0" i="0" u="none" strike="noStrike" cap="none" dirty="0" err="1">
-                <a:solidFill>
-                  <a:srgbClr val="FFFFFF"/>
-                </a:solidFill>
-                <a:latin typeface="DM Sans"/>
-                <a:ea typeface="DM Sans"/>
-                <a:cs typeface="DM Sans"/>
-                <a:sym typeface="DM Sans"/>
-              </a:rPr>
-              <a:t>Insieme</a:t>
-            </a:r>
-            <a:r>
-              <a:rPr lang="en-US" sz="2100" b="0" i="0" u="none" strike="noStrike" cap="none" dirty="0">
-                <a:solidFill>
-                  <a:srgbClr val="FFFFFF"/>
-                </a:solidFill>
-                <a:latin typeface="DM Sans"/>
-                <a:ea typeface="DM Sans"/>
-                <a:cs typeface="DM Sans"/>
-                <a:sym typeface="DM Sans"/>
-              </a:rPr>
-              <a:t> di </a:t>
-            </a:r>
-            <a:r>
-              <a:rPr lang="en-US" sz="2100" b="0" i="0" u="none" strike="noStrike" cap="none" dirty="0" err="1">
-                <a:solidFill>
-                  <a:srgbClr val="FFFFFF"/>
-                </a:solidFill>
-                <a:latin typeface="DM Sans"/>
-                <a:ea typeface="DM Sans"/>
-                <a:cs typeface="DM Sans"/>
-                <a:sym typeface="DM Sans"/>
-              </a:rPr>
-              <a:t>servizi</a:t>
-            </a:r>
-            <a:r>
-              <a:rPr lang="en-US" sz="2100" b="0" i="0" u="none" strike="noStrike" cap="none" dirty="0">
-                <a:solidFill>
-                  <a:srgbClr val="FFFFFF"/>
-                </a:solidFill>
-                <a:latin typeface="DM Sans"/>
-                <a:ea typeface="DM Sans"/>
-                <a:cs typeface="DM Sans"/>
-                <a:sym typeface="DM Sans"/>
-              </a:rPr>
-              <a:t> </a:t>
-            </a:r>
-            <a:r>
-              <a:rPr lang="en-US" sz="2100" b="0" i="0" u="none" strike="noStrike" cap="none" dirty="0" err="1">
-                <a:solidFill>
-                  <a:srgbClr val="FFFFFF"/>
-                </a:solidFill>
-                <a:latin typeface="DM Sans"/>
-                <a:ea typeface="DM Sans"/>
-                <a:cs typeface="DM Sans"/>
-                <a:sym typeface="DM Sans"/>
-              </a:rPr>
-              <a:t>essenziali</a:t>
-            </a:r>
-            <a:r>
-              <a:rPr lang="en-US" sz="2100" b="0" i="0" u="none" strike="noStrike" cap="none" dirty="0">
-                <a:solidFill>
-                  <a:srgbClr val="FFFFFF"/>
-                </a:solidFill>
-                <a:latin typeface="DM Sans"/>
-                <a:ea typeface="DM Sans"/>
-                <a:cs typeface="DM Sans"/>
-                <a:sym typeface="DM Sans"/>
-              </a:rPr>
-              <a:t> </a:t>
-            </a:r>
-            <a:r>
-              <a:rPr lang="en-US" sz="2100" b="0" i="0" u="none" strike="noStrike" cap="none" dirty="0" err="1">
-                <a:solidFill>
-                  <a:srgbClr val="FFFFFF"/>
-                </a:solidFill>
-                <a:latin typeface="DM Sans"/>
-                <a:ea typeface="DM Sans"/>
-                <a:cs typeface="DM Sans"/>
-                <a:sym typeface="DM Sans"/>
-              </a:rPr>
-              <a:t>su</a:t>
-            </a:r>
-            <a:r>
-              <a:rPr lang="en-US" sz="2100" b="0" i="0" u="none" strike="noStrike" cap="none" dirty="0">
-                <a:solidFill>
-                  <a:srgbClr val="FFFFFF"/>
-                </a:solidFill>
-                <a:latin typeface="DM Sans"/>
-                <a:ea typeface="DM Sans"/>
-                <a:cs typeface="DM Sans"/>
-                <a:sym typeface="DM Sans"/>
-              </a:rPr>
-              <a:t> cui </a:t>
-            </a:r>
-            <a:r>
-              <a:rPr lang="en-US" sz="2100" b="0" i="0" u="none" strike="noStrike" cap="none" dirty="0" err="1">
-                <a:solidFill>
-                  <a:srgbClr val="FFFFFF"/>
-                </a:solidFill>
-                <a:latin typeface="DM Sans"/>
-                <a:ea typeface="DM Sans"/>
-                <a:cs typeface="DM Sans"/>
-                <a:sym typeface="DM Sans"/>
-              </a:rPr>
-              <a:t>si</a:t>
-            </a:r>
-            <a:r>
-              <a:rPr lang="en-US" sz="2100" b="0" i="0" u="none" strike="noStrike" cap="none" dirty="0">
-                <a:solidFill>
-                  <a:srgbClr val="FFFFFF"/>
-                </a:solidFill>
-                <a:latin typeface="DM Sans"/>
-                <a:ea typeface="DM Sans"/>
-                <a:cs typeface="DM Sans"/>
-                <a:sym typeface="DM Sans"/>
-              </a:rPr>
-              <a:t> </a:t>
-            </a:r>
-            <a:r>
-              <a:rPr lang="en-US" sz="2100" b="0" i="0" u="none" strike="noStrike" cap="none" dirty="0" err="1">
-                <a:solidFill>
-                  <a:srgbClr val="FFFFFF"/>
-                </a:solidFill>
-                <a:latin typeface="DM Sans"/>
-                <a:ea typeface="DM Sans"/>
-                <a:cs typeface="DM Sans"/>
-                <a:sym typeface="DM Sans"/>
-              </a:rPr>
-              <a:t>basano</a:t>
-            </a:r>
-            <a:r>
-              <a:rPr lang="en-US" sz="2100" b="0" i="0" u="none" strike="noStrike" cap="none" dirty="0">
-                <a:solidFill>
-                  <a:srgbClr val="FFFFFF"/>
-                </a:solidFill>
-                <a:latin typeface="DM Sans"/>
-                <a:ea typeface="DM Sans"/>
-                <a:cs typeface="DM Sans"/>
-                <a:sym typeface="DM Sans"/>
-              </a:rPr>
-              <a:t> le </a:t>
-            </a:r>
-            <a:r>
-              <a:rPr lang="en-US" sz="2100" b="0" i="0" u="none" strike="noStrike" cap="none" dirty="0" err="1">
-                <a:solidFill>
-                  <a:srgbClr val="FFFFFF"/>
-                </a:solidFill>
-                <a:latin typeface="DM Sans"/>
-                <a:ea typeface="DM Sans"/>
-                <a:cs typeface="DM Sans"/>
-                <a:sym typeface="DM Sans"/>
-              </a:rPr>
-              <a:t>applicazioni</a:t>
-            </a:r>
-            <a:r>
-              <a:rPr lang="en-US" sz="2100" b="0" i="0" u="none" strike="noStrike" cap="none" dirty="0">
-                <a:solidFill>
-                  <a:srgbClr val="FFFFFF"/>
-                </a:solidFill>
-                <a:latin typeface="DM Sans"/>
-                <a:ea typeface="DM Sans"/>
-                <a:cs typeface="DM Sans"/>
-                <a:sym typeface="DM Sans"/>
-              </a:rPr>
-              <a:t>. </a:t>
-            </a:r>
-            <a:r>
-              <a:rPr lang="en-US" sz="2100" b="0" i="0" u="none" strike="noStrike" cap="none" dirty="0" err="1">
-                <a:solidFill>
-                  <a:srgbClr val="FFFFFF"/>
-                </a:solidFill>
-                <a:latin typeface="DM Sans"/>
-                <a:ea typeface="DM Sans"/>
-                <a:cs typeface="DM Sans"/>
-                <a:sym typeface="DM Sans"/>
-              </a:rPr>
-              <a:t>Alcuni</a:t>
-            </a:r>
-            <a:r>
-              <a:rPr lang="en-US" sz="2100" b="0" i="0" u="none" strike="noStrike" cap="none" dirty="0">
-                <a:solidFill>
-                  <a:srgbClr val="FFFFFF"/>
-                </a:solidFill>
-                <a:latin typeface="DM Sans"/>
-                <a:ea typeface="DM Sans"/>
-                <a:cs typeface="DM Sans"/>
-                <a:sym typeface="DM Sans"/>
-              </a:rPr>
-              <a:t> </a:t>
-            </a:r>
-            <a:r>
-              <a:rPr lang="en-US" sz="2100" b="0" i="0" u="none" strike="noStrike" cap="none" dirty="0" err="1">
-                <a:solidFill>
-                  <a:srgbClr val="FFFFFF"/>
-                </a:solidFill>
-                <a:latin typeface="DM Sans"/>
-                <a:ea typeface="DM Sans"/>
-                <a:cs typeface="DM Sans"/>
-                <a:sym typeface="DM Sans"/>
-              </a:rPr>
-              <a:t>esempi</a:t>
-            </a:r>
-            <a:r>
-              <a:rPr lang="en-US" sz="2100" b="0" i="0" u="none" strike="noStrike" cap="none" dirty="0">
-                <a:solidFill>
-                  <a:srgbClr val="FFFFFF"/>
-                </a:solidFill>
-                <a:latin typeface="DM Sans"/>
-                <a:ea typeface="DM Sans"/>
-                <a:cs typeface="DM Sans"/>
-                <a:sym typeface="DM Sans"/>
-              </a:rPr>
-              <a:t> </a:t>
-            </a:r>
-            <a:r>
-              <a:rPr lang="en-US" sz="2100" b="0" i="0" u="none" strike="noStrike" cap="none" dirty="0" err="1">
-                <a:solidFill>
-                  <a:srgbClr val="FFFFFF"/>
-                </a:solidFill>
-                <a:latin typeface="DM Sans"/>
-                <a:ea typeface="DM Sans"/>
-                <a:cs typeface="DM Sans"/>
-                <a:sym typeface="DM Sans"/>
-              </a:rPr>
-              <a:t>includono</a:t>
-            </a:r>
-            <a:r>
-              <a:rPr lang="en-US" sz="2100" b="0" i="0" u="none" strike="noStrike" cap="none" dirty="0">
-                <a:solidFill>
-                  <a:srgbClr val="FFFFFF"/>
-                </a:solidFill>
-                <a:latin typeface="DM Sans"/>
-                <a:ea typeface="DM Sans"/>
-                <a:cs typeface="DM Sans"/>
-                <a:sym typeface="DM Sans"/>
-              </a:rPr>
-              <a:t> lo storage, </a:t>
-            </a:r>
-            <a:r>
-              <a:rPr lang="en-US" sz="2100" b="0" i="0" u="none" strike="noStrike" cap="none" dirty="0" err="1">
-                <a:solidFill>
-                  <a:srgbClr val="FFFFFF"/>
-                </a:solidFill>
-                <a:latin typeface="DM Sans"/>
-                <a:ea typeface="DM Sans"/>
-                <a:cs typeface="DM Sans"/>
-                <a:sym typeface="DM Sans"/>
-              </a:rPr>
-              <a:t>servizi</a:t>
-            </a:r>
-            <a:r>
-              <a:rPr lang="en-US" sz="2100" b="0" i="0" u="none" strike="noStrike" cap="none" dirty="0">
-                <a:solidFill>
-                  <a:srgbClr val="FFFFFF"/>
-                </a:solidFill>
-                <a:latin typeface="DM Sans"/>
-                <a:ea typeface="DM Sans"/>
-                <a:cs typeface="DM Sans"/>
-                <a:sym typeface="DM Sans"/>
-              </a:rPr>
-              <a:t> di </a:t>
-            </a:r>
-            <a:r>
-              <a:rPr lang="en-US" sz="2100" b="0" i="0" u="none" strike="noStrike" cap="none" dirty="0" err="1">
-                <a:solidFill>
-                  <a:srgbClr val="FFFFFF"/>
-                </a:solidFill>
-                <a:latin typeface="DM Sans"/>
-                <a:ea typeface="DM Sans"/>
-                <a:cs typeface="DM Sans"/>
-                <a:sym typeface="DM Sans"/>
-              </a:rPr>
-              <a:t>notifica</a:t>
-            </a:r>
-            <a:r>
-              <a:rPr lang="en-US" sz="2100" b="0" i="0" u="none" strike="noStrike" cap="none" dirty="0">
-                <a:solidFill>
-                  <a:srgbClr val="FFFFFF"/>
-                </a:solidFill>
-                <a:latin typeface="DM Sans"/>
-                <a:ea typeface="DM Sans"/>
-                <a:cs typeface="DM Sans"/>
-                <a:sym typeface="DM Sans"/>
-              </a:rPr>
-              <a:t> di </a:t>
-            </a:r>
-            <a:r>
-              <a:rPr lang="en-US" sz="2100" b="0" i="0" u="none" strike="noStrike" cap="none" dirty="0" err="1">
-                <a:solidFill>
-                  <a:srgbClr val="FFFFFF"/>
-                </a:solidFill>
-                <a:latin typeface="DM Sans"/>
-                <a:ea typeface="DM Sans"/>
-                <a:cs typeface="DM Sans"/>
-                <a:sym typeface="DM Sans"/>
-              </a:rPr>
-              <a:t>messaggi</a:t>
-            </a:r>
-            <a:r>
-              <a:rPr lang="en-US" sz="2100" b="0" i="0" u="none" strike="noStrike" cap="none" dirty="0">
-                <a:solidFill>
-                  <a:srgbClr val="FFFFFF"/>
-                </a:solidFill>
-                <a:latin typeface="DM Sans"/>
-                <a:ea typeface="DM Sans"/>
-                <a:cs typeface="DM Sans"/>
-                <a:sym typeface="DM Sans"/>
-              </a:rPr>
-              <a:t> e </a:t>
-            </a:r>
-            <a:r>
-              <a:rPr lang="en-US" sz="2100" b="0" i="0" u="none" strike="noStrike" cap="none" dirty="0" err="1">
-                <a:solidFill>
-                  <a:srgbClr val="FFFFFF"/>
-                </a:solidFill>
-                <a:latin typeface="DM Sans"/>
-                <a:ea typeface="DM Sans"/>
-                <a:cs typeface="DM Sans"/>
-                <a:sym typeface="DM Sans"/>
-              </a:rPr>
-              <a:t>strumenti</a:t>
-            </a:r>
-            <a:r>
-              <a:rPr lang="en-US" sz="2100" b="0" i="0" u="none" strike="noStrike" cap="none" dirty="0">
-                <a:solidFill>
-                  <a:srgbClr val="FFFFFF"/>
-                </a:solidFill>
-                <a:latin typeface="DM Sans"/>
-                <a:ea typeface="DM Sans"/>
-                <a:cs typeface="DM Sans"/>
-                <a:sym typeface="DM Sans"/>
-              </a:rPr>
-              <a:t> per il DevOps.</a:t>
-            </a:r>
-            <a:endParaRPr dirty="0"/>
-          </a:p>
-        </p:txBody>
-      </p:sp>
-      <p:cxnSp>
-        <p:nvCxnSpPr>
-          <p:cNvPr id="2" name="Connettore 1 1">
-            <a:extLst>
-              <a:ext uri="{FF2B5EF4-FFF2-40B4-BE49-F238E27FC236}">
-                <a16:creationId xmlns:a16="http://schemas.microsoft.com/office/drawing/2014/main" id="{D92C33CD-99B8-5546-3497-FFA70F7843BB}"/>
-              </a:ext>
-            </a:extLst>
-          </p:cNvPr>
-          <p:cNvCxnSpPr>
-            <a:cxnSpLocks/>
-          </p:cNvCxnSpPr>
-          <p:nvPr/>
-        </p:nvCxnSpPr>
-        <p:spPr>
-          <a:xfrm>
-            <a:off x="1028700" y="850900"/>
-            <a:ext cx="5092700" cy="0"/>
-          </a:xfrm>
-          <a:prstGeom prst="line">
-            <a:avLst/>
-          </a:prstGeom>
-          <a:ln>
-            <a:solidFill>
-              <a:schemeClr val="bg1"/>
-            </a:solidFill>
-          </a:ln>
-        </p:spPr>
-        <p:style>
-          <a:lnRef idx="3">
-            <a:schemeClr val="dk1"/>
-          </a:lnRef>
-          <a:fillRef idx="0">
-            <a:schemeClr val="dk1"/>
-          </a:fillRef>
-          <a:effectRef idx="2">
-            <a:schemeClr val="dk1"/>
-          </a:effectRef>
-          <a:fontRef idx="minor">
-            <a:schemeClr val="tx1"/>
-          </a:fontRef>
-        </p:style>
-      </p:cxnSp>
-    </p:spTree>
-    <p:extLst>
-      <p:ext uri="{BB962C8B-B14F-4D97-AF65-F5344CB8AC3E}">
-        <p14:creationId xmlns:p14="http://schemas.microsoft.com/office/powerpoint/2010/main" val="3349548760"/>
-      </p:ext>
-    </p:extLst>
-  </p:cSld>
-  <p:clrMapOvr>
-    <a:masterClrMapping/>
-  </p:clrMapOvr>
-</p:sld>
-</file>
-
-<file path=ppt/slides/slide15.xml><?xml version="1.0" encoding="utf-8"?>
-<p:sld xmlns:a="http://schemas.openxmlformats.org/drawingml/2006/main" xmlns:r="http://schemas.openxmlformats.org/officeDocument/2006/relationships" xmlns:p="http://schemas.openxmlformats.org/presentationml/2006/main">
-  <p:cSld>
-    <p:spTree>
-      <p:nvGrpSpPr>
-        <p:cNvPr id="1" name=""/>
-        <p:cNvGrpSpPr/>
-        <p:nvPr/>
-      </p:nvGrpSpPr>
-      <p:grpSpPr>
-        <a:xfrm>
-          <a:off x="0" y="0"/>
-          <a:ext cx="0" cy="0"/>
-          <a:chOff x="0" y="0"/>
-          <a:chExt cx="0" cy="0"/>
-        </a:xfrm>
-      </p:grpSpPr>
-      <p:sp>
-        <p:nvSpPr>
-          <p:cNvPr id="8" name="Google Shape;56;p10">
-            <a:extLst>
-              <a:ext uri="{FF2B5EF4-FFF2-40B4-BE49-F238E27FC236}">
-                <a16:creationId xmlns:a16="http://schemas.microsoft.com/office/drawing/2014/main" id="{0E534E2B-B9B0-016A-73CF-EE8D0D011C0F}"/>
-              </a:ext>
-            </a:extLst>
-          </p:cNvPr>
-          <p:cNvSpPr txBox="1"/>
-          <p:nvPr/>
-        </p:nvSpPr>
-        <p:spPr>
-          <a:xfrm>
-            <a:off x="1028700" y="434774"/>
-            <a:ext cx="5728091" cy="307777"/>
-          </a:xfrm>
-          <a:prstGeom prst="rect">
-            <a:avLst/>
-          </a:prstGeom>
-          <a:noFill/>
-          <a:ln>
-            <a:noFill/>
-          </a:ln>
-        </p:spPr>
-        <p:txBody>
-          <a:bodyPr spcFirstLastPara="1" wrap="square" lIns="0" tIns="0" rIns="0" bIns="0" anchor="t" anchorCtr="0">
-            <a:spAutoFit/>
-          </a:bodyPr>
-          <a:lstStyle/>
-          <a:p>
-            <a:pPr marL="0" marR="0" lvl="0" indent="0" algn="l" rtl="0">
-              <a:lnSpc>
-                <a:spcPct val="80000"/>
-              </a:lnSpc>
-              <a:spcBef>
-                <a:spcPts val="0"/>
-              </a:spcBef>
-              <a:spcAft>
-                <a:spcPts val="0"/>
-              </a:spcAft>
-              <a:buNone/>
-            </a:pPr>
-            <a:r>
-              <a:rPr lang="en-US" sz="2500" b="0" i="0" u="none" strike="noStrike" cap="none" dirty="0" err="1">
-                <a:solidFill>
-                  <a:srgbClr val="FFFFFF"/>
-                </a:solidFill>
-                <a:latin typeface="DM Serif Display"/>
-                <a:ea typeface="DM Serif Display"/>
-                <a:cs typeface="DM Serif Display"/>
-                <a:sym typeface="DM Serif Display"/>
-              </a:rPr>
               <a:t>Funzioni</a:t>
             </a:r>
             <a:r>
@@ -11262,7 +9868,7 @@
 </p:sld>
 </file>
 
-<file path=ppt/slides/slide16.xml><?xml version="1.0" encoding="utf-8"?>
+<file path=ppt/slides/slide13.xml><?xml version="1.0" encoding="utf-8"?>
 <p:sld xmlns:a="http://schemas.openxmlformats.org/drawingml/2006/main" xmlns:r="http://schemas.openxmlformats.org/officeDocument/2006/relationships" xmlns:p="http://schemas.openxmlformats.org/presentationml/2006/main">
   <p:cSld>
     <p:spTree>
@@ -11578,7 +10184,7 @@
 </p:sld>
 </file>
 
-<file path=ppt/slides/slide17.xml><?xml version="1.0" encoding="utf-8"?>
+<file path=ppt/slides/slide14.xml><?xml version="1.0" encoding="utf-8"?>
 <p:sld xmlns:a="http://schemas.openxmlformats.org/drawingml/2006/main" xmlns:r="http://schemas.openxmlformats.org/officeDocument/2006/relationships" xmlns:p="http://schemas.openxmlformats.org/presentationml/2006/main">
   <p:cSld>
     <p:spTree>
@@ -12320,7 +10926,7 @@
 </p:sld>
 </file>
 
-<file path=ppt/slides/slide18.xml><?xml version="1.0" encoding="utf-8"?>
+<file path=ppt/slides/slide15.xml><?xml version="1.0" encoding="utf-8"?>
 <p:sld xmlns:a="http://schemas.openxmlformats.org/drawingml/2006/main" xmlns:r="http://schemas.openxmlformats.org/officeDocument/2006/relationships" xmlns:p="http://schemas.openxmlformats.org/presentationml/2006/main">
   <p:cSld>
     <p:spTree>
@@ -13213,7 +11819,7 @@
 </p:sld>
 </file>
 
-<file path=ppt/slides/slide19.xml><?xml version="1.0" encoding="utf-8"?>
+<file path=ppt/slides/slide16.xml><?xml version="1.0" encoding="utf-8"?>
 <p:sld xmlns:a="http://schemas.openxmlformats.org/drawingml/2006/main" xmlns:r="http://schemas.openxmlformats.org/officeDocument/2006/relationships" xmlns:p="http://schemas.openxmlformats.org/presentationml/2006/main">
   <p:cSld>
     <p:spTree>
@@ -14521,167 +13127,7 @@
 </p:sld>
 </file>
 
-<file path=ppt/slides/slide2.xml><?xml version="1.0" encoding="utf-8"?>
-<p:sld xmlns:a="http://schemas.openxmlformats.org/drawingml/2006/main" xmlns:r="http://schemas.openxmlformats.org/officeDocument/2006/relationships" xmlns:p="http://schemas.openxmlformats.org/presentationml/2006/main">
-  <p:cSld>
-    <p:spTree>
-      <p:nvGrpSpPr>
-        <p:cNvPr id="1" name=""/>
-        <p:cNvGrpSpPr/>
-        <p:nvPr/>
-      </p:nvGrpSpPr>
-      <p:grpSpPr>
-        <a:xfrm>
-          <a:off x="0" y="0"/>
-          <a:ext cx="0" cy="0"/>
-          <a:chOff x="0" y="0"/>
-          <a:chExt cx="0" cy="0"/>
-        </a:xfrm>
-      </p:grpSpPr>
-      <p:pic>
-        <p:nvPicPr>
-          <p:cNvPr id="3" name="Immagine 2">
-            <a:extLst>
-              <a:ext uri="{FF2B5EF4-FFF2-40B4-BE49-F238E27FC236}">
-                <a16:creationId xmlns:a16="http://schemas.microsoft.com/office/drawing/2014/main" id="{E56BB43C-20D5-C8EF-4C7F-262868883585}"/>
-              </a:ext>
-            </a:extLst>
-          </p:cNvPr>
-          <p:cNvPicPr>
-            <a:picLocks noChangeAspect="1"/>
-          </p:cNvPicPr>
-          <p:nvPr/>
-        </p:nvPicPr>
-        <p:blipFill>
-          <a:blip r:embed="rId2"/>
-          <a:stretch>
-            <a:fillRect/>
-          </a:stretch>
-        </p:blipFill>
-        <p:spPr>
-          <a:xfrm>
-            <a:off x="4829976" y="1334881"/>
-            <a:ext cx="8628048" cy="4820653"/>
-          </a:xfrm>
-          <a:prstGeom prst="rect">
-            <a:avLst/>
-          </a:prstGeom>
-        </p:spPr>
-      </p:pic>
-      <p:sp>
-        <p:nvSpPr>
-          <p:cNvPr id="8" name="Google Shape;56;p10">
-            <a:extLst>
-              <a:ext uri="{FF2B5EF4-FFF2-40B4-BE49-F238E27FC236}">
-                <a16:creationId xmlns:a16="http://schemas.microsoft.com/office/drawing/2014/main" id="{0E534E2B-B9B0-016A-73CF-EE8D0D011C0F}"/>
-              </a:ext>
-            </a:extLst>
-          </p:cNvPr>
-          <p:cNvSpPr txBox="1"/>
-          <p:nvPr/>
-        </p:nvSpPr>
-        <p:spPr>
-          <a:xfrm>
-            <a:off x="1028700" y="434774"/>
-            <a:ext cx="5728091" cy="307777"/>
-          </a:xfrm>
-          <a:prstGeom prst="rect">
-            <a:avLst/>
-          </a:prstGeom>
-          <a:noFill/>
-          <a:ln>
-            <a:noFill/>
-          </a:ln>
-        </p:spPr>
-        <p:txBody>
-          <a:bodyPr spcFirstLastPara="1" wrap="square" lIns="0" tIns="0" rIns="0" bIns="0" anchor="t" anchorCtr="0">
-            <a:spAutoFit/>
-          </a:bodyPr>
-          <a:lstStyle/>
-          <a:p>
-            <a:pPr marL="0" marR="0" lvl="0" indent="0" algn="l" rtl="0">
-              <a:lnSpc>
-                <a:spcPct val="80000"/>
-              </a:lnSpc>
-              <a:spcBef>
-                <a:spcPts val="0"/>
-              </a:spcBef>
-              <a:spcAft>
-                <a:spcPts val="0"/>
-              </a:spcAft>
-              <a:buNone/>
-            </a:pPr>
-            <a:r>
-              <a:rPr lang="en-US" sz="2500" b="0" i="0" u="none" strike="noStrike" cap="none" dirty="0">
-                <a:solidFill>
-                  <a:srgbClr val="FFFFFF"/>
-                </a:solidFill>
-                <a:latin typeface="DM Serif Display"/>
-                <a:ea typeface="DM Serif Display"/>
-                <a:cs typeface="DM Serif Display"/>
-                <a:sym typeface="DM Serif Display"/>
-              </a:rPr>
-              <a:t>Serverless Computing</a:t>
-            </a:r>
-            <a:endParaRPr sz="2500" dirty="0"/>
-          </a:p>
-        </p:txBody>
-      </p:sp>
-      <p:cxnSp>
-        <p:nvCxnSpPr>
-          <p:cNvPr id="4" name="Connettore 1 3">
-            <a:extLst>
-              <a:ext uri="{FF2B5EF4-FFF2-40B4-BE49-F238E27FC236}">
-                <a16:creationId xmlns:a16="http://schemas.microsoft.com/office/drawing/2014/main" id="{6D138B6C-23C0-85FA-90B6-7C5AA7BD3A7C}"/>
-              </a:ext>
-            </a:extLst>
-          </p:cNvPr>
-          <p:cNvCxnSpPr/>
-          <p:nvPr/>
-        </p:nvCxnSpPr>
-        <p:spPr>
-          <a:xfrm>
-            <a:off x="1028700" y="850900"/>
-            <a:ext cx="3098800" cy="0"/>
-          </a:xfrm>
-          <a:prstGeom prst="line">
-            <a:avLst/>
-          </a:prstGeom>
-          <a:ln>
-            <a:solidFill>
-              <a:schemeClr val="bg1"/>
-            </a:solidFill>
-          </a:ln>
-        </p:spPr>
-        <p:style>
-          <a:lnRef idx="3">
-            <a:schemeClr val="dk1"/>
-          </a:lnRef>
-          <a:fillRef idx="0">
-            <a:schemeClr val="dk1"/>
-          </a:fillRef>
-          <a:effectRef idx="2">
-            <a:schemeClr val="dk1"/>
-          </a:effectRef>
-          <a:fontRef idx="minor">
-            <a:schemeClr val="tx1"/>
-          </a:fontRef>
-        </p:style>
-      </p:cxnSp>
-    </p:spTree>
-    <p:extLst>
-      <p:ext uri="{BB962C8B-B14F-4D97-AF65-F5344CB8AC3E}">
-        <p14:creationId xmlns:p14="http://schemas.microsoft.com/office/powerpoint/2010/main" val="997292308"/>
-      </p:ext>
-    </p:extLst>
-  </p:cSld>
-  <p:clrMapOvr>
-    <a:masterClrMapping/>
-  </p:clrMapOvr>
-</p:sld>
-</file>
-
-<file path=ppt/slides/slide20.xml><?xml version="1.0" encoding="utf-8"?>
+<file path=ppt/slides/slide17.xml><?xml version="1.0" encoding="utf-8"?>
 <p:sld xmlns:a="http://schemas.openxmlformats.org/drawingml/2006/main" xmlns:r="http://schemas.openxmlformats.org/officeDocument/2006/relationships" xmlns:p="http://schemas.openxmlformats.org/presentationml/2006/main">
   <p:cSld>
     <p:spTree>
@@ -15313,6 +13759,1267 @@
 </p:sld>
 </file>
 
+<file path=ppt/slides/slide18.xml><?xml version="1.0" encoding="utf-8"?>
+<p:sld xmlns:a="http://schemas.openxmlformats.org/drawingml/2006/main" xmlns:r="http://schemas.openxmlformats.org/officeDocument/2006/relationships" xmlns:p="http://schemas.openxmlformats.org/presentationml/2006/main">
+  <p:cSld>
+    <p:spTree>
+      <p:nvGrpSpPr>
+        <p:cNvPr id="1" name=""/>
+        <p:cNvGrpSpPr/>
+        <p:nvPr/>
+      </p:nvGrpSpPr>
+      <p:grpSpPr>
+        <a:xfrm>
+          <a:off x="0" y="0"/>
+          <a:ext cx="0" cy="0"/>
+          <a:chOff x="0" y="0"/>
+          <a:chExt cx="0" cy="0"/>
+        </a:xfrm>
+      </p:grpSpPr>
+      <p:sp>
+        <p:nvSpPr>
+          <p:cNvPr id="8" name="Google Shape;56;p10">
+            <a:extLst>
+              <a:ext uri="{FF2B5EF4-FFF2-40B4-BE49-F238E27FC236}">
+                <a16:creationId xmlns:a16="http://schemas.microsoft.com/office/drawing/2014/main" id="{0E534E2B-B9B0-016A-73CF-EE8D0D011C0F}"/>
+              </a:ext>
+            </a:extLst>
+          </p:cNvPr>
+          <p:cNvSpPr txBox="1"/>
+          <p:nvPr/>
+        </p:nvSpPr>
+        <p:spPr>
+          <a:xfrm>
+            <a:off x="1028700" y="434774"/>
+            <a:ext cx="5728091" cy="307777"/>
+          </a:xfrm>
+          <a:prstGeom prst="rect">
+            <a:avLst/>
+          </a:prstGeom>
+          <a:noFill/>
+          <a:ln>
+            <a:noFill/>
+          </a:ln>
+        </p:spPr>
+        <p:txBody>
+          <a:bodyPr spcFirstLastPara="1" wrap="square" lIns="0" tIns="0" rIns="0" bIns="0" anchor="t" anchorCtr="0">
+            <a:spAutoFit/>
+          </a:bodyPr>
+          <a:lstStyle/>
+          <a:p>
+            <a:pPr marL="0" marR="0" lvl="0" indent="0" algn="l" rtl="0">
+              <a:lnSpc>
+                <a:spcPct val="80000"/>
+              </a:lnSpc>
+              <a:spcBef>
+                <a:spcPts val="0"/>
+              </a:spcBef>
+              <a:spcAft>
+                <a:spcPts val="0"/>
+              </a:spcAft>
+              <a:buNone/>
+            </a:pPr>
+            <a:r>
+              <a:rPr lang="en-US" sz="2500" b="0" i="0" u="none" strike="noStrike" cap="none" dirty="0" err="1">
+                <a:solidFill>
+                  <a:srgbClr val="FFFFFF"/>
+                </a:solidFill>
+                <a:latin typeface="DM Serif Display"/>
+                <a:ea typeface="DM Serif Display"/>
+                <a:cs typeface="DM Serif Display"/>
+                <a:sym typeface="DM Serif Display"/>
+              </a:rPr>
+              <a:t>Funzione</a:t>
+            </a:r>
+            <a:r>
+              <a:rPr lang="en-US" sz="2500" b="0" i="0" u="none" strike="noStrike" cap="none" dirty="0">
+                <a:solidFill>
+                  <a:srgbClr val="FFFFFF"/>
+                </a:solidFill>
+                <a:latin typeface="DM Serif Display"/>
+                <a:ea typeface="DM Serif Display"/>
+                <a:cs typeface="DM Serif Display"/>
+                <a:sym typeface="DM Serif Display"/>
+              </a:rPr>
+              <a:t> unica</a:t>
+            </a:r>
+            <a:endParaRPr sz="2500" dirty="0"/>
+          </a:p>
+        </p:txBody>
+      </p:sp>
+      <p:cxnSp>
+        <p:nvCxnSpPr>
+          <p:cNvPr id="11" name="Connettore 1 10">
+            <a:extLst>
+              <a:ext uri="{FF2B5EF4-FFF2-40B4-BE49-F238E27FC236}">
+                <a16:creationId xmlns:a16="http://schemas.microsoft.com/office/drawing/2014/main" id="{4BF229C9-89C2-29B7-53E8-D22C34340353}"/>
+              </a:ext>
+            </a:extLst>
+          </p:cNvPr>
+          <p:cNvCxnSpPr>
+            <a:cxnSpLocks/>
+          </p:cNvCxnSpPr>
+          <p:nvPr/>
+        </p:nvCxnSpPr>
+        <p:spPr>
+          <a:xfrm>
+            <a:off x="1028700" y="850900"/>
+            <a:ext cx="2120900" cy="0"/>
+          </a:xfrm>
+          <a:prstGeom prst="line">
+            <a:avLst/>
+          </a:prstGeom>
+          <a:ln>
+            <a:solidFill>
+              <a:schemeClr val="bg1"/>
+            </a:solidFill>
+          </a:ln>
+        </p:spPr>
+        <p:style>
+          <a:lnRef idx="3">
+            <a:schemeClr val="dk1"/>
+          </a:lnRef>
+          <a:fillRef idx="0">
+            <a:schemeClr val="dk1"/>
+          </a:fillRef>
+          <a:effectRef idx="2">
+            <a:schemeClr val="dk1"/>
+          </a:effectRef>
+          <a:fontRef idx="minor">
+            <a:schemeClr val="tx1"/>
+          </a:fontRef>
+        </p:style>
+      </p:cxnSp>
+      <p:pic>
+        <p:nvPicPr>
+          <p:cNvPr id="7" name="Immagine 6" descr="Immagine che contiene testo, schermata, design&#10;&#10;Descrizione generata automaticamente">
+            <a:extLst>
+              <a:ext uri="{FF2B5EF4-FFF2-40B4-BE49-F238E27FC236}">
+                <a16:creationId xmlns:a16="http://schemas.microsoft.com/office/drawing/2014/main" id="{0CC59311-30BF-5020-B588-2911BBC6D0ED}"/>
+              </a:ext>
+            </a:extLst>
+          </p:cNvPr>
+          <p:cNvPicPr>
+            <a:picLocks noChangeAspect="1"/>
+          </p:cNvPicPr>
+          <p:nvPr/>
+        </p:nvPicPr>
+        <p:blipFill>
+          <a:blip r:embed="rId2"/>
+          <a:stretch>
+            <a:fillRect/>
+          </a:stretch>
+        </p:blipFill>
+        <p:spPr>
+          <a:xfrm>
+            <a:off x="1028700" y="2392933"/>
+            <a:ext cx="10457182" cy="6214653"/>
+          </a:xfrm>
+          <a:prstGeom prst="rect">
+            <a:avLst/>
+          </a:prstGeom>
+        </p:spPr>
+      </p:pic>
+    </p:spTree>
+    <p:extLst>
+      <p:ext uri="{BB962C8B-B14F-4D97-AF65-F5344CB8AC3E}">
+        <p14:creationId xmlns:p14="http://schemas.microsoft.com/office/powerpoint/2010/main" val="2304559181"/>
+      </p:ext>
+    </p:extLst>
+  </p:cSld>
+  <p:clrMapOvr>
+    <a:masterClrMapping/>
+  </p:clrMapOvr>
+</p:sld>
+</file>
+
+<file path=ppt/slides/slide19.xml><?xml version="1.0" encoding="utf-8"?>
+<p:sld xmlns:a="http://schemas.openxmlformats.org/drawingml/2006/main" xmlns:r="http://schemas.openxmlformats.org/officeDocument/2006/relationships" xmlns:p="http://schemas.openxmlformats.org/presentationml/2006/main">
+  <p:cSld>
+    <p:spTree>
+      <p:nvGrpSpPr>
+        <p:cNvPr id="1" name=""/>
+        <p:cNvGrpSpPr/>
+        <p:nvPr/>
+      </p:nvGrpSpPr>
+      <p:grpSpPr>
+        <a:xfrm>
+          <a:off x="0" y="0"/>
+          <a:ext cx="0" cy="0"/>
+          <a:chOff x="0" y="0"/>
+          <a:chExt cx="0" cy="0"/>
+        </a:xfrm>
+      </p:grpSpPr>
+      <p:sp>
+        <p:nvSpPr>
+          <p:cNvPr id="8" name="Google Shape;56;p10">
+            <a:extLst>
+              <a:ext uri="{FF2B5EF4-FFF2-40B4-BE49-F238E27FC236}">
+                <a16:creationId xmlns:a16="http://schemas.microsoft.com/office/drawing/2014/main" id="{0E534E2B-B9B0-016A-73CF-EE8D0D011C0F}"/>
+              </a:ext>
+            </a:extLst>
+          </p:cNvPr>
+          <p:cNvSpPr txBox="1"/>
+          <p:nvPr/>
+        </p:nvSpPr>
+        <p:spPr>
+          <a:xfrm>
+            <a:off x="1028700" y="434774"/>
+            <a:ext cx="5728091" cy="307777"/>
+          </a:xfrm>
+          <a:prstGeom prst="rect">
+            <a:avLst/>
+          </a:prstGeom>
+          <a:noFill/>
+          <a:ln>
+            <a:noFill/>
+          </a:ln>
+        </p:spPr>
+        <p:txBody>
+          <a:bodyPr spcFirstLastPara="1" wrap="square" lIns="0" tIns="0" rIns="0" bIns="0" anchor="t" anchorCtr="0">
+            <a:spAutoFit/>
+          </a:bodyPr>
+          <a:lstStyle/>
+          <a:p>
+            <a:pPr marL="0" marR="0" lvl="0" indent="0" algn="l" rtl="0">
+              <a:lnSpc>
+                <a:spcPct val="80000"/>
+              </a:lnSpc>
+              <a:spcBef>
+                <a:spcPts val="0"/>
+              </a:spcBef>
+              <a:spcAft>
+                <a:spcPts val="0"/>
+              </a:spcAft>
+              <a:buNone/>
+            </a:pPr>
+            <a:r>
+              <a:rPr lang="en-US" sz="2500" b="0" i="0" u="none" strike="noStrike" cap="none" dirty="0" err="1">
+                <a:solidFill>
+                  <a:srgbClr val="FFFFFF"/>
+                </a:solidFill>
+                <a:latin typeface="DM Serif Display"/>
+                <a:ea typeface="DM Serif Display"/>
+                <a:cs typeface="DM Serif Display"/>
+                <a:sym typeface="DM Serif Display"/>
+              </a:rPr>
+              <a:t>Funzione</a:t>
+            </a:r>
+            <a:r>
+              <a:rPr lang="en-US" sz="2500" b="0" i="0" u="none" strike="noStrike" cap="none" dirty="0">
+                <a:solidFill>
+                  <a:srgbClr val="FFFFFF"/>
+                </a:solidFill>
+                <a:latin typeface="DM Serif Display"/>
+                <a:ea typeface="DM Serif Display"/>
+                <a:cs typeface="DM Serif Display"/>
+                <a:sym typeface="DM Serif Display"/>
+              </a:rPr>
+              <a:t> unica</a:t>
+            </a:r>
+            <a:endParaRPr sz="2500" dirty="0"/>
+          </a:p>
+        </p:txBody>
+      </p:sp>
+      <p:sp>
+        <p:nvSpPr>
+          <p:cNvPr id="4" name="Google Shape;76;p12">
+            <a:extLst>
+              <a:ext uri="{FF2B5EF4-FFF2-40B4-BE49-F238E27FC236}">
+                <a16:creationId xmlns:a16="http://schemas.microsoft.com/office/drawing/2014/main" id="{D1CD1B1A-730D-EB34-EB9F-8FB29D659360}"/>
+              </a:ext>
+            </a:extLst>
+          </p:cNvPr>
+          <p:cNvSpPr txBox="1"/>
+          <p:nvPr/>
+        </p:nvSpPr>
+        <p:spPr>
+          <a:xfrm>
+            <a:off x="12559213" y="2328766"/>
+            <a:ext cx="5028810" cy="538609"/>
+          </a:xfrm>
+          <a:prstGeom prst="rect">
+            <a:avLst/>
+          </a:prstGeom>
+          <a:noFill/>
+          <a:ln>
+            <a:noFill/>
+          </a:ln>
+        </p:spPr>
+        <p:txBody>
+          <a:bodyPr spcFirstLastPara="1" wrap="square" lIns="0" tIns="0" rIns="0" bIns="0" anchor="t" anchorCtr="0">
+            <a:spAutoFit/>
+          </a:bodyPr>
+          <a:lstStyle/>
+          <a:p>
+            <a:pPr marL="0" marR="0" lvl="0" indent="0" algn="l" rtl="0">
+              <a:lnSpc>
+                <a:spcPct val="70000"/>
+              </a:lnSpc>
+              <a:spcBef>
+                <a:spcPts val="0"/>
+              </a:spcBef>
+              <a:spcAft>
+                <a:spcPts val="0"/>
+              </a:spcAft>
+              <a:buNone/>
+            </a:pPr>
+            <a:r>
+              <a:rPr lang="en-US" sz="5000" b="1" i="0" u="none" strike="noStrike" cap="none" dirty="0" err="1">
+                <a:solidFill>
+                  <a:srgbClr val="FFFFFF"/>
+                </a:solidFill>
+                <a:latin typeface="DM Serif Display"/>
+                <a:ea typeface="DM Serif Display"/>
+                <a:cs typeface="DM Serif Display"/>
+                <a:sym typeface="DM Serif Display"/>
+              </a:rPr>
+              <a:t>Vantaggi</a:t>
+            </a:r>
+            <a:endParaRPr sz="5000" b="1" dirty="0"/>
+          </a:p>
+        </p:txBody>
+      </p:sp>
+      <p:sp>
+        <p:nvSpPr>
+          <p:cNvPr id="5" name="Google Shape;77;p12">
+            <a:extLst>
+              <a:ext uri="{FF2B5EF4-FFF2-40B4-BE49-F238E27FC236}">
+                <a16:creationId xmlns:a16="http://schemas.microsoft.com/office/drawing/2014/main" id="{D1546287-D964-0332-6325-4BEB39071878}"/>
+              </a:ext>
+            </a:extLst>
+          </p:cNvPr>
+          <p:cNvSpPr txBox="1"/>
+          <p:nvPr/>
+        </p:nvSpPr>
+        <p:spPr>
+          <a:xfrm>
+            <a:off x="12761623" y="3123446"/>
+            <a:ext cx="4826400" cy="2262158"/>
+          </a:xfrm>
+          <a:prstGeom prst="rect">
+            <a:avLst/>
+          </a:prstGeom>
+          <a:noFill/>
+          <a:ln>
+            <a:noFill/>
+          </a:ln>
+        </p:spPr>
+        <p:txBody>
+          <a:bodyPr spcFirstLastPara="1" wrap="square" lIns="0" tIns="0" rIns="0" bIns="0" anchor="t" anchorCtr="0">
+            <a:spAutoFit/>
+          </a:bodyPr>
+          <a:lstStyle/>
+          <a:p>
+            <a:pPr marL="0" marR="0" lvl="0" indent="0" algn="l" rtl="0">
+              <a:lnSpc>
+                <a:spcPct val="100000"/>
+              </a:lnSpc>
+              <a:spcBef>
+                <a:spcPts val="0"/>
+              </a:spcBef>
+              <a:spcAft>
+                <a:spcPts val="0"/>
+              </a:spcAft>
+              <a:buNone/>
+            </a:pPr>
+            <a:r>
+              <a:rPr lang="it-IT" sz="2100" b="0" i="0" u="none" strike="noStrike" cap="none" dirty="0">
+                <a:solidFill>
+                  <a:srgbClr val="FFFFFF"/>
+                </a:solidFill>
+                <a:latin typeface="DM Sans"/>
+                <a:ea typeface="DM Sans"/>
+                <a:cs typeface="DM Sans"/>
+                <a:sym typeface="DM Sans"/>
+              </a:rPr>
+              <a:t>Logica raggruppata in un unico luogo</a:t>
+            </a:r>
+          </a:p>
+          <a:p>
+            <a:pPr marL="0" marR="0" lvl="0" indent="0" algn="l" rtl="0">
+              <a:lnSpc>
+                <a:spcPct val="100000"/>
+              </a:lnSpc>
+              <a:spcBef>
+                <a:spcPts val="0"/>
+              </a:spcBef>
+              <a:spcAft>
+                <a:spcPts val="0"/>
+              </a:spcAft>
+              <a:buNone/>
+            </a:pPr>
+            <a:endParaRPr lang="it-IT" sz="2100" dirty="0">
+              <a:solidFill>
+                <a:srgbClr val="FFFFFF"/>
+              </a:solidFill>
+              <a:latin typeface="DM Sans"/>
+              <a:sym typeface="DM Sans"/>
+            </a:endParaRPr>
+          </a:p>
+          <a:p>
+            <a:pPr marL="0" marR="0" lvl="0" indent="0" algn="l" rtl="0">
+              <a:lnSpc>
+                <a:spcPct val="100000"/>
+              </a:lnSpc>
+              <a:spcBef>
+                <a:spcPts val="0"/>
+              </a:spcBef>
+              <a:spcAft>
+                <a:spcPts val="0"/>
+              </a:spcAft>
+              <a:buNone/>
+            </a:pPr>
+            <a:r>
+              <a:rPr lang="it-IT" sz="2100" dirty="0">
+                <a:solidFill>
+                  <a:srgbClr val="FFFFFF"/>
+                </a:solidFill>
+                <a:latin typeface="DM Sans"/>
+                <a:sym typeface="DM Sans"/>
+              </a:rPr>
+              <a:t>Codice più leggibile e riutilizzabile</a:t>
+            </a:r>
+          </a:p>
+          <a:p>
+            <a:pPr marL="0" marR="0" lvl="0" indent="0" algn="l" rtl="0">
+              <a:lnSpc>
+                <a:spcPct val="100000"/>
+              </a:lnSpc>
+              <a:spcBef>
+                <a:spcPts val="0"/>
+              </a:spcBef>
+              <a:spcAft>
+                <a:spcPts val="0"/>
+              </a:spcAft>
+              <a:buNone/>
+            </a:pPr>
+            <a:endParaRPr lang="it-IT" sz="2100" dirty="0">
+              <a:solidFill>
+                <a:srgbClr val="FFFFFF"/>
+              </a:solidFill>
+              <a:latin typeface="DM Sans"/>
+              <a:sym typeface="DM Sans"/>
+            </a:endParaRPr>
+          </a:p>
+          <a:p>
+            <a:pPr marL="0" marR="0" lvl="0" indent="0" algn="l" rtl="0">
+              <a:lnSpc>
+                <a:spcPct val="100000"/>
+              </a:lnSpc>
+              <a:spcBef>
+                <a:spcPts val="0"/>
+              </a:spcBef>
+              <a:spcAft>
+                <a:spcPts val="0"/>
+              </a:spcAft>
+              <a:buNone/>
+            </a:pPr>
+            <a:r>
+              <a:rPr lang="it-IT" sz="2100" dirty="0">
+                <a:solidFill>
+                  <a:srgbClr val="FFFFFF"/>
+                </a:solidFill>
+                <a:latin typeface="DM Sans"/>
+                <a:sym typeface="DM Sans"/>
+              </a:rPr>
+              <a:t>Security footprint ridotto, aggiornando un singolo file si aggiornano molte funzioni </a:t>
+            </a:r>
+            <a:endParaRPr dirty="0"/>
+          </a:p>
+        </p:txBody>
+      </p:sp>
+      <p:pic>
+        <p:nvPicPr>
+          <p:cNvPr id="6" name="Immagine 5" descr="Immagine che contiene testo, schermata, design&#10;&#10;Descrizione generata automaticamente">
+            <a:extLst>
+              <a:ext uri="{FF2B5EF4-FFF2-40B4-BE49-F238E27FC236}">
+                <a16:creationId xmlns:a16="http://schemas.microsoft.com/office/drawing/2014/main" id="{4D22FB15-87A6-F895-3822-5A47CA1F7C00}"/>
+              </a:ext>
+            </a:extLst>
+          </p:cNvPr>
+          <p:cNvPicPr>
+            <a:picLocks noChangeAspect="1"/>
+          </p:cNvPicPr>
+          <p:nvPr/>
+        </p:nvPicPr>
+        <p:blipFill>
+          <a:blip r:embed="rId2"/>
+          <a:stretch>
+            <a:fillRect/>
+          </a:stretch>
+        </p:blipFill>
+        <p:spPr>
+          <a:xfrm>
+            <a:off x="1028700" y="2392933"/>
+            <a:ext cx="10457182" cy="6214653"/>
+          </a:xfrm>
+          <a:prstGeom prst="rect">
+            <a:avLst/>
+          </a:prstGeom>
+        </p:spPr>
+      </p:pic>
+      <p:cxnSp>
+        <p:nvCxnSpPr>
+          <p:cNvPr id="11" name="Connettore 1 10">
+            <a:extLst>
+              <a:ext uri="{FF2B5EF4-FFF2-40B4-BE49-F238E27FC236}">
+                <a16:creationId xmlns:a16="http://schemas.microsoft.com/office/drawing/2014/main" id="{4BF229C9-89C2-29B7-53E8-D22C34340353}"/>
+              </a:ext>
+            </a:extLst>
+          </p:cNvPr>
+          <p:cNvCxnSpPr>
+            <a:cxnSpLocks/>
+          </p:cNvCxnSpPr>
+          <p:nvPr/>
+        </p:nvCxnSpPr>
+        <p:spPr>
+          <a:xfrm>
+            <a:off x="1028700" y="850900"/>
+            <a:ext cx="2120900" cy="0"/>
+          </a:xfrm>
+          <a:prstGeom prst="line">
+            <a:avLst/>
+          </a:prstGeom>
+          <a:ln>
+            <a:solidFill>
+              <a:schemeClr val="bg1"/>
+            </a:solidFill>
+          </a:ln>
+        </p:spPr>
+        <p:style>
+          <a:lnRef idx="3">
+            <a:schemeClr val="dk1"/>
+          </a:lnRef>
+          <a:fillRef idx="0">
+            <a:schemeClr val="dk1"/>
+          </a:fillRef>
+          <a:effectRef idx="2">
+            <a:schemeClr val="dk1"/>
+          </a:effectRef>
+          <a:fontRef idx="minor">
+            <a:schemeClr val="tx1"/>
+          </a:fontRef>
+        </p:style>
+      </p:cxnSp>
+    </p:spTree>
+    <p:extLst>
+      <p:ext uri="{BB962C8B-B14F-4D97-AF65-F5344CB8AC3E}">
+        <p14:creationId xmlns:p14="http://schemas.microsoft.com/office/powerpoint/2010/main" val="2247948933"/>
+      </p:ext>
+    </p:extLst>
+  </p:cSld>
+  <p:clrMapOvr>
+    <a:masterClrMapping/>
+  </p:clrMapOvr>
+</p:sld>
+</file>
+
+<file path=ppt/slides/slide2.xml><?xml version="1.0" encoding="utf-8"?>
+<p:sld xmlns:a="http://schemas.openxmlformats.org/drawingml/2006/main" xmlns:r="http://schemas.openxmlformats.org/officeDocument/2006/relationships" xmlns:p="http://schemas.openxmlformats.org/presentationml/2006/main">
+  <p:cSld>
+    <p:spTree>
+      <p:nvGrpSpPr>
+        <p:cNvPr id="1" name=""/>
+        <p:cNvGrpSpPr/>
+        <p:nvPr/>
+      </p:nvGrpSpPr>
+      <p:grpSpPr>
+        <a:xfrm>
+          <a:off x="0" y="0"/>
+          <a:ext cx="0" cy="0"/>
+          <a:chOff x="0" y="0"/>
+          <a:chExt cx="0" cy="0"/>
+        </a:xfrm>
+      </p:grpSpPr>
+      <p:pic>
+        <p:nvPicPr>
+          <p:cNvPr id="3" name="Immagine 2">
+            <a:extLst>
+              <a:ext uri="{FF2B5EF4-FFF2-40B4-BE49-F238E27FC236}">
+                <a16:creationId xmlns:a16="http://schemas.microsoft.com/office/drawing/2014/main" id="{E56BB43C-20D5-C8EF-4C7F-262868883585}"/>
+              </a:ext>
+            </a:extLst>
+          </p:cNvPr>
+          <p:cNvPicPr>
+            <a:picLocks noChangeAspect="1"/>
+          </p:cNvPicPr>
+          <p:nvPr/>
+        </p:nvPicPr>
+        <p:blipFill>
+          <a:blip r:embed="rId2"/>
+          <a:stretch>
+            <a:fillRect/>
+          </a:stretch>
+        </p:blipFill>
+        <p:spPr>
+          <a:xfrm>
+            <a:off x="4829976" y="1334881"/>
+            <a:ext cx="8628048" cy="4820653"/>
+          </a:xfrm>
+          <a:prstGeom prst="rect">
+            <a:avLst/>
+          </a:prstGeom>
+        </p:spPr>
+      </p:pic>
+      <p:sp>
+        <p:nvSpPr>
+          <p:cNvPr id="8" name="Google Shape;56;p10">
+            <a:extLst>
+              <a:ext uri="{FF2B5EF4-FFF2-40B4-BE49-F238E27FC236}">
+                <a16:creationId xmlns:a16="http://schemas.microsoft.com/office/drawing/2014/main" id="{0E534E2B-B9B0-016A-73CF-EE8D0D011C0F}"/>
+              </a:ext>
+            </a:extLst>
+          </p:cNvPr>
+          <p:cNvSpPr txBox="1"/>
+          <p:nvPr/>
+        </p:nvSpPr>
+        <p:spPr>
+          <a:xfrm>
+            <a:off x="1028700" y="434774"/>
+            <a:ext cx="5728091" cy="307777"/>
+          </a:xfrm>
+          <a:prstGeom prst="rect">
+            <a:avLst/>
+          </a:prstGeom>
+          <a:noFill/>
+          <a:ln>
+            <a:noFill/>
+          </a:ln>
+        </p:spPr>
+        <p:txBody>
+          <a:bodyPr spcFirstLastPara="1" wrap="square" lIns="0" tIns="0" rIns="0" bIns="0" anchor="t" anchorCtr="0">
+            <a:spAutoFit/>
+          </a:bodyPr>
+          <a:lstStyle/>
+          <a:p>
+            <a:pPr marL="0" marR="0" lvl="0" indent="0" algn="l" rtl="0">
+              <a:lnSpc>
+                <a:spcPct val="80000"/>
+              </a:lnSpc>
+              <a:spcBef>
+                <a:spcPts val="0"/>
+              </a:spcBef>
+              <a:spcAft>
+                <a:spcPts val="0"/>
+              </a:spcAft>
+              <a:buNone/>
+            </a:pPr>
+            <a:r>
+              <a:rPr lang="en-US" sz="2500" b="0" i="0" u="none" strike="noStrike" cap="none" dirty="0">
+                <a:solidFill>
+                  <a:srgbClr val="FFFFFF"/>
+                </a:solidFill>
+                <a:latin typeface="DM Serif Display"/>
+                <a:ea typeface="DM Serif Display"/>
+                <a:cs typeface="DM Serif Display"/>
+                <a:sym typeface="DM Serif Display"/>
+              </a:rPr>
+              <a:t>Serverless Computing</a:t>
+            </a:r>
+            <a:endParaRPr sz="2500" dirty="0"/>
+          </a:p>
+        </p:txBody>
+      </p:sp>
+      <p:cxnSp>
+        <p:nvCxnSpPr>
+          <p:cNvPr id="4" name="Connettore 1 3">
+            <a:extLst>
+              <a:ext uri="{FF2B5EF4-FFF2-40B4-BE49-F238E27FC236}">
+                <a16:creationId xmlns:a16="http://schemas.microsoft.com/office/drawing/2014/main" id="{6D138B6C-23C0-85FA-90B6-7C5AA7BD3A7C}"/>
+              </a:ext>
+            </a:extLst>
+          </p:cNvPr>
+          <p:cNvCxnSpPr/>
+          <p:nvPr/>
+        </p:nvCxnSpPr>
+        <p:spPr>
+          <a:xfrm>
+            <a:off x="1028700" y="850900"/>
+            <a:ext cx="3098800" cy="0"/>
+          </a:xfrm>
+          <a:prstGeom prst="line">
+            <a:avLst/>
+          </a:prstGeom>
+          <a:ln>
+            <a:solidFill>
+              <a:schemeClr val="bg1"/>
+            </a:solidFill>
+          </a:ln>
+        </p:spPr>
+        <p:style>
+          <a:lnRef idx="3">
+            <a:schemeClr val="dk1"/>
+          </a:lnRef>
+          <a:fillRef idx="0">
+            <a:schemeClr val="dk1"/>
+          </a:fillRef>
+          <a:effectRef idx="2">
+            <a:schemeClr val="dk1"/>
+          </a:effectRef>
+          <a:fontRef idx="minor">
+            <a:schemeClr val="tx1"/>
+          </a:fontRef>
+        </p:style>
+      </p:cxnSp>
+    </p:spTree>
+    <p:extLst>
+      <p:ext uri="{BB962C8B-B14F-4D97-AF65-F5344CB8AC3E}">
+        <p14:creationId xmlns:p14="http://schemas.microsoft.com/office/powerpoint/2010/main" val="997292308"/>
+      </p:ext>
+    </p:extLst>
+  </p:cSld>
+  <p:clrMapOvr>
+    <a:masterClrMapping/>
+  </p:clrMapOvr>
+</p:sld>
+</file>
+
+<file path=ppt/slides/slide20.xml><?xml version="1.0" encoding="utf-8"?>
+<p:sld xmlns:a="http://schemas.openxmlformats.org/drawingml/2006/main" xmlns:r="http://schemas.openxmlformats.org/officeDocument/2006/relationships" xmlns:p="http://schemas.openxmlformats.org/presentationml/2006/main">
+  <p:cSld>
+    <p:spTree>
+      <p:nvGrpSpPr>
+        <p:cNvPr id="1" name=""/>
+        <p:cNvGrpSpPr/>
+        <p:nvPr/>
+      </p:nvGrpSpPr>
+      <p:grpSpPr>
+        <a:xfrm>
+          <a:off x="0" y="0"/>
+          <a:ext cx="0" cy="0"/>
+          <a:chOff x="0" y="0"/>
+          <a:chExt cx="0" cy="0"/>
+        </a:xfrm>
+      </p:grpSpPr>
+      <p:sp>
+        <p:nvSpPr>
+          <p:cNvPr id="8" name="Google Shape;56;p10">
+            <a:extLst>
+              <a:ext uri="{FF2B5EF4-FFF2-40B4-BE49-F238E27FC236}">
+                <a16:creationId xmlns:a16="http://schemas.microsoft.com/office/drawing/2014/main" id="{0E534E2B-B9B0-016A-73CF-EE8D0D011C0F}"/>
+              </a:ext>
+            </a:extLst>
+          </p:cNvPr>
+          <p:cNvSpPr txBox="1"/>
+          <p:nvPr/>
+        </p:nvSpPr>
+        <p:spPr>
+          <a:xfrm>
+            <a:off x="1028700" y="434774"/>
+            <a:ext cx="5728091" cy="307777"/>
+          </a:xfrm>
+          <a:prstGeom prst="rect">
+            <a:avLst/>
+          </a:prstGeom>
+          <a:noFill/>
+          <a:ln>
+            <a:noFill/>
+          </a:ln>
+        </p:spPr>
+        <p:txBody>
+          <a:bodyPr spcFirstLastPara="1" wrap="square" lIns="0" tIns="0" rIns="0" bIns="0" anchor="t" anchorCtr="0">
+            <a:spAutoFit/>
+          </a:bodyPr>
+          <a:lstStyle/>
+          <a:p>
+            <a:pPr marL="0" marR="0" lvl="0" indent="0" algn="l" rtl="0">
+              <a:lnSpc>
+                <a:spcPct val="80000"/>
+              </a:lnSpc>
+              <a:spcBef>
+                <a:spcPts val="0"/>
+              </a:spcBef>
+              <a:spcAft>
+                <a:spcPts val="0"/>
+              </a:spcAft>
+              <a:buNone/>
+            </a:pPr>
+            <a:r>
+              <a:rPr lang="en-US" sz="2500" b="0" i="0" u="none" strike="noStrike" cap="none" dirty="0" err="1">
+                <a:solidFill>
+                  <a:srgbClr val="FFFFFF"/>
+                </a:solidFill>
+                <a:latin typeface="DM Serif Display"/>
+                <a:ea typeface="DM Serif Display"/>
+                <a:cs typeface="DM Serif Display"/>
+                <a:sym typeface="DM Serif Display"/>
+              </a:rPr>
+              <a:t>Funzione</a:t>
+            </a:r>
+            <a:r>
+              <a:rPr lang="en-US" sz="2500" b="0" i="0" u="none" strike="noStrike" cap="none" dirty="0">
+                <a:solidFill>
+                  <a:srgbClr val="FFFFFF"/>
+                </a:solidFill>
+                <a:latin typeface="DM Serif Display"/>
+                <a:ea typeface="DM Serif Display"/>
+                <a:cs typeface="DM Serif Display"/>
+                <a:sym typeface="DM Serif Display"/>
+              </a:rPr>
+              <a:t> unica</a:t>
+            </a:r>
+            <a:endParaRPr sz="2500" dirty="0"/>
+          </a:p>
+        </p:txBody>
+      </p:sp>
+      <p:sp>
+        <p:nvSpPr>
+          <p:cNvPr id="4" name="Google Shape;76;p12">
+            <a:extLst>
+              <a:ext uri="{FF2B5EF4-FFF2-40B4-BE49-F238E27FC236}">
+                <a16:creationId xmlns:a16="http://schemas.microsoft.com/office/drawing/2014/main" id="{D1CD1B1A-730D-EB34-EB9F-8FB29D659360}"/>
+              </a:ext>
+            </a:extLst>
+          </p:cNvPr>
+          <p:cNvSpPr txBox="1"/>
+          <p:nvPr/>
+        </p:nvSpPr>
+        <p:spPr>
+          <a:xfrm>
+            <a:off x="12559213" y="2328766"/>
+            <a:ext cx="5028810" cy="538609"/>
+          </a:xfrm>
+          <a:prstGeom prst="rect">
+            <a:avLst/>
+          </a:prstGeom>
+          <a:noFill/>
+          <a:ln>
+            <a:noFill/>
+          </a:ln>
+        </p:spPr>
+        <p:txBody>
+          <a:bodyPr spcFirstLastPara="1" wrap="square" lIns="0" tIns="0" rIns="0" bIns="0" anchor="t" anchorCtr="0">
+            <a:spAutoFit/>
+          </a:bodyPr>
+          <a:lstStyle/>
+          <a:p>
+            <a:pPr marL="0" marR="0" lvl="0" indent="0" algn="l" rtl="0">
+              <a:lnSpc>
+                <a:spcPct val="70000"/>
+              </a:lnSpc>
+              <a:spcBef>
+                <a:spcPts val="0"/>
+              </a:spcBef>
+              <a:spcAft>
+                <a:spcPts val="0"/>
+              </a:spcAft>
+              <a:buNone/>
+            </a:pPr>
+            <a:r>
+              <a:rPr lang="en-US" sz="5000" b="1" i="0" u="none" strike="noStrike" cap="none" dirty="0" err="1">
+                <a:solidFill>
+                  <a:srgbClr val="FFFFFF"/>
+                </a:solidFill>
+                <a:latin typeface="DM Serif Display"/>
+                <a:ea typeface="DM Serif Display"/>
+                <a:cs typeface="DM Serif Display"/>
+                <a:sym typeface="DM Serif Display"/>
+              </a:rPr>
+              <a:t>Vantaggi</a:t>
+            </a:r>
+            <a:endParaRPr sz="5000" b="1" dirty="0"/>
+          </a:p>
+        </p:txBody>
+      </p:sp>
+      <p:sp>
+        <p:nvSpPr>
+          <p:cNvPr id="5" name="Google Shape;77;p12">
+            <a:extLst>
+              <a:ext uri="{FF2B5EF4-FFF2-40B4-BE49-F238E27FC236}">
+                <a16:creationId xmlns:a16="http://schemas.microsoft.com/office/drawing/2014/main" id="{D1546287-D964-0332-6325-4BEB39071878}"/>
+              </a:ext>
+            </a:extLst>
+          </p:cNvPr>
+          <p:cNvSpPr txBox="1"/>
+          <p:nvPr/>
+        </p:nvSpPr>
+        <p:spPr>
+          <a:xfrm>
+            <a:off x="12761623" y="3123446"/>
+            <a:ext cx="4826400" cy="2262158"/>
+          </a:xfrm>
+          <a:prstGeom prst="rect">
+            <a:avLst/>
+          </a:prstGeom>
+          <a:noFill/>
+          <a:ln>
+            <a:noFill/>
+          </a:ln>
+        </p:spPr>
+        <p:txBody>
+          <a:bodyPr spcFirstLastPara="1" wrap="square" lIns="0" tIns="0" rIns="0" bIns="0" anchor="t" anchorCtr="0">
+            <a:spAutoFit/>
+          </a:bodyPr>
+          <a:lstStyle/>
+          <a:p>
+            <a:pPr marL="0" marR="0" lvl="0" indent="0" algn="l" rtl="0">
+              <a:lnSpc>
+                <a:spcPct val="100000"/>
+              </a:lnSpc>
+              <a:spcBef>
+                <a:spcPts val="0"/>
+              </a:spcBef>
+              <a:spcAft>
+                <a:spcPts val="0"/>
+              </a:spcAft>
+              <a:buNone/>
+            </a:pPr>
+            <a:r>
+              <a:rPr lang="it-IT" sz="2100" b="0" i="0" u="none" strike="noStrike" cap="none" dirty="0">
+                <a:solidFill>
+                  <a:srgbClr val="FFFFFF"/>
+                </a:solidFill>
+                <a:latin typeface="DM Sans"/>
+                <a:ea typeface="DM Sans"/>
+                <a:cs typeface="DM Sans"/>
+                <a:sym typeface="DM Sans"/>
+              </a:rPr>
+              <a:t>Logica raggruppata in un unico luogo</a:t>
+            </a:r>
+          </a:p>
+          <a:p>
+            <a:pPr marL="0" marR="0" lvl="0" indent="0" algn="l" rtl="0">
+              <a:lnSpc>
+                <a:spcPct val="100000"/>
+              </a:lnSpc>
+              <a:spcBef>
+                <a:spcPts val="0"/>
+              </a:spcBef>
+              <a:spcAft>
+                <a:spcPts val="0"/>
+              </a:spcAft>
+              <a:buNone/>
+            </a:pPr>
+            <a:endParaRPr lang="it-IT" sz="2100" dirty="0">
+              <a:solidFill>
+                <a:srgbClr val="FFFFFF"/>
+              </a:solidFill>
+              <a:latin typeface="DM Sans"/>
+              <a:sym typeface="DM Sans"/>
+            </a:endParaRPr>
+          </a:p>
+          <a:p>
+            <a:pPr marL="0" marR="0" lvl="0" indent="0" algn="l" rtl="0">
+              <a:lnSpc>
+                <a:spcPct val="100000"/>
+              </a:lnSpc>
+              <a:spcBef>
+                <a:spcPts val="0"/>
+              </a:spcBef>
+              <a:spcAft>
+                <a:spcPts val="0"/>
+              </a:spcAft>
+              <a:buNone/>
+            </a:pPr>
+            <a:r>
+              <a:rPr lang="it-IT" sz="2100" dirty="0">
+                <a:solidFill>
+                  <a:srgbClr val="FFFFFF"/>
+                </a:solidFill>
+                <a:latin typeface="DM Sans"/>
+                <a:sym typeface="DM Sans"/>
+              </a:rPr>
+              <a:t>Codice più leggibile e riutilizzabile</a:t>
+            </a:r>
+          </a:p>
+          <a:p>
+            <a:pPr marL="0" marR="0" lvl="0" indent="0" algn="l" rtl="0">
+              <a:lnSpc>
+                <a:spcPct val="100000"/>
+              </a:lnSpc>
+              <a:spcBef>
+                <a:spcPts val="0"/>
+              </a:spcBef>
+              <a:spcAft>
+                <a:spcPts val="0"/>
+              </a:spcAft>
+              <a:buNone/>
+            </a:pPr>
+            <a:endParaRPr lang="it-IT" sz="2100" dirty="0">
+              <a:solidFill>
+                <a:srgbClr val="FFFFFF"/>
+              </a:solidFill>
+              <a:latin typeface="DM Sans"/>
+              <a:sym typeface="DM Sans"/>
+            </a:endParaRPr>
+          </a:p>
+          <a:p>
+            <a:pPr marL="0" marR="0" lvl="0" indent="0" algn="l" rtl="0">
+              <a:lnSpc>
+                <a:spcPct val="100000"/>
+              </a:lnSpc>
+              <a:spcBef>
+                <a:spcPts val="0"/>
+              </a:spcBef>
+              <a:spcAft>
+                <a:spcPts val="0"/>
+              </a:spcAft>
+              <a:buNone/>
+            </a:pPr>
+            <a:r>
+              <a:rPr lang="it-IT" sz="2100" dirty="0">
+                <a:solidFill>
+                  <a:srgbClr val="FFFFFF"/>
+                </a:solidFill>
+                <a:latin typeface="DM Sans"/>
+                <a:sym typeface="DM Sans"/>
+              </a:rPr>
+              <a:t>Security footprint ridotto, aggiornando un singolo file si aggiornano molte funzioni </a:t>
+            </a:r>
+            <a:endParaRPr dirty="0"/>
+          </a:p>
+        </p:txBody>
+      </p:sp>
+      <p:sp>
+        <p:nvSpPr>
+          <p:cNvPr id="9" name="Google Shape;76;p12">
+            <a:extLst>
+              <a:ext uri="{FF2B5EF4-FFF2-40B4-BE49-F238E27FC236}">
+                <a16:creationId xmlns:a16="http://schemas.microsoft.com/office/drawing/2014/main" id="{65E0EABB-06E3-41E0-C06E-6B735E7D8DC5}"/>
+              </a:ext>
+            </a:extLst>
+          </p:cNvPr>
+          <p:cNvSpPr txBox="1"/>
+          <p:nvPr/>
+        </p:nvSpPr>
+        <p:spPr>
+          <a:xfrm>
+            <a:off x="12559213" y="6074598"/>
+            <a:ext cx="5028810" cy="538609"/>
+          </a:xfrm>
+          <a:prstGeom prst="rect">
+            <a:avLst/>
+          </a:prstGeom>
+          <a:noFill/>
+          <a:ln>
+            <a:noFill/>
+          </a:ln>
+        </p:spPr>
+        <p:txBody>
+          <a:bodyPr spcFirstLastPara="1" wrap="square" lIns="0" tIns="0" rIns="0" bIns="0" anchor="t" anchorCtr="0">
+            <a:spAutoFit/>
+          </a:bodyPr>
+          <a:lstStyle/>
+          <a:p>
+            <a:pPr marL="0" marR="0" lvl="0" indent="0" algn="l" rtl="0">
+              <a:lnSpc>
+                <a:spcPct val="70000"/>
+              </a:lnSpc>
+              <a:spcBef>
+                <a:spcPts val="0"/>
+              </a:spcBef>
+              <a:spcAft>
+                <a:spcPts val="0"/>
+              </a:spcAft>
+              <a:buNone/>
+            </a:pPr>
+            <a:r>
+              <a:rPr lang="en-US" sz="5000" b="1" i="0" u="none" strike="noStrike" cap="none" dirty="0" err="1">
+                <a:solidFill>
+                  <a:srgbClr val="FFFFFF"/>
+                </a:solidFill>
+                <a:latin typeface="DM Serif Display"/>
+                <a:ea typeface="DM Serif Display"/>
+                <a:cs typeface="DM Serif Display"/>
+                <a:sym typeface="DM Serif Display"/>
+              </a:rPr>
+              <a:t>Svantaggi</a:t>
+            </a:r>
+            <a:endParaRPr sz="5000" b="1" dirty="0"/>
+          </a:p>
+        </p:txBody>
+      </p:sp>
+      <p:sp>
+        <p:nvSpPr>
+          <p:cNvPr id="10" name="Google Shape;77;p12">
+            <a:extLst>
+              <a:ext uri="{FF2B5EF4-FFF2-40B4-BE49-F238E27FC236}">
+                <a16:creationId xmlns:a16="http://schemas.microsoft.com/office/drawing/2014/main" id="{8315781F-FF9D-A90E-54B5-B2991E7809DC}"/>
+              </a:ext>
+            </a:extLst>
+          </p:cNvPr>
+          <p:cNvSpPr txBox="1"/>
+          <p:nvPr/>
+        </p:nvSpPr>
+        <p:spPr>
+          <a:xfrm>
+            <a:off x="12761623" y="6869278"/>
+            <a:ext cx="4826400" cy="1615827"/>
+          </a:xfrm>
+          <a:prstGeom prst="rect">
+            <a:avLst/>
+          </a:prstGeom>
+          <a:noFill/>
+          <a:ln>
+            <a:noFill/>
+          </a:ln>
+        </p:spPr>
+        <p:txBody>
+          <a:bodyPr spcFirstLastPara="1" wrap="square" lIns="0" tIns="0" rIns="0" bIns="0" anchor="t" anchorCtr="0">
+            <a:spAutoFit/>
+          </a:bodyPr>
+          <a:lstStyle/>
+          <a:p>
+            <a:pPr marL="0" marR="0" lvl="0" indent="0" algn="l" rtl="0">
+              <a:lnSpc>
+                <a:spcPct val="100000"/>
+              </a:lnSpc>
+              <a:spcBef>
+                <a:spcPts val="0"/>
+              </a:spcBef>
+              <a:spcAft>
+                <a:spcPts val="0"/>
+              </a:spcAft>
+              <a:buNone/>
+            </a:pPr>
+            <a:r>
+              <a:rPr lang="it-IT" sz="2100" b="0" i="0" u="none" strike="noStrike" cap="none" dirty="0">
+                <a:solidFill>
+                  <a:srgbClr val="FFFFFF"/>
+                </a:solidFill>
+                <a:latin typeface="DM Sans"/>
+                <a:ea typeface="DM Sans"/>
+                <a:cs typeface="DM Sans"/>
+                <a:sym typeface="DM Sans"/>
+              </a:rPr>
+              <a:t>Difficoltà nel capire quando creare una nuova funzione</a:t>
+            </a:r>
+          </a:p>
+          <a:p>
+            <a:pPr marL="0" marR="0" lvl="0" indent="0" algn="l" rtl="0">
+              <a:lnSpc>
+                <a:spcPct val="100000"/>
+              </a:lnSpc>
+              <a:spcBef>
+                <a:spcPts val="0"/>
+              </a:spcBef>
+              <a:spcAft>
+                <a:spcPts val="0"/>
+              </a:spcAft>
+              <a:buNone/>
+            </a:pPr>
+            <a:endParaRPr lang="it-IT" sz="2100" dirty="0">
+              <a:solidFill>
+                <a:srgbClr val="FFFFFF"/>
+              </a:solidFill>
+              <a:latin typeface="DM Sans"/>
+              <a:sym typeface="DM Sans"/>
+            </a:endParaRPr>
+          </a:p>
+          <a:p>
+            <a:pPr marL="0" marR="0" lvl="0" indent="0" algn="l" rtl="0">
+              <a:lnSpc>
+                <a:spcPct val="100000"/>
+              </a:lnSpc>
+              <a:spcBef>
+                <a:spcPts val="0"/>
+              </a:spcBef>
+              <a:spcAft>
+                <a:spcPts val="0"/>
+              </a:spcAft>
+              <a:buNone/>
+            </a:pPr>
+            <a:r>
+              <a:rPr lang="it-IT" sz="2100" dirty="0">
+                <a:solidFill>
+                  <a:srgbClr val="FFFFFF"/>
+                </a:solidFill>
+                <a:latin typeface="DM Sans"/>
+                <a:sym typeface="DM Sans"/>
+              </a:rPr>
+              <a:t>Aumento del raggio d’azione delle modifiche sul codice</a:t>
+            </a:r>
+            <a:endParaRPr dirty="0"/>
+          </a:p>
+        </p:txBody>
+      </p:sp>
+      <p:pic>
+        <p:nvPicPr>
+          <p:cNvPr id="6" name="Immagine 5" descr="Immagine che contiene testo, schermata, design&#10;&#10;Descrizione generata automaticamente">
+            <a:extLst>
+              <a:ext uri="{FF2B5EF4-FFF2-40B4-BE49-F238E27FC236}">
+                <a16:creationId xmlns:a16="http://schemas.microsoft.com/office/drawing/2014/main" id="{4D22FB15-87A6-F895-3822-5A47CA1F7C00}"/>
+              </a:ext>
+            </a:extLst>
+          </p:cNvPr>
+          <p:cNvPicPr>
+            <a:picLocks noChangeAspect="1"/>
+          </p:cNvPicPr>
+          <p:nvPr/>
+        </p:nvPicPr>
+        <p:blipFill>
+          <a:blip r:embed="rId2"/>
+          <a:stretch>
+            <a:fillRect/>
+          </a:stretch>
+        </p:blipFill>
+        <p:spPr>
+          <a:xfrm>
+            <a:off x="1028700" y="2392933"/>
+            <a:ext cx="10457182" cy="6214653"/>
+          </a:xfrm>
+          <a:prstGeom prst="rect">
+            <a:avLst/>
+          </a:prstGeom>
+        </p:spPr>
+      </p:pic>
+      <p:cxnSp>
+        <p:nvCxnSpPr>
+          <p:cNvPr id="11" name="Connettore 1 10">
+            <a:extLst>
+              <a:ext uri="{FF2B5EF4-FFF2-40B4-BE49-F238E27FC236}">
+                <a16:creationId xmlns:a16="http://schemas.microsoft.com/office/drawing/2014/main" id="{4BF229C9-89C2-29B7-53E8-D22C34340353}"/>
+              </a:ext>
+            </a:extLst>
+          </p:cNvPr>
+          <p:cNvCxnSpPr>
+            <a:cxnSpLocks/>
+          </p:cNvCxnSpPr>
+          <p:nvPr/>
+        </p:nvCxnSpPr>
+        <p:spPr>
+          <a:xfrm>
+            <a:off x="1028700" y="850900"/>
+            <a:ext cx="2120900" cy="0"/>
+          </a:xfrm>
+          <a:prstGeom prst="line">
+            <a:avLst/>
+          </a:prstGeom>
+          <a:ln>
+            <a:solidFill>
+              <a:schemeClr val="bg1"/>
+            </a:solidFill>
+          </a:ln>
+        </p:spPr>
+        <p:style>
+          <a:lnRef idx="3">
+            <a:schemeClr val="dk1"/>
+          </a:lnRef>
+          <a:fillRef idx="0">
+            <a:schemeClr val="dk1"/>
+          </a:fillRef>
+          <a:effectRef idx="2">
+            <a:schemeClr val="dk1"/>
+          </a:effectRef>
+          <a:fontRef idx="minor">
+            <a:schemeClr val="tx1"/>
+          </a:fontRef>
+        </p:style>
+      </p:cxnSp>
+    </p:spTree>
+    <p:extLst>
+      <p:ext uri="{BB962C8B-B14F-4D97-AF65-F5344CB8AC3E}">
+        <p14:creationId xmlns:p14="http://schemas.microsoft.com/office/powerpoint/2010/main" val="1584084655"/>
+      </p:ext>
+    </p:extLst>
+  </p:cSld>
+  <p:clrMapOvr>
+    <a:masterClrMapping/>
+  </p:clrMapOvr>
+</p:sld>
+</file>
+
 <file path=ppt/slides/slide21.xml><?xml version="1.0" encoding="utf-8"?>
 <p:sld xmlns:a="http://schemas.openxmlformats.org/drawingml/2006/main" xmlns:r="http://schemas.openxmlformats.org/officeDocument/2006/relationships" xmlns:p="http://schemas.openxmlformats.org/presentationml/2006/main">
   <p:cSld>
@@ -15395,48 +15102,54 @@
                 <a:cs typeface="DM Serif Display"/>
                 <a:sym typeface="DM Serif Display"/>
               </a:rPr>
-              <a:t> unica</a:t>
-            </a:r>
-            <a:endParaRPr sz="2500" dirty="0"/>
+              <a:t> per </a:t>
+            </a:r>
+            <a:r>
+              <a:rPr lang="en-US" sz="2500" b="0" i="0" u="none" strike="noStrike" cap="none" dirty="0" err="1">
+                <a:solidFill>
+                  <a:srgbClr val="FFFFFF"/>
+                </a:solidFill>
+                <a:latin typeface="DM Serif Display"/>
+                <a:ea typeface="DM Serif Display"/>
+                <a:cs typeface="DM Serif Display"/>
+                <a:sym typeface="DM Serif Display"/>
+              </a:rPr>
+              <a:t>ogni</a:t>
+            </a:r>
+            <a:r>
+              <a:rPr lang="en-US" sz="2500" b="0" i="0" u="none" strike="noStrike" cap="none" dirty="0">
+                <a:solidFill>
+                  <a:srgbClr val="FFFFFF"/>
+                </a:solidFill>
+                <a:latin typeface="DM Serif Display"/>
+                <a:ea typeface="DM Serif Display"/>
+                <a:cs typeface="DM Serif Display"/>
+                <a:sym typeface="DM Serif Display"/>
+              </a:rPr>
+              <a:t> </a:t>
+            </a:r>
+            <a:r>
+              <a:rPr lang="en-US" sz="2500" b="0" i="0" u="none" strike="noStrike" cap="none" dirty="0" err="1">
+                <a:solidFill>
+                  <a:srgbClr val="FFFFFF"/>
+                </a:solidFill>
+                <a:latin typeface="DM Serif Display"/>
+                <a:ea typeface="DM Serif Display"/>
+                <a:cs typeface="DM Serif Display"/>
+                <a:sym typeface="DM Serif Display"/>
+              </a:rPr>
+              <a:t>chiamata</a:t>
+            </a:r>
+            <a:endParaRPr lang="en-US" sz="2500" dirty="0"/>
           </a:p>
         </p:txBody>
       </p:sp>
-      <p:pic>
-        <p:nvPicPr>
-          <p:cNvPr id="3" name="Immagine 2" descr="Immagine che contiene testo, schermata, design&#10;&#10;Descrizione generata automaticamente">
+      <p:cxnSp>
+        <p:nvCxnSpPr>
+          <p:cNvPr id="14" name="Connettore 1 13">
             <a:extLst>
               <a:ext uri="{FF2B5EF4-FFF2-40B4-BE49-F238E27FC236}">
-                <a16:creationId xmlns:a16="http://schemas.microsoft.com/office/drawing/2014/main" id="{4873DE8B-48F0-9987-F8F8-53FDDEA6F117}"/>
-              </a:ext>
-            </a:extLst>
-          </p:cNvPr>
-          <p:cNvPicPr>
-            <a:picLocks noChangeAspect="1"/>
-          </p:cNvPicPr>
-          <p:nvPr/>
-        </p:nvPicPr>
-        <p:blipFill>
-          <a:blip r:embed="rId2"/>
-          <a:stretch>
-            <a:fillRect/>
-          </a:stretch>
-        </p:blipFill>
-        <p:spPr>
-          <a:xfrm>
-            <a:off x="1028700" y="2392934"/>
-            <a:ext cx="10463090" cy="6214654"/>
-          </a:xfrm>
-          <a:prstGeom prst="rect">
-            <a:avLst/>
-          </a:prstGeom>
-        </p:spPr>
-      </p:pic>
-      <p:cxnSp>
-        <p:nvCxnSpPr>
-          <p:cNvPr id="11" name="Connettore 1 10">
-            <a:extLst>
-              <a:ext uri="{FF2B5EF4-FFF2-40B4-BE49-F238E27FC236}">
-                <a16:creationId xmlns:a16="http://schemas.microsoft.com/office/drawing/2014/main" id="{4BF229C9-89C2-29B7-53E8-D22C34340353}"/>
+                <a16:creationId xmlns:a16="http://schemas.microsoft.com/office/drawing/2014/main" id="{EC915BC0-3D4F-91F3-BDEE-B3BB00D635D3}"/>
               </a:ext>
             </a:extLst>
           </p:cNvPr>
@@ -15448,7 +15161,7 @@
         <p:spPr>
           <a:xfrm>
             <a:off x="1028700" y="850900"/>
-            <a:ext cx="2120900" cy="0"/>
+            <a:ext cx="3924300" cy="0"/>
           </a:xfrm>
           <a:prstGeom prst="line">
             <a:avLst/>
@@ -15474,10 +15187,40 @@
           </a:fontRef>
         </p:style>
       </p:cxnSp>
+      <p:pic>
+        <p:nvPicPr>
+          <p:cNvPr id="3" name="Immagine 2" descr="Immagine che contiene testo, schermata, diagramma, design&#10;&#10;Descrizione generata automaticamente">
+            <a:extLst>
+              <a:ext uri="{FF2B5EF4-FFF2-40B4-BE49-F238E27FC236}">
+                <a16:creationId xmlns:a16="http://schemas.microsoft.com/office/drawing/2014/main" id="{F3E36281-9D1A-2AA3-F5DC-C878D633761F}"/>
+              </a:ext>
+            </a:extLst>
+          </p:cNvPr>
+          <p:cNvPicPr>
+            <a:picLocks noChangeAspect="1"/>
+          </p:cNvPicPr>
+          <p:nvPr/>
+        </p:nvPicPr>
+        <p:blipFill>
+          <a:blip r:embed="rId2"/>
+          <a:stretch>
+            <a:fillRect/>
+          </a:stretch>
+        </p:blipFill>
+        <p:spPr>
+          <a:xfrm>
+            <a:off x="1028699" y="2392934"/>
+            <a:ext cx="10435407" cy="6110665"/>
+          </a:xfrm>
+          <a:prstGeom prst="rect">
+            <a:avLst/>
+          </a:prstGeom>
+        </p:spPr>
+      </p:pic>
     </p:spTree>
     <p:extLst>
       <p:ext uri="{BB962C8B-B14F-4D97-AF65-F5344CB8AC3E}">
-        <p14:creationId xmlns:p14="http://schemas.microsoft.com/office/powerpoint/2010/main" val="1767271671"/>
+        <p14:creationId xmlns:p14="http://schemas.microsoft.com/office/powerpoint/2010/main" val="702630100"/>
       </p:ext>
     </p:extLst>
   </p:cSld>
@@ -15569,48 +15312,54 @@
                 <a:cs typeface="DM Serif Display"/>
                 <a:sym typeface="DM Serif Display"/>
               </a:rPr>
-              <a:t> unica</a:t>
-            </a:r>
-            <a:endParaRPr sz="2500" dirty="0"/>
+              <a:t> per </a:t>
+            </a:r>
+            <a:r>
+              <a:rPr lang="en-US" sz="2500" b="0" i="0" u="none" strike="noStrike" cap="none" dirty="0" err="1">
+                <a:solidFill>
+                  <a:srgbClr val="FFFFFF"/>
+                </a:solidFill>
+                <a:latin typeface="DM Serif Display"/>
+                <a:ea typeface="DM Serif Display"/>
+                <a:cs typeface="DM Serif Display"/>
+                <a:sym typeface="DM Serif Display"/>
+              </a:rPr>
+              <a:t>ogni</a:t>
+            </a:r>
+            <a:r>
+              <a:rPr lang="en-US" sz="2500" b="0" i="0" u="none" strike="noStrike" cap="none" dirty="0">
+                <a:solidFill>
+                  <a:srgbClr val="FFFFFF"/>
+                </a:solidFill>
+                <a:latin typeface="DM Serif Display"/>
+                <a:ea typeface="DM Serif Display"/>
+                <a:cs typeface="DM Serif Display"/>
+                <a:sym typeface="DM Serif Display"/>
+              </a:rPr>
+              <a:t> </a:t>
+            </a:r>
+            <a:r>
+              <a:rPr lang="en-US" sz="2500" b="0" i="0" u="none" strike="noStrike" cap="none" dirty="0" err="1">
+                <a:solidFill>
+                  <a:srgbClr val="FFFFFF"/>
+                </a:solidFill>
+                <a:latin typeface="DM Serif Display"/>
+                <a:ea typeface="DM Serif Display"/>
+                <a:cs typeface="DM Serif Display"/>
+                <a:sym typeface="DM Serif Display"/>
+              </a:rPr>
+              <a:t>chiamata</a:t>
+            </a:r>
+            <a:endParaRPr lang="en-US" sz="2500" dirty="0"/>
           </a:p>
         </p:txBody>
       </p:sp>
-      <p:pic>
-        <p:nvPicPr>
-          <p:cNvPr id="3" name="Immagine 2" descr="Immagine che contiene testo, schermata, design&#10;&#10;Descrizione generata automaticamente">
+      <p:sp>
+        <p:nvSpPr>
+          <p:cNvPr id="7" name="Google Shape;76;p12">
             <a:extLst>
               <a:ext uri="{FF2B5EF4-FFF2-40B4-BE49-F238E27FC236}">
-                <a16:creationId xmlns:a16="http://schemas.microsoft.com/office/drawing/2014/main" id="{4873DE8B-48F0-9987-F8F8-53FDDEA6F117}"/>
-              </a:ext>
-            </a:extLst>
-          </p:cNvPr>
-          <p:cNvPicPr>
-            <a:picLocks noChangeAspect="1"/>
-          </p:cNvPicPr>
-          <p:nvPr/>
-        </p:nvPicPr>
-        <p:blipFill>
-          <a:blip r:embed="rId2"/>
-          <a:stretch>
-            <a:fillRect/>
-          </a:stretch>
-        </p:blipFill>
-        <p:spPr>
-          <a:xfrm>
-            <a:off x="1028700" y="2392934"/>
-            <a:ext cx="10463090" cy="6214654"/>
-          </a:xfrm>
-          <a:prstGeom prst="rect">
-            <a:avLst/>
-          </a:prstGeom>
-        </p:spPr>
-      </p:pic>
-      <p:sp>
-        <p:nvSpPr>
-          <p:cNvPr id="4" name="Google Shape;76;p12">
-            <a:extLst>
-              <a:ext uri="{FF2B5EF4-FFF2-40B4-BE49-F238E27FC236}">
-                <a16:creationId xmlns:a16="http://schemas.microsoft.com/office/drawing/2014/main" id="{D1CD1B1A-730D-EB34-EB9F-8FB29D659360}"/>
+                <a16:creationId xmlns:a16="http://schemas.microsoft.com/office/drawing/2014/main" id="{CF0D02C4-201F-8296-FAA4-9312737689E0}"/>
               </a:ext>
             </a:extLst>
           </p:cNvPr>
@@ -15666,10 +15415,10 @@
       </p:sp>
       <p:sp>
         <p:nvSpPr>
-          <p:cNvPr id="5" name="Google Shape;77;p12">
+          <p:cNvPr id="11" name="Google Shape;77;p12">
             <a:extLst>
               <a:ext uri="{FF2B5EF4-FFF2-40B4-BE49-F238E27FC236}">
-                <a16:creationId xmlns:a16="http://schemas.microsoft.com/office/drawing/2014/main" id="{D1546287-D964-0332-6325-4BEB39071878}"/>
+                <a16:creationId xmlns:a16="http://schemas.microsoft.com/office/drawing/2014/main" id="{4F3FFCD8-E079-DDEA-BF3A-A35AC351A26A}"/>
               </a:ext>
             </a:extLst>
           </p:cNvPr>
@@ -15679,7 +15428,7 @@
         <p:spPr>
           <a:xfrm>
             <a:off x="12761623" y="3123446"/>
-            <a:ext cx="4826400" cy="2262158"/>
+            <a:ext cx="4826400" cy="2585323"/>
           </a:xfrm>
           <a:prstGeom prst="rect">
             <a:avLst/>
@@ -15717,7 +15466,7 @@
                 <a:cs typeface="DM Sans"/>
                 <a:sym typeface="DM Sans"/>
               </a:rPr>
-              <a:t>Logica raggruppata in un unico luogo</a:t>
+              <a:t>Massima riusabilità del codice</a:t>
             </a:r>
           </a:p>
           <a:p>
@@ -15762,7 +15511,17 @@
                 <a:latin typeface="DM Sans"/>
                 <a:sym typeface="DM Sans"/>
               </a:rPr>
-              <a:t>Codice più leggibile e riutilizzabile</a:t>
+              <a:t>Porta alla scrittura di codice più testabile, seguendo il </a:t>
+            </a:r>
+            <a:r>
+              <a:rPr lang="it-IT" sz="2100" i="1" dirty="0">
+                <a:solidFill>
+                  <a:srgbClr val="FFFFFF"/>
+                </a:solidFill>
+                <a:latin typeface="DM Sans"/>
+                <a:sym typeface="DM Sans"/>
+              </a:rPr>
+              <a:t>Single Responsability Principle</a:t>
             </a:r>
           </a:p>
           <a:p>
@@ -15807,18 +15566,17 @@
                 <a:latin typeface="DM Sans"/>
                 <a:sym typeface="DM Sans"/>
               </a:rPr>
-              <a:t>Security footprint ridotto, aggiornando un singolo file si aggiornano molte funzioni </a:t>
-            </a:r>
-            <a:endParaRPr dirty="0"/>
+              <a:t>Ottimizzazione dei tempi di esecuzione, e di conseguenza dei costi</a:t>
+            </a:r>
           </a:p>
         </p:txBody>
       </p:sp>
       <p:cxnSp>
         <p:nvCxnSpPr>
-          <p:cNvPr id="11" name="Connettore 1 10">
+          <p:cNvPr id="14" name="Connettore 1 13">
             <a:extLst>
               <a:ext uri="{FF2B5EF4-FFF2-40B4-BE49-F238E27FC236}">
-                <a16:creationId xmlns:a16="http://schemas.microsoft.com/office/drawing/2014/main" id="{4BF229C9-89C2-29B7-53E8-D22C34340353}"/>
+                <a16:creationId xmlns:a16="http://schemas.microsoft.com/office/drawing/2014/main" id="{EC915BC0-3D4F-91F3-BDEE-B3BB00D635D3}"/>
               </a:ext>
             </a:extLst>
           </p:cNvPr>
@@ -15830,7 +15588,7 @@
         <p:spPr>
           <a:xfrm>
             <a:off x="1028700" y="850900"/>
-            <a:ext cx="2120900" cy="0"/>
+            <a:ext cx="3924300" cy="0"/>
           </a:xfrm>
           <a:prstGeom prst="line">
             <a:avLst/>
@@ -15856,10 +15614,40 @@
           </a:fontRef>
         </p:style>
       </p:cxnSp>
+      <p:pic>
+        <p:nvPicPr>
+          <p:cNvPr id="3" name="Immagine 2" descr="Immagine che contiene testo, schermata, diagramma, design&#10;&#10;Descrizione generata automaticamente">
+            <a:extLst>
+              <a:ext uri="{FF2B5EF4-FFF2-40B4-BE49-F238E27FC236}">
+                <a16:creationId xmlns:a16="http://schemas.microsoft.com/office/drawing/2014/main" id="{F3E36281-9D1A-2AA3-F5DC-C878D633761F}"/>
+              </a:ext>
+            </a:extLst>
+          </p:cNvPr>
+          <p:cNvPicPr>
+            <a:picLocks noChangeAspect="1"/>
+          </p:cNvPicPr>
+          <p:nvPr/>
+        </p:nvPicPr>
+        <p:blipFill>
+          <a:blip r:embed="rId2"/>
+          <a:stretch>
+            <a:fillRect/>
+          </a:stretch>
+        </p:blipFill>
+        <p:spPr>
+          <a:xfrm>
+            <a:off x="1028699" y="2392934"/>
+            <a:ext cx="10435407" cy="6110665"/>
+          </a:xfrm>
+          <a:prstGeom prst="rect">
+            <a:avLst/>
+          </a:prstGeom>
+        </p:spPr>
+      </p:pic>
     </p:spTree>
     <p:extLst>
       <p:ext uri="{BB962C8B-B14F-4D97-AF65-F5344CB8AC3E}">
-        <p14:creationId xmlns:p14="http://schemas.microsoft.com/office/powerpoint/2010/main" val="4056041825"/>
+        <p14:creationId xmlns:p14="http://schemas.microsoft.com/office/powerpoint/2010/main" val="3322163876"/>
       </p:ext>
     </p:extLst>
   </p:cSld>
@@ -15951,761 +15739,6 @@
                 <a:cs typeface="DM Serif Display"/>
                 <a:sym typeface="DM Serif Display"/>
               </a:rPr>
-              <a:t> unica</a:t>
-            </a:r>
-            <a:endParaRPr sz="2500" dirty="0"/>
-          </a:p>
-        </p:txBody>
-      </p:sp>
-      <p:pic>
-        <p:nvPicPr>
-          <p:cNvPr id="3" name="Immagine 2" descr="Immagine che contiene testo, schermata, design&#10;&#10;Descrizione generata automaticamente">
-            <a:extLst>
-              <a:ext uri="{FF2B5EF4-FFF2-40B4-BE49-F238E27FC236}">
-                <a16:creationId xmlns:a16="http://schemas.microsoft.com/office/drawing/2014/main" id="{4873DE8B-48F0-9987-F8F8-53FDDEA6F117}"/>
-              </a:ext>
-            </a:extLst>
-          </p:cNvPr>
-          <p:cNvPicPr>
-            <a:picLocks noChangeAspect="1"/>
-          </p:cNvPicPr>
-          <p:nvPr/>
-        </p:nvPicPr>
-        <p:blipFill>
-          <a:blip r:embed="rId2"/>
-          <a:stretch>
-            <a:fillRect/>
-          </a:stretch>
-        </p:blipFill>
-        <p:spPr>
-          <a:xfrm>
-            <a:off x="1028700" y="2392934"/>
-            <a:ext cx="10463090" cy="6214654"/>
-          </a:xfrm>
-          <a:prstGeom prst="rect">
-            <a:avLst/>
-          </a:prstGeom>
-        </p:spPr>
-      </p:pic>
-      <p:sp>
-        <p:nvSpPr>
-          <p:cNvPr id="4" name="Google Shape;76;p12">
-            <a:extLst>
-              <a:ext uri="{FF2B5EF4-FFF2-40B4-BE49-F238E27FC236}">
-                <a16:creationId xmlns:a16="http://schemas.microsoft.com/office/drawing/2014/main" id="{D1CD1B1A-730D-EB34-EB9F-8FB29D659360}"/>
-              </a:ext>
-            </a:extLst>
-          </p:cNvPr>
-          <p:cNvSpPr txBox="1"/>
-          <p:nvPr/>
-        </p:nvSpPr>
-        <p:spPr>
-          <a:xfrm>
-            <a:off x="12559213" y="2328766"/>
-            <a:ext cx="5028810" cy="538609"/>
-          </a:xfrm>
-          <a:prstGeom prst="rect">
-            <a:avLst/>
-          </a:prstGeom>
-          <a:noFill/>
-          <a:ln>
-            <a:noFill/>
-          </a:ln>
-        </p:spPr>
-        <p:txBody>
-          <a:bodyPr spcFirstLastPara="1" wrap="square" lIns="0" tIns="0" rIns="0" bIns="0" anchor="t" anchorCtr="0">
-            <a:spAutoFit/>
-          </a:bodyPr>
-          <a:lstStyle/>
-          <a:p>
-            <a:pPr marL="0" marR="0" lvl="0" indent="0" algn="l" rtl="0">
-              <a:lnSpc>
-                <a:spcPct val="70000"/>
-              </a:lnSpc>
-              <a:spcBef>
-                <a:spcPts val="0"/>
-              </a:spcBef>
-              <a:spcAft>
-                <a:spcPts val="0"/>
-              </a:spcAft>
-              <a:buNone/>
-            </a:pPr>
-            <a:r>
-              <a:rPr lang="en-US" sz="5000" b="1" i="0" u="none" strike="noStrike" cap="none" dirty="0" err="1">
-                <a:solidFill>
-                  <a:srgbClr val="FFFFFF"/>
-                </a:solidFill>
-                <a:latin typeface="DM Serif Display"/>
-                <a:ea typeface="DM Serif Display"/>
-                <a:cs typeface="DM Serif Display"/>
-                <a:sym typeface="DM Serif Display"/>
-              </a:rPr>
-              <a:t>Vantaggi</a:t>
-            </a:r>
-            <a:endParaRPr sz="5000" b="1" dirty="0"/>
-          </a:p>
-        </p:txBody>
-      </p:sp>
-      <p:sp>
-        <p:nvSpPr>
-          <p:cNvPr id="5" name="Google Shape;77;p12">
-            <a:extLst>
-              <a:ext uri="{FF2B5EF4-FFF2-40B4-BE49-F238E27FC236}">
-                <a16:creationId xmlns:a16="http://schemas.microsoft.com/office/drawing/2014/main" id="{D1546287-D964-0332-6325-4BEB39071878}"/>
-              </a:ext>
-            </a:extLst>
-          </p:cNvPr>
-          <p:cNvSpPr txBox="1"/>
-          <p:nvPr/>
-        </p:nvSpPr>
-        <p:spPr>
-          <a:xfrm>
-            <a:off x="12761623" y="3123446"/>
-            <a:ext cx="4826400" cy="2262158"/>
-          </a:xfrm>
-          <a:prstGeom prst="rect">
-            <a:avLst/>
-          </a:prstGeom>
-          <a:noFill/>
-          <a:ln>
-            <a:noFill/>
-          </a:ln>
-        </p:spPr>
-        <p:txBody>
-          <a:bodyPr spcFirstLastPara="1" wrap="square" lIns="0" tIns="0" rIns="0" bIns="0" anchor="t" anchorCtr="0">
-            <a:spAutoFit/>
-          </a:bodyPr>
-          <a:lstStyle/>
-          <a:p>
-            <a:pPr marL="0" marR="0" lvl="0" indent="0" algn="l" rtl="0">
-              <a:lnSpc>
-                <a:spcPct val="100000"/>
-              </a:lnSpc>
-              <a:spcBef>
-                <a:spcPts val="0"/>
-              </a:spcBef>
-              <a:spcAft>
-                <a:spcPts val="0"/>
-              </a:spcAft>
-              <a:buNone/>
-            </a:pPr>
-            <a:r>
-              <a:rPr lang="it-IT" sz="2100" b="0" i="0" u="none" strike="noStrike" cap="none" dirty="0">
-                <a:solidFill>
-                  <a:srgbClr val="FFFFFF"/>
-                </a:solidFill>
-                <a:latin typeface="DM Sans"/>
-                <a:ea typeface="DM Sans"/>
-                <a:cs typeface="DM Sans"/>
-                <a:sym typeface="DM Sans"/>
-              </a:rPr>
-              <a:t>Logica raggruppata in un unico luogo</a:t>
-            </a:r>
-          </a:p>
-          <a:p>
-            <a:pPr marL="0" marR="0" lvl="0" indent="0" algn="l" rtl="0">
-              <a:lnSpc>
-                <a:spcPct val="100000"/>
-              </a:lnSpc>
-              <a:spcBef>
-                <a:spcPts val="0"/>
-              </a:spcBef>
-              <a:spcAft>
-                <a:spcPts val="0"/>
-              </a:spcAft>
-              <a:buNone/>
-            </a:pPr>
-            <a:endParaRPr lang="it-IT" sz="2100" dirty="0">
-              <a:solidFill>
-                <a:srgbClr val="FFFFFF"/>
-              </a:solidFill>
-              <a:latin typeface="DM Sans"/>
-              <a:sym typeface="DM Sans"/>
-            </a:endParaRPr>
-          </a:p>
-          <a:p>
-            <a:pPr marL="0" marR="0" lvl="0" indent="0" algn="l" rtl="0">
-              <a:lnSpc>
-                <a:spcPct val="100000"/>
-              </a:lnSpc>
-              <a:spcBef>
-                <a:spcPts val="0"/>
-              </a:spcBef>
-              <a:spcAft>
-                <a:spcPts val="0"/>
-              </a:spcAft>
-              <a:buNone/>
-            </a:pPr>
-            <a:r>
-              <a:rPr lang="it-IT" sz="2100" dirty="0">
-                <a:solidFill>
-                  <a:srgbClr val="FFFFFF"/>
-                </a:solidFill>
-                <a:latin typeface="DM Sans"/>
-                <a:sym typeface="DM Sans"/>
-              </a:rPr>
-              <a:t>Codice più leggibile e riutilizzabile</a:t>
-            </a:r>
-          </a:p>
-          <a:p>
-            <a:pPr marL="0" marR="0" lvl="0" indent="0" algn="l" rtl="0">
-              <a:lnSpc>
-                <a:spcPct val="100000"/>
-              </a:lnSpc>
-              <a:spcBef>
-                <a:spcPts val="0"/>
-              </a:spcBef>
-              <a:spcAft>
-                <a:spcPts val="0"/>
-              </a:spcAft>
-              <a:buNone/>
-            </a:pPr>
-            <a:endParaRPr lang="it-IT" sz="2100" dirty="0">
-              <a:solidFill>
-                <a:srgbClr val="FFFFFF"/>
-              </a:solidFill>
-              <a:latin typeface="DM Sans"/>
-              <a:sym typeface="DM Sans"/>
-            </a:endParaRPr>
-          </a:p>
-          <a:p>
-            <a:pPr marL="0" marR="0" lvl="0" indent="0" algn="l" rtl="0">
-              <a:lnSpc>
-                <a:spcPct val="100000"/>
-              </a:lnSpc>
-              <a:spcBef>
-                <a:spcPts val="0"/>
-              </a:spcBef>
-              <a:spcAft>
-                <a:spcPts val="0"/>
-              </a:spcAft>
-              <a:buNone/>
-            </a:pPr>
-            <a:r>
-              <a:rPr lang="it-IT" sz="2100" dirty="0">
-                <a:solidFill>
-                  <a:srgbClr val="FFFFFF"/>
-                </a:solidFill>
-                <a:latin typeface="DM Sans"/>
-                <a:sym typeface="DM Sans"/>
-              </a:rPr>
-              <a:t>Security footprint ridotto, aggiornando un singolo file si aggiornano molte funzioni </a:t>
-            </a:r>
-            <a:endParaRPr dirty="0"/>
-          </a:p>
-        </p:txBody>
-      </p:sp>
-      <p:sp>
-        <p:nvSpPr>
-          <p:cNvPr id="9" name="Google Shape;76;p12">
-            <a:extLst>
-              <a:ext uri="{FF2B5EF4-FFF2-40B4-BE49-F238E27FC236}">
-                <a16:creationId xmlns:a16="http://schemas.microsoft.com/office/drawing/2014/main" id="{65E0EABB-06E3-41E0-C06E-6B735E7D8DC5}"/>
-              </a:ext>
-            </a:extLst>
-          </p:cNvPr>
-          <p:cNvSpPr txBox="1"/>
-          <p:nvPr/>
-        </p:nvSpPr>
-        <p:spPr>
-          <a:xfrm>
-            <a:off x="12559213" y="6074598"/>
-            <a:ext cx="5028810" cy="538609"/>
-          </a:xfrm>
-          <a:prstGeom prst="rect">
-            <a:avLst/>
-          </a:prstGeom>
-          <a:noFill/>
-          <a:ln>
-            <a:noFill/>
-          </a:ln>
-        </p:spPr>
-        <p:txBody>
-          <a:bodyPr spcFirstLastPara="1" wrap="square" lIns="0" tIns="0" rIns="0" bIns="0" anchor="t" anchorCtr="0">
-            <a:spAutoFit/>
-          </a:bodyPr>
-          <a:lstStyle/>
-          <a:p>
-            <a:pPr marL="0" marR="0" lvl="0" indent="0" algn="l" rtl="0">
-              <a:lnSpc>
-                <a:spcPct val="70000"/>
-              </a:lnSpc>
-              <a:spcBef>
-                <a:spcPts val="0"/>
-              </a:spcBef>
-              <a:spcAft>
-                <a:spcPts val="0"/>
-              </a:spcAft>
-              <a:buNone/>
-            </a:pPr>
-            <a:r>
-              <a:rPr lang="en-US" sz="5000" b="1" i="0" u="none" strike="noStrike" cap="none" dirty="0" err="1">
-                <a:solidFill>
-                  <a:srgbClr val="FFFFFF"/>
-                </a:solidFill>
-                <a:latin typeface="DM Serif Display"/>
-                <a:ea typeface="DM Serif Display"/>
-                <a:cs typeface="DM Serif Display"/>
-                <a:sym typeface="DM Serif Display"/>
-              </a:rPr>
-              <a:t>Svantaggi</a:t>
-            </a:r>
-            <a:endParaRPr sz="5000" b="1" dirty="0"/>
-          </a:p>
-        </p:txBody>
-      </p:sp>
-      <p:sp>
-        <p:nvSpPr>
-          <p:cNvPr id="10" name="Google Shape;77;p12">
-            <a:extLst>
-              <a:ext uri="{FF2B5EF4-FFF2-40B4-BE49-F238E27FC236}">
-                <a16:creationId xmlns:a16="http://schemas.microsoft.com/office/drawing/2014/main" id="{8315781F-FF9D-A90E-54B5-B2991E7809DC}"/>
-              </a:ext>
-            </a:extLst>
-          </p:cNvPr>
-          <p:cNvSpPr txBox="1"/>
-          <p:nvPr/>
-        </p:nvSpPr>
-        <p:spPr>
-          <a:xfrm>
-            <a:off x="12761623" y="6869278"/>
-            <a:ext cx="4826400" cy="1615827"/>
-          </a:xfrm>
-          <a:prstGeom prst="rect">
-            <a:avLst/>
-          </a:prstGeom>
-          <a:noFill/>
-          <a:ln>
-            <a:noFill/>
-          </a:ln>
-        </p:spPr>
-        <p:txBody>
-          <a:bodyPr spcFirstLastPara="1" wrap="square" lIns="0" tIns="0" rIns="0" bIns="0" anchor="t" anchorCtr="0">
-            <a:spAutoFit/>
-          </a:bodyPr>
-          <a:lstStyle/>
-          <a:p>
-            <a:pPr marL="0" marR="0" lvl="0" indent="0" algn="l" rtl="0">
-              <a:lnSpc>
-                <a:spcPct val="100000"/>
-              </a:lnSpc>
-              <a:spcBef>
-                <a:spcPts val="0"/>
-              </a:spcBef>
-              <a:spcAft>
-                <a:spcPts val="0"/>
-              </a:spcAft>
-              <a:buNone/>
-            </a:pPr>
-            <a:r>
-              <a:rPr lang="it-IT" sz="2100" b="0" i="0" u="none" strike="noStrike" cap="none" dirty="0">
-                <a:solidFill>
-                  <a:srgbClr val="FFFFFF"/>
-                </a:solidFill>
-                <a:latin typeface="DM Sans"/>
-                <a:ea typeface="DM Sans"/>
-                <a:cs typeface="DM Sans"/>
-                <a:sym typeface="DM Sans"/>
-              </a:rPr>
-              <a:t>Difficoltà nel capire quando creare una nuova funzione</a:t>
-            </a:r>
-          </a:p>
-          <a:p>
-            <a:pPr marL="0" marR="0" lvl="0" indent="0" algn="l" rtl="0">
-              <a:lnSpc>
-                <a:spcPct val="100000"/>
-              </a:lnSpc>
-              <a:spcBef>
-                <a:spcPts val="0"/>
-              </a:spcBef>
-              <a:spcAft>
-                <a:spcPts val="0"/>
-              </a:spcAft>
-              <a:buNone/>
-            </a:pPr>
-            <a:endParaRPr lang="it-IT" sz="2100" dirty="0">
-              <a:solidFill>
-                <a:srgbClr val="FFFFFF"/>
-              </a:solidFill>
-              <a:latin typeface="DM Sans"/>
-              <a:sym typeface="DM Sans"/>
-            </a:endParaRPr>
-          </a:p>
-          <a:p>
-            <a:pPr marL="0" marR="0" lvl="0" indent="0" algn="l" rtl="0">
-              <a:lnSpc>
-                <a:spcPct val="100000"/>
-              </a:lnSpc>
-              <a:spcBef>
-                <a:spcPts val="0"/>
-              </a:spcBef>
-              <a:spcAft>
-                <a:spcPts val="0"/>
-              </a:spcAft>
-              <a:buNone/>
-            </a:pPr>
-            <a:r>
-              <a:rPr lang="it-IT" sz="2100" dirty="0">
-                <a:solidFill>
-                  <a:srgbClr val="FFFFFF"/>
-                </a:solidFill>
-                <a:latin typeface="DM Sans"/>
-                <a:sym typeface="DM Sans"/>
-              </a:rPr>
-              <a:t>Aumento del raggio d’azione delle modifiche sul codice</a:t>
-            </a:r>
-            <a:endParaRPr dirty="0"/>
-          </a:p>
-        </p:txBody>
-      </p:sp>
-      <p:cxnSp>
-        <p:nvCxnSpPr>
-          <p:cNvPr id="11" name="Connettore 1 10">
-            <a:extLst>
-              <a:ext uri="{FF2B5EF4-FFF2-40B4-BE49-F238E27FC236}">
-                <a16:creationId xmlns:a16="http://schemas.microsoft.com/office/drawing/2014/main" id="{4BF229C9-89C2-29B7-53E8-D22C34340353}"/>
-              </a:ext>
-            </a:extLst>
-          </p:cNvPr>
-          <p:cNvCxnSpPr>
-            <a:cxnSpLocks/>
-          </p:cNvCxnSpPr>
-          <p:nvPr/>
-        </p:nvCxnSpPr>
-        <p:spPr>
-          <a:xfrm>
-            <a:off x="1028700" y="850900"/>
-            <a:ext cx="2120900" cy="0"/>
-          </a:xfrm>
-          <a:prstGeom prst="line">
-            <a:avLst/>
-          </a:prstGeom>
-          <a:ln>
-            <a:solidFill>
-              <a:schemeClr val="bg1"/>
-            </a:solidFill>
-          </a:ln>
-        </p:spPr>
-        <p:style>
-          <a:lnRef idx="3">
-            <a:schemeClr val="dk1"/>
-          </a:lnRef>
-          <a:fillRef idx="0">
-            <a:schemeClr val="dk1"/>
-          </a:fillRef>
-          <a:effectRef idx="2">
-            <a:schemeClr val="dk1"/>
-          </a:effectRef>
-          <a:fontRef idx="minor">
-            <a:schemeClr val="tx1"/>
-          </a:fontRef>
-        </p:style>
-      </p:cxnSp>
-    </p:spTree>
-    <p:extLst>
-      <p:ext uri="{BB962C8B-B14F-4D97-AF65-F5344CB8AC3E}">
-        <p14:creationId xmlns:p14="http://schemas.microsoft.com/office/powerpoint/2010/main" val="2304559181"/>
-      </p:ext>
-    </p:extLst>
-  </p:cSld>
-  <p:clrMapOvr>
-    <a:masterClrMapping/>
-  </p:clrMapOvr>
-</p:sld>
-</file>
-
-<file path=ppt/slides/slide24.xml><?xml version="1.0" encoding="utf-8"?>
-<p:sld xmlns:a="http://schemas.openxmlformats.org/drawingml/2006/main" xmlns:r="http://schemas.openxmlformats.org/officeDocument/2006/relationships" xmlns:p="http://schemas.openxmlformats.org/presentationml/2006/main">
-  <p:cSld>
-    <p:spTree>
-      <p:nvGrpSpPr>
-        <p:cNvPr id="1" name=""/>
-        <p:cNvGrpSpPr/>
-        <p:nvPr/>
-      </p:nvGrpSpPr>
-      <p:grpSpPr>
-        <a:xfrm>
-          <a:off x="0" y="0"/>
-          <a:ext cx="0" cy="0"/>
-          <a:chOff x="0" y="0"/>
-          <a:chExt cx="0" cy="0"/>
-        </a:xfrm>
-      </p:grpSpPr>
-      <p:sp>
-        <p:nvSpPr>
-          <p:cNvPr id="8" name="Google Shape;56;p10">
-            <a:extLst>
-              <a:ext uri="{FF2B5EF4-FFF2-40B4-BE49-F238E27FC236}">
-                <a16:creationId xmlns:a16="http://schemas.microsoft.com/office/drawing/2014/main" id="{0E534E2B-B9B0-016A-73CF-EE8D0D011C0F}"/>
-              </a:ext>
-            </a:extLst>
-          </p:cNvPr>
-          <p:cNvSpPr txBox="1"/>
-          <p:nvPr/>
-        </p:nvSpPr>
-        <p:spPr>
-          <a:xfrm>
-            <a:off x="1028700" y="434774"/>
-            <a:ext cx="5728091" cy="307777"/>
-          </a:xfrm>
-          <a:prstGeom prst="rect">
-            <a:avLst/>
-          </a:prstGeom>
-          <a:noFill/>
-          <a:ln>
-            <a:noFill/>
-          </a:ln>
-        </p:spPr>
-        <p:txBody>
-          <a:bodyPr spcFirstLastPara="1" wrap="square" lIns="0" tIns="0" rIns="0" bIns="0" anchor="t" anchorCtr="0">
-            <a:spAutoFit/>
-          </a:bodyPr>
-          <a:lstStyle/>
-          <a:p>
-            <a:pPr marL="0" marR="0" lvl="0" indent="0" algn="l" rtl="0">
-              <a:lnSpc>
-                <a:spcPct val="80000"/>
-              </a:lnSpc>
-              <a:spcBef>
-                <a:spcPts val="0"/>
-              </a:spcBef>
-              <a:spcAft>
-                <a:spcPts val="0"/>
-              </a:spcAft>
-              <a:buNone/>
-            </a:pPr>
-            <a:r>
-              <a:rPr lang="en-US" sz="2500" b="0" i="0" u="none" strike="noStrike" cap="none" dirty="0" err="1">
-                <a:solidFill>
-                  <a:srgbClr val="FFFFFF"/>
-                </a:solidFill>
-                <a:latin typeface="DM Serif Display"/>
-                <a:ea typeface="DM Serif Display"/>
-                <a:cs typeface="DM Serif Display"/>
-                <a:sym typeface="DM Serif Display"/>
-              </a:rPr>
-              <a:t>Funzione</a:t>
-            </a:r>
-            <a:r>
-              <a:rPr lang="en-US" sz="2500" b="0" i="0" u="none" strike="noStrike" cap="none" dirty="0">
-                <a:solidFill>
-                  <a:srgbClr val="FFFFFF"/>
-                </a:solidFill>
-                <a:latin typeface="DM Serif Display"/>
-                <a:ea typeface="DM Serif Display"/>
-                <a:cs typeface="DM Serif Display"/>
-                <a:sym typeface="DM Serif Display"/>
-              </a:rPr>
-              <a:t> per </a:t>
-            </a:r>
-            <a:r>
-              <a:rPr lang="en-US" sz="2500" b="0" i="0" u="none" strike="noStrike" cap="none" dirty="0" err="1">
-                <a:solidFill>
-                  <a:srgbClr val="FFFFFF"/>
-                </a:solidFill>
-                <a:latin typeface="DM Serif Display"/>
-                <a:ea typeface="DM Serif Display"/>
-                <a:cs typeface="DM Serif Display"/>
-                <a:sym typeface="DM Serif Display"/>
-              </a:rPr>
-              <a:t>ogni</a:t>
-            </a:r>
-            <a:r>
-              <a:rPr lang="en-US" sz="2500" b="0" i="0" u="none" strike="noStrike" cap="none" dirty="0">
-                <a:solidFill>
-                  <a:srgbClr val="FFFFFF"/>
-                </a:solidFill>
-                <a:latin typeface="DM Serif Display"/>
-                <a:ea typeface="DM Serif Display"/>
-                <a:cs typeface="DM Serif Display"/>
-                <a:sym typeface="DM Serif Display"/>
-              </a:rPr>
-              <a:t> </a:t>
-            </a:r>
-            <a:r>
-              <a:rPr lang="en-US" sz="2500" b="0" i="0" u="none" strike="noStrike" cap="none" dirty="0" err="1">
-                <a:solidFill>
-                  <a:srgbClr val="FFFFFF"/>
-                </a:solidFill>
-                <a:latin typeface="DM Serif Display"/>
-                <a:ea typeface="DM Serif Display"/>
-                <a:cs typeface="DM Serif Display"/>
-                <a:sym typeface="DM Serif Display"/>
-              </a:rPr>
-              <a:t>chiamata</a:t>
-            </a:r>
-            <a:endParaRPr lang="en-US" sz="2500" dirty="0"/>
-          </a:p>
-        </p:txBody>
-      </p:sp>
-      <p:pic>
-        <p:nvPicPr>
-          <p:cNvPr id="6" name="Immagine 5" descr="Immagine che contiene testo, schermata, diagramma, design&#10;&#10;Descrizione generata automaticamente">
-            <a:extLst>
-              <a:ext uri="{FF2B5EF4-FFF2-40B4-BE49-F238E27FC236}">
-                <a16:creationId xmlns:a16="http://schemas.microsoft.com/office/drawing/2014/main" id="{4E585AB2-741C-829C-B579-ED113C5A630D}"/>
-              </a:ext>
-            </a:extLst>
-          </p:cNvPr>
-          <p:cNvPicPr>
-            <a:picLocks noChangeAspect="1"/>
-          </p:cNvPicPr>
-          <p:nvPr/>
-        </p:nvPicPr>
-        <p:blipFill>
-          <a:blip r:embed="rId2"/>
-          <a:stretch>
-            <a:fillRect/>
-          </a:stretch>
-        </p:blipFill>
-        <p:spPr>
-          <a:xfrm>
-            <a:off x="1028700" y="2392934"/>
-            <a:ext cx="10441405" cy="6110674"/>
-          </a:xfrm>
-          <a:prstGeom prst="rect">
-            <a:avLst/>
-          </a:prstGeom>
-        </p:spPr>
-      </p:pic>
-      <p:cxnSp>
-        <p:nvCxnSpPr>
-          <p:cNvPr id="14" name="Connettore 1 13">
-            <a:extLst>
-              <a:ext uri="{FF2B5EF4-FFF2-40B4-BE49-F238E27FC236}">
-                <a16:creationId xmlns:a16="http://schemas.microsoft.com/office/drawing/2014/main" id="{EC915BC0-3D4F-91F3-BDEE-B3BB00D635D3}"/>
-              </a:ext>
-            </a:extLst>
-          </p:cNvPr>
-          <p:cNvCxnSpPr>
-            <a:cxnSpLocks/>
-          </p:cNvCxnSpPr>
-          <p:nvPr/>
-        </p:nvCxnSpPr>
-        <p:spPr>
-          <a:xfrm>
-            <a:off x="1028700" y="850900"/>
-            <a:ext cx="3924300" cy="0"/>
-          </a:xfrm>
-          <a:prstGeom prst="line">
-            <a:avLst/>
-          </a:prstGeom>
-          <a:ln>
-            <a:solidFill>
-              <a:schemeClr val="bg1"/>
-            </a:solidFill>
-          </a:ln>
-        </p:spPr>
-        <p:style>
-          <a:lnRef idx="3">
-            <a:schemeClr val="dk1"/>
-          </a:lnRef>
-          <a:fillRef idx="0">
-            <a:schemeClr val="dk1"/>
-          </a:fillRef>
-          <a:effectRef idx="2">
-            <a:schemeClr val="dk1"/>
-          </a:effectRef>
-          <a:fontRef idx="minor">
-            <a:schemeClr val="tx1"/>
-          </a:fontRef>
-        </p:style>
-      </p:cxnSp>
-    </p:spTree>
-    <p:extLst>
-      <p:ext uri="{BB962C8B-B14F-4D97-AF65-F5344CB8AC3E}">
-        <p14:creationId xmlns:p14="http://schemas.microsoft.com/office/powerpoint/2010/main" val="3706454508"/>
-      </p:ext>
-    </p:extLst>
-  </p:cSld>
-  <p:clrMapOvr>
-    <a:masterClrMapping/>
-  </p:clrMapOvr>
-</p:sld>
-</file>
-
-<file path=ppt/slides/slide25.xml><?xml version="1.0" encoding="utf-8"?>
-<p:sld xmlns:a="http://schemas.openxmlformats.org/drawingml/2006/main" xmlns:r="http://schemas.openxmlformats.org/officeDocument/2006/relationships" xmlns:p="http://schemas.openxmlformats.org/presentationml/2006/main">
-  <p:cSld>
-    <p:spTree>
-      <p:nvGrpSpPr>
-        <p:cNvPr id="1" name=""/>
-        <p:cNvGrpSpPr/>
-        <p:nvPr/>
-      </p:nvGrpSpPr>
-      <p:grpSpPr>
-        <a:xfrm>
-          <a:off x="0" y="0"/>
-          <a:ext cx="0" cy="0"/>
-          <a:chOff x="0" y="0"/>
-          <a:chExt cx="0" cy="0"/>
-        </a:xfrm>
-      </p:grpSpPr>
-      <p:sp>
-        <p:nvSpPr>
-          <p:cNvPr id="8" name="Google Shape;56;p10">
-            <a:extLst>
-              <a:ext uri="{FF2B5EF4-FFF2-40B4-BE49-F238E27FC236}">
-                <a16:creationId xmlns:a16="http://schemas.microsoft.com/office/drawing/2014/main" id="{0E534E2B-B9B0-016A-73CF-EE8D0D011C0F}"/>
-              </a:ext>
-            </a:extLst>
-          </p:cNvPr>
-          <p:cNvSpPr txBox="1"/>
-          <p:nvPr/>
-        </p:nvSpPr>
-        <p:spPr>
-          <a:xfrm>
-            <a:off x="1028700" y="434774"/>
-            <a:ext cx="5728091" cy="307777"/>
-          </a:xfrm>
-          <a:prstGeom prst="rect">
-            <a:avLst/>
-          </a:prstGeom>
-          <a:noFill/>
-          <a:ln>
-            <a:noFill/>
-          </a:ln>
-        </p:spPr>
-        <p:txBody>
-          <a:bodyPr spcFirstLastPara="1" wrap="square" lIns="0" tIns="0" rIns="0" bIns="0" anchor="t" anchorCtr="0">
-            <a:spAutoFit/>
-          </a:bodyPr>
-          <a:lstStyle/>
-          <a:p>
-            <a:pPr marL="0" marR="0" lvl="0" indent="0" algn="l" rtl="0">
-              <a:lnSpc>
-                <a:spcPct val="80000"/>
-              </a:lnSpc>
-              <a:spcBef>
-                <a:spcPts val="0"/>
-              </a:spcBef>
-              <a:spcAft>
-                <a:spcPts val="0"/>
-              </a:spcAft>
-              <a:buNone/>
-            </a:pPr>
-            <a:r>
-              <a:rPr lang="en-US" sz="2500" b="0" i="0" u="none" strike="noStrike" cap="none" dirty="0" err="1">
-                <a:solidFill>
-                  <a:srgbClr val="FFFFFF"/>
-                </a:solidFill>
-                <a:latin typeface="DM Serif Display"/>
-                <a:ea typeface="DM Serif Display"/>
-                <a:cs typeface="DM Serif Display"/>
-                <a:sym typeface="DM Serif Display"/>
-              </a:rPr>
-              <a:t>Funzione</a:t>
-            </a:r>
-            <a:r>
-              <a:rPr lang="en-US" sz="2500" b="0" i="0" u="none" strike="noStrike" cap="none" dirty="0">
-                <a:solidFill>
-                  <a:srgbClr val="FFFFFF"/>
-                </a:solidFill>
-                <a:latin typeface="DM Serif Display"/>
-                <a:ea typeface="DM Serif Display"/>
-                <a:cs typeface="DM Serif Display"/>
-                <a:sym typeface="DM Serif Display"/>
-              </a:rPr>
               <a:t> per </a:t>
             </a:r>
             <a:r>
@@ -16807,463 +15840,6 @@
           </a:p>
         </p:txBody>
       </p:sp>
-      <p:pic>
-        <p:nvPicPr>
-          <p:cNvPr id="6" name="Immagine 5" descr="Immagine che contiene testo, schermata, diagramma, design&#10;&#10;Descrizione generata automaticamente">
-            <a:extLst>
-              <a:ext uri="{FF2B5EF4-FFF2-40B4-BE49-F238E27FC236}">
-                <a16:creationId xmlns:a16="http://schemas.microsoft.com/office/drawing/2014/main" id="{4E585AB2-741C-829C-B579-ED113C5A630D}"/>
-              </a:ext>
-            </a:extLst>
-          </p:cNvPr>
-          <p:cNvPicPr>
-            <a:picLocks noChangeAspect="1"/>
-          </p:cNvPicPr>
-          <p:nvPr/>
-        </p:nvPicPr>
-        <p:blipFill>
-          <a:blip r:embed="rId2"/>
-          <a:stretch>
-            <a:fillRect/>
-          </a:stretch>
-        </p:blipFill>
-        <p:spPr>
-          <a:xfrm>
-            <a:off x="1028700" y="2392934"/>
-            <a:ext cx="10441405" cy="6110674"/>
-          </a:xfrm>
-          <a:prstGeom prst="rect">
-            <a:avLst/>
-          </a:prstGeom>
-        </p:spPr>
-      </p:pic>
-      <p:sp>
-        <p:nvSpPr>
-          <p:cNvPr id="11" name="Google Shape;77;p12">
-            <a:extLst>
-              <a:ext uri="{FF2B5EF4-FFF2-40B4-BE49-F238E27FC236}">
-                <a16:creationId xmlns:a16="http://schemas.microsoft.com/office/drawing/2014/main" id="{4F3FFCD8-E079-DDEA-BF3A-A35AC351A26A}"/>
-              </a:ext>
-            </a:extLst>
-          </p:cNvPr>
-          <p:cNvSpPr txBox="1"/>
-          <p:nvPr/>
-        </p:nvSpPr>
-        <p:spPr>
-          <a:xfrm>
-            <a:off x="12761623" y="3123446"/>
-            <a:ext cx="4826400" cy="2585323"/>
-          </a:xfrm>
-          <a:prstGeom prst="rect">
-            <a:avLst/>
-          </a:prstGeom>
-          <a:noFill/>
-          <a:ln>
-            <a:noFill/>
-          </a:ln>
-        </p:spPr>
-        <p:txBody>
-          <a:bodyPr spcFirstLastPara="1" wrap="square" lIns="0" tIns="0" rIns="0" bIns="0" anchor="t" anchorCtr="0">
-            <a:spAutoFit/>
-          </a:bodyPr>
-          <a:lstStyle/>
-          <a:p>
-            <a:pPr marL="0" marR="0" lvl="0" indent="0" algn="l" rtl="0">
-              <a:lnSpc>
-                <a:spcPct val="100000"/>
-              </a:lnSpc>
-              <a:spcBef>
-                <a:spcPts val="0"/>
-              </a:spcBef>
-              <a:spcAft>
-                <a:spcPts val="0"/>
-              </a:spcAft>
-              <a:buNone/>
-            </a:pPr>
-            <a:r>
-              <a:rPr lang="it-IT" sz="2100" b="0" i="0" u="none" strike="noStrike" cap="none" dirty="0">
-                <a:solidFill>
-                  <a:srgbClr val="FFFFFF"/>
-                </a:solidFill>
-                <a:latin typeface="DM Sans"/>
-                <a:ea typeface="DM Sans"/>
-                <a:cs typeface="DM Sans"/>
-                <a:sym typeface="DM Sans"/>
-              </a:rPr>
-              <a:t>Massima riusabilità del codice</a:t>
-            </a:r>
-          </a:p>
-          <a:p>
-            <a:pPr marL="0" marR="0" lvl="0" indent="0" algn="l" rtl="0">
-              <a:lnSpc>
-                <a:spcPct val="100000"/>
-              </a:lnSpc>
-              <a:spcBef>
-                <a:spcPts val="0"/>
-              </a:spcBef>
-              <a:spcAft>
-                <a:spcPts val="0"/>
-              </a:spcAft>
-              <a:buNone/>
-            </a:pPr>
-            <a:endParaRPr lang="it-IT" sz="2100" dirty="0">
-              <a:solidFill>
-                <a:srgbClr val="FFFFFF"/>
-              </a:solidFill>
-              <a:latin typeface="DM Sans"/>
-              <a:sym typeface="DM Sans"/>
-            </a:endParaRPr>
-          </a:p>
-          <a:p>
-            <a:pPr marL="0" marR="0" lvl="0" indent="0" algn="l" rtl="0">
-              <a:lnSpc>
-                <a:spcPct val="100000"/>
-              </a:lnSpc>
-              <a:spcBef>
-                <a:spcPts val="0"/>
-              </a:spcBef>
-              <a:spcAft>
-                <a:spcPts val="0"/>
-              </a:spcAft>
-              <a:buNone/>
-            </a:pPr>
-            <a:r>
-              <a:rPr lang="it-IT" sz="2100" dirty="0">
-                <a:solidFill>
-                  <a:srgbClr val="FFFFFF"/>
-                </a:solidFill>
-                <a:latin typeface="DM Sans"/>
-                <a:sym typeface="DM Sans"/>
-              </a:rPr>
-              <a:t>Porta alla scrittura di codice più testabile, seguendo il </a:t>
-            </a:r>
-            <a:r>
-              <a:rPr lang="it-IT" sz="2100" i="1" dirty="0">
-                <a:solidFill>
-                  <a:srgbClr val="FFFFFF"/>
-                </a:solidFill>
-                <a:latin typeface="DM Sans"/>
-                <a:sym typeface="DM Sans"/>
-              </a:rPr>
-              <a:t>Single Responsability Principle</a:t>
-            </a:r>
-          </a:p>
-          <a:p>
-            <a:pPr marL="0" marR="0" lvl="0" indent="0" algn="l" rtl="0">
-              <a:lnSpc>
-                <a:spcPct val="100000"/>
-              </a:lnSpc>
-              <a:spcBef>
-                <a:spcPts val="0"/>
-              </a:spcBef>
-              <a:spcAft>
-                <a:spcPts val="0"/>
-              </a:spcAft>
-              <a:buNone/>
-            </a:pPr>
-            <a:endParaRPr lang="it-IT" sz="2100" dirty="0">
-              <a:solidFill>
-                <a:srgbClr val="FFFFFF"/>
-              </a:solidFill>
-              <a:latin typeface="DM Sans"/>
-              <a:sym typeface="DM Sans"/>
-            </a:endParaRPr>
-          </a:p>
-          <a:p>
-            <a:pPr marL="0" marR="0" lvl="0" indent="0" algn="l" rtl="0">
-              <a:lnSpc>
-                <a:spcPct val="100000"/>
-              </a:lnSpc>
-              <a:spcBef>
-                <a:spcPts val="0"/>
-              </a:spcBef>
-              <a:spcAft>
-                <a:spcPts val="0"/>
-              </a:spcAft>
-              <a:buNone/>
-            </a:pPr>
-            <a:r>
-              <a:rPr lang="it-IT" sz="2100" dirty="0">
-                <a:solidFill>
-                  <a:srgbClr val="FFFFFF"/>
-                </a:solidFill>
-                <a:latin typeface="DM Sans"/>
-                <a:sym typeface="DM Sans"/>
-              </a:rPr>
-              <a:t>Ottimizzazione dei tempi di esecuzione, e di conseguenza dei costi</a:t>
-            </a:r>
-          </a:p>
-        </p:txBody>
-      </p:sp>
-      <p:cxnSp>
-        <p:nvCxnSpPr>
-          <p:cNvPr id="14" name="Connettore 1 13">
-            <a:extLst>
-              <a:ext uri="{FF2B5EF4-FFF2-40B4-BE49-F238E27FC236}">
-                <a16:creationId xmlns:a16="http://schemas.microsoft.com/office/drawing/2014/main" id="{EC915BC0-3D4F-91F3-BDEE-B3BB00D635D3}"/>
-              </a:ext>
-            </a:extLst>
-          </p:cNvPr>
-          <p:cNvCxnSpPr>
-            <a:cxnSpLocks/>
-          </p:cNvCxnSpPr>
-          <p:nvPr/>
-        </p:nvCxnSpPr>
-        <p:spPr>
-          <a:xfrm>
-            <a:off x="1028700" y="850900"/>
-            <a:ext cx="3924300" cy="0"/>
-          </a:xfrm>
-          <a:prstGeom prst="line">
-            <a:avLst/>
-          </a:prstGeom>
-          <a:ln>
-            <a:solidFill>
-              <a:schemeClr val="bg1"/>
-            </a:solidFill>
-          </a:ln>
-        </p:spPr>
-        <p:style>
-          <a:lnRef idx="3">
-            <a:schemeClr val="dk1"/>
-          </a:lnRef>
-          <a:fillRef idx="0">
-            <a:schemeClr val="dk1"/>
-          </a:fillRef>
-          <a:effectRef idx="2">
-            <a:schemeClr val="dk1"/>
-          </a:effectRef>
-          <a:fontRef idx="minor">
-            <a:schemeClr val="tx1"/>
-          </a:fontRef>
-        </p:style>
-      </p:cxnSp>
-    </p:spTree>
-    <p:extLst>
-      <p:ext uri="{BB962C8B-B14F-4D97-AF65-F5344CB8AC3E}">
-        <p14:creationId xmlns:p14="http://schemas.microsoft.com/office/powerpoint/2010/main" val="941505751"/>
-      </p:ext>
-    </p:extLst>
-  </p:cSld>
-  <p:clrMapOvr>
-    <a:masterClrMapping/>
-  </p:clrMapOvr>
-</p:sld>
-</file>
-
-<file path=ppt/slides/slide26.xml><?xml version="1.0" encoding="utf-8"?>
-<p:sld xmlns:a="http://schemas.openxmlformats.org/drawingml/2006/main" xmlns:r="http://schemas.openxmlformats.org/officeDocument/2006/relationships" xmlns:p="http://schemas.openxmlformats.org/presentationml/2006/main">
-  <p:cSld>
-    <p:spTree>
-      <p:nvGrpSpPr>
-        <p:cNvPr id="1" name=""/>
-        <p:cNvGrpSpPr/>
-        <p:nvPr/>
-      </p:nvGrpSpPr>
-      <p:grpSpPr>
-        <a:xfrm>
-          <a:off x="0" y="0"/>
-          <a:ext cx="0" cy="0"/>
-          <a:chOff x="0" y="0"/>
-          <a:chExt cx="0" cy="0"/>
-        </a:xfrm>
-      </p:grpSpPr>
-      <p:sp>
-        <p:nvSpPr>
-          <p:cNvPr id="8" name="Google Shape;56;p10">
-            <a:extLst>
-              <a:ext uri="{FF2B5EF4-FFF2-40B4-BE49-F238E27FC236}">
-                <a16:creationId xmlns:a16="http://schemas.microsoft.com/office/drawing/2014/main" id="{0E534E2B-B9B0-016A-73CF-EE8D0D011C0F}"/>
-              </a:ext>
-            </a:extLst>
-          </p:cNvPr>
-          <p:cNvSpPr txBox="1"/>
-          <p:nvPr/>
-        </p:nvSpPr>
-        <p:spPr>
-          <a:xfrm>
-            <a:off x="1028700" y="434774"/>
-            <a:ext cx="5728091" cy="307777"/>
-          </a:xfrm>
-          <a:prstGeom prst="rect">
-            <a:avLst/>
-          </a:prstGeom>
-          <a:noFill/>
-          <a:ln>
-            <a:noFill/>
-          </a:ln>
-        </p:spPr>
-        <p:txBody>
-          <a:bodyPr spcFirstLastPara="1" wrap="square" lIns="0" tIns="0" rIns="0" bIns="0" anchor="t" anchorCtr="0">
-            <a:spAutoFit/>
-          </a:bodyPr>
-          <a:lstStyle/>
-          <a:p>
-            <a:pPr marL="0" marR="0" lvl="0" indent="0" algn="l" rtl="0">
-              <a:lnSpc>
-                <a:spcPct val="80000"/>
-              </a:lnSpc>
-              <a:spcBef>
-                <a:spcPts val="0"/>
-              </a:spcBef>
-              <a:spcAft>
-                <a:spcPts val="0"/>
-              </a:spcAft>
-              <a:buNone/>
-            </a:pPr>
-            <a:r>
-              <a:rPr lang="en-US" sz="2500" b="0" i="0" u="none" strike="noStrike" cap="none" dirty="0" err="1">
-                <a:solidFill>
-                  <a:srgbClr val="FFFFFF"/>
-                </a:solidFill>
-                <a:latin typeface="DM Serif Display"/>
-                <a:ea typeface="DM Serif Display"/>
-                <a:cs typeface="DM Serif Display"/>
-                <a:sym typeface="DM Serif Display"/>
-              </a:rPr>
-              <a:t>Funzione</a:t>
-            </a:r>
-            <a:r>
-              <a:rPr lang="en-US" sz="2500" b="0" i="0" u="none" strike="noStrike" cap="none" dirty="0">
-                <a:solidFill>
-                  <a:srgbClr val="FFFFFF"/>
-                </a:solidFill>
-                <a:latin typeface="DM Serif Display"/>
-                <a:ea typeface="DM Serif Display"/>
-                <a:cs typeface="DM Serif Display"/>
-                <a:sym typeface="DM Serif Display"/>
-              </a:rPr>
-              <a:t> per </a:t>
-            </a:r>
-            <a:r>
-              <a:rPr lang="en-US" sz="2500" b="0" i="0" u="none" strike="noStrike" cap="none" dirty="0" err="1">
-                <a:solidFill>
-                  <a:srgbClr val="FFFFFF"/>
-                </a:solidFill>
-                <a:latin typeface="DM Serif Display"/>
-                <a:ea typeface="DM Serif Display"/>
-                <a:cs typeface="DM Serif Display"/>
-                <a:sym typeface="DM Serif Display"/>
-              </a:rPr>
-              <a:t>ogni</a:t>
-            </a:r>
-            <a:r>
-              <a:rPr lang="en-US" sz="2500" b="0" i="0" u="none" strike="noStrike" cap="none" dirty="0">
-                <a:solidFill>
-                  <a:srgbClr val="FFFFFF"/>
-                </a:solidFill>
-                <a:latin typeface="DM Serif Display"/>
-                <a:ea typeface="DM Serif Display"/>
-                <a:cs typeface="DM Serif Display"/>
-                <a:sym typeface="DM Serif Display"/>
-              </a:rPr>
-              <a:t> </a:t>
-            </a:r>
-            <a:r>
-              <a:rPr lang="en-US" sz="2500" b="0" i="0" u="none" strike="noStrike" cap="none" dirty="0" err="1">
-                <a:solidFill>
-                  <a:srgbClr val="FFFFFF"/>
-                </a:solidFill>
-                <a:latin typeface="DM Serif Display"/>
-                <a:ea typeface="DM Serif Display"/>
-                <a:cs typeface="DM Serif Display"/>
-                <a:sym typeface="DM Serif Display"/>
-              </a:rPr>
-              <a:t>chiamata</a:t>
-            </a:r>
-            <a:endParaRPr lang="en-US" sz="2500" dirty="0"/>
-          </a:p>
-        </p:txBody>
-      </p:sp>
-      <p:sp>
-        <p:nvSpPr>
-          <p:cNvPr id="7" name="Google Shape;76;p12">
-            <a:extLst>
-              <a:ext uri="{FF2B5EF4-FFF2-40B4-BE49-F238E27FC236}">
-                <a16:creationId xmlns:a16="http://schemas.microsoft.com/office/drawing/2014/main" id="{CF0D02C4-201F-8296-FAA4-9312737689E0}"/>
-              </a:ext>
-            </a:extLst>
-          </p:cNvPr>
-          <p:cNvSpPr txBox="1"/>
-          <p:nvPr/>
-        </p:nvSpPr>
-        <p:spPr>
-          <a:xfrm>
-            <a:off x="12559213" y="2328766"/>
-            <a:ext cx="5028810" cy="538609"/>
-          </a:xfrm>
-          <a:prstGeom prst="rect">
-            <a:avLst/>
-          </a:prstGeom>
-          <a:noFill/>
-          <a:ln>
-            <a:noFill/>
-          </a:ln>
-        </p:spPr>
-        <p:txBody>
-          <a:bodyPr spcFirstLastPara="1" wrap="square" lIns="0" tIns="0" rIns="0" bIns="0" anchor="t" anchorCtr="0">
-            <a:spAutoFit/>
-          </a:bodyPr>
-          <a:lstStyle/>
-          <a:p>
-            <a:pPr marL="0" marR="0" lvl="0" indent="0" algn="l" rtl="0">
-              <a:lnSpc>
-                <a:spcPct val="70000"/>
-              </a:lnSpc>
-              <a:spcBef>
-                <a:spcPts val="0"/>
-              </a:spcBef>
-              <a:spcAft>
-                <a:spcPts val="0"/>
-              </a:spcAft>
-              <a:buNone/>
-            </a:pPr>
-            <a:r>
-              <a:rPr lang="en-US" sz="5000" b="1" i="0" u="none" strike="noStrike" cap="none" dirty="0" err="1">
-                <a:solidFill>
-                  <a:srgbClr val="FFFFFF"/>
-                </a:solidFill>
-                <a:latin typeface="DM Serif Display"/>
-                <a:ea typeface="DM Serif Display"/>
-                <a:cs typeface="DM Serif Display"/>
-                <a:sym typeface="DM Serif Display"/>
-              </a:rPr>
-              <a:t>Vantaggi</a:t>
-            </a:r>
-            <a:endParaRPr sz="5000" b="1" dirty="0"/>
-          </a:p>
-        </p:txBody>
-      </p:sp>
-      <p:pic>
-        <p:nvPicPr>
-          <p:cNvPr id="6" name="Immagine 5" descr="Immagine che contiene testo, schermata, diagramma, design&#10;&#10;Descrizione generata automaticamente">
-            <a:extLst>
-              <a:ext uri="{FF2B5EF4-FFF2-40B4-BE49-F238E27FC236}">
-                <a16:creationId xmlns:a16="http://schemas.microsoft.com/office/drawing/2014/main" id="{4E585AB2-741C-829C-B579-ED113C5A630D}"/>
-              </a:ext>
-            </a:extLst>
-          </p:cNvPr>
-          <p:cNvPicPr>
-            <a:picLocks noChangeAspect="1"/>
-          </p:cNvPicPr>
-          <p:nvPr/>
-        </p:nvPicPr>
-        <p:blipFill>
-          <a:blip r:embed="rId2"/>
-          <a:stretch>
-            <a:fillRect/>
-          </a:stretch>
-        </p:blipFill>
-        <p:spPr>
-          <a:xfrm>
-            <a:off x="1028700" y="2392934"/>
-            <a:ext cx="10441405" cy="6110674"/>
-          </a:xfrm>
-          <a:prstGeom prst="rect">
-            <a:avLst/>
-          </a:prstGeom>
-        </p:spPr>
-      </p:pic>
       <p:sp>
         <p:nvSpPr>
           <p:cNvPr id="11" name="Google Shape;77;p12">
@@ -17661,10 +16237,40 @@
           </a:fontRef>
         </p:style>
       </p:cxnSp>
+      <p:pic>
+        <p:nvPicPr>
+          <p:cNvPr id="3" name="Immagine 2" descr="Immagine che contiene testo, schermata, diagramma, design&#10;&#10;Descrizione generata automaticamente">
+            <a:extLst>
+              <a:ext uri="{FF2B5EF4-FFF2-40B4-BE49-F238E27FC236}">
+                <a16:creationId xmlns:a16="http://schemas.microsoft.com/office/drawing/2014/main" id="{F3E36281-9D1A-2AA3-F5DC-C878D633761F}"/>
+              </a:ext>
+            </a:extLst>
+          </p:cNvPr>
+          <p:cNvPicPr>
+            <a:picLocks noChangeAspect="1"/>
+          </p:cNvPicPr>
+          <p:nvPr/>
+        </p:nvPicPr>
+        <p:blipFill>
+          <a:blip r:embed="rId2"/>
+          <a:stretch>
+            <a:fillRect/>
+          </a:stretch>
+        </p:blipFill>
+        <p:spPr>
+          <a:xfrm>
+            <a:off x="1028699" y="2392934"/>
+            <a:ext cx="10435407" cy="6110665"/>
+          </a:xfrm>
+          <a:prstGeom prst="rect">
+            <a:avLst/>
+          </a:prstGeom>
+        </p:spPr>
+      </p:pic>
     </p:spTree>
     <p:extLst>
       <p:ext uri="{BB962C8B-B14F-4D97-AF65-F5344CB8AC3E}">
-        <p14:creationId xmlns:p14="http://schemas.microsoft.com/office/powerpoint/2010/main" val="702630100"/>
+        <p14:creationId xmlns:p14="http://schemas.microsoft.com/office/powerpoint/2010/main" val="131396541"/>
       </p:ext>
     </p:extLst>
   </p:cSld>
@@ -17674,7 +16280,7 @@
 </p:sld>
 </file>
 
-<file path=ppt/slides/slide27.xml><?xml version="1.0" encoding="utf-8"?>
+<file path=ppt/slides/slide24.xml><?xml version="1.0" encoding="utf-8"?>
 <p:sld xmlns:a="http://schemas.openxmlformats.org/drawingml/2006/main" xmlns:r="http://schemas.openxmlformats.org/officeDocument/2006/relationships" xmlns:p="http://schemas.openxmlformats.org/presentationml/2006/main">
   <p:cSld>
     <p:spTree>
@@ -17836,7 +16442,7 @@
 </p:sld>
 </file>
 
-<file path=ppt/slides/slide28.xml><?xml version="1.0" encoding="utf-8"?>
+<file path=ppt/slides/slide25.xml><?xml version="1.0" encoding="utf-8"?>
 <p:sld xmlns:a="http://schemas.openxmlformats.org/drawingml/2006/main" xmlns:r="http://schemas.openxmlformats.org/officeDocument/2006/relationships" xmlns:p="http://schemas.openxmlformats.org/presentationml/2006/main">
   <p:cSld>
     <p:spTree>
@@ -18603,7 +17209,7 @@
 </p:sld>
 </file>
 
-<file path=ppt/slides/slide29.xml><?xml version="1.0" encoding="utf-8"?>
+<file path=ppt/slides/slide26.xml><?xml version="1.0" encoding="utf-8"?>
 <p:sld xmlns:a="http://schemas.openxmlformats.org/drawingml/2006/main" xmlns:r="http://schemas.openxmlformats.org/officeDocument/2006/relationships" xmlns:p="http://schemas.openxmlformats.org/presentationml/2006/main">
   <p:cSld>
     <p:spTree>
@@ -19612,6 +18218,1647 @@
     <p:extLst>
       <p:ext uri="{BB962C8B-B14F-4D97-AF65-F5344CB8AC3E}">
         <p14:creationId xmlns:p14="http://schemas.microsoft.com/office/powerpoint/2010/main" val="3048707010"/>
+      </p:ext>
+    </p:extLst>
+  </p:cSld>
+  <p:clrMapOvr>
+    <a:masterClrMapping/>
+  </p:clrMapOvr>
+</p:sld>
+</file>
+
+<file path=ppt/slides/slide27.xml><?xml version="1.0" encoding="utf-8"?>
+<p:sld xmlns:a="http://schemas.openxmlformats.org/drawingml/2006/main" xmlns:r="http://schemas.openxmlformats.org/officeDocument/2006/relationships" xmlns:p="http://schemas.openxmlformats.org/presentationml/2006/main">
+  <p:cSld>
+    <p:spTree>
+      <p:nvGrpSpPr>
+        <p:cNvPr id="1" name=""/>
+        <p:cNvGrpSpPr/>
+        <p:nvPr/>
+      </p:nvGrpSpPr>
+      <p:grpSpPr>
+        <a:xfrm>
+          <a:off x="0" y="0"/>
+          <a:ext cx="0" cy="0"/>
+          <a:chOff x="0" y="0"/>
+          <a:chExt cx="0" cy="0"/>
+        </a:xfrm>
+      </p:grpSpPr>
+      <p:sp>
+        <p:nvSpPr>
+          <p:cNvPr id="8" name="Google Shape;56;p10">
+            <a:extLst>
+              <a:ext uri="{FF2B5EF4-FFF2-40B4-BE49-F238E27FC236}">
+                <a16:creationId xmlns:a16="http://schemas.microsoft.com/office/drawing/2014/main" id="{0E534E2B-B9B0-016A-73CF-EE8D0D011C0F}"/>
+              </a:ext>
+            </a:extLst>
+          </p:cNvPr>
+          <p:cNvSpPr txBox="1"/>
+          <p:nvPr/>
+        </p:nvSpPr>
+        <p:spPr>
+          <a:xfrm>
+            <a:off x="1028700" y="434774"/>
+            <a:ext cx="5728091" cy="307777"/>
+          </a:xfrm>
+          <a:prstGeom prst="rect">
+            <a:avLst/>
+          </a:prstGeom>
+          <a:noFill/>
+          <a:ln>
+            <a:noFill/>
+          </a:ln>
+        </p:spPr>
+        <p:txBody>
+          <a:bodyPr spcFirstLastPara="1" wrap="square" lIns="0" tIns="0" rIns="0" bIns="0" anchor="t" anchorCtr="0">
+            <a:spAutoFit/>
+          </a:bodyPr>
+          <a:lstStyle/>
+          <a:p>
+            <a:pPr marL="0" marR="0" lvl="0" indent="0" algn="l" rtl="0">
+              <a:lnSpc>
+                <a:spcPct val="80000"/>
+              </a:lnSpc>
+              <a:spcBef>
+                <a:spcPts val="0"/>
+              </a:spcBef>
+              <a:spcAft>
+                <a:spcPts val="0"/>
+              </a:spcAft>
+              <a:buNone/>
+            </a:pPr>
+            <a:r>
+              <a:rPr lang="en-US" sz="2500" b="0" i="0" u="none" strike="noStrike" cap="none" dirty="0">
+                <a:solidFill>
+                  <a:srgbClr val="FFFFFF"/>
+                </a:solidFill>
+                <a:latin typeface="DM Serif Display"/>
+                <a:ea typeface="DM Serif Display"/>
+                <a:cs typeface="DM Serif Display"/>
+                <a:sym typeface="DM Serif Display"/>
+              </a:rPr>
+              <a:t>Caso Studio - </a:t>
+            </a:r>
+            <a:r>
+              <a:rPr lang="en-US" sz="2500" b="0" i="0" u="none" strike="noStrike" cap="none" dirty="0" err="1">
+                <a:solidFill>
+                  <a:srgbClr val="FFFFFF"/>
+                </a:solidFill>
+                <a:latin typeface="DM Serif Display"/>
+                <a:ea typeface="DM Serif Display"/>
+                <a:cs typeface="DM Serif Display"/>
+                <a:sym typeface="DM Serif Display"/>
+              </a:rPr>
+              <a:t>Costi</a:t>
+            </a:r>
+            <a:endParaRPr sz="2500" dirty="0"/>
+          </a:p>
+        </p:txBody>
+      </p:sp>
+      <p:cxnSp>
+        <p:nvCxnSpPr>
+          <p:cNvPr id="2" name="Connettore 1 1">
+            <a:extLst>
+              <a:ext uri="{FF2B5EF4-FFF2-40B4-BE49-F238E27FC236}">
+                <a16:creationId xmlns:a16="http://schemas.microsoft.com/office/drawing/2014/main" id="{190909B4-04D6-5F6E-1B11-75135F02A660}"/>
+              </a:ext>
+            </a:extLst>
+          </p:cNvPr>
+          <p:cNvCxnSpPr>
+            <a:cxnSpLocks/>
+          </p:cNvCxnSpPr>
+          <p:nvPr/>
+        </p:nvCxnSpPr>
+        <p:spPr>
+          <a:xfrm>
+            <a:off x="1028700" y="850900"/>
+            <a:ext cx="2628900" cy="0"/>
+          </a:xfrm>
+          <a:prstGeom prst="line">
+            <a:avLst/>
+          </a:prstGeom>
+          <a:ln>
+            <a:solidFill>
+              <a:schemeClr val="bg1"/>
+            </a:solidFill>
+          </a:ln>
+        </p:spPr>
+        <p:style>
+          <a:lnRef idx="3">
+            <a:schemeClr val="dk1"/>
+          </a:lnRef>
+          <a:fillRef idx="0">
+            <a:schemeClr val="dk1"/>
+          </a:fillRef>
+          <a:effectRef idx="2">
+            <a:schemeClr val="dk1"/>
+          </a:effectRef>
+          <a:fontRef idx="minor">
+            <a:schemeClr val="tx1"/>
+          </a:fontRef>
+        </p:style>
+      </p:cxnSp>
+      <p:graphicFrame>
+        <p:nvGraphicFramePr>
+          <p:cNvPr id="4" name="Grafico 3">
+            <a:extLst>
+              <a:ext uri="{FF2B5EF4-FFF2-40B4-BE49-F238E27FC236}">
+                <a16:creationId xmlns:a16="http://schemas.microsoft.com/office/drawing/2014/main" id="{35F8B354-21CD-F33C-4502-C76E8A09AA4C}"/>
+              </a:ext>
+            </a:extLst>
+          </p:cNvPr>
+          <p:cNvGraphicFramePr/>
+          <p:nvPr>
+            <p:extLst>
+              <p:ext uri="{D42A27DB-BD31-4B8C-83A1-F6EECF244321}">
+                <p14:modId xmlns:p14="http://schemas.microsoft.com/office/powerpoint/2010/main" val="1969439528"/>
+              </p:ext>
+            </p:extLst>
+          </p:nvPr>
+        </p:nvGraphicFramePr>
+        <p:xfrm>
+          <a:off x="4082668" y="1769279"/>
+          <a:ext cx="10122663" cy="6748442"/>
+        </p:xfrm>
+        <a:graphic>
+          <a:graphicData uri="http://schemas.openxmlformats.org/drawingml/2006/chart">
+            <c:chart xmlns:c="http://schemas.openxmlformats.org/drawingml/2006/chart" xmlns:r="http://schemas.openxmlformats.org/officeDocument/2006/relationships" r:id="rId2"/>
+          </a:graphicData>
+        </a:graphic>
+      </p:graphicFrame>
+    </p:spTree>
+    <p:extLst>
+      <p:ext uri="{BB962C8B-B14F-4D97-AF65-F5344CB8AC3E}">
+        <p14:creationId xmlns:p14="http://schemas.microsoft.com/office/powerpoint/2010/main" val="538991173"/>
+      </p:ext>
+    </p:extLst>
+  </p:cSld>
+  <p:clrMapOvr>
+    <a:masterClrMapping/>
+  </p:clrMapOvr>
+</p:sld>
+</file>
+
+<file path=ppt/slides/slide28.xml><?xml version="1.0" encoding="utf-8"?>
+<p:sld xmlns:a="http://schemas.openxmlformats.org/drawingml/2006/main" xmlns:r="http://schemas.openxmlformats.org/officeDocument/2006/relationships" xmlns:p="http://schemas.openxmlformats.org/presentationml/2006/main">
+  <p:cSld>
+    <p:spTree>
+      <p:nvGrpSpPr>
+        <p:cNvPr id="1" name=""/>
+        <p:cNvGrpSpPr/>
+        <p:nvPr/>
+      </p:nvGrpSpPr>
+      <p:grpSpPr>
+        <a:xfrm>
+          <a:off x="0" y="0"/>
+          <a:ext cx="0" cy="0"/>
+          <a:chOff x="0" y="0"/>
+          <a:chExt cx="0" cy="0"/>
+        </a:xfrm>
+      </p:grpSpPr>
+      <p:sp>
+        <p:nvSpPr>
+          <p:cNvPr id="8" name="Google Shape;56;p10">
+            <a:extLst>
+              <a:ext uri="{FF2B5EF4-FFF2-40B4-BE49-F238E27FC236}">
+                <a16:creationId xmlns:a16="http://schemas.microsoft.com/office/drawing/2014/main" id="{0E534E2B-B9B0-016A-73CF-EE8D0D011C0F}"/>
+              </a:ext>
+            </a:extLst>
+          </p:cNvPr>
+          <p:cNvSpPr txBox="1"/>
+          <p:nvPr/>
+        </p:nvSpPr>
+        <p:spPr>
+          <a:xfrm>
+            <a:off x="1028700" y="434774"/>
+            <a:ext cx="5728091" cy="307777"/>
+          </a:xfrm>
+          <a:prstGeom prst="rect">
+            <a:avLst/>
+          </a:prstGeom>
+          <a:noFill/>
+          <a:ln>
+            <a:noFill/>
+          </a:ln>
+        </p:spPr>
+        <p:txBody>
+          <a:bodyPr spcFirstLastPara="1" wrap="square" lIns="0" tIns="0" rIns="0" bIns="0" anchor="t" anchorCtr="0">
+            <a:spAutoFit/>
+          </a:bodyPr>
+          <a:lstStyle/>
+          <a:p>
+            <a:pPr marL="0" marR="0" lvl="0" indent="0" algn="l" rtl="0">
+              <a:lnSpc>
+                <a:spcPct val="80000"/>
+              </a:lnSpc>
+              <a:spcBef>
+                <a:spcPts val="0"/>
+              </a:spcBef>
+              <a:spcAft>
+                <a:spcPts val="0"/>
+              </a:spcAft>
+              <a:buNone/>
+            </a:pPr>
+            <a:r>
+              <a:rPr lang="en-US" sz="2500" b="0" i="0" u="none" strike="noStrike" cap="none" dirty="0">
+                <a:solidFill>
+                  <a:srgbClr val="FFFFFF"/>
+                </a:solidFill>
+                <a:latin typeface="DM Serif Display"/>
+                <a:ea typeface="DM Serif Display"/>
+                <a:cs typeface="DM Serif Display"/>
+                <a:sym typeface="DM Serif Display"/>
+              </a:rPr>
+              <a:t>Caso Studio - </a:t>
+            </a:r>
+            <a:r>
+              <a:rPr lang="en-US" sz="2500" b="0" i="0" u="none" strike="noStrike" cap="none" dirty="0" err="1">
+                <a:solidFill>
+                  <a:srgbClr val="FFFFFF"/>
+                </a:solidFill>
+                <a:latin typeface="DM Serif Display"/>
+                <a:ea typeface="DM Serif Display"/>
+                <a:cs typeface="DM Serif Display"/>
+                <a:sym typeface="DM Serif Display"/>
+              </a:rPr>
+              <a:t>Costi</a:t>
+            </a:r>
+            <a:endParaRPr sz="2500" dirty="0"/>
+          </a:p>
+        </p:txBody>
+      </p:sp>
+      <p:cxnSp>
+        <p:nvCxnSpPr>
+          <p:cNvPr id="2" name="Connettore 1 1">
+            <a:extLst>
+              <a:ext uri="{FF2B5EF4-FFF2-40B4-BE49-F238E27FC236}">
+                <a16:creationId xmlns:a16="http://schemas.microsoft.com/office/drawing/2014/main" id="{190909B4-04D6-5F6E-1B11-75135F02A660}"/>
+              </a:ext>
+            </a:extLst>
+          </p:cNvPr>
+          <p:cNvCxnSpPr>
+            <a:cxnSpLocks/>
+          </p:cNvCxnSpPr>
+          <p:nvPr/>
+        </p:nvCxnSpPr>
+        <p:spPr>
+          <a:xfrm>
+            <a:off x="1028700" y="850900"/>
+            <a:ext cx="2628900" cy="0"/>
+          </a:xfrm>
+          <a:prstGeom prst="line">
+            <a:avLst/>
+          </a:prstGeom>
+          <a:ln>
+            <a:solidFill>
+              <a:schemeClr val="bg1"/>
+            </a:solidFill>
+          </a:ln>
+        </p:spPr>
+        <p:style>
+          <a:lnRef idx="3">
+            <a:schemeClr val="dk1"/>
+          </a:lnRef>
+          <a:fillRef idx="0">
+            <a:schemeClr val="dk1"/>
+          </a:fillRef>
+          <a:effectRef idx="2">
+            <a:schemeClr val="dk1"/>
+          </a:effectRef>
+          <a:fontRef idx="minor">
+            <a:schemeClr val="tx1"/>
+          </a:fontRef>
+        </p:style>
+      </p:cxnSp>
+      <p:graphicFrame>
+        <p:nvGraphicFramePr>
+          <p:cNvPr id="4" name="Grafico 3">
+            <a:extLst>
+              <a:ext uri="{FF2B5EF4-FFF2-40B4-BE49-F238E27FC236}">
+                <a16:creationId xmlns:a16="http://schemas.microsoft.com/office/drawing/2014/main" id="{35F8B354-21CD-F33C-4502-C76E8A09AA4C}"/>
+              </a:ext>
+            </a:extLst>
+          </p:cNvPr>
+          <p:cNvGraphicFramePr/>
+          <p:nvPr/>
+        </p:nvGraphicFramePr>
+        <p:xfrm>
+          <a:off x="1821686" y="2224107"/>
+          <a:ext cx="8758177" cy="5838785"/>
+        </p:xfrm>
+        <a:graphic>
+          <a:graphicData uri="http://schemas.openxmlformats.org/drawingml/2006/chart">
+            <c:chart xmlns:c="http://schemas.openxmlformats.org/drawingml/2006/chart" xmlns:r="http://schemas.openxmlformats.org/officeDocument/2006/relationships" r:id="rId2"/>
+          </a:graphicData>
+        </a:graphic>
+      </p:graphicFrame>
+      <p:sp>
+        <p:nvSpPr>
+          <p:cNvPr id="5" name="Google Shape;76;p12">
+            <a:extLst>
+              <a:ext uri="{FF2B5EF4-FFF2-40B4-BE49-F238E27FC236}">
+                <a16:creationId xmlns:a16="http://schemas.microsoft.com/office/drawing/2014/main" id="{1E536EB5-1CF2-DCB2-F34E-711FB10A0C3D}"/>
+              </a:ext>
+            </a:extLst>
+          </p:cNvPr>
+          <p:cNvSpPr txBox="1"/>
+          <p:nvPr/>
+        </p:nvSpPr>
+        <p:spPr>
+          <a:xfrm>
+            <a:off x="11730537" y="4157565"/>
+            <a:ext cx="5500188" cy="538609"/>
+          </a:xfrm>
+          <a:prstGeom prst="rect">
+            <a:avLst/>
+          </a:prstGeom>
+          <a:noFill/>
+          <a:ln>
+            <a:noFill/>
+          </a:ln>
+        </p:spPr>
+        <p:txBody>
+          <a:bodyPr spcFirstLastPara="1" wrap="square" lIns="0" tIns="0" rIns="0" bIns="0" anchor="t" anchorCtr="0">
+            <a:spAutoFit/>
+          </a:bodyPr>
+          <a:lstStyle/>
+          <a:p>
+            <a:pPr marL="0" marR="0" lvl="0" indent="0" algn="ctr" rtl="0">
+              <a:lnSpc>
+                <a:spcPct val="70000"/>
+              </a:lnSpc>
+              <a:spcBef>
+                <a:spcPts val="0"/>
+              </a:spcBef>
+              <a:spcAft>
+                <a:spcPts val="0"/>
+              </a:spcAft>
+              <a:buNone/>
+            </a:pPr>
+            <a:r>
+              <a:rPr lang="en-US" sz="5000" b="1" i="0" u="none" strike="noStrike" cap="none" dirty="0" err="1">
+                <a:solidFill>
+                  <a:srgbClr val="FFFFFF"/>
+                </a:solidFill>
+                <a:latin typeface="DM Serif Display"/>
+                <a:ea typeface="DM Serif Display"/>
+                <a:cs typeface="DM Serif Display"/>
+                <a:sym typeface="DM Serif Display"/>
+              </a:rPr>
+              <a:t>Richieste</a:t>
+            </a:r>
+            <a:r>
+              <a:rPr lang="en-US" sz="5000" b="1" i="0" u="none" strike="noStrike" cap="none" dirty="0">
+                <a:solidFill>
+                  <a:srgbClr val="FFFFFF"/>
+                </a:solidFill>
+                <a:latin typeface="DM Serif Display"/>
+                <a:ea typeface="DM Serif Display"/>
+                <a:cs typeface="DM Serif Display"/>
+                <a:sym typeface="DM Serif Display"/>
+              </a:rPr>
+              <a:t> </a:t>
+            </a:r>
+            <a:r>
+              <a:rPr lang="en-US" sz="5000" b="1" i="0" u="none" strike="noStrike" cap="none" dirty="0" err="1">
+                <a:solidFill>
+                  <a:srgbClr val="FFFFFF"/>
+                </a:solidFill>
+                <a:latin typeface="DM Serif Display"/>
+                <a:ea typeface="DM Serif Display"/>
+                <a:cs typeface="DM Serif Display"/>
+                <a:sym typeface="DM Serif Display"/>
+              </a:rPr>
+              <a:t>gratuite</a:t>
+            </a:r>
+            <a:endParaRPr sz="5000" b="1" dirty="0"/>
+          </a:p>
+        </p:txBody>
+      </p:sp>
+      <p:sp>
+        <p:nvSpPr>
+          <p:cNvPr id="6" name="Google Shape;77;p12">
+            <a:extLst>
+              <a:ext uri="{FF2B5EF4-FFF2-40B4-BE49-F238E27FC236}">
+                <a16:creationId xmlns:a16="http://schemas.microsoft.com/office/drawing/2014/main" id="{91FDFCCF-2A85-DC85-FE88-847FAB7AC6CC}"/>
+              </a:ext>
+            </a:extLst>
+          </p:cNvPr>
+          <p:cNvSpPr txBox="1"/>
+          <p:nvPr/>
+        </p:nvSpPr>
+        <p:spPr>
+          <a:xfrm>
+            <a:off x="11580518" y="4987363"/>
+            <a:ext cx="5800226" cy="969496"/>
+          </a:xfrm>
+          <a:prstGeom prst="rect">
+            <a:avLst/>
+          </a:prstGeom>
+          <a:noFill/>
+          <a:ln>
+            <a:noFill/>
+          </a:ln>
+        </p:spPr>
+        <p:txBody>
+          <a:bodyPr spcFirstLastPara="1" wrap="square" lIns="0" tIns="0" rIns="0" bIns="0" anchor="t" anchorCtr="0">
+            <a:spAutoFit/>
+          </a:bodyPr>
+          <a:lstStyle/>
+          <a:p>
+            <a:pPr marL="0" marR="0" lvl="0" indent="0" algn="ctr" rtl="0">
+              <a:lnSpc>
+                <a:spcPct val="100000"/>
+              </a:lnSpc>
+              <a:spcBef>
+                <a:spcPts val="0"/>
+              </a:spcBef>
+              <a:spcAft>
+                <a:spcPts val="0"/>
+              </a:spcAft>
+              <a:buNone/>
+            </a:pPr>
+            <a:r>
+              <a:rPr lang="it-IT" sz="2100" dirty="0">
+                <a:solidFill>
+                  <a:srgbClr val="D86613"/>
+                </a:solidFill>
+                <a:latin typeface="DM Sans"/>
+                <a:sym typeface="DM Sans"/>
+              </a:rPr>
+              <a:t>Lambda</a:t>
+            </a:r>
+            <a:r>
+              <a:rPr lang="it-IT" sz="2100" dirty="0">
+                <a:solidFill>
+                  <a:srgbClr val="FFFFFF"/>
+                </a:solidFill>
+                <a:latin typeface="DM Sans"/>
+                <a:sym typeface="DM Sans"/>
+              </a:rPr>
+              <a:t>: 1 milione di richieste al mese</a:t>
+            </a:r>
+          </a:p>
+          <a:p>
+            <a:pPr marL="0" marR="0" lvl="0" indent="0" algn="ctr" rtl="0">
+              <a:lnSpc>
+                <a:spcPct val="100000"/>
+              </a:lnSpc>
+              <a:spcBef>
+                <a:spcPts val="0"/>
+              </a:spcBef>
+              <a:spcAft>
+                <a:spcPts val="0"/>
+              </a:spcAft>
+              <a:buNone/>
+            </a:pPr>
+            <a:endParaRPr lang="it-IT" sz="2100" dirty="0">
+              <a:solidFill>
+                <a:srgbClr val="FFFFFF"/>
+              </a:solidFill>
+              <a:latin typeface="DM Sans"/>
+              <a:sym typeface="DM Sans"/>
+            </a:endParaRPr>
+          </a:p>
+          <a:p>
+            <a:pPr marL="0" marR="0" lvl="0" indent="0" algn="ctr" rtl="0">
+              <a:lnSpc>
+                <a:spcPct val="100000"/>
+              </a:lnSpc>
+              <a:spcBef>
+                <a:spcPts val="0"/>
+              </a:spcBef>
+              <a:spcAft>
+                <a:spcPts val="0"/>
+              </a:spcAft>
+              <a:buNone/>
+            </a:pPr>
+            <a:r>
+              <a:rPr lang="it-IT" sz="2100" dirty="0">
+                <a:solidFill>
+                  <a:srgbClr val="669DF5"/>
+                </a:solidFill>
+                <a:latin typeface="DM Sans"/>
+                <a:sym typeface="DM Sans"/>
+              </a:rPr>
+              <a:t>Cloud Functions</a:t>
+            </a:r>
+            <a:r>
+              <a:rPr lang="it-IT" sz="2100" dirty="0">
+                <a:solidFill>
+                  <a:srgbClr val="FFFFFF"/>
+                </a:solidFill>
+                <a:latin typeface="DM Sans"/>
+                <a:sym typeface="DM Sans"/>
+              </a:rPr>
+              <a:t>: 2 milioni di richieste al mese</a:t>
+            </a:r>
+            <a:endParaRPr lang="it-IT" dirty="0"/>
+          </a:p>
+        </p:txBody>
+      </p:sp>
+    </p:spTree>
+    <p:extLst>
+      <p:ext uri="{BB962C8B-B14F-4D97-AF65-F5344CB8AC3E}">
+        <p14:creationId xmlns:p14="http://schemas.microsoft.com/office/powerpoint/2010/main" val="1323526670"/>
+      </p:ext>
+    </p:extLst>
+  </p:cSld>
+  <p:clrMapOvr>
+    <a:masterClrMapping/>
+  </p:clrMapOvr>
+</p:sld>
+</file>
+
+<file path=ppt/slides/slide29.xml><?xml version="1.0" encoding="utf-8"?>
+<p:sld xmlns:a="http://schemas.openxmlformats.org/drawingml/2006/main" xmlns:r="http://schemas.openxmlformats.org/officeDocument/2006/relationships" xmlns:p="http://schemas.openxmlformats.org/presentationml/2006/main">
+  <p:cSld>
+    <p:spTree>
+      <p:nvGrpSpPr>
+        <p:cNvPr id="1" name=""/>
+        <p:cNvGrpSpPr/>
+        <p:nvPr/>
+      </p:nvGrpSpPr>
+      <p:grpSpPr>
+        <a:xfrm>
+          <a:off x="0" y="0"/>
+          <a:ext cx="0" cy="0"/>
+          <a:chOff x="0" y="0"/>
+          <a:chExt cx="0" cy="0"/>
+        </a:xfrm>
+      </p:grpSpPr>
+      <p:sp>
+        <p:nvSpPr>
+          <p:cNvPr id="8" name="Google Shape;56;p10">
+            <a:extLst>
+              <a:ext uri="{FF2B5EF4-FFF2-40B4-BE49-F238E27FC236}">
+                <a16:creationId xmlns:a16="http://schemas.microsoft.com/office/drawing/2014/main" id="{0E534E2B-B9B0-016A-73CF-EE8D0D011C0F}"/>
+              </a:ext>
+            </a:extLst>
+          </p:cNvPr>
+          <p:cNvSpPr txBox="1"/>
+          <p:nvPr/>
+        </p:nvSpPr>
+        <p:spPr>
+          <a:xfrm>
+            <a:off x="1028700" y="434774"/>
+            <a:ext cx="5728091" cy="307777"/>
+          </a:xfrm>
+          <a:prstGeom prst="rect">
+            <a:avLst/>
+          </a:prstGeom>
+          <a:noFill/>
+          <a:ln>
+            <a:noFill/>
+          </a:ln>
+        </p:spPr>
+        <p:txBody>
+          <a:bodyPr spcFirstLastPara="1" wrap="square" lIns="0" tIns="0" rIns="0" bIns="0" anchor="t" anchorCtr="0">
+            <a:spAutoFit/>
+          </a:bodyPr>
+          <a:lstStyle/>
+          <a:p>
+            <a:pPr marL="0" marR="0" lvl="0" indent="0" algn="l" rtl="0">
+              <a:lnSpc>
+                <a:spcPct val="80000"/>
+              </a:lnSpc>
+              <a:spcBef>
+                <a:spcPts val="0"/>
+              </a:spcBef>
+              <a:spcAft>
+                <a:spcPts val="0"/>
+              </a:spcAft>
+              <a:buNone/>
+            </a:pPr>
+            <a:r>
+              <a:rPr lang="en-US" sz="2500" b="0" i="0" u="none" strike="noStrike" cap="none" dirty="0">
+                <a:solidFill>
+                  <a:srgbClr val="FFFFFF"/>
+                </a:solidFill>
+                <a:latin typeface="DM Serif Display"/>
+                <a:ea typeface="DM Serif Display"/>
+                <a:cs typeface="DM Serif Display"/>
+                <a:sym typeface="DM Serif Display"/>
+              </a:rPr>
+              <a:t>Caso Studio - </a:t>
+            </a:r>
+            <a:r>
+              <a:rPr lang="en-US" sz="2500" b="0" i="0" u="none" strike="noStrike" cap="none" dirty="0" err="1">
+                <a:solidFill>
+                  <a:srgbClr val="FFFFFF"/>
+                </a:solidFill>
+                <a:latin typeface="DM Serif Display"/>
+                <a:ea typeface="DM Serif Display"/>
+                <a:cs typeface="DM Serif Display"/>
+                <a:sym typeface="DM Serif Display"/>
+              </a:rPr>
+              <a:t>Usabilità</a:t>
+            </a:r>
+            <a:r>
+              <a:rPr lang="en-US" sz="2500" b="0" i="0" u="none" strike="noStrike" cap="none" dirty="0">
+                <a:solidFill>
+                  <a:srgbClr val="FFFFFF"/>
+                </a:solidFill>
+                <a:latin typeface="DM Serif Display"/>
+                <a:ea typeface="DM Serif Display"/>
+                <a:cs typeface="DM Serif Display"/>
+                <a:sym typeface="DM Serif Display"/>
+              </a:rPr>
+              <a:t>/</a:t>
+            </a:r>
+            <a:r>
+              <a:rPr lang="en-US" sz="2500" b="0" i="0" u="none" strike="noStrike" cap="none" dirty="0" err="1">
+                <a:solidFill>
+                  <a:srgbClr val="FFFFFF"/>
+                </a:solidFill>
+                <a:latin typeface="DM Serif Display"/>
+                <a:ea typeface="DM Serif Display"/>
+                <a:cs typeface="DM Serif Display"/>
+                <a:sym typeface="DM Serif Display"/>
+              </a:rPr>
+              <a:t>Facilità</a:t>
+            </a:r>
+            <a:r>
+              <a:rPr lang="en-US" sz="2500" b="0" i="0" u="none" strike="noStrike" cap="none" dirty="0">
+                <a:solidFill>
+                  <a:srgbClr val="FFFFFF"/>
+                </a:solidFill>
+                <a:latin typeface="DM Serif Display"/>
+                <a:ea typeface="DM Serif Display"/>
+                <a:cs typeface="DM Serif Display"/>
+                <a:sym typeface="DM Serif Display"/>
+              </a:rPr>
+              <a:t> di Deploy</a:t>
+            </a:r>
+            <a:endParaRPr sz="2500" dirty="0"/>
+          </a:p>
+        </p:txBody>
+      </p:sp>
+      <p:cxnSp>
+        <p:nvCxnSpPr>
+          <p:cNvPr id="2" name="Connettore 1 1">
+            <a:extLst>
+              <a:ext uri="{FF2B5EF4-FFF2-40B4-BE49-F238E27FC236}">
+                <a16:creationId xmlns:a16="http://schemas.microsoft.com/office/drawing/2014/main" id="{190909B4-04D6-5F6E-1B11-75135F02A660}"/>
+              </a:ext>
+            </a:extLst>
+          </p:cNvPr>
+          <p:cNvCxnSpPr>
+            <a:cxnSpLocks/>
+          </p:cNvCxnSpPr>
+          <p:nvPr/>
+        </p:nvCxnSpPr>
+        <p:spPr>
+          <a:xfrm>
+            <a:off x="1028700" y="850900"/>
+            <a:ext cx="5728091" cy="0"/>
+          </a:xfrm>
+          <a:prstGeom prst="line">
+            <a:avLst/>
+          </a:prstGeom>
+          <a:ln>
+            <a:solidFill>
+              <a:schemeClr val="bg1"/>
+            </a:solidFill>
+          </a:ln>
+        </p:spPr>
+        <p:style>
+          <a:lnRef idx="3">
+            <a:schemeClr val="dk1"/>
+          </a:lnRef>
+          <a:fillRef idx="0">
+            <a:schemeClr val="dk1"/>
+          </a:fillRef>
+          <a:effectRef idx="2">
+            <a:schemeClr val="dk1"/>
+          </a:effectRef>
+          <a:fontRef idx="minor">
+            <a:schemeClr val="tx1"/>
+          </a:fontRef>
+        </p:style>
+      </p:cxnSp>
+      <p:sp>
+        <p:nvSpPr>
+          <p:cNvPr id="13" name="Google Shape;77;p12">
+            <a:extLst>
+              <a:ext uri="{FF2B5EF4-FFF2-40B4-BE49-F238E27FC236}">
+                <a16:creationId xmlns:a16="http://schemas.microsoft.com/office/drawing/2014/main" id="{91739436-01A0-55DF-FE40-8696C66AD7E9}"/>
+              </a:ext>
+            </a:extLst>
+          </p:cNvPr>
+          <p:cNvSpPr txBox="1"/>
+          <p:nvPr/>
+        </p:nvSpPr>
+        <p:spPr>
+          <a:xfrm>
+            <a:off x="6542474" y="2563709"/>
+            <a:ext cx="4826400" cy="2585323"/>
+          </a:xfrm>
+          <a:prstGeom prst="rect">
+            <a:avLst/>
+          </a:prstGeom>
+          <a:noFill/>
+          <a:ln>
+            <a:noFill/>
+          </a:ln>
+        </p:spPr>
+        <p:txBody>
+          <a:bodyPr spcFirstLastPara="1" wrap="square" lIns="0" tIns="0" rIns="0" bIns="0" anchor="t" anchorCtr="0">
+            <a:spAutoFit/>
+          </a:bodyPr>
+          <a:lstStyle/>
+          <a:p>
+            <a:pPr marL="0" marR="0" lvl="0" indent="0" algn="l" rtl="0">
+              <a:lnSpc>
+                <a:spcPct val="100000"/>
+              </a:lnSpc>
+              <a:spcBef>
+                <a:spcPts val="0"/>
+              </a:spcBef>
+              <a:spcAft>
+                <a:spcPts val="0"/>
+              </a:spcAft>
+              <a:buNone/>
+            </a:pPr>
+            <a:r>
+              <a:rPr lang="it-IT" sz="2100" b="0" i="0" u="none" strike="noStrike" cap="none" dirty="0">
+                <a:solidFill>
+                  <a:srgbClr val="FFFFFF"/>
+                </a:solidFill>
+                <a:latin typeface="DM Sans"/>
+                <a:ea typeface="DM Sans"/>
+                <a:cs typeface="DM Sans"/>
+                <a:sym typeface="DM Sans"/>
+              </a:rPr>
+              <a:t>Interfaccia intuitiva, curata e dettagliata</a:t>
+            </a:r>
+          </a:p>
+          <a:p>
+            <a:pPr marL="0" marR="0" lvl="0" indent="0" algn="l" rtl="0">
+              <a:lnSpc>
+                <a:spcPct val="100000"/>
+              </a:lnSpc>
+              <a:spcBef>
+                <a:spcPts val="0"/>
+              </a:spcBef>
+              <a:spcAft>
+                <a:spcPts val="0"/>
+              </a:spcAft>
+              <a:buNone/>
+            </a:pPr>
+            <a:endParaRPr lang="it-IT" sz="2100" dirty="0">
+              <a:solidFill>
+                <a:srgbClr val="FFFFFF"/>
+              </a:solidFill>
+              <a:latin typeface="DM Sans"/>
+              <a:sym typeface="DM Sans"/>
+            </a:endParaRPr>
+          </a:p>
+          <a:p>
+            <a:pPr marL="0" marR="0" lvl="0" indent="0" algn="l" rtl="0">
+              <a:lnSpc>
+                <a:spcPct val="100000"/>
+              </a:lnSpc>
+              <a:spcBef>
+                <a:spcPts val="0"/>
+              </a:spcBef>
+              <a:spcAft>
+                <a:spcPts val="0"/>
+              </a:spcAft>
+              <a:buNone/>
+            </a:pPr>
+            <a:r>
+              <a:rPr lang="it-IT" sz="2100" dirty="0">
+                <a:solidFill>
+                  <a:srgbClr val="FFFFFF"/>
+                </a:solidFill>
+                <a:latin typeface="DM Sans"/>
+                <a:sym typeface="DM Sans"/>
+              </a:rPr>
+              <a:t>Migliore documentazione per gli sviluppatori</a:t>
+            </a:r>
+          </a:p>
+          <a:p>
+            <a:pPr marL="0" marR="0" lvl="0" indent="0" algn="l" rtl="0">
+              <a:lnSpc>
+                <a:spcPct val="100000"/>
+              </a:lnSpc>
+              <a:spcBef>
+                <a:spcPts val="0"/>
+              </a:spcBef>
+              <a:spcAft>
+                <a:spcPts val="0"/>
+              </a:spcAft>
+              <a:buNone/>
+            </a:pPr>
+            <a:endParaRPr lang="it-IT" sz="2100" dirty="0">
+              <a:solidFill>
+                <a:srgbClr val="FFFFFF"/>
+              </a:solidFill>
+              <a:latin typeface="DM Sans"/>
+              <a:sym typeface="DM Sans"/>
+            </a:endParaRPr>
+          </a:p>
+          <a:p>
+            <a:pPr marL="0" marR="0" lvl="0" indent="0" algn="l" rtl="0">
+              <a:lnSpc>
+                <a:spcPct val="100000"/>
+              </a:lnSpc>
+              <a:spcBef>
+                <a:spcPts val="0"/>
+              </a:spcBef>
+              <a:spcAft>
+                <a:spcPts val="0"/>
+              </a:spcAft>
+              <a:buNone/>
+            </a:pPr>
+            <a:r>
+              <a:rPr lang="it-IT" sz="2100" dirty="0">
+                <a:solidFill>
+                  <a:srgbClr val="FFFFFF"/>
+                </a:solidFill>
+                <a:latin typeface="DM Sans"/>
+                <a:sym typeface="DM Sans"/>
+              </a:rPr>
+              <a:t>Esempi pratici per piccoli progetti software</a:t>
+            </a:r>
+          </a:p>
+        </p:txBody>
+      </p:sp>
+      <p:sp>
+        <p:nvSpPr>
+          <p:cNvPr id="18" name="Google Shape;77;p12">
+            <a:extLst>
+              <a:ext uri="{FF2B5EF4-FFF2-40B4-BE49-F238E27FC236}">
+                <a16:creationId xmlns:a16="http://schemas.microsoft.com/office/drawing/2014/main" id="{9958F709-66D0-7790-7CB5-DB100EBFB8E0}"/>
+              </a:ext>
+            </a:extLst>
+          </p:cNvPr>
+          <p:cNvSpPr txBox="1"/>
+          <p:nvPr/>
+        </p:nvSpPr>
+        <p:spPr>
+          <a:xfrm>
+            <a:off x="6542474" y="6525020"/>
+            <a:ext cx="4826400" cy="1615827"/>
+          </a:xfrm>
+          <a:prstGeom prst="rect">
+            <a:avLst/>
+          </a:prstGeom>
+          <a:noFill/>
+          <a:ln>
+            <a:noFill/>
+          </a:ln>
+        </p:spPr>
+        <p:txBody>
+          <a:bodyPr spcFirstLastPara="1" wrap="square" lIns="0" tIns="0" rIns="0" bIns="0" anchor="t" anchorCtr="0">
+            <a:spAutoFit/>
+          </a:bodyPr>
+          <a:lstStyle/>
+          <a:p>
+            <a:pPr marL="0" marR="0" lvl="0" indent="0" algn="l" rtl="0">
+              <a:lnSpc>
+                <a:spcPct val="100000"/>
+              </a:lnSpc>
+              <a:spcBef>
+                <a:spcPts val="0"/>
+              </a:spcBef>
+              <a:spcAft>
+                <a:spcPts val="0"/>
+              </a:spcAft>
+              <a:buNone/>
+            </a:pPr>
+            <a:r>
+              <a:rPr lang="it-IT" sz="2100" b="0" i="0" u="none" strike="noStrike" cap="none" dirty="0">
+                <a:solidFill>
+                  <a:srgbClr val="FFFFFF"/>
+                </a:solidFill>
+                <a:latin typeface="DM Sans"/>
+                <a:ea typeface="DM Sans"/>
+                <a:cs typeface="DM Sans"/>
+                <a:sym typeface="DM Sans"/>
+              </a:rPr>
+              <a:t>Interfaccia intuitiva, curata e dettagliata</a:t>
+            </a:r>
+          </a:p>
+          <a:p>
+            <a:pPr marL="0" marR="0" lvl="0" indent="0" algn="l" rtl="0">
+              <a:lnSpc>
+                <a:spcPct val="100000"/>
+              </a:lnSpc>
+              <a:spcBef>
+                <a:spcPts val="0"/>
+              </a:spcBef>
+              <a:spcAft>
+                <a:spcPts val="0"/>
+              </a:spcAft>
+              <a:buNone/>
+            </a:pPr>
+            <a:endParaRPr lang="it-IT" sz="2100" b="0" i="0" u="none" strike="noStrike" cap="none" dirty="0">
+              <a:solidFill>
+                <a:srgbClr val="FFFFFF"/>
+              </a:solidFill>
+              <a:latin typeface="DM Sans"/>
+              <a:ea typeface="DM Sans"/>
+              <a:cs typeface="DM Sans"/>
+              <a:sym typeface="DM Sans"/>
+            </a:endParaRPr>
+          </a:p>
+          <a:p>
+            <a:pPr marL="0" marR="0" lvl="0" indent="0" algn="l" rtl="0">
+              <a:lnSpc>
+                <a:spcPct val="100000"/>
+              </a:lnSpc>
+              <a:spcBef>
+                <a:spcPts val="0"/>
+              </a:spcBef>
+              <a:spcAft>
+                <a:spcPts val="0"/>
+              </a:spcAft>
+              <a:buNone/>
+            </a:pPr>
+            <a:r>
+              <a:rPr lang="it-IT" sz="2100" dirty="0">
+                <a:solidFill>
+                  <a:srgbClr val="FFFFFF"/>
+                </a:solidFill>
+                <a:latin typeface="DM Sans"/>
+                <a:ea typeface="DM Sans"/>
+                <a:cs typeface="DM Sans"/>
+                <a:sym typeface="DM Sans"/>
+              </a:rPr>
+              <a:t>D</a:t>
+            </a:r>
+            <a:r>
+              <a:rPr lang="it-IT" sz="2100" b="0" i="0" u="none" strike="noStrike" cap="none" dirty="0">
+                <a:solidFill>
+                  <a:srgbClr val="FFFFFF"/>
+                </a:solidFill>
+                <a:latin typeface="DM Sans"/>
+                <a:ea typeface="DM Sans"/>
+                <a:cs typeface="DM Sans"/>
+                <a:sym typeface="DM Sans"/>
+              </a:rPr>
+              <a:t>ocumentazione ufficiale più carente rispetto a Lambda</a:t>
+            </a:r>
+            <a:endParaRPr lang="it-IT" sz="2100" dirty="0">
+              <a:solidFill>
+                <a:srgbClr val="FFFFFF"/>
+              </a:solidFill>
+              <a:latin typeface="DM Sans"/>
+              <a:sym typeface="DM Sans"/>
+            </a:endParaRPr>
+          </a:p>
+        </p:txBody>
+      </p:sp>
+      <p:pic>
+        <p:nvPicPr>
+          <p:cNvPr id="4" name="Immagine 3">
+            <a:extLst>
+              <a:ext uri="{FF2B5EF4-FFF2-40B4-BE49-F238E27FC236}">
+                <a16:creationId xmlns:a16="http://schemas.microsoft.com/office/drawing/2014/main" id="{90D24D6A-2BCD-4710-AFE0-22872DAE15EE}"/>
+              </a:ext>
+            </a:extLst>
+          </p:cNvPr>
+          <p:cNvPicPr>
+            <a:picLocks noChangeAspect="1"/>
+          </p:cNvPicPr>
+          <p:nvPr/>
+        </p:nvPicPr>
+        <p:blipFill>
+          <a:blip r:embed="rId2"/>
+          <a:stretch>
+            <a:fillRect/>
+          </a:stretch>
+        </p:blipFill>
+        <p:spPr>
+          <a:xfrm>
+            <a:off x="2145227" y="2102560"/>
+            <a:ext cx="2727248" cy="2727248"/>
+          </a:xfrm>
+          <a:prstGeom prst="rect">
+            <a:avLst/>
+          </a:prstGeom>
+        </p:spPr>
+      </p:pic>
+      <p:pic>
+        <p:nvPicPr>
+          <p:cNvPr id="5" name="Immagine 4">
+            <a:extLst>
+              <a:ext uri="{FF2B5EF4-FFF2-40B4-BE49-F238E27FC236}">
+                <a16:creationId xmlns:a16="http://schemas.microsoft.com/office/drawing/2014/main" id="{98EAD790-4F7E-1B52-4E7B-A7708520E2A8}"/>
+              </a:ext>
+            </a:extLst>
+          </p:cNvPr>
+          <p:cNvPicPr>
+            <a:picLocks noChangeAspect="1"/>
+          </p:cNvPicPr>
+          <p:nvPr/>
+        </p:nvPicPr>
+        <p:blipFill rotWithShape="1">
+          <a:blip r:embed="rId3"/>
+          <a:srcRect l="33489" t="9937" r="34196" b="22348"/>
+          <a:stretch/>
+        </p:blipFill>
+        <p:spPr>
+          <a:xfrm>
+            <a:off x="1741877" y="6004873"/>
+            <a:ext cx="3533947" cy="3081714"/>
+          </a:xfrm>
+          <a:prstGeom prst="rect">
+            <a:avLst/>
+          </a:prstGeom>
+        </p:spPr>
+      </p:pic>
+      <p:sp>
+        <p:nvSpPr>
+          <p:cNvPr id="6" name="Google Shape;76;p12">
+            <a:extLst>
+              <a:ext uri="{FF2B5EF4-FFF2-40B4-BE49-F238E27FC236}">
+                <a16:creationId xmlns:a16="http://schemas.microsoft.com/office/drawing/2014/main" id="{2F4B45AF-153D-F849-9368-4F7EFDE6A964}"/>
+              </a:ext>
+            </a:extLst>
+          </p:cNvPr>
+          <p:cNvSpPr txBox="1"/>
+          <p:nvPr/>
+        </p:nvSpPr>
+        <p:spPr>
+          <a:xfrm>
+            <a:off x="2089919" y="5030249"/>
+            <a:ext cx="2837861" cy="387798"/>
+          </a:xfrm>
+          <a:prstGeom prst="rect">
+            <a:avLst/>
+          </a:prstGeom>
+          <a:noFill/>
+          <a:ln>
+            <a:noFill/>
+          </a:ln>
+        </p:spPr>
+        <p:txBody>
+          <a:bodyPr spcFirstLastPara="1" wrap="square" lIns="0" tIns="0" rIns="0" bIns="0" anchor="t" anchorCtr="0">
+            <a:spAutoFit/>
+          </a:bodyPr>
+          <a:lstStyle/>
+          <a:p>
+            <a:pPr marL="0" marR="0" lvl="0" indent="0" algn="l" rtl="0">
+              <a:lnSpc>
+                <a:spcPct val="70000"/>
+              </a:lnSpc>
+              <a:spcBef>
+                <a:spcPts val="0"/>
+              </a:spcBef>
+              <a:spcAft>
+                <a:spcPts val="0"/>
+              </a:spcAft>
+              <a:buNone/>
+            </a:pPr>
+            <a:r>
+              <a:rPr lang="en-US" sz="3600" b="1" i="0" u="none" strike="noStrike" cap="none" dirty="0">
+                <a:solidFill>
+                  <a:srgbClr val="FFFFFF"/>
+                </a:solidFill>
+                <a:latin typeface="DM Serif Display"/>
+                <a:ea typeface="DM Serif Display"/>
+                <a:cs typeface="DM Serif Display"/>
+                <a:sym typeface="DM Serif Display"/>
+              </a:rPr>
+              <a:t>AWS Lambda</a:t>
+            </a:r>
+            <a:endParaRPr sz="4400" b="1" dirty="0"/>
+          </a:p>
+        </p:txBody>
+      </p:sp>
+      <p:sp>
+        <p:nvSpPr>
+          <p:cNvPr id="7" name="Google Shape;76;p12">
+            <a:extLst>
+              <a:ext uri="{FF2B5EF4-FFF2-40B4-BE49-F238E27FC236}">
+                <a16:creationId xmlns:a16="http://schemas.microsoft.com/office/drawing/2014/main" id="{1153C7BF-B85C-D469-8262-7A62D84CEA3B}"/>
+              </a:ext>
+            </a:extLst>
+          </p:cNvPr>
+          <p:cNvSpPr txBox="1"/>
+          <p:nvPr/>
+        </p:nvSpPr>
+        <p:spPr>
+          <a:xfrm>
+            <a:off x="2005829" y="9144151"/>
+            <a:ext cx="3130597" cy="387798"/>
+          </a:xfrm>
+          <a:prstGeom prst="rect">
+            <a:avLst/>
+          </a:prstGeom>
+          <a:noFill/>
+          <a:ln>
+            <a:noFill/>
+          </a:ln>
+        </p:spPr>
+        <p:txBody>
+          <a:bodyPr spcFirstLastPara="1" wrap="square" lIns="0" tIns="0" rIns="0" bIns="0" anchor="t" anchorCtr="0">
+            <a:spAutoFit/>
+          </a:bodyPr>
+          <a:lstStyle/>
+          <a:p>
+            <a:pPr marL="0" marR="0" lvl="0" indent="0" algn="l" rtl="0">
+              <a:lnSpc>
+                <a:spcPct val="70000"/>
+              </a:lnSpc>
+              <a:spcBef>
+                <a:spcPts val="0"/>
+              </a:spcBef>
+              <a:spcAft>
+                <a:spcPts val="0"/>
+              </a:spcAft>
+              <a:buNone/>
+            </a:pPr>
+            <a:r>
+              <a:rPr lang="en-US" sz="3600" b="1" i="0" u="none" strike="noStrike" cap="none" dirty="0">
+                <a:solidFill>
+                  <a:srgbClr val="FFFFFF"/>
+                </a:solidFill>
+                <a:latin typeface="DM Serif Display"/>
+                <a:ea typeface="DM Serif Display"/>
+                <a:cs typeface="DM Serif Display"/>
+                <a:sym typeface="DM Serif Display"/>
+              </a:rPr>
+              <a:t>G.C. Functions</a:t>
+            </a:r>
+            <a:endParaRPr sz="4400" b="1" dirty="0"/>
+          </a:p>
+        </p:txBody>
+      </p:sp>
+      <p:sp>
+        <p:nvSpPr>
+          <p:cNvPr id="9" name="Google Shape;77;p12">
+            <a:extLst>
+              <a:ext uri="{FF2B5EF4-FFF2-40B4-BE49-F238E27FC236}">
+                <a16:creationId xmlns:a16="http://schemas.microsoft.com/office/drawing/2014/main" id="{C7F2A922-B509-6EA2-D098-1C42BD99F422}"/>
+              </a:ext>
+            </a:extLst>
+          </p:cNvPr>
+          <p:cNvSpPr txBox="1"/>
+          <p:nvPr/>
+        </p:nvSpPr>
+        <p:spPr>
+          <a:xfrm>
+            <a:off x="12504476" y="2563708"/>
+            <a:ext cx="4826400" cy="1938992"/>
+          </a:xfrm>
+          <a:prstGeom prst="rect">
+            <a:avLst/>
+          </a:prstGeom>
+          <a:noFill/>
+          <a:ln>
+            <a:noFill/>
+          </a:ln>
+        </p:spPr>
+        <p:txBody>
+          <a:bodyPr spcFirstLastPara="1" wrap="square" lIns="0" tIns="0" rIns="0" bIns="0" anchor="t" anchorCtr="0">
+            <a:spAutoFit/>
+          </a:bodyPr>
+          <a:lstStyle/>
+          <a:p>
+            <a:pPr marL="0" marR="0" lvl="0" indent="0" algn="l" rtl="0">
+              <a:lnSpc>
+                <a:spcPct val="100000"/>
+              </a:lnSpc>
+              <a:spcBef>
+                <a:spcPts val="0"/>
+              </a:spcBef>
+              <a:spcAft>
+                <a:spcPts val="0"/>
+              </a:spcAft>
+              <a:buNone/>
+            </a:pPr>
+            <a:r>
+              <a:rPr lang="it-IT" sz="2100" b="0" i="0" u="none" strike="noStrike" cap="none" dirty="0">
+                <a:solidFill>
+                  <a:srgbClr val="FFFFFF"/>
+                </a:solidFill>
+                <a:latin typeface="DM Sans"/>
+                <a:ea typeface="DM Sans"/>
+                <a:cs typeface="DM Sans"/>
+                <a:sym typeface="DM Sans"/>
+              </a:rPr>
+              <a:t>Processo di </a:t>
+            </a:r>
+            <a:r>
+              <a:rPr lang="it-IT" sz="2100" b="0" i="0" u="none" strike="noStrike" cap="none" dirty="0" err="1">
+                <a:solidFill>
+                  <a:srgbClr val="FFFFFF"/>
+                </a:solidFill>
+                <a:latin typeface="DM Sans"/>
+                <a:ea typeface="DM Sans"/>
+                <a:cs typeface="DM Sans"/>
+                <a:sym typeface="DM Sans"/>
+              </a:rPr>
+              <a:t>deploy</a:t>
+            </a:r>
+            <a:r>
+              <a:rPr lang="it-IT" sz="2100" b="0" i="0" u="none" strike="noStrike" cap="none" dirty="0">
+                <a:solidFill>
+                  <a:srgbClr val="FFFFFF"/>
+                </a:solidFill>
+                <a:latin typeface="DM Sans"/>
+                <a:ea typeface="DM Sans"/>
+                <a:cs typeface="DM Sans"/>
+                <a:sym typeface="DM Sans"/>
+              </a:rPr>
+              <a:t> più lungo rispetto a GCF</a:t>
+            </a:r>
+          </a:p>
+          <a:p>
+            <a:pPr marL="0" marR="0" lvl="0" indent="0" algn="l" rtl="0">
+              <a:lnSpc>
+                <a:spcPct val="100000"/>
+              </a:lnSpc>
+              <a:spcBef>
+                <a:spcPts val="0"/>
+              </a:spcBef>
+              <a:spcAft>
+                <a:spcPts val="0"/>
+              </a:spcAft>
+              <a:buNone/>
+            </a:pPr>
+            <a:endParaRPr lang="it-IT" sz="2100" dirty="0">
+              <a:solidFill>
+                <a:srgbClr val="FFFFFF"/>
+              </a:solidFill>
+              <a:latin typeface="DM Sans"/>
+              <a:sym typeface="DM Sans"/>
+            </a:endParaRPr>
+          </a:p>
+          <a:p>
+            <a:pPr marL="0" marR="0" lvl="0" indent="0" algn="l" rtl="0">
+              <a:lnSpc>
+                <a:spcPct val="100000"/>
+              </a:lnSpc>
+              <a:spcBef>
+                <a:spcPts val="0"/>
+              </a:spcBef>
+              <a:spcAft>
+                <a:spcPts val="0"/>
+              </a:spcAft>
+              <a:buNone/>
+            </a:pPr>
+            <a:r>
+              <a:rPr lang="it-IT" sz="2100" dirty="0">
+                <a:solidFill>
+                  <a:srgbClr val="FFFFFF"/>
+                </a:solidFill>
+                <a:latin typeface="DM Sans"/>
+                <a:sym typeface="DM Sans"/>
+              </a:rPr>
+              <a:t>Configurazione più complessa e dettagliata della funzione per il setup iniziale</a:t>
+            </a:r>
+          </a:p>
+        </p:txBody>
+      </p:sp>
+      <p:sp>
+        <p:nvSpPr>
+          <p:cNvPr id="10" name="Google Shape;77;p12">
+            <a:extLst>
+              <a:ext uri="{FF2B5EF4-FFF2-40B4-BE49-F238E27FC236}">
+                <a16:creationId xmlns:a16="http://schemas.microsoft.com/office/drawing/2014/main" id="{18513B5F-B741-93BD-88AB-672F5B49D907}"/>
+              </a:ext>
+            </a:extLst>
+          </p:cNvPr>
+          <p:cNvSpPr txBox="1"/>
+          <p:nvPr/>
+        </p:nvSpPr>
+        <p:spPr>
+          <a:xfrm>
+            <a:off x="12504476" y="6525020"/>
+            <a:ext cx="4826400" cy="1292662"/>
+          </a:xfrm>
+          <a:prstGeom prst="rect">
+            <a:avLst/>
+          </a:prstGeom>
+          <a:noFill/>
+          <a:ln>
+            <a:noFill/>
+          </a:ln>
+        </p:spPr>
+        <p:txBody>
+          <a:bodyPr spcFirstLastPara="1" wrap="square" lIns="0" tIns="0" rIns="0" bIns="0" anchor="t" anchorCtr="0">
+            <a:spAutoFit/>
+          </a:bodyPr>
+          <a:lstStyle/>
+          <a:p>
+            <a:pPr marL="0" marR="0" lvl="0" indent="0" algn="l" rtl="0">
+              <a:lnSpc>
+                <a:spcPct val="100000"/>
+              </a:lnSpc>
+              <a:spcBef>
+                <a:spcPts val="0"/>
+              </a:spcBef>
+              <a:spcAft>
+                <a:spcPts val="0"/>
+              </a:spcAft>
+              <a:buNone/>
+            </a:pPr>
+            <a:r>
+              <a:rPr lang="it-IT" sz="2100" b="0" i="0" u="none" strike="noStrike" cap="none" dirty="0">
+                <a:solidFill>
+                  <a:srgbClr val="FFFFFF"/>
+                </a:solidFill>
+                <a:latin typeface="DM Sans"/>
+                <a:ea typeface="DM Sans"/>
+                <a:cs typeface="DM Sans"/>
+                <a:sym typeface="DM Sans"/>
+              </a:rPr>
+              <a:t>Minor numero di step per il </a:t>
+            </a:r>
+            <a:r>
+              <a:rPr lang="it-IT" sz="2100" b="0" i="0" u="none" strike="noStrike" cap="none" dirty="0" err="1">
+                <a:solidFill>
+                  <a:srgbClr val="FFFFFF"/>
+                </a:solidFill>
+                <a:latin typeface="DM Sans"/>
+                <a:ea typeface="DM Sans"/>
+                <a:cs typeface="DM Sans"/>
+                <a:sym typeface="DM Sans"/>
+              </a:rPr>
+              <a:t>deploy</a:t>
+            </a:r>
+            <a:endParaRPr lang="it-IT" sz="2100" b="0" i="0" u="none" strike="noStrike" cap="none" dirty="0">
+              <a:solidFill>
+                <a:srgbClr val="FFFFFF"/>
+              </a:solidFill>
+              <a:latin typeface="DM Sans"/>
+              <a:ea typeface="DM Sans"/>
+              <a:cs typeface="DM Sans"/>
+              <a:sym typeface="DM Sans"/>
+            </a:endParaRPr>
+          </a:p>
+          <a:p>
+            <a:pPr marL="0" marR="0" lvl="0" indent="0" algn="l" rtl="0">
+              <a:lnSpc>
+                <a:spcPct val="100000"/>
+              </a:lnSpc>
+              <a:spcBef>
+                <a:spcPts val="0"/>
+              </a:spcBef>
+              <a:spcAft>
+                <a:spcPts val="0"/>
+              </a:spcAft>
+              <a:buNone/>
+            </a:pPr>
+            <a:endParaRPr lang="it-IT" sz="2100" dirty="0">
+              <a:solidFill>
+                <a:srgbClr val="FFFFFF"/>
+              </a:solidFill>
+              <a:latin typeface="DM Sans"/>
+              <a:sym typeface="DM Sans"/>
+            </a:endParaRPr>
+          </a:p>
+          <a:p>
+            <a:pPr marL="0" marR="0" lvl="0" indent="0" algn="l" rtl="0">
+              <a:lnSpc>
+                <a:spcPct val="100000"/>
+              </a:lnSpc>
+              <a:spcBef>
+                <a:spcPts val="0"/>
+              </a:spcBef>
+              <a:spcAft>
+                <a:spcPts val="0"/>
+              </a:spcAft>
+              <a:buNone/>
+            </a:pPr>
+            <a:r>
+              <a:rPr lang="it-IT" sz="2100" dirty="0">
+                <a:solidFill>
+                  <a:srgbClr val="FFFFFF"/>
+                </a:solidFill>
+                <a:latin typeface="DM Sans"/>
+                <a:sym typeface="DM Sans"/>
+              </a:rPr>
+              <a:t>Setup iniziale più rapido rispetto a Lambda</a:t>
+            </a:r>
+          </a:p>
+        </p:txBody>
+      </p:sp>
+      <p:sp>
+        <p:nvSpPr>
+          <p:cNvPr id="16" name="Google Shape;76;p12">
+            <a:extLst>
+              <a:ext uri="{FF2B5EF4-FFF2-40B4-BE49-F238E27FC236}">
+                <a16:creationId xmlns:a16="http://schemas.microsoft.com/office/drawing/2014/main" id="{6B426AEC-E285-079C-60C6-DCC909AF6101}"/>
+              </a:ext>
+            </a:extLst>
+          </p:cNvPr>
+          <p:cNvSpPr txBox="1"/>
+          <p:nvPr/>
+        </p:nvSpPr>
+        <p:spPr>
+          <a:xfrm>
+            <a:off x="6542474" y="1606502"/>
+            <a:ext cx="2837861" cy="387798"/>
+          </a:xfrm>
+          <a:prstGeom prst="rect">
+            <a:avLst/>
+          </a:prstGeom>
+          <a:noFill/>
+          <a:ln>
+            <a:noFill/>
+          </a:ln>
+        </p:spPr>
+        <p:txBody>
+          <a:bodyPr spcFirstLastPara="1" wrap="square" lIns="0" tIns="0" rIns="0" bIns="0" anchor="t" anchorCtr="0">
+            <a:spAutoFit/>
+          </a:bodyPr>
+          <a:lstStyle/>
+          <a:p>
+            <a:pPr marL="0" marR="0" lvl="0" indent="0" algn="l" rtl="0">
+              <a:lnSpc>
+                <a:spcPct val="70000"/>
+              </a:lnSpc>
+              <a:spcBef>
+                <a:spcPts val="0"/>
+              </a:spcBef>
+              <a:spcAft>
+                <a:spcPts val="0"/>
+              </a:spcAft>
+              <a:buNone/>
+            </a:pPr>
+            <a:r>
+              <a:rPr lang="en-US" sz="3600" b="1" i="0" u="none" strike="noStrike" cap="none" dirty="0" err="1">
+                <a:solidFill>
+                  <a:srgbClr val="FFFFFF"/>
+                </a:solidFill>
+                <a:latin typeface="DM Serif Display"/>
+                <a:ea typeface="DM Serif Display"/>
+                <a:cs typeface="DM Serif Display"/>
+                <a:sym typeface="DM Serif Display"/>
+              </a:rPr>
+              <a:t>Usabilità</a:t>
+            </a:r>
+            <a:endParaRPr sz="4400" b="1" dirty="0"/>
+          </a:p>
+        </p:txBody>
+      </p:sp>
+      <p:sp>
+        <p:nvSpPr>
+          <p:cNvPr id="24" name="Google Shape;76;p12">
+            <a:extLst>
+              <a:ext uri="{FF2B5EF4-FFF2-40B4-BE49-F238E27FC236}">
+                <a16:creationId xmlns:a16="http://schemas.microsoft.com/office/drawing/2014/main" id="{B2393937-2997-7280-EC4C-40948AC1C23F}"/>
+              </a:ext>
+            </a:extLst>
+          </p:cNvPr>
+          <p:cNvSpPr txBox="1"/>
+          <p:nvPr/>
+        </p:nvSpPr>
+        <p:spPr>
+          <a:xfrm>
+            <a:off x="12515846" y="1606502"/>
+            <a:ext cx="3655496" cy="387798"/>
+          </a:xfrm>
+          <a:prstGeom prst="rect">
+            <a:avLst/>
+          </a:prstGeom>
+          <a:noFill/>
+          <a:ln>
+            <a:noFill/>
+          </a:ln>
+        </p:spPr>
+        <p:txBody>
+          <a:bodyPr spcFirstLastPara="1" wrap="square" lIns="0" tIns="0" rIns="0" bIns="0" anchor="t" anchorCtr="0">
+            <a:spAutoFit/>
+          </a:bodyPr>
+          <a:lstStyle/>
+          <a:p>
+            <a:pPr marL="0" marR="0" lvl="0" indent="0" algn="l" rtl="0">
+              <a:lnSpc>
+                <a:spcPct val="70000"/>
+              </a:lnSpc>
+              <a:spcBef>
+                <a:spcPts val="0"/>
+              </a:spcBef>
+              <a:spcAft>
+                <a:spcPts val="0"/>
+              </a:spcAft>
+              <a:buNone/>
+            </a:pPr>
+            <a:r>
+              <a:rPr lang="en-US" sz="3600" b="1" i="0" u="none" strike="noStrike" cap="none" dirty="0" err="1">
+                <a:solidFill>
+                  <a:srgbClr val="FFFFFF"/>
+                </a:solidFill>
+                <a:latin typeface="DM Serif Display"/>
+                <a:ea typeface="DM Serif Display"/>
+                <a:cs typeface="DM Serif Display"/>
+                <a:sym typeface="DM Serif Display"/>
+              </a:rPr>
+              <a:t>Facilità</a:t>
+            </a:r>
+            <a:r>
+              <a:rPr lang="en-US" sz="3600" b="1" i="0" u="none" strike="noStrike" cap="none" dirty="0">
+                <a:solidFill>
+                  <a:srgbClr val="FFFFFF"/>
+                </a:solidFill>
+                <a:latin typeface="DM Serif Display"/>
+                <a:ea typeface="DM Serif Display"/>
+                <a:cs typeface="DM Serif Display"/>
+                <a:sym typeface="DM Serif Display"/>
+              </a:rPr>
+              <a:t> di Deploy</a:t>
+            </a:r>
+            <a:endParaRPr sz="4400" b="1" dirty="0"/>
+          </a:p>
+        </p:txBody>
+      </p:sp>
+      <p:cxnSp>
+        <p:nvCxnSpPr>
+          <p:cNvPr id="25" name="Connettore 1 24">
+            <a:extLst>
+              <a:ext uri="{FF2B5EF4-FFF2-40B4-BE49-F238E27FC236}">
+                <a16:creationId xmlns:a16="http://schemas.microsoft.com/office/drawing/2014/main" id="{7C0D2F20-F243-C190-EAAC-A6DAE83201F6}"/>
+              </a:ext>
+            </a:extLst>
+          </p:cNvPr>
+          <p:cNvCxnSpPr>
+            <a:cxnSpLocks/>
+          </p:cNvCxnSpPr>
+          <p:nvPr/>
+        </p:nvCxnSpPr>
+        <p:spPr>
+          <a:xfrm>
+            <a:off x="6400797" y="5818187"/>
+            <a:ext cx="11044238" cy="0"/>
+          </a:xfrm>
+          <a:prstGeom prst="line">
+            <a:avLst/>
+          </a:prstGeom>
+          <a:ln>
+            <a:solidFill>
+              <a:schemeClr val="bg1"/>
+            </a:solidFill>
+          </a:ln>
+        </p:spPr>
+        <p:style>
+          <a:lnRef idx="3">
+            <a:schemeClr val="dk1"/>
+          </a:lnRef>
+          <a:fillRef idx="0">
+            <a:schemeClr val="dk1"/>
+          </a:fillRef>
+          <a:effectRef idx="2">
+            <a:schemeClr val="dk1"/>
+          </a:effectRef>
+          <a:fontRef idx="minor">
+            <a:schemeClr val="tx1"/>
+          </a:fontRef>
+        </p:style>
+      </p:cxnSp>
+      <p:cxnSp>
+        <p:nvCxnSpPr>
+          <p:cNvPr id="27" name="Connettore 1 26">
+            <a:extLst>
+              <a:ext uri="{FF2B5EF4-FFF2-40B4-BE49-F238E27FC236}">
+                <a16:creationId xmlns:a16="http://schemas.microsoft.com/office/drawing/2014/main" id="{E88B5C9F-00FA-6700-A6B7-65DBFEBEF189}"/>
+              </a:ext>
+            </a:extLst>
+          </p:cNvPr>
+          <p:cNvCxnSpPr>
+            <a:cxnSpLocks/>
+          </p:cNvCxnSpPr>
+          <p:nvPr/>
+        </p:nvCxnSpPr>
+        <p:spPr>
+          <a:xfrm>
+            <a:off x="11865836" y="2300288"/>
+            <a:ext cx="0" cy="7231661"/>
+          </a:xfrm>
+          <a:prstGeom prst="line">
+            <a:avLst/>
+          </a:prstGeom>
+          <a:ln>
+            <a:solidFill>
+              <a:schemeClr val="bg1"/>
+            </a:solidFill>
+          </a:ln>
+        </p:spPr>
+        <p:style>
+          <a:lnRef idx="3">
+            <a:schemeClr val="dk1"/>
+          </a:lnRef>
+          <a:fillRef idx="0">
+            <a:schemeClr val="dk1"/>
+          </a:fillRef>
+          <a:effectRef idx="2">
+            <a:schemeClr val="dk1"/>
+          </a:effectRef>
+          <a:fontRef idx="minor">
+            <a:schemeClr val="tx1"/>
+          </a:fontRef>
+        </p:style>
+      </p:cxnSp>
+    </p:spTree>
+    <p:extLst>
+      <p:ext uri="{BB962C8B-B14F-4D97-AF65-F5344CB8AC3E}">
+        <p14:creationId xmlns:p14="http://schemas.microsoft.com/office/powerpoint/2010/main" val="1707785297"/>
       </p:ext>
     </p:extLst>
   </p:cSld>
@@ -19842,1647 +20089,6 @@
 </file>
 
 <file path=ppt/slides/slide30.xml><?xml version="1.0" encoding="utf-8"?>
-<p:sld xmlns:a="http://schemas.openxmlformats.org/drawingml/2006/main" xmlns:r="http://schemas.openxmlformats.org/officeDocument/2006/relationships" xmlns:p="http://schemas.openxmlformats.org/presentationml/2006/main">
-  <p:cSld>
-    <p:spTree>
-      <p:nvGrpSpPr>
-        <p:cNvPr id="1" name=""/>
-        <p:cNvGrpSpPr/>
-        <p:nvPr/>
-      </p:nvGrpSpPr>
-      <p:grpSpPr>
-        <a:xfrm>
-          <a:off x="0" y="0"/>
-          <a:ext cx="0" cy="0"/>
-          <a:chOff x="0" y="0"/>
-          <a:chExt cx="0" cy="0"/>
-        </a:xfrm>
-      </p:grpSpPr>
-      <p:sp>
-        <p:nvSpPr>
-          <p:cNvPr id="8" name="Google Shape;56;p10">
-            <a:extLst>
-              <a:ext uri="{FF2B5EF4-FFF2-40B4-BE49-F238E27FC236}">
-                <a16:creationId xmlns:a16="http://schemas.microsoft.com/office/drawing/2014/main" id="{0E534E2B-B9B0-016A-73CF-EE8D0D011C0F}"/>
-              </a:ext>
-            </a:extLst>
-          </p:cNvPr>
-          <p:cNvSpPr txBox="1"/>
-          <p:nvPr/>
-        </p:nvSpPr>
-        <p:spPr>
-          <a:xfrm>
-            <a:off x="1028700" y="434774"/>
-            <a:ext cx="5728091" cy="307777"/>
-          </a:xfrm>
-          <a:prstGeom prst="rect">
-            <a:avLst/>
-          </a:prstGeom>
-          <a:noFill/>
-          <a:ln>
-            <a:noFill/>
-          </a:ln>
-        </p:spPr>
-        <p:txBody>
-          <a:bodyPr spcFirstLastPara="1" wrap="square" lIns="0" tIns="0" rIns="0" bIns="0" anchor="t" anchorCtr="0">
-            <a:spAutoFit/>
-          </a:bodyPr>
-          <a:lstStyle/>
-          <a:p>
-            <a:pPr marL="0" marR="0" lvl="0" indent="0" algn="l" rtl="0">
-              <a:lnSpc>
-                <a:spcPct val="80000"/>
-              </a:lnSpc>
-              <a:spcBef>
-                <a:spcPts val="0"/>
-              </a:spcBef>
-              <a:spcAft>
-                <a:spcPts val="0"/>
-              </a:spcAft>
-              <a:buNone/>
-            </a:pPr>
-            <a:r>
-              <a:rPr lang="en-US" sz="2500" b="0" i="0" u="none" strike="noStrike" cap="none" dirty="0">
-                <a:solidFill>
-                  <a:srgbClr val="FFFFFF"/>
-                </a:solidFill>
-                <a:latin typeface="DM Serif Display"/>
-                <a:ea typeface="DM Serif Display"/>
-                <a:cs typeface="DM Serif Display"/>
-                <a:sym typeface="DM Serif Display"/>
-              </a:rPr>
-              <a:t>Caso Studio - </a:t>
-            </a:r>
-            <a:r>
-              <a:rPr lang="en-US" sz="2500" b="0" i="0" u="none" strike="noStrike" cap="none" dirty="0" err="1">
-                <a:solidFill>
-                  <a:srgbClr val="FFFFFF"/>
-                </a:solidFill>
-                <a:latin typeface="DM Serif Display"/>
-                <a:ea typeface="DM Serif Display"/>
-                <a:cs typeface="DM Serif Display"/>
-                <a:sym typeface="DM Serif Display"/>
-              </a:rPr>
-              <a:t>Costi</a:t>
-            </a:r>
-            <a:endParaRPr sz="2500" dirty="0"/>
-          </a:p>
-        </p:txBody>
-      </p:sp>
-      <p:cxnSp>
-        <p:nvCxnSpPr>
-          <p:cNvPr id="2" name="Connettore 1 1">
-            <a:extLst>
-              <a:ext uri="{FF2B5EF4-FFF2-40B4-BE49-F238E27FC236}">
-                <a16:creationId xmlns:a16="http://schemas.microsoft.com/office/drawing/2014/main" id="{190909B4-04D6-5F6E-1B11-75135F02A660}"/>
-              </a:ext>
-            </a:extLst>
-          </p:cNvPr>
-          <p:cNvCxnSpPr>
-            <a:cxnSpLocks/>
-          </p:cNvCxnSpPr>
-          <p:nvPr/>
-        </p:nvCxnSpPr>
-        <p:spPr>
-          <a:xfrm>
-            <a:off x="1028700" y="850900"/>
-            <a:ext cx="2628900" cy="0"/>
-          </a:xfrm>
-          <a:prstGeom prst="line">
-            <a:avLst/>
-          </a:prstGeom>
-          <a:ln>
-            <a:solidFill>
-              <a:schemeClr val="bg1"/>
-            </a:solidFill>
-          </a:ln>
-        </p:spPr>
-        <p:style>
-          <a:lnRef idx="3">
-            <a:schemeClr val="dk1"/>
-          </a:lnRef>
-          <a:fillRef idx="0">
-            <a:schemeClr val="dk1"/>
-          </a:fillRef>
-          <a:effectRef idx="2">
-            <a:schemeClr val="dk1"/>
-          </a:effectRef>
-          <a:fontRef idx="minor">
-            <a:schemeClr val="tx1"/>
-          </a:fontRef>
-        </p:style>
-      </p:cxnSp>
-      <p:graphicFrame>
-        <p:nvGraphicFramePr>
-          <p:cNvPr id="4" name="Grafico 3">
-            <a:extLst>
-              <a:ext uri="{FF2B5EF4-FFF2-40B4-BE49-F238E27FC236}">
-                <a16:creationId xmlns:a16="http://schemas.microsoft.com/office/drawing/2014/main" id="{35F8B354-21CD-F33C-4502-C76E8A09AA4C}"/>
-              </a:ext>
-            </a:extLst>
-          </p:cNvPr>
-          <p:cNvGraphicFramePr/>
-          <p:nvPr>
-            <p:extLst>
-              <p:ext uri="{D42A27DB-BD31-4B8C-83A1-F6EECF244321}">
-                <p14:modId xmlns:p14="http://schemas.microsoft.com/office/powerpoint/2010/main" val="1969439528"/>
-              </p:ext>
-            </p:extLst>
-          </p:nvPr>
-        </p:nvGraphicFramePr>
-        <p:xfrm>
-          <a:off x="4082668" y="1769279"/>
-          <a:ext cx="10122663" cy="6748442"/>
-        </p:xfrm>
-        <a:graphic>
-          <a:graphicData uri="http://schemas.openxmlformats.org/drawingml/2006/chart">
-            <c:chart xmlns:c="http://schemas.openxmlformats.org/drawingml/2006/chart" xmlns:r="http://schemas.openxmlformats.org/officeDocument/2006/relationships" r:id="rId2"/>
-          </a:graphicData>
-        </a:graphic>
-      </p:graphicFrame>
-    </p:spTree>
-    <p:extLst>
-      <p:ext uri="{BB962C8B-B14F-4D97-AF65-F5344CB8AC3E}">
-        <p14:creationId xmlns:p14="http://schemas.microsoft.com/office/powerpoint/2010/main" val="538991173"/>
-      </p:ext>
-    </p:extLst>
-  </p:cSld>
-  <p:clrMapOvr>
-    <a:masterClrMapping/>
-  </p:clrMapOvr>
-</p:sld>
-</file>
-
-<file path=ppt/slides/slide31.xml><?xml version="1.0" encoding="utf-8"?>
-<p:sld xmlns:a="http://schemas.openxmlformats.org/drawingml/2006/main" xmlns:r="http://schemas.openxmlformats.org/officeDocument/2006/relationships" xmlns:p="http://schemas.openxmlformats.org/presentationml/2006/main">
-  <p:cSld>
-    <p:spTree>
-      <p:nvGrpSpPr>
-        <p:cNvPr id="1" name=""/>
-        <p:cNvGrpSpPr/>
-        <p:nvPr/>
-      </p:nvGrpSpPr>
-      <p:grpSpPr>
-        <a:xfrm>
-          <a:off x="0" y="0"/>
-          <a:ext cx="0" cy="0"/>
-          <a:chOff x="0" y="0"/>
-          <a:chExt cx="0" cy="0"/>
-        </a:xfrm>
-      </p:grpSpPr>
-      <p:sp>
-        <p:nvSpPr>
-          <p:cNvPr id="8" name="Google Shape;56;p10">
-            <a:extLst>
-              <a:ext uri="{FF2B5EF4-FFF2-40B4-BE49-F238E27FC236}">
-                <a16:creationId xmlns:a16="http://schemas.microsoft.com/office/drawing/2014/main" id="{0E534E2B-B9B0-016A-73CF-EE8D0D011C0F}"/>
-              </a:ext>
-            </a:extLst>
-          </p:cNvPr>
-          <p:cNvSpPr txBox="1"/>
-          <p:nvPr/>
-        </p:nvSpPr>
-        <p:spPr>
-          <a:xfrm>
-            <a:off x="1028700" y="434774"/>
-            <a:ext cx="5728091" cy="307777"/>
-          </a:xfrm>
-          <a:prstGeom prst="rect">
-            <a:avLst/>
-          </a:prstGeom>
-          <a:noFill/>
-          <a:ln>
-            <a:noFill/>
-          </a:ln>
-        </p:spPr>
-        <p:txBody>
-          <a:bodyPr spcFirstLastPara="1" wrap="square" lIns="0" tIns="0" rIns="0" bIns="0" anchor="t" anchorCtr="0">
-            <a:spAutoFit/>
-          </a:bodyPr>
-          <a:lstStyle/>
-          <a:p>
-            <a:pPr marL="0" marR="0" lvl="0" indent="0" algn="l" rtl="0">
-              <a:lnSpc>
-                <a:spcPct val="80000"/>
-              </a:lnSpc>
-              <a:spcBef>
-                <a:spcPts val="0"/>
-              </a:spcBef>
-              <a:spcAft>
-                <a:spcPts val="0"/>
-              </a:spcAft>
-              <a:buNone/>
-            </a:pPr>
-            <a:r>
-              <a:rPr lang="en-US" sz="2500" b="0" i="0" u="none" strike="noStrike" cap="none" dirty="0">
-                <a:solidFill>
-                  <a:srgbClr val="FFFFFF"/>
-                </a:solidFill>
-                <a:latin typeface="DM Serif Display"/>
-                <a:ea typeface="DM Serif Display"/>
-                <a:cs typeface="DM Serif Display"/>
-                <a:sym typeface="DM Serif Display"/>
-              </a:rPr>
-              <a:t>Caso Studio - </a:t>
-            </a:r>
-            <a:r>
-              <a:rPr lang="en-US" sz="2500" b="0" i="0" u="none" strike="noStrike" cap="none" dirty="0" err="1">
-                <a:solidFill>
-                  <a:srgbClr val="FFFFFF"/>
-                </a:solidFill>
-                <a:latin typeface="DM Serif Display"/>
-                <a:ea typeface="DM Serif Display"/>
-                <a:cs typeface="DM Serif Display"/>
-                <a:sym typeface="DM Serif Display"/>
-              </a:rPr>
-              <a:t>Costi</a:t>
-            </a:r>
-            <a:endParaRPr sz="2500" dirty="0"/>
-          </a:p>
-        </p:txBody>
-      </p:sp>
-      <p:cxnSp>
-        <p:nvCxnSpPr>
-          <p:cNvPr id="2" name="Connettore 1 1">
-            <a:extLst>
-              <a:ext uri="{FF2B5EF4-FFF2-40B4-BE49-F238E27FC236}">
-                <a16:creationId xmlns:a16="http://schemas.microsoft.com/office/drawing/2014/main" id="{190909B4-04D6-5F6E-1B11-75135F02A660}"/>
-              </a:ext>
-            </a:extLst>
-          </p:cNvPr>
-          <p:cNvCxnSpPr>
-            <a:cxnSpLocks/>
-          </p:cNvCxnSpPr>
-          <p:nvPr/>
-        </p:nvCxnSpPr>
-        <p:spPr>
-          <a:xfrm>
-            <a:off x="1028700" y="850900"/>
-            <a:ext cx="2628900" cy="0"/>
-          </a:xfrm>
-          <a:prstGeom prst="line">
-            <a:avLst/>
-          </a:prstGeom>
-          <a:ln>
-            <a:solidFill>
-              <a:schemeClr val="bg1"/>
-            </a:solidFill>
-          </a:ln>
-        </p:spPr>
-        <p:style>
-          <a:lnRef idx="3">
-            <a:schemeClr val="dk1"/>
-          </a:lnRef>
-          <a:fillRef idx="0">
-            <a:schemeClr val="dk1"/>
-          </a:fillRef>
-          <a:effectRef idx="2">
-            <a:schemeClr val="dk1"/>
-          </a:effectRef>
-          <a:fontRef idx="minor">
-            <a:schemeClr val="tx1"/>
-          </a:fontRef>
-        </p:style>
-      </p:cxnSp>
-      <p:graphicFrame>
-        <p:nvGraphicFramePr>
-          <p:cNvPr id="4" name="Grafico 3">
-            <a:extLst>
-              <a:ext uri="{FF2B5EF4-FFF2-40B4-BE49-F238E27FC236}">
-                <a16:creationId xmlns:a16="http://schemas.microsoft.com/office/drawing/2014/main" id="{35F8B354-21CD-F33C-4502-C76E8A09AA4C}"/>
-              </a:ext>
-            </a:extLst>
-          </p:cNvPr>
-          <p:cNvGraphicFramePr/>
-          <p:nvPr/>
-        </p:nvGraphicFramePr>
-        <p:xfrm>
-          <a:off x="1821686" y="2224107"/>
-          <a:ext cx="8758177" cy="5838785"/>
-        </p:xfrm>
-        <a:graphic>
-          <a:graphicData uri="http://schemas.openxmlformats.org/drawingml/2006/chart">
-            <c:chart xmlns:c="http://schemas.openxmlformats.org/drawingml/2006/chart" xmlns:r="http://schemas.openxmlformats.org/officeDocument/2006/relationships" r:id="rId2"/>
-          </a:graphicData>
-        </a:graphic>
-      </p:graphicFrame>
-      <p:sp>
-        <p:nvSpPr>
-          <p:cNvPr id="5" name="Google Shape;76;p12">
-            <a:extLst>
-              <a:ext uri="{FF2B5EF4-FFF2-40B4-BE49-F238E27FC236}">
-                <a16:creationId xmlns:a16="http://schemas.microsoft.com/office/drawing/2014/main" id="{1E536EB5-1CF2-DCB2-F34E-711FB10A0C3D}"/>
-              </a:ext>
-            </a:extLst>
-          </p:cNvPr>
-          <p:cNvSpPr txBox="1"/>
-          <p:nvPr/>
-        </p:nvSpPr>
-        <p:spPr>
-          <a:xfrm>
-            <a:off x="11730537" y="4157565"/>
-            <a:ext cx="5500188" cy="538609"/>
-          </a:xfrm>
-          <a:prstGeom prst="rect">
-            <a:avLst/>
-          </a:prstGeom>
-          <a:noFill/>
-          <a:ln>
-            <a:noFill/>
-          </a:ln>
-        </p:spPr>
-        <p:txBody>
-          <a:bodyPr spcFirstLastPara="1" wrap="square" lIns="0" tIns="0" rIns="0" bIns="0" anchor="t" anchorCtr="0">
-            <a:spAutoFit/>
-          </a:bodyPr>
-          <a:lstStyle/>
-          <a:p>
-            <a:pPr marL="0" marR="0" lvl="0" indent="0" algn="ctr" rtl="0">
-              <a:lnSpc>
-                <a:spcPct val="70000"/>
-              </a:lnSpc>
-              <a:spcBef>
-                <a:spcPts val="0"/>
-              </a:spcBef>
-              <a:spcAft>
-                <a:spcPts val="0"/>
-              </a:spcAft>
-              <a:buNone/>
-            </a:pPr>
-            <a:r>
-              <a:rPr lang="en-US" sz="5000" b="1" i="0" u="none" strike="noStrike" cap="none" dirty="0" err="1">
-                <a:solidFill>
-                  <a:srgbClr val="FFFFFF"/>
-                </a:solidFill>
-                <a:latin typeface="DM Serif Display"/>
-                <a:ea typeface="DM Serif Display"/>
-                <a:cs typeface="DM Serif Display"/>
-                <a:sym typeface="DM Serif Display"/>
-              </a:rPr>
-              <a:t>Richieste</a:t>
-            </a:r>
-            <a:r>
-              <a:rPr lang="en-US" sz="5000" b="1" i="0" u="none" strike="noStrike" cap="none" dirty="0">
-                <a:solidFill>
-                  <a:srgbClr val="FFFFFF"/>
-                </a:solidFill>
-                <a:latin typeface="DM Serif Display"/>
-                <a:ea typeface="DM Serif Display"/>
-                <a:cs typeface="DM Serif Display"/>
-                <a:sym typeface="DM Serif Display"/>
-              </a:rPr>
-              <a:t> </a:t>
-            </a:r>
-            <a:r>
-              <a:rPr lang="en-US" sz="5000" b="1" i="0" u="none" strike="noStrike" cap="none" dirty="0" err="1">
-                <a:solidFill>
-                  <a:srgbClr val="FFFFFF"/>
-                </a:solidFill>
-                <a:latin typeface="DM Serif Display"/>
-                <a:ea typeface="DM Serif Display"/>
-                <a:cs typeface="DM Serif Display"/>
-                <a:sym typeface="DM Serif Display"/>
-              </a:rPr>
-              <a:t>gratuite</a:t>
-            </a:r>
-            <a:endParaRPr sz="5000" b="1" dirty="0"/>
-          </a:p>
-        </p:txBody>
-      </p:sp>
-      <p:sp>
-        <p:nvSpPr>
-          <p:cNvPr id="6" name="Google Shape;77;p12">
-            <a:extLst>
-              <a:ext uri="{FF2B5EF4-FFF2-40B4-BE49-F238E27FC236}">
-                <a16:creationId xmlns:a16="http://schemas.microsoft.com/office/drawing/2014/main" id="{91FDFCCF-2A85-DC85-FE88-847FAB7AC6CC}"/>
-              </a:ext>
-            </a:extLst>
-          </p:cNvPr>
-          <p:cNvSpPr txBox="1"/>
-          <p:nvPr/>
-        </p:nvSpPr>
-        <p:spPr>
-          <a:xfrm>
-            <a:off x="11580518" y="4987363"/>
-            <a:ext cx="5800226" cy="969496"/>
-          </a:xfrm>
-          <a:prstGeom prst="rect">
-            <a:avLst/>
-          </a:prstGeom>
-          <a:noFill/>
-          <a:ln>
-            <a:noFill/>
-          </a:ln>
-        </p:spPr>
-        <p:txBody>
-          <a:bodyPr spcFirstLastPara="1" wrap="square" lIns="0" tIns="0" rIns="0" bIns="0" anchor="t" anchorCtr="0">
-            <a:spAutoFit/>
-          </a:bodyPr>
-          <a:lstStyle/>
-          <a:p>
-            <a:pPr marL="0" marR="0" lvl="0" indent="0" algn="ctr" rtl="0">
-              <a:lnSpc>
-                <a:spcPct val="100000"/>
-              </a:lnSpc>
-              <a:spcBef>
-                <a:spcPts val="0"/>
-              </a:spcBef>
-              <a:spcAft>
-                <a:spcPts val="0"/>
-              </a:spcAft>
-              <a:buNone/>
-            </a:pPr>
-            <a:r>
-              <a:rPr lang="it-IT" sz="2100" dirty="0">
-                <a:solidFill>
-                  <a:srgbClr val="D86613"/>
-                </a:solidFill>
-                <a:latin typeface="DM Sans"/>
-                <a:sym typeface="DM Sans"/>
-              </a:rPr>
-              <a:t>Lambda</a:t>
-            </a:r>
-            <a:r>
-              <a:rPr lang="it-IT" sz="2100" dirty="0">
-                <a:solidFill>
-                  <a:srgbClr val="FFFFFF"/>
-                </a:solidFill>
-                <a:latin typeface="DM Sans"/>
-                <a:sym typeface="DM Sans"/>
-              </a:rPr>
-              <a:t>: 1 milione di richieste al mese</a:t>
-            </a:r>
-          </a:p>
-          <a:p>
-            <a:pPr marL="0" marR="0" lvl="0" indent="0" algn="ctr" rtl="0">
-              <a:lnSpc>
-                <a:spcPct val="100000"/>
-              </a:lnSpc>
-              <a:spcBef>
-                <a:spcPts val="0"/>
-              </a:spcBef>
-              <a:spcAft>
-                <a:spcPts val="0"/>
-              </a:spcAft>
-              <a:buNone/>
-            </a:pPr>
-            <a:endParaRPr lang="it-IT" sz="2100" dirty="0">
-              <a:solidFill>
-                <a:srgbClr val="FFFFFF"/>
-              </a:solidFill>
-              <a:latin typeface="DM Sans"/>
-              <a:sym typeface="DM Sans"/>
-            </a:endParaRPr>
-          </a:p>
-          <a:p>
-            <a:pPr marL="0" marR="0" lvl="0" indent="0" algn="ctr" rtl="0">
-              <a:lnSpc>
-                <a:spcPct val="100000"/>
-              </a:lnSpc>
-              <a:spcBef>
-                <a:spcPts val="0"/>
-              </a:spcBef>
-              <a:spcAft>
-                <a:spcPts val="0"/>
-              </a:spcAft>
-              <a:buNone/>
-            </a:pPr>
-            <a:r>
-              <a:rPr lang="it-IT" sz="2100" dirty="0">
-                <a:solidFill>
-                  <a:srgbClr val="669DF5"/>
-                </a:solidFill>
-                <a:latin typeface="DM Sans"/>
-                <a:sym typeface="DM Sans"/>
-              </a:rPr>
-              <a:t>Cloud Functions</a:t>
-            </a:r>
-            <a:r>
-              <a:rPr lang="it-IT" sz="2100" dirty="0">
-                <a:solidFill>
-                  <a:srgbClr val="FFFFFF"/>
-                </a:solidFill>
-                <a:latin typeface="DM Sans"/>
-                <a:sym typeface="DM Sans"/>
-              </a:rPr>
-              <a:t>: 2 milioni di richieste al mese</a:t>
-            </a:r>
-            <a:endParaRPr lang="it-IT" dirty="0"/>
-          </a:p>
-        </p:txBody>
-      </p:sp>
-    </p:spTree>
-    <p:extLst>
-      <p:ext uri="{BB962C8B-B14F-4D97-AF65-F5344CB8AC3E}">
-        <p14:creationId xmlns:p14="http://schemas.microsoft.com/office/powerpoint/2010/main" val="1323526670"/>
-      </p:ext>
-    </p:extLst>
-  </p:cSld>
-  <p:clrMapOvr>
-    <a:masterClrMapping/>
-  </p:clrMapOvr>
-</p:sld>
-</file>
-
-<file path=ppt/slides/slide32.xml><?xml version="1.0" encoding="utf-8"?>
-<p:sld xmlns:a="http://schemas.openxmlformats.org/drawingml/2006/main" xmlns:r="http://schemas.openxmlformats.org/officeDocument/2006/relationships" xmlns:p="http://schemas.openxmlformats.org/presentationml/2006/main">
-  <p:cSld>
-    <p:spTree>
-      <p:nvGrpSpPr>
-        <p:cNvPr id="1" name=""/>
-        <p:cNvGrpSpPr/>
-        <p:nvPr/>
-      </p:nvGrpSpPr>
-      <p:grpSpPr>
-        <a:xfrm>
-          <a:off x="0" y="0"/>
-          <a:ext cx="0" cy="0"/>
-          <a:chOff x="0" y="0"/>
-          <a:chExt cx="0" cy="0"/>
-        </a:xfrm>
-      </p:grpSpPr>
-      <p:sp>
-        <p:nvSpPr>
-          <p:cNvPr id="8" name="Google Shape;56;p10">
-            <a:extLst>
-              <a:ext uri="{FF2B5EF4-FFF2-40B4-BE49-F238E27FC236}">
-                <a16:creationId xmlns:a16="http://schemas.microsoft.com/office/drawing/2014/main" id="{0E534E2B-B9B0-016A-73CF-EE8D0D011C0F}"/>
-              </a:ext>
-            </a:extLst>
-          </p:cNvPr>
-          <p:cNvSpPr txBox="1"/>
-          <p:nvPr/>
-        </p:nvSpPr>
-        <p:spPr>
-          <a:xfrm>
-            <a:off x="1028700" y="434774"/>
-            <a:ext cx="5728091" cy="307777"/>
-          </a:xfrm>
-          <a:prstGeom prst="rect">
-            <a:avLst/>
-          </a:prstGeom>
-          <a:noFill/>
-          <a:ln>
-            <a:noFill/>
-          </a:ln>
-        </p:spPr>
-        <p:txBody>
-          <a:bodyPr spcFirstLastPara="1" wrap="square" lIns="0" tIns="0" rIns="0" bIns="0" anchor="t" anchorCtr="0">
-            <a:spAutoFit/>
-          </a:bodyPr>
-          <a:lstStyle/>
-          <a:p>
-            <a:pPr marL="0" marR="0" lvl="0" indent="0" algn="l" rtl="0">
-              <a:lnSpc>
-                <a:spcPct val="80000"/>
-              </a:lnSpc>
-              <a:spcBef>
-                <a:spcPts val="0"/>
-              </a:spcBef>
-              <a:spcAft>
-                <a:spcPts val="0"/>
-              </a:spcAft>
-              <a:buNone/>
-            </a:pPr>
-            <a:r>
-              <a:rPr lang="en-US" sz="2500" b="0" i="0" u="none" strike="noStrike" cap="none" dirty="0">
-                <a:solidFill>
-                  <a:srgbClr val="FFFFFF"/>
-                </a:solidFill>
-                <a:latin typeface="DM Serif Display"/>
-                <a:ea typeface="DM Serif Display"/>
-                <a:cs typeface="DM Serif Display"/>
-                <a:sym typeface="DM Serif Display"/>
-              </a:rPr>
-              <a:t>Caso Studio - </a:t>
-            </a:r>
-            <a:r>
-              <a:rPr lang="en-US" sz="2500" b="0" i="0" u="none" strike="noStrike" cap="none" dirty="0" err="1">
-                <a:solidFill>
-                  <a:srgbClr val="FFFFFF"/>
-                </a:solidFill>
-                <a:latin typeface="DM Serif Display"/>
-                <a:ea typeface="DM Serif Display"/>
-                <a:cs typeface="DM Serif Display"/>
-                <a:sym typeface="DM Serif Display"/>
-              </a:rPr>
-              <a:t>Usabilità</a:t>
-            </a:r>
-            <a:r>
-              <a:rPr lang="en-US" sz="2500" b="0" i="0" u="none" strike="noStrike" cap="none" dirty="0">
-                <a:solidFill>
-                  <a:srgbClr val="FFFFFF"/>
-                </a:solidFill>
-                <a:latin typeface="DM Serif Display"/>
-                <a:ea typeface="DM Serif Display"/>
-                <a:cs typeface="DM Serif Display"/>
-                <a:sym typeface="DM Serif Display"/>
-              </a:rPr>
-              <a:t>/</a:t>
-            </a:r>
-            <a:r>
-              <a:rPr lang="en-US" sz="2500" b="0" i="0" u="none" strike="noStrike" cap="none" dirty="0" err="1">
-                <a:solidFill>
-                  <a:srgbClr val="FFFFFF"/>
-                </a:solidFill>
-                <a:latin typeface="DM Serif Display"/>
-                <a:ea typeface="DM Serif Display"/>
-                <a:cs typeface="DM Serif Display"/>
-                <a:sym typeface="DM Serif Display"/>
-              </a:rPr>
-              <a:t>Facilità</a:t>
-            </a:r>
-            <a:r>
-              <a:rPr lang="en-US" sz="2500" b="0" i="0" u="none" strike="noStrike" cap="none" dirty="0">
-                <a:solidFill>
-                  <a:srgbClr val="FFFFFF"/>
-                </a:solidFill>
-                <a:latin typeface="DM Serif Display"/>
-                <a:ea typeface="DM Serif Display"/>
-                <a:cs typeface="DM Serif Display"/>
-                <a:sym typeface="DM Serif Display"/>
-              </a:rPr>
-              <a:t> di Deploy</a:t>
-            </a:r>
-            <a:endParaRPr sz="2500" dirty="0"/>
-          </a:p>
-        </p:txBody>
-      </p:sp>
-      <p:cxnSp>
-        <p:nvCxnSpPr>
-          <p:cNvPr id="2" name="Connettore 1 1">
-            <a:extLst>
-              <a:ext uri="{FF2B5EF4-FFF2-40B4-BE49-F238E27FC236}">
-                <a16:creationId xmlns:a16="http://schemas.microsoft.com/office/drawing/2014/main" id="{190909B4-04D6-5F6E-1B11-75135F02A660}"/>
-              </a:ext>
-            </a:extLst>
-          </p:cNvPr>
-          <p:cNvCxnSpPr>
-            <a:cxnSpLocks/>
-          </p:cNvCxnSpPr>
-          <p:nvPr/>
-        </p:nvCxnSpPr>
-        <p:spPr>
-          <a:xfrm>
-            <a:off x="1028700" y="850900"/>
-            <a:ext cx="5728091" cy="0"/>
-          </a:xfrm>
-          <a:prstGeom prst="line">
-            <a:avLst/>
-          </a:prstGeom>
-          <a:ln>
-            <a:solidFill>
-              <a:schemeClr val="bg1"/>
-            </a:solidFill>
-          </a:ln>
-        </p:spPr>
-        <p:style>
-          <a:lnRef idx="3">
-            <a:schemeClr val="dk1"/>
-          </a:lnRef>
-          <a:fillRef idx="0">
-            <a:schemeClr val="dk1"/>
-          </a:fillRef>
-          <a:effectRef idx="2">
-            <a:schemeClr val="dk1"/>
-          </a:effectRef>
-          <a:fontRef idx="minor">
-            <a:schemeClr val="tx1"/>
-          </a:fontRef>
-        </p:style>
-      </p:cxnSp>
-      <p:sp>
-        <p:nvSpPr>
-          <p:cNvPr id="13" name="Google Shape;77;p12">
-            <a:extLst>
-              <a:ext uri="{FF2B5EF4-FFF2-40B4-BE49-F238E27FC236}">
-                <a16:creationId xmlns:a16="http://schemas.microsoft.com/office/drawing/2014/main" id="{91739436-01A0-55DF-FE40-8696C66AD7E9}"/>
-              </a:ext>
-            </a:extLst>
-          </p:cNvPr>
-          <p:cNvSpPr txBox="1"/>
-          <p:nvPr/>
-        </p:nvSpPr>
-        <p:spPr>
-          <a:xfrm>
-            <a:off x="6542474" y="2563709"/>
-            <a:ext cx="4826400" cy="2585323"/>
-          </a:xfrm>
-          <a:prstGeom prst="rect">
-            <a:avLst/>
-          </a:prstGeom>
-          <a:noFill/>
-          <a:ln>
-            <a:noFill/>
-          </a:ln>
-        </p:spPr>
-        <p:txBody>
-          <a:bodyPr spcFirstLastPara="1" wrap="square" lIns="0" tIns="0" rIns="0" bIns="0" anchor="t" anchorCtr="0">
-            <a:spAutoFit/>
-          </a:bodyPr>
-          <a:lstStyle/>
-          <a:p>
-            <a:pPr marL="0" marR="0" lvl="0" indent="0" algn="l" rtl="0">
-              <a:lnSpc>
-                <a:spcPct val="100000"/>
-              </a:lnSpc>
-              <a:spcBef>
-                <a:spcPts val="0"/>
-              </a:spcBef>
-              <a:spcAft>
-                <a:spcPts val="0"/>
-              </a:spcAft>
-              <a:buNone/>
-            </a:pPr>
-            <a:r>
-              <a:rPr lang="it-IT" sz="2100" b="0" i="0" u="none" strike="noStrike" cap="none" dirty="0">
-                <a:solidFill>
-                  <a:srgbClr val="FFFFFF"/>
-                </a:solidFill>
-                <a:latin typeface="DM Sans"/>
-                <a:ea typeface="DM Sans"/>
-                <a:cs typeface="DM Sans"/>
-                <a:sym typeface="DM Sans"/>
-              </a:rPr>
-              <a:t>Interfaccia intuitiva, curata e dettagliata</a:t>
-            </a:r>
-          </a:p>
-          <a:p>
-            <a:pPr marL="0" marR="0" lvl="0" indent="0" algn="l" rtl="0">
-              <a:lnSpc>
-                <a:spcPct val="100000"/>
-              </a:lnSpc>
-              <a:spcBef>
-                <a:spcPts val="0"/>
-              </a:spcBef>
-              <a:spcAft>
-                <a:spcPts val="0"/>
-              </a:spcAft>
-              <a:buNone/>
-            </a:pPr>
-            <a:endParaRPr lang="it-IT" sz="2100" dirty="0">
-              <a:solidFill>
-                <a:srgbClr val="FFFFFF"/>
-              </a:solidFill>
-              <a:latin typeface="DM Sans"/>
-              <a:sym typeface="DM Sans"/>
-            </a:endParaRPr>
-          </a:p>
-          <a:p>
-            <a:pPr marL="0" marR="0" lvl="0" indent="0" algn="l" rtl="0">
-              <a:lnSpc>
-                <a:spcPct val="100000"/>
-              </a:lnSpc>
-              <a:spcBef>
-                <a:spcPts val="0"/>
-              </a:spcBef>
-              <a:spcAft>
-                <a:spcPts val="0"/>
-              </a:spcAft>
-              <a:buNone/>
-            </a:pPr>
-            <a:r>
-              <a:rPr lang="it-IT" sz="2100" dirty="0">
-                <a:solidFill>
-                  <a:srgbClr val="FFFFFF"/>
-                </a:solidFill>
-                <a:latin typeface="DM Sans"/>
-                <a:sym typeface="DM Sans"/>
-              </a:rPr>
-              <a:t>Migliore documentazione per gli sviluppatori</a:t>
-            </a:r>
-          </a:p>
-          <a:p>
-            <a:pPr marL="0" marR="0" lvl="0" indent="0" algn="l" rtl="0">
-              <a:lnSpc>
-                <a:spcPct val="100000"/>
-              </a:lnSpc>
-              <a:spcBef>
-                <a:spcPts val="0"/>
-              </a:spcBef>
-              <a:spcAft>
-                <a:spcPts val="0"/>
-              </a:spcAft>
-              <a:buNone/>
-            </a:pPr>
-            <a:endParaRPr lang="it-IT" sz="2100" dirty="0">
-              <a:solidFill>
-                <a:srgbClr val="FFFFFF"/>
-              </a:solidFill>
-              <a:latin typeface="DM Sans"/>
-              <a:sym typeface="DM Sans"/>
-            </a:endParaRPr>
-          </a:p>
-          <a:p>
-            <a:pPr marL="0" marR="0" lvl="0" indent="0" algn="l" rtl="0">
-              <a:lnSpc>
-                <a:spcPct val="100000"/>
-              </a:lnSpc>
-              <a:spcBef>
-                <a:spcPts val="0"/>
-              </a:spcBef>
-              <a:spcAft>
-                <a:spcPts val="0"/>
-              </a:spcAft>
-              <a:buNone/>
-            </a:pPr>
-            <a:r>
-              <a:rPr lang="it-IT" sz="2100" dirty="0">
-                <a:solidFill>
-                  <a:srgbClr val="FFFFFF"/>
-                </a:solidFill>
-                <a:latin typeface="DM Sans"/>
-                <a:sym typeface="DM Sans"/>
-              </a:rPr>
-              <a:t>Esempi pratici per piccoli progetti software</a:t>
-            </a:r>
-          </a:p>
-        </p:txBody>
-      </p:sp>
-      <p:sp>
-        <p:nvSpPr>
-          <p:cNvPr id="18" name="Google Shape;77;p12">
-            <a:extLst>
-              <a:ext uri="{FF2B5EF4-FFF2-40B4-BE49-F238E27FC236}">
-                <a16:creationId xmlns:a16="http://schemas.microsoft.com/office/drawing/2014/main" id="{9958F709-66D0-7790-7CB5-DB100EBFB8E0}"/>
-              </a:ext>
-            </a:extLst>
-          </p:cNvPr>
-          <p:cNvSpPr txBox="1"/>
-          <p:nvPr/>
-        </p:nvSpPr>
-        <p:spPr>
-          <a:xfrm>
-            <a:off x="6542474" y="6525020"/>
-            <a:ext cx="4826400" cy="1615827"/>
-          </a:xfrm>
-          <a:prstGeom prst="rect">
-            <a:avLst/>
-          </a:prstGeom>
-          <a:noFill/>
-          <a:ln>
-            <a:noFill/>
-          </a:ln>
-        </p:spPr>
-        <p:txBody>
-          <a:bodyPr spcFirstLastPara="1" wrap="square" lIns="0" tIns="0" rIns="0" bIns="0" anchor="t" anchorCtr="0">
-            <a:spAutoFit/>
-          </a:bodyPr>
-          <a:lstStyle/>
-          <a:p>
-            <a:pPr marL="0" marR="0" lvl="0" indent="0" algn="l" rtl="0">
-              <a:lnSpc>
-                <a:spcPct val="100000"/>
-              </a:lnSpc>
-              <a:spcBef>
-                <a:spcPts val="0"/>
-              </a:spcBef>
-              <a:spcAft>
-                <a:spcPts val="0"/>
-              </a:spcAft>
-              <a:buNone/>
-            </a:pPr>
-            <a:r>
-              <a:rPr lang="it-IT" sz="2100" b="0" i="0" u="none" strike="noStrike" cap="none" dirty="0">
-                <a:solidFill>
-                  <a:srgbClr val="FFFFFF"/>
-                </a:solidFill>
-                <a:latin typeface="DM Sans"/>
-                <a:ea typeface="DM Sans"/>
-                <a:cs typeface="DM Sans"/>
-                <a:sym typeface="DM Sans"/>
-              </a:rPr>
-              <a:t>Interfaccia intuitiva, curata e dettagliata</a:t>
-            </a:r>
-          </a:p>
-          <a:p>
-            <a:pPr marL="0" marR="0" lvl="0" indent="0" algn="l" rtl="0">
-              <a:lnSpc>
-                <a:spcPct val="100000"/>
-              </a:lnSpc>
-              <a:spcBef>
-                <a:spcPts val="0"/>
-              </a:spcBef>
-              <a:spcAft>
-                <a:spcPts val="0"/>
-              </a:spcAft>
-              <a:buNone/>
-            </a:pPr>
-            <a:endParaRPr lang="it-IT" sz="2100" b="0" i="0" u="none" strike="noStrike" cap="none" dirty="0">
-              <a:solidFill>
-                <a:srgbClr val="FFFFFF"/>
-              </a:solidFill>
-              <a:latin typeface="DM Sans"/>
-              <a:ea typeface="DM Sans"/>
-              <a:cs typeface="DM Sans"/>
-              <a:sym typeface="DM Sans"/>
-            </a:endParaRPr>
-          </a:p>
-          <a:p>
-            <a:pPr marL="0" marR="0" lvl="0" indent="0" algn="l" rtl="0">
-              <a:lnSpc>
-                <a:spcPct val="100000"/>
-              </a:lnSpc>
-              <a:spcBef>
-                <a:spcPts val="0"/>
-              </a:spcBef>
-              <a:spcAft>
-                <a:spcPts val="0"/>
-              </a:spcAft>
-              <a:buNone/>
-            </a:pPr>
-            <a:r>
-              <a:rPr lang="it-IT" sz="2100" dirty="0">
-                <a:solidFill>
-                  <a:srgbClr val="FFFFFF"/>
-                </a:solidFill>
-                <a:latin typeface="DM Sans"/>
-                <a:ea typeface="DM Sans"/>
-                <a:cs typeface="DM Sans"/>
-                <a:sym typeface="DM Sans"/>
-              </a:rPr>
-              <a:t>D</a:t>
-            </a:r>
-            <a:r>
-              <a:rPr lang="it-IT" sz="2100" b="0" i="0" u="none" strike="noStrike" cap="none" dirty="0">
-                <a:solidFill>
-                  <a:srgbClr val="FFFFFF"/>
-                </a:solidFill>
-                <a:latin typeface="DM Sans"/>
-                <a:ea typeface="DM Sans"/>
-                <a:cs typeface="DM Sans"/>
-                <a:sym typeface="DM Sans"/>
-              </a:rPr>
-              <a:t>ocumentazione ufficiale più carente rispetto a Lambda</a:t>
-            </a:r>
-            <a:endParaRPr lang="it-IT" sz="2100" dirty="0">
-              <a:solidFill>
-                <a:srgbClr val="FFFFFF"/>
-              </a:solidFill>
-              <a:latin typeface="DM Sans"/>
-              <a:sym typeface="DM Sans"/>
-            </a:endParaRPr>
-          </a:p>
-        </p:txBody>
-      </p:sp>
-      <p:pic>
-        <p:nvPicPr>
-          <p:cNvPr id="4" name="Immagine 3">
-            <a:extLst>
-              <a:ext uri="{FF2B5EF4-FFF2-40B4-BE49-F238E27FC236}">
-                <a16:creationId xmlns:a16="http://schemas.microsoft.com/office/drawing/2014/main" id="{90D24D6A-2BCD-4710-AFE0-22872DAE15EE}"/>
-              </a:ext>
-            </a:extLst>
-          </p:cNvPr>
-          <p:cNvPicPr>
-            <a:picLocks noChangeAspect="1"/>
-          </p:cNvPicPr>
-          <p:nvPr/>
-        </p:nvPicPr>
-        <p:blipFill>
-          <a:blip r:embed="rId2"/>
-          <a:stretch>
-            <a:fillRect/>
-          </a:stretch>
-        </p:blipFill>
-        <p:spPr>
-          <a:xfrm>
-            <a:off x="2145227" y="2102560"/>
-            <a:ext cx="2727248" cy="2727248"/>
-          </a:xfrm>
-          <a:prstGeom prst="rect">
-            <a:avLst/>
-          </a:prstGeom>
-        </p:spPr>
-      </p:pic>
-      <p:pic>
-        <p:nvPicPr>
-          <p:cNvPr id="5" name="Immagine 4">
-            <a:extLst>
-              <a:ext uri="{FF2B5EF4-FFF2-40B4-BE49-F238E27FC236}">
-                <a16:creationId xmlns:a16="http://schemas.microsoft.com/office/drawing/2014/main" id="{98EAD790-4F7E-1B52-4E7B-A7708520E2A8}"/>
-              </a:ext>
-            </a:extLst>
-          </p:cNvPr>
-          <p:cNvPicPr>
-            <a:picLocks noChangeAspect="1"/>
-          </p:cNvPicPr>
-          <p:nvPr/>
-        </p:nvPicPr>
-        <p:blipFill rotWithShape="1">
-          <a:blip r:embed="rId3"/>
-          <a:srcRect l="33489" t="9937" r="34196" b="22348"/>
-          <a:stretch/>
-        </p:blipFill>
-        <p:spPr>
-          <a:xfrm>
-            <a:off x="1741877" y="6004873"/>
-            <a:ext cx="3533947" cy="3081714"/>
-          </a:xfrm>
-          <a:prstGeom prst="rect">
-            <a:avLst/>
-          </a:prstGeom>
-        </p:spPr>
-      </p:pic>
-      <p:sp>
-        <p:nvSpPr>
-          <p:cNvPr id="6" name="Google Shape;76;p12">
-            <a:extLst>
-              <a:ext uri="{FF2B5EF4-FFF2-40B4-BE49-F238E27FC236}">
-                <a16:creationId xmlns:a16="http://schemas.microsoft.com/office/drawing/2014/main" id="{2F4B45AF-153D-F849-9368-4F7EFDE6A964}"/>
-              </a:ext>
-            </a:extLst>
-          </p:cNvPr>
-          <p:cNvSpPr txBox="1"/>
-          <p:nvPr/>
-        </p:nvSpPr>
-        <p:spPr>
-          <a:xfrm>
-            <a:off x="2089919" y="5030249"/>
-            <a:ext cx="2837861" cy="387798"/>
-          </a:xfrm>
-          <a:prstGeom prst="rect">
-            <a:avLst/>
-          </a:prstGeom>
-          <a:noFill/>
-          <a:ln>
-            <a:noFill/>
-          </a:ln>
-        </p:spPr>
-        <p:txBody>
-          <a:bodyPr spcFirstLastPara="1" wrap="square" lIns="0" tIns="0" rIns="0" bIns="0" anchor="t" anchorCtr="0">
-            <a:spAutoFit/>
-          </a:bodyPr>
-          <a:lstStyle/>
-          <a:p>
-            <a:pPr marL="0" marR="0" lvl="0" indent="0" algn="l" rtl="0">
-              <a:lnSpc>
-                <a:spcPct val="70000"/>
-              </a:lnSpc>
-              <a:spcBef>
-                <a:spcPts val="0"/>
-              </a:spcBef>
-              <a:spcAft>
-                <a:spcPts val="0"/>
-              </a:spcAft>
-              <a:buNone/>
-            </a:pPr>
-            <a:r>
-              <a:rPr lang="en-US" sz="3600" b="1" i="0" u="none" strike="noStrike" cap="none" dirty="0">
-                <a:solidFill>
-                  <a:srgbClr val="FFFFFF"/>
-                </a:solidFill>
-                <a:latin typeface="DM Serif Display"/>
-                <a:ea typeface="DM Serif Display"/>
-                <a:cs typeface="DM Serif Display"/>
-                <a:sym typeface="DM Serif Display"/>
-              </a:rPr>
-              <a:t>AWS Lambda</a:t>
-            </a:r>
-            <a:endParaRPr sz="4400" b="1" dirty="0"/>
-          </a:p>
-        </p:txBody>
-      </p:sp>
-      <p:sp>
-        <p:nvSpPr>
-          <p:cNvPr id="7" name="Google Shape;76;p12">
-            <a:extLst>
-              <a:ext uri="{FF2B5EF4-FFF2-40B4-BE49-F238E27FC236}">
-                <a16:creationId xmlns:a16="http://schemas.microsoft.com/office/drawing/2014/main" id="{1153C7BF-B85C-D469-8262-7A62D84CEA3B}"/>
-              </a:ext>
-            </a:extLst>
-          </p:cNvPr>
-          <p:cNvSpPr txBox="1"/>
-          <p:nvPr/>
-        </p:nvSpPr>
-        <p:spPr>
-          <a:xfrm>
-            <a:off x="2005829" y="9144151"/>
-            <a:ext cx="3130597" cy="387798"/>
-          </a:xfrm>
-          <a:prstGeom prst="rect">
-            <a:avLst/>
-          </a:prstGeom>
-          <a:noFill/>
-          <a:ln>
-            <a:noFill/>
-          </a:ln>
-        </p:spPr>
-        <p:txBody>
-          <a:bodyPr spcFirstLastPara="1" wrap="square" lIns="0" tIns="0" rIns="0" bIns="0" anchor="t" anchorCtr="0">
-            <a:spAutoFit/>
-          </a:bodyPr>
-          <a:lstStyle/>
-          <a:p>
-            <a:pPr marL="0" marR="0" lvl="0" indent="0" algn="l" rtl="0">
-              <a:lnSpc>
-                <a:spcPct val="70000"/>
-              </a:lnSpc>
-              <a:spcBef>
-                <a:spcPts val="0"/>
-              </a:spcBef>
-              <a:spcAft>
-                <a:spcPts val="0"/>
-              </a:spcAft>
-              <a:buNone/>
-            </a:pPr>
-            <a:r>
-              <a:rPr lang="en-US" sz="3600" b="1" i="0" u="none" strike="noStrike" cap="none" dirty="0">
-                <a:solidFill>
-                  <a:srgbClr val="FFFFFF"/>
-                </a:solidFill>
-                <a:latin typeface="DM Serif Display"/>
-                <a:ea typeface="DM Serif Display"/>
-                <a:cs typeface="DM Serif Display"/>
-                <a:sym typeface="DM Serif Display"/>
-              </a:rPr>
-              <a:t>G.C. Functions</a:t>
-            </a:r>
-            <a:endParaRPr sz="4400" b="1" dirty="0"/>
-          </a:p>
-        </p:txBody>
-      </p:sp>
-      <p:sp>
-        <p:nvSpPr>
-          <p:cNvPr id="9" name="Google Shape;77;p12">
-            <a:extLst>
-              <a:ext uri="{FF2B5EF4-FFF2-40B4-BE49-F238E27FC236}">
-                <a16:creationId xmlns:a16="http://schemas.microsoft.com/office/drawing/2014/main" id="{C7F2A922-B509-6EA2-D098-1C42BD99F422}"/>
-              </a:ext>
-            </a:extLst>
-          </p:cNvPr>
-          <p:cNvSpPr txBox="1"/>
-          <p:nvPr/>
-        </p:nvSpPr>
-        <p:spPr>
-          <a:xfrm>
-            <a:off x="12504476" y="2563708"/>
-            <a:ext cx="4826400" cy="1938992"/>
-          </a:xfrm>
-          <a:prstGeom prst="rect">
-            <a:avLst/>
-          </a:prstGeom>
-          <a:noFill/>
-          <a:ln>
-            <a:noFill/>
-          </a:ln>
-        </p:spPr>
-        <p:txBody>
-          <a:bodyPr spcFirstLastPara="1" wrap="square" lIns="0" tIns="0" rIns="0" bIns="0" anchor="t" anchorCtr="0">
-            <a:spAutoFit/>
-          </a:bodyPr>
-          <a:lstStyle/>
-          <a:p>
-            <a:pPr marL="0" marR="0" lvl="0" indent="0" algn="l" rtl="0">
-              <a:lnSpc>
-                <a:spcPct val="100000"/>
-              </a:lnSpc>
-              <a:spcBef>
-                <a:spcPts val="0"/>
-              </a:spcBef>
-              <a:spcAft>
-                <a:spcPts val="0"/>
-              </a:spcAft>
-              <a:buNone/>
-            </a:pPr>
-            <a:r>
-              <a:rPr lang="it-IT" sz="2100" b="0" i="0" u="none" strike="noStrike" cap="none" dirty="0">
-                <a:solidFill>
-                  <a:srgbClr val="FFFFFF"/>
-                </a:solidFill>
-                <a:latin typeface="DM Sans"/>
-                <a:ea typeface="DM Sans"/>
-                <a:cs typeface="DM Sans"/>
-                <a:sym typeface="DM Sans"/>
-              </a:rPr>
-              <a:t>Processo di </a:t>
-            </a:r>
-            <a:r>
-              <a:rPr lang="it-IT" sz="2100" b="0" i="0" u="none" strike="noStrike" cap="none" dirty="0" err="1">
-                <a:solidFill>
-                  <a:srgbClr val="FFFFFF"/>
-                </a:solidFill>
-                <a:latin typeface="DM Sans"/>
-                <a:ea typeface="DM Sans"/>
-                <a:cs typeface="DM Sans"/>
-                <a:sym typeface="DM Sans"/>
-              </a:rPr>
-              <a:t>deploy</a:t>
-            </a:r>
-            <a:r>
-              <a:rPr lang="it-IT" sz="2100" b="0" i="0" u="none" strike="noStrike" cap="none" dirty="0">
-                <a:solidFill>
-                  <a:srgbClr val="FFFFFF"/>
-                </a:solidFill>
-                <a:latin typeface="DM Sans"/>
-                <a:ea typeface="DM Sans"/>
-                <a:cs typeface="DM Sans"/>
-                <a:sym typeface="DM Sans"/>
-              </a:rPr>
-              <a:t> più lungo rispetto a GCF</a:t>
-            </a:r>
-          </a:p>
-          <a:p>
-            <a:pPr marL="0" marR="0" lvl="0" indent="0" algn="l" rtl="0">
-              <a:lnSpc>
-                <a:spcPct val="100000"/>
-              </a:lnSpc>
-              <a:spcBef>
-                <a:spcPts val="0"/>
-              </a:spcBef>
-              <a:spcAft>
-                <a:spcPts val="0"/>
-              </a:spcAft>
-              <a:buNone/>
-            </a:pPr>
-            <a:endParaRPr lang="it-IT" sz="2100" dirty="0">
-              <a:solidFill>
-                <a:srgbClr val="FFFFFF"/>
-              </a:solidFill>
-              <a:latin typeface="DM Sans"/>
-              <a:sym typeface="DM Sans"/>
-            </a:endParaRPr>
-          </a:p>
-          <a:p>
-            <a:pPr marL="0" marR="0" lvl="0" indent="0" algn="l" rtl="0">
-              <a:lnSpc>
-                <a:spcPct val="100000"/>
-              </a:lnSpc>
-              <a:spcBef>
-                <a:spcPts val="0"/>
-              </a:spcBef>
-              <a:spcAft>
-                <a:spcPts val="0"/>
-              </a:spcAft>
-              <a:buNone/>
-            </a:pPr>
-            <a:r>
-              <a:rPr lang="it-IT" sz="2100" dirty="0">
-                <a:solidFill>
-                  <a:srgbClr val="FFFFFF"/>
-                </a:solidFill>
-                <a:latin typeface="DM Sans"/>
-                <a:sym typeface="DM Sans"/>
-              </a:rPr>
-              <a:t>Configurazione più complessa e dettagliata della funzione per il setup iniziale</a:t>
-            </a:r>
-          </a:p>
-        </p:txBody>
-      </p:sp>
-      <p:sp>
-        <p:nvSpPr>
-          <p:cNvPr id="10" name="Google Shape;77;p12">
-            <a:extLst>
-              <a:ext uri="{FF2B5EF4-FFF2-40B4-BE49-F238E27FC236}">
-                <a16:creationId xmlns:a16="http://schemas.microsoft.com/office/drawing/2014/main" id="{18513B5F-B741-93BD-88AB-672F5B49D907}"/>
-              </a:ext>
-            </a:extLst>
-          </p:cNvPr>
-          <p:cNvSpPr txBox="1"/>
-          <p:nvPr/>
-        </p:nvSpPr>
-        <p:spPr>
-          <a:xfrm>
-            <a:off x="12504476" y="6525020"/>
-            <a:ext cx="4826400" cy="1292662"/>
-          </a:xfrm>
-          <a:prstGeom prst="rect">
-            <a:avLst/>
-          </a:prstGeom>
-          <a:noFill/>
-          <a:ln>
-            <a:noFill/>
-          </a:ln>
-        </p:spPr>
-        <p:txBody>
-          <a:bodyPr spcFirstLastPara="1" wrap="square" lIns="0" tIns="0" rIns="0" bIns="0" anchor="t" anchorCtr="0">
-            <a:spAutoFit/>
-          </a:bodyPr>
-          <a:lstStyle/>
-          <a:p>
-            <a:pPr marL="0" marR="0" lvl="0" indent="0" algn="l" rtl="0">
-              <a:lnSpc>
-                <a:spcPct val="100000"/>
-              </a:lnSpc>
-              <a:spcBef>
-                <a:spcPts val="0"/>
-              </a:spcBef>
-              <a:spcAft>
-                <a:spcPts val="0"/>
-              </a:spcAft>
-              <a:buNone/>
-            </a:pPr>
-            <a:r>
-              <a:rPr lang="it-IT" sz="2100" b="0" i="0" u="none" strike="noStrike" cap="none" dirty="0">
-                <a:solidFill>
-                  <a:srgbClr val="FFFFFF"/>
-                </a:solidFill>
-                <a:latin typeface="DM Sans"/>
-                <a:ea typeface="DM Sans"/>
-                <a:cs typeface="DM Sans"/>
-                <a:sym typeface="DM Sans"/>
-              </a:rPr>
-              <a:t>Minor numero di step per il </a:t>
-            </a:r>
-            <a:r>
-              <a:rPr lang="it-IT" sz="2100" b="0" i="0" u="none" strike="noStrike" cap="none" dirty="0" err="1">
-                <a:solidFill>
-                  <a:srgbClr val="FFFFFF"/>
-                </a:solidFill>
-                <a:latin typeface="DM Sans"/>
-                <a:ea typeface="DM Sans"/>
-                <a:cs typeface="DM Sans"/>
-                <a:sym typeface="DM Sans"/>
-              </a:rPr>
-              <a:t>deploy</a:t>
-            </a:r>
-            <a:endParaRPr lang="it-IT" sz="2100" b="0" i="0" u="none" strike="noStrike" cap="none" dirty="0">
-              <a:solidFill>
-                <a:srgbClr val="FFFFFF"/>
-              </a:solidFill>
-              <a:latin typeface="DM Sans"/>
-              <a:ea typeface="DM Sans"/>
-              <a:cs typeface="DM Sans"/>
-              <a:sym typeface="DM Sans"/>
-            </a:endParaRPr>
-          </a:p>
-          <a:p>
-            <a:pPr marL="0" marR="0" lvl="0" indent="0" algn="l" rtl="0">
-              <a:lnSpc>
-                <a:spcPct val="100000"/>
-              </a:lnSpc>
-              <a:spcBef>
-                <a:spcPts val="0"/>
-              </a:spcBef>
-              <a:spcAft>
-                <a:spcPts val="0"/>
-              </a:spcAft>
-              <a:buNone/>
-            </a:pPr>
-            <a:endParaRPr lang="it-IT" sz="2100" dirty="0">
-              <a:solidFill>
-                <a:srgbClr val="FFFFFF"/>
-              </a:solidFill>
-              <a:latin typeface="DM Sans"/>
-              <a:sym typeface="DM Sans"/>
-            </a:endParaRPr>
-          </a:p>
-          <a:p>
-            <a:pPr marL="0" marR="0" lvl="0" indent="0" algn="l" rtl="0">
-              <a:lnSpc>
-                <a:spcPct val="100000"/>
-              </a:lnSpc>
-              <a:spcBef>
-                <a:spcPts val="0"/>
-              </a:spcBef>
-              <a:spcAft>
-                <a:spcPts val="0"/>
-              </a:spcAft>
-              <a:buNone/>
-            </a:pPr>
-            <a:r>
-              <a:rPr lang="it-IT" sz="2100" dirty="0">
-                <a:solidFill>
-                  <a:srgbClr val="FFFFFF"/>
-                </a:solidFill>
-                <a:latin typeface="DM Sans"/>
-                <a:sym typeface="DM Sans"/>
-              </a:rPr>
-              <a:t>Setup iniziale più rapido rispetto a Lambda</a:t>
-            </a:r>
-          </a:p>
-        </p:txBody>
-      </p:sp>
-      <p:sp>
-        <p:nvSpPr>
-          <p:cNvPr id="16" name="Google Shape;76;p12">
-            <a:extLst>
-              <a:ext uri="{FF2B5EF4-FFF2-40B4-BE49-F238E27FC236}">
-                <a16:creationId xmlns:a16="http://schemas.microsoft.com/office/drawing/2014/main" id="{6B426AEC-E285-079C-60C6-DCC909AF6101}"/>
-              </a:ext>
-            </a:extLst>
-          </p:cNvPr>
-          <p:cNvSpPr txBox="1"/>
-          <p:nvPr/>
-        </p:nvSpPr>
-        <p:spPr>
-          <a:xfrm>
-            <a:off x="6542474" y="1606502"/>
-            <a:ext cx="2837861" cy="387798"/>
-          </a:xfrm>
-          <a:prstGeom prst="rect">
-            <a:avLst/>
-          </a:prstGeom>
-          <a:noFill/>
-          <a:ln>
-            <a:noFill/>
-          </a:ln>
-        </p:spPr>
-        <p:txBody>
-          <a:bodyPr spcFirstLastPara="1" wrap="square" lIns="0" tIns="0" rIns="0" bIns="0" anchor="t" anchorCtr="0">
-            <a:spAutoFit/>
-          </a:bodyPr>
-          <a:lstStyle/>
-          <a:p>
-            <a:pPr marL="0" marR="0" lvl="0" indent="0" algn="l" rtl="0">
-              <a:lnSpc>
-                <a:spcPct val="70000"/>
-              </a:lnSpc>
-              <a:spcBef>
-                <a:spcPts val="0"/>
-              </a:spcBef>
-              <a:spcAft>
-                <a:spcPts val="0"/>
-              </a:spcAft>
-              <a:buNone/>
-            </a:pPr>
-            <a:r>
-              <a:rPr lang="en-US" sz="3600" b="1" i="0" u="none" strike="noStrike" cap="none" dirty="0" err="1">
-                <a:solidFill>
-                  <a:srgbClr val="FFFFFF"/>
-                </a:solidFill>
-                <a:latin typeface="DM Serif Display"/>
-                <a:ea typeface="DM Serif Display"/>
-                <a:cs typeface="DM Serif Display"/>
-                <a:sym typeface="DM Serif Display"/>
-              </a:rPr>
-              <a:t>Usabilità</a:t>
-            </a:r>
-            <a:endParaRPr sz="4400" b="1" dirty="0"/>
-          </a:p>
-        </p:txBody>
-      </p:sp>
-      <p:sp>
-        <p:nvSpPr>
-          <p:cNvPr id="24" name="Google Shape;76;p12">
-            <a:extLst>
-              <a:ext uri="{FF2B5EF4-FFF2-40B4-BE49-F238E27FC236}">
-                <a16:creationId xmlns:a16="http://schemas.microsoft.com/office/drawing/2014/main" id="{B2393937-2997-7280-EC4C-40948AC1C23F}"/>
-              </a:ext>
-            </a:extLst>
-          </p:cNvPr>
-          <p:cNvSpPr txBox="1"/>
-          <p:nvPr/>
-        </p:nvSpPr>
-        <p:spPr>
-          <a:xfrm>
-            <a:off x="12515846" y="1606502"/>
-            <a:ext cx="3655496" cy="387798"/>
-          </a:xfrm>
-          <a:prstGeom prst="rect">
-            <a:avLst/>
-          </a:prstGeom>
-          <a:noFill/>
-          <a:ln>
-            <a:noFill/>
-          </a:ln>
-        </p:spPr>
-        <p:txBody>
-          <a:bodyPr spcFirstLastPara="1" wrap="square" lIns="0" tIns="0" rIns="0" bIns="0" anchor="t" anchorCtr="0">
-            <a:spAutoFit/>
-          </a:bodyPr>
-          <a:lstStyle/>
-          <a:p>
-            <a:pPr marL="0" marR="0" lvl="0" indent="0" algn="l" rtl="0">
-              <a:lnSpc>
-                <a:spcPct val="70000"/>
-              </a:lnSpc>
-              <a:spcBef>
-                <a:spcPts val="0"/>
-              </a:spcBef>
-              <a:spcAft>
-                <a:spcPts val="0"/>
-              </a:spcAft>
-              <a:buNone/>
-            </a:pPr>
-            <a:r>
-              <a:rPr lang="en-US" sz="3600" b="1" i="0" u="none" strike="noStrike" cap="none" dirty="0" err="1">
-                <a:solidFill>
-                  <a:srgbClr val="FFFFFF"/>
-                </a:solidFill>
-                <a:latin typeface="DM Serif Display"/>
-                <a:ea typeface="DM Serif Display"/>
-                <a:cs typeface="DM Serif Display"/>
-                <a:sym typeface="DM Serif Display"/>
-              </a:rPr>
-              <a:t>Facilità</a:t>
-            </a:r>
-            <a:r>
-              <a:rPr lang="en-US" sz="3600" b="1" i="0" u="none" strike="noStrike" cap="none" dirty="0">
-                <a:solidFill>
-                  <a:srgbClr val="FFFFFF"/>
-                </a:solidFill>
-                <a:latin typeface="DM Serif Display"/>
-                <a:ea typeface="DM Serif Display"/>
-                <a:cs typeface="DM Serif Display"/>
-                <a:sym typeface="DM Serif Display"/>
-              </a:rPr>
-              <a:t> di Deploy</a:t>
-            </a:r>
-            <a:endParaRPr sz="4400" b="1" dirty="0"/>
-          </a:p>
-        </p:txBody>
-      </p:sp>
-      <p:cxnSp>
-        <p:nvCxnSpPr>
-          <p:cNvPr id="25" name="Connettore 1 24">
-            <a:extLst>
-              <a:ext uri="{FF2B5EF4-FFF2-40B4-BE49-F238E27FC236}">
-                <a16:creationId xmlns:a16="http://schemas.microsoft.com/office/drawing/2014/main" id="{7C0D2F20-F243-C190-EAAC-A6DAE83201F6}"/>
-              </a:ext>
-            </a:extLst>
-          </p:cNvPr>
-          <p:cNvCxnSpPr>
-            <a:cxnSpLocks/>
-          </p:cNvCxnSpPr>
-          <p:nvPr/>
-        </p:nvCxnSpPr>
-        <p:spPr>
-          <a:xfrm>
-            <a:off x="6400797" y="5818187"/>
-            <a:ext cx="11044238" cy="0"/>
-          </a:xfrm>
-          <a:prstGeom prst="line">
-            <a:avLst/>
-          </a:prstGeom>
-          <a:ln>
-            <a:solidFill>
-              <a:schemeClr val="bg1"/>
-            </a:solidFill>
-          </a:ln>
-        </p:spPr>
-        <p:style>
-          <a:lnRef idx="3">
-            <a:schemeClr val="dk1"/>
-          </a:lnRef>
-          <a:fillRef idx="0">
-            <a:schemeClr val="dk1"/>
-          </a:fillRef>
-          <a:effectRef idx="2">
-            <a:schemeClr val="dk1"/>
-          </a:effectRef>
-          <a:fontRef idx="minor">
-            <a:schemeClr val="tx1"/>
-          </a:fontRef>
-        </p:style>
-      </p:cxnSp>
-      <p:cxnSp>
-        <p:nvCxnSpPr>
-          <p:cNvPr id="27" name="Connettore 1 26">
-            <a:extLst>
-              <a:ext uri="{FF2B5EF4-FFF2-40B4-BE49-F238E27FC236}">
-                <a16:creationId xmlns:a16="http://schemas.microsoft.com/office/drawing/2014/main" id="{E88B5C9F-00FA-6700-A6B7-65DBFEBEF189}"/>
-              </a:ext>
-            </a:extLst>
-          </p:cNvPr>
-          <p:cNvCxnSpPr>
-            <a:cxnSpLocks/>
-          </p:cNvCxnSpPr>
-          <p:nvPr/>
-        </p:nvCxnSpPr>
-        <p:spPr>
-          <a:xfrm>
-            <a:off x="11865836" y="2300288"/>
-            <a:ext cx="0" cy="7231661"/>
-          </a:xfrm>
-          <a:prstGeom prst="line">
-            <a:avLst/>
-          </a:prstGeom>
-          <a:ln>
-            <a:solidFill>
-              <a:schemeClr val="bg1"/>
-            </a:solidFill>
-          </a:ln>
-        </p:spPr>
-        <p:style>
-          <a:lnRef idx="3">
-            <a:schemeClr val="dk1"/>
-          </a:lnRef>
-          <a:fillRef idx="0">
-            <a:schemeClr val="dk1"/>
-          </a:fillRef>
-          <a:effectRef idx="2">
-            <a:schemeClr val="dk1"/>
-          </a:effectRef>
-          <a:fontRef idx="minor">
-            <a:schemeClr val="tx1"/>
-          </a:fontRef>
-        </p:style>
-      </p:cxnSp>
-    </p:spTree>
-    <p:extLst>
-      <p:ext uri="{BB962C8B-B14F-4D97-AF65-F5344CB8AC3E}">
-        <p14:creationId xmlns:p14="http://schemas.microsoft.com/office/powerpoint/2010/main" val="1707785297"/>
-      </p:ext>
-    </p:extLst>
-  </p:cSld>
-  <p:clrMapOvr>
-    <a:masterClrMapping/>
-  </p:clrMapOvr>
-</p:sld>
-</file>
-
-<file path=ppt/slides/slide33.xml><?xml version="1.0" encoding="utf-8"?>
 <p:sld xmlns:a="http://schemas.openxmlformats.org/drawingml/2006/main" xmlns:r="http://schemas.openxmlformats.org/officeDocument/2006/relationships" xmlns:p="http://schemas.openxmlformats.org/presentationml/2006/main">
   <p:cSld>
     <p:spTree>
@@ -22915,7 +21521,7 @@
 </p:sld>
 </file>
 
-<file path=ppt/slides/slide34.xml><?xml version="1.0" encoding="utf-8"?>
+<file path=ppt/slides/slide31.xml><?xml version="1.0" encoding="utf-8"?>
 <p:sld xmlns:a="http://schemas.openxmlformats.org/drawingml/2006/main" xmlns:r="http://schemas.openxmlformats.org/officeDocument/2006/relationships" xmlns:p="http://schemas.openxmlformats.org/presentationml/2006/main">
   <p:cSld>
     <p:spTree>
